--- a/Projects/SW_Design/UI/UI_design.pptx
+++ b/Projects/SW_Design/UI/UI_design.pptx
@@ -12,8 +12,9 @@
     <p:sldId id="260" r:id="rId6"/>
     <p:sldId id="261" r:id="rId7"/>
     <p:sldId id="262" r:id="rId8"/>
-    <p:sldId id="263" r:id="rId9"/>
-    <p:sldId id="264" r:id="rId10"/>
+    <p:sldId id="265" r:id="rId9"/>
+    <p:sldId id="263" r:id="rId10"/>
+    <p:sldId id="264" r:id="rId11"/>
   </p:sldIdLst>
   <p:sldSz cx="12192000" cy="6858000"/>
   <p:notesSz cx="6858000" cy="9144000"/>
@@ -112,6 +113,11 @@
       </a:defRPr>
     </a:lvl9pPr>
   </p:defaultTextStyle>
+  <p:extLst>
+    <p:ext uri="{EFAFB233-063F-42B5-8137-9DF3F51BA10A}">
+      <p15:sldGuideLst xmlns:p15="http://schemas.microsoft.com/office/powerpoint/2012/main"/>
+    </p:ext>
+  </p:extLst>
 </p:presentation>
 </file>
 
@@ -262,7 +268,7 @@
           <a:p>
             <a:fld id="{EB44E886-23E1-4ADA-9C75-D80585AEE320}" type="datetimeFigureOut">
               <a:rPr lang="ko-KR" altLang="en-US" smtClean="0"/>
-              <a:t>2019-11-11</a:t>
+              <a:t>2019-11-12</a:t>
             </a:fld>
             <a:endParaRPr lang="ko-KR" altLang="en-US"/>
           </a:p>
@@ -460,7 +466,7 @@
           <a:p>
             <a:fld id="{EB44E886-23E1-4ADA-9C75-D80585AEE320}" type="datetimeFigureOut">
               <a:rPr lang="ko-KR" altLang="en-US" smtClean="0"/>
-              <a:t>2019-11-11</a:t>
+              <a:t>2019-11-12</a:t>
             </a:fld>
             <a:endParaRPr lang="ko-KR" altLang="en-US"/>
           </a:p>
@@ -668,7 +674,7 @@
           <a:p>
             <a:fld id="{EB44E886-23E1-4ADA-9C75-D80585AEE320}" type="datetimeFigureOut">
               <a:rPr lang="ko-KR" altLang="en-US" smtClean="0"/>
-              <a:t>2019-11-11</a:t>
+              <a:t>2019-11-12</a:t>
             </a:fld>
             <a:endParaRPr lang="ko-KR" altLang="en-US"/>
           </a:p>
@@ -866,7 +872,7 @@
           <a:p>
             <a:fld id="{EB44E886-23E1-4ADA-9C75-D80585AEE320}" type="datetimeFigureOut">
               <a:rPr lang="ko-KR" altLang="en-US" smtClean="0"/>
-              <a:t>2019-11-11</a:t>
+              <a:t>2019-11-12</a:t>
             </a:fld>
             <a:endParaRPr lang="ko-KR" altLang="en-US"/>
           </a:p>
@@ -1141,7 +1147,7 @@
           <a:p>
             <a:fld id="{EB44E886-23E1-4ADA-9C75-D80585AEE320}" type="datetimeFigureOut">
               <a:rPr lang="ko-KR" altLang="en-US" smtClean="0"/>
-              <a:t>2019-11-11</a:t>
+              <a:t>2019-11-12</a:t>
             </a:fld>
             <a:endParaRPr lang="ko-KR" altLang="en-US"/>
           </a:p>
@@ -1406,7 +1412,7 @@
           <a:p>
             <a:fld id="{EB44E886-23E1-4ADA-9C75-D80585AEE320}" type="datetimeFigureOut">
               <a:rPr lang="ko-KR" altLang="en-US" smtClean="0"/>
-              <a:t>2019-11-11</a:t>
+              <a:t>2019-11-12</a:t>
             </a:fld>
             <a:endParaRPr lang="ko-KR" altLang="en-US"/>
           </a:p>
@@ -1818,7 +1824,7 @@
           <a:p>
             <a:fld id="{EB44E886-23E1-4ADA-9C75-D80585AEE320}" type="datetimeFigureOut">
               <a:rPr lang="ko-KR" altLang="en-US" smtClean="0"/>
-              <a:t>2019-11-11</a:t>
+              <a:t>2019-11-12</a:t>
             </a:fld>
             <a:endParaRPr lang="ko-KR" altLang="en-US"/>
           </a:p>
@@ -1959,7 +1965,7 @@
           <a:p>
             <a:fld id="{EB44E886-23E1-4ADA-9C75-D80585AEE320}" type="datetimeFigureOut">
               <a:rPr lang="ko-KR" altLang="en-US" smtClean="0"/>
-              <a:t>2019-11-11</a:t>
+              <a:t>2019-11-12</a:t>
             </a:fld>
             <a:endParaRPr lang="ko-KR" altLang="en-US"/>
           </a:p>
@@ -2072,7 +2078,7 @@
           <a:p>
             <a:fld id="{EB44E886-23E1-4ADA-9C75-D80585AEE320}" type="datetimeFigureOut">
               <a:rPr lang="ko-KR" altLang="en-US" smtClean="0"/>
-              <a:t>2019-11-11</a:t>
+              <a:t>2019-11-12</a:t>
             </a:fld>
             <a:endParaRPr lang="ko-KR" altLang="en-US"/>
           </a:p>
@@ -2383,7 +2389,7 @@
           <a:p>
             <a:fld id="{EB44E886-23E1-4ADA-9C75-D80585AEE320}" type="datetimeFigureOut">
               <a:rPr lang="ko-KR" altLang="en-US" smtClean="0"/>
-              <a:t>2019-11-11</a:t>
+              <a:t>2019-11-12</a:t>
             </a:fld>
             <a:endParaRPr lang="ko-KR" altLang="en-US"/>
           </a:p>
@@ -2671,7 +2677,7 @@
           <a:p>
             <a:fld id="{EB44E886-23E1-4ADA-9C75-D80585AEE320}" type="datetimeFigureOut">
               <a:rPr lang="ko-KR" altLang="en-US" smtClean="0"/>
-              <a:t>2019-11-11</a:t>
+              <a:t>2019-11-12</a:t>
             </a:fld>
             <a:endParaRPr lang="ko-KR" altLang="en-US"/>
           </a:p>
@@ -2912,7 +2918,7 @@
           <a:p>
             <a:fld id="{EB44E886-23E1-4ADA-9C75-D80585AEE320}" type="datetimeFigureOut">
               <a:rPr lang="ko-KR" altLang="en-US" smtClean="0"/>
-              <a:t>2019-11-11</a:t>
+              <a:t>2019-11-12</a:t>
             </a:fld>
             <a:endParaRPr lang="ko-KR" altLang="en-US"/>
           </a:p>
@@ -3472,6 +3478,818 @@
 </p:sld>
 </file>
 
+<file path=ppt/slides/slide10.xml><?xml version="1.0" encoding="utf-8"?>
+<p:sld xmlns:a="http://schemas.openxmlformats.org/drawingml/2006/main" xmlns:r="http://schemas.openxmlformats.org/officeDocument/2006/relationships" xmlns:p="http://schemas.openxmlformats.org/presentationml/2006/main">
+  <p:cSld>
+    <p:spTree>
+      <p:nvGrpSpPr>
+        <p:cNvPr id="1" name=""/>
+        <p:cNvGrpSpPr/>
+        <p:nvPr/>
+      </p:nvGrpSpPr>
+      <p:grpSpPr>
+        <a:xfrm>
+          <a:off x="0" y="0"/>
+          <a:ext cx="0" cy="0"/>
+          <a:chOff x="0" y="0"/>
+          <a:chExt cx="0" cy="0"/>
+        </a:xfrm>
+      </p:grpSpPr>
+      <p:sp>
+        <p:nvSpPr>
+          <p:cNvPr id="10" name="직사각형 9">
+            <a:extLst>
+              <a:ext uri="{FF2B5EF4-FFF2-40B4-BE49-F238E27FC236}">
+                <a16:creationId xmlns:a16="http://schemas.microsoft.com/office/drawing/2014/main" id="{242180D3-26D3-4B23-9A8C-AC150521A362}"/>
+              </a:ext>
+            </a:extLst>
+          </p:cNvPr>
+          <p:cNvSpPr/>
+          <p:nvPr/>
+        </p:nvSpPr>
+        <p:spPr>
+          <a:xfrm>
+            <a:off x="487680" y="1143000"/>
+            <a:ext cx="9509760" cy="5455920"/>
+          </a:xfrm>
+          <a:prstGeom prst="rect">
+            <a:avLst/>
+          </a:prstGeom>
+        </p:spPr>
+        <p:style>
+          <a:lnRef idx="2">
+            <a:schemeClr val="accent1">
+              <a:shade val="50000"/>
+            </a:schemeClr>
+          </a:lnRef>
+          <a:fillRef idx="1">
+            <a:schemeClr val="accent1"/>
+          </a:fillRef>
+          <a:effectRef idx="0">
+            <a:schemeClr val="accent1"/>
+          </a:effectRef>
+          <a:fontRef idx="minor">
+            <a:schemeClr val="lt1"/>
+          </a:fontRef>
+        </p:style>
+        <p:txBody>
+          <a:bodyPr rtlCol="0" anchor="ctr"/>
+          <a:lstStyle/>
+          <a:p>
+            <a:pPr algn="ctr"/>
+            <a:endParaRPr lang="ko-KR" altLang="en-US"/>
+          </a:p>
+        </p:txBody>
+      </p:sp>
+      <p:sp>
+        <p:nvSpPr>
+          <p:cNvPr id="5" name="TextBox 4">
+            <a:extLst>
+              <a:ext uri="{FF2B5EF4-FFF2-40B4-BE49-F238E27FC236}">
+                <a16:creationId xmlns:a16="http://schemas.microsoft.com/office/drawing/2014/main" id="{1B295513-7EB2-44FC-9CDF-30F2EAF94BC2}"/>
+              </a:ext>
+            </a:extLst>
+          </p:cNvPr>
+          <p:cNvSpPr txBox="1"/>
+          <p:nvPr/>
+        </p:nvSpPr>
+        <p:spPr>
+          <a:xfrm>
+            <a:off x="2194560" y="2506980"/>
+            <a:ext cx="928459" cy="461665"/>
+          </a:xfrm>
+          <a:prstGeom prst="rect">
+            <a:avLst/>
+          </a:prstGeom>
+          <a:noFill/>
+        </p:spPr>
+        <p:txBody>
+          <a:bodyPr wrap="none" rtlCol="0">
+            <a:spAutoFit/>
+          </a:bodyPr>
+          <a:lstStyle/>
+          <a:p>
+            <a:r>
+              <a:rPr lang="en-US" altLang="ko-KR" sz="2400" dirty="0">
+                <a:latin typeface="Aharoni" panose="02010803020104030203" pitchFamily="2" charset="-79"/>
+                <a:cs typeface="Aharoni" panose="02010803020104030203" pitchFamily="2" charset="-79"/>
+              </a:rPr>
+              <a:t>PLAY</a:t>
+            </a:r>
+            <a:endParaRPr lang="ko-KR" altLang="en-US" sz="2400" dirty="0">
+              <a:latin typeface="Aharoni" panose="02010803020104030203" pitchFamily="2" charset="-79"/>
+              <a:cs typeface="Aharoni" panose="02010803020104030203" pitchFamily="2" charset="-79"/>
+            </a:endParaRPr>
+          </a:p>
+        </p:txBody>
+      </p:sp>
+      <p:sp>
+        <p:nvSpPr>
+          <p:cNvPr id="7" name="TextBox 6">
+            <a:extLst>
+              <a:ext uri="{FF2B5EF4-FFF2-40B4-BE49-F238E27FC236}">
+                <a16:creationId xmlns:a16="http://schemas.microsoft.com/office/drawing/2014/main" id="{089E75B9-6D37-47B3-802A-FDF2C89F5F9E}"/>
+              </a:ext>
+            </a:extLst>
+          </p:cNvPr>
+          <p:cNvSpPr txBox="1"/>
+          <p:nvPr/>
+        </p:nvSpPr>
+        <p:spPr>
+          <a:xfrm>
+            <a:off x="3712419" y="2484118"/>
+            <a:ext cx="1048685" cy="400110"/>
+          </a:xfrm>
+          <a:prstGeom prst="rect">
+            <a:avLst/>
+          </a:prstGeom>
+          <a:noFill/>
+        </p:spPr>
+        <p:txBody>
+          <a:bodyPr wrap="none" rtlCol="0">
+            <a:spAutoFit/>
+          </a:bodyPr>
+          <a:lstStyle/>
+          <a:p>
+            <a:r>
+              <a:rPr lang="en-US" altLang="ko-KR" sz="2000" dirty="0">
+                <a:latin typeface="Impact" panose="020B0806030902050204" pitchFamily="34" charset="0"/>
+                <a:cs typeface="Aharoni" panose="02010803020104030203" pitchFamily="2" charset="-79"/>
+              </a:rPr>
+              <a:t>LEGENDS</a:t>
+            </a:r>
+            <a:endParaRPr lang="ko-KR" altLang="en-US" sz="2000" dirty="0">
+              <a:latin typeface="Impact" panose="020B0806030902050204" pitchFamily="34" charset="0"/>
+              <a:cs typeface="Aharoni" panose="02010803020104030203" pitchFamily="2" charset="-79"/>
+            </a:endParaRPr>
+          </a:p>
+        </p:txBody>
+      </p:sp>
+      <p:sp>
+        <p:nvSpPr>
+          <p:cNvPr id="8" name="TextBox 7">
+            <a:extLst>
+              <a:ext uri="{FF2B5EF4-FFF2-40B4-BE49-F238E27FC236}">
+                <a16:creationId xmlns:a16="http://schemas.microsoft.com/office/drawing/2014/main" id="{235E8297-2768-4BE9-9E2F-7DC505131776}"/>
+              </a:ext>
+            </a:extLst>
+          </p:cNvPr>
+          <p:cNvSpPr txBox="1"/>
+          <p:nvPr/>
+        </p:nvSpPr>
+        <p:spPr>
+          <a:xfrm>
+            <a:off x="5270133" y="2484118"/>
+            <a:ext cx="889987" cy="369332"/>
+          </a:xfrm>
+          <a:prstGeom prst="rect">
+            <a:avLst/>
+          </a:prstGeom>
+          <a:noFill/>
+        </p:spPr>
+        <p:txBody>
+          <a:bodyPr wrap="none" rtlCol="0">
+            <a:spAutoFit/>
+          </a:bodyPr>
+          <a:lstStyle/>
+          <a:p>
+            <a:r>
+              <a:rPr lang="en-US" altLang="ko-KR" dirty="0">
+                <a:latin typeface="Algerian" panose="020B0604020202020204" pitchFamily="82" charset="0"/>
+              </a:rPr>
+              <a:t>ITEMS</a:t>
+            </a:r>
+            <a:endParaRPr lang="ko-KR" altLang="en-US" dirty="0">
+              <a:latin typeface="Algerian" panose="020B0604020202020204" pitchFamily="82" charset="0"/>
+            </a:endParaRPr>
+          </a:p>
+        </p:txBody>
+      </p:sp>
+      <p:sp>
+        <p:nvSpPr>
+          <p:cNvPr id="9" name="TextBox 8">
+            <a:extLst>
+              <a:ext uri="{FF2B5EF4-FFF2-40B4-BE49-F238E27FC236}">
+                <a16:creationId xmlns:a16="http://schemas.microsoft.com/office/drawing/2014/main" id="{63063001-30E0-415C-8D89-F56C97A5333F}"/>
+              </a:ext>
+            </a:extLst>
+          </p:cNvPr>
+          <p:cNvSpPr txBox="1"/>
+          <p:nvPr/>
+        </p:nvSpPr>
+        <p:spPr>
+          <a:xfrm>
+            <a:off x="6749520" y="2484118"/>
+            <a:ext cx="975588" cy="369332"/>
+          </a:xfrm>
+          <a:prstGeom prst="rect">
+            <a:avLst/>
+          </a:prstGeom>
+          <a:noFill/>
+        </p:spPr>
+        <p:txBody>
+          <a:bodyPr wrap="none" rtlCol="0">
+            <a:spAutoFit/>
+          </a:bodyPr>
+          <a:lstStyle/>
+          <a:p>
+            <a:r>
+              <a:rPr lang="en-US" altLang="ko-KR" dirty="0">
+                <a:latin typeface="Cooper Black" panose="020B0604020202020204" pitchFamily="18" charset="0"/>
+              </a:rPr>
+              <a:t>STORE</a:t>
+            </a:r>
+            <a:endParaRPr lang="ko-KR" altLang="en-US" dirty="0">
+              <a:latin typeface="Cooper Black" panose="020B0604020202020204" pitchFamily="18" charset="0"/>
+            </a:endParaRPr>
+          </a:p>
+        </p:txBody>
+      </p:sp>
+      <p:sp>
+        <p:nvSpPr>
+          <p:cNvPr id="11" name="TextBox 10">
+            <a:extLst>
+              <a:ext uri="{FF2B5EF4-FFF2-40B4-BE49-F238E27FC236}">
+                <a16:creationId xmlns:a16="http://schemas.microsoft.com/office/drawing/2014/main" id="{AC23B053-198D-49D2-945C-98E50902D98E}"/>
+              </a:ext>
+            </a:extLst>
+          </p:cNvPr>
+          <p:cNvSpPr txBox="1"/>
+          <p:nvPr/>
+        </p:nvSpPr>
+        <p:spPr>
+          <a:xfrm>
+            <a:off x="2310007" y="3198167"/>
+            <a:ext cx="697563" cy="400110"/>
+          </a:xfrm>
+          <a:prstGeom prst="rect">
+            <a:avLst/>
+          </a:prstGeom>
+          <a:noFill/>
+        </p:spPr>
+        <p:txBody>
+          <a:bodyPr wrap="none" rtlCol="0">
+            <a:spAutoFit/>
+          </a:bodyPr>
+          <a:lstStyle/>
+          <a:p>
+            <a:r>
+              <a:rPr lang="en-US" altLang="ko-KR" sz="2000" b="1" dirty="0">
+                <a:solidFill>
+                  <a:schemeClr val="bg1">
+                    <a:lumMod val="85000"/>
+                  </a:schemeClr>
+                </a:solidFill>
+                <a:latin typeface="Calibri" panose="020F0502020204030204" pitchFamily="34" charset="0"/>
+                <a:cs typeface="Calibri" panose="020F0502020204030204" pitchFamily="34" charset="0"/>
+              </a:rPr>
+              <a:t>PLAY</a:t>
+            </a:r>
+            <a:endParaRPr lang="ko-KR" altLang="en-US" sz="2000" b="1" dirty="0">
+              <a:solidFill>
+                <a:schemeClr val="bg1">
+                  <a:lumMod val="85000"/>
+                </a:schemeClr>
+              </a:solidFill>
+              <a:latin typeface="Calibri" panose="020F0502020204030204" pitchFamily="34" charset="0"/>
+              <a:cs typeface="Calibri" panose="020F0502020204030204" pitchFamily="34" charset="0"/>
+            </a:endParaRPr>
+          </a:p>
+        </p:txBody>
+      </p:sp>
+      <p:sp>
+        <p:nvSpPr>
+          <p:cNvPr id="12" name="TextBox 11">
+            <a:extLst>
+              <a:ext uri="{FF2B5EF4-FFF2-40B4-BE49-F238E27FC236}">
+                <a16:creationId xmlns:a16="http://schemas.microsoft.com/office/drawing/2014/main" id="{E6535514-8E4C-4BFD-ADAC-1F0538529941}"/>
+              </a:ext>
+            </a:extLst>
+          </p:cNvPr>
+          <p:cNvSpPr txBox="1"/>
+          <p:nvPr/>
+        </p:nvSpPr>
+        <p:spPr>
+          <a:xfrm>
+            <a:off x="3712419" y="3198167"/>
+            <a:ext cx="1155509" cy="400110"/>
+          </a:xfrm>
+          <a:prstGeom prst="rect">
+            <a:avLst/>
+          </a:prstGeom>
+          <a:noFill/>
+        </p:spPr>
+        <p:txBody>
+          <a:bodyPr wrap="none" rtlCol="0">
+            <a:spAutoFit/>
+          </a:bodyPr>
+          <a:lstStyle/>
+          <a:p>
+            <a:r>
+              <a:rPr lang="en-US" altLang="ko-KR" sz="2000" b="1" dirty="0">
+                <a:solidFill>
+                  <a:schemeClr val="bg1">
+                    <a:lumMod val="85000"/>
+                  </a:schemeClr>
+                </a:solidFill>
+                <a:latin typeface="Calibri" panose="020F0502020204030204" pitchFamily="34" charset="0"/>
+                <a:cs typeface="Calibri" panose="020F0502020204030204" pitchFamily="34" charset="0"/>
+              </a:rPr>
+              <a:t>LEGENDS</a:t>
+            </a:r>
+            <a:endParaRPr lang="ko-KR" altLang="en-US" sz="2000" b="1" dirty="0">
+              <a:solidFill>
+                <a:schemeClr val="bg1">
+                  <a:lumMod val="85000"/>
+                </a:schemeClr>
+              </a:solidFill>
+              <a:latin typeface="Calibri" panose="020F0502020204030204" pitchFamily="34" charset="0"/>
+              <a:cs typeface="Calibri" panose="020F0502020204030204" pitchFamily="34" charset="0"/>
+            </a:endParaRPr>
+          </a:p>
+        </p:txBody>
+      </p:sp>
+      <p:sp>
+        <p:nvSpPr>
+          <p:cNvPr id="13" name="TextBox 12">
+            <a:extLst>
+              <a:ext uri="{FF2B5EF4-FFF2-40B4-BE49-F238E27FC236}">
+                <a16:creationId xmlns:a16="http://schemas.microsoft.com/office/drawing/2014/main" id="{D1730865-6F48-480F-A293-24AEAD463D15}"/>
+              </a:ext>
+            </a:extLst>
+          </p:cNvPr>
+          <p:cNvSpPr txBox="1"/>
+          <p:nvPr/>
+        </p:nvSpPr>
+        <p:spPr>
+          <a:xfrm>
+            <a:off x="5270133" y="3198167"/>
+            <a:ext cx="851515" cy="400110"/>
+          </a:xfrm>
+          <a:prstGeom prst="rect">
+            <a:avLst/>
+          </a:prstGeom>
+          <a:noFill/>
+        </p:spPr>
+        <p:txBody>
+          <a:bodyPr wrap="none" rtlCol="0">
+            <a:spAutoFit/>
+          </a:bodyPr>
+          <a:lstStyle/>
+          <a:p>
+            <a:r>
+              <a:rPr lang="en-US" altLang="ko-KR" sz="2000" b="1" dirty="0">
+                <a:solidFill>
+                  <a:schemeClr val="bg1">
+                    <a:lumMod val="85000"/>
+                  </a:schemeClr>
+                </a:solidFill>
+                <a:latin typeface="Calibri" panose="020F0502020204030204" pitchFamily="34" charset="0"/>
+                <a:cs typeface="Calibri" panose="020F0502020204030204" pitchFamily="34" charset="0"/>
+              </a:rPr>
+              <a:t>ITEMS</a:t>
+            </a:r>
+            <a:endParaRPr lang="ko-KR" altLang="en-US" b="1" dirty="0">
+              <a:solidFill>
+                <a:schemeClr val="bg1">
+                  <a:lumMod val="85000"/>
+                </a:schemeClr>
+              </a:solidFill>
+              <a:latin typeface="Calibri" panose="020F0502020204030204" pitchFamily="34" charset="0"/>
+              <a:cs typeface="Calibri" panose="020F0502020204030204" pitchFamily="34" charset="0"/>
+            </a:endParaRPr>
+          </a:p>
+        </p:txBody>
+      </p:sp>
+      <p:sp>
+        <p:nvSpPr>
+          <p:cNvPr id="14" name="TextBox 13">
+            <a:extLst>
+              <a:ext uri="{FF2B5EF4-FFF2-40B4-BE49-F238E27FC236}">
+                <a16:creationId xmlns:a16="http://schemas.microsoft.com/office/drawing/2014/main" id="{D3941BC2-E88B-4396-8986-9D856FF999D3}"/>
+              </a:ext>
+            </a:extLst>
+          </p:cNvPr>
+          <p:cNvSpPr txBox="1"/>
+          <p:nvPr/>
+        </p:nvSpPr>
+        <p:spPr>
+          <a:xfrm>
+            <a:off x="6749520" y="3188314"/>
+            <a:ext cx="866199" cy="400110"/>
+          </a:xfrm>
+          <a:prstGeom prst="rect">
+            <a:avLst/>
+          </a:prstGeom>
+          <a:noFill/>
+        </p:spPr>
+        <p:txBody>
+          <a:bodyPr wrap="none" rtlCol="0">
+            <a:spAutoFit/>
+          </a:bodyPr>
+          <a:lstStyle/>
+          <a:p>
+            <a:r>
+              <a:rPr lang="en-US" altLang="ko-KR" sz="2000" b="1" dirty="0">
+                <a:solidFill>
+                  <a:schemeClr val="bg1">
+                    <a:lumMod val="85000"/>
+                  </a:schemeClr>
+                </a:solidFill>
+                <a:latin typeface="Calibri" panose="020F0502020204030204" pitchFamily="34" charset="0"/>
+                <a:cs typeface="Calibri" panose="020F0502020204030204" pitchFamily="34" charset="0"/>
+              </a:rPr>
+              <a:t>STORE</a:t>
+            </a:r>
+            <a:endParaRPr lang="ko-KR" altLang="en-US" b="1" dirty="0">
+              <a:solidFill>
+                <a:schemeClr val="bg1">
+                  <a:lumMod val="85000"/>
+                </a:schemeClr>
+              </a:solidFill>
+              <a:latin typeface="Calibri" panose="020F0502020204030204" pitchFamily="34" charset="0"/>
+              <a:cs typeface="Calibri" panose="020F0502020204030204" pitchFamily="34" charset="0"/>
+            </a:endParaRPr>
+          </a:p>
+        </p:txBody>
+      </p:sp>
+      <p:sp>
+        <p:nvSpPr>
+          <p:cNvPr id="15" name="TextBox 14">
+            <a:extLst>
+              <a:ext uri="{FF2B5EF4-FFF2-40B4-BE49-F238E27FC236}">
+                <a16:creationId xmlns:a16="http://schemas.microsoft.com/office/drawing/2014/main" id="{D98C9B6A-888D-4F62-ACC5-210E69B867A5}"/>
+              </a:ext>
+            </a:extLst>
+          </p:cNvPr>
+          <p:cNvSpPr txBox="1"/>
+          <p:nvPr/>
+        </p:nvSpPr>
+        <p:spPr>
+          <a:xfrm>
+            <a:off x="2288623" y="4020503"/>
+            <a:ext cx="834396" cy="400110"/>
+          </a:xfrm>
+          <a:prstGeom prst="rect">
+            <a:avLst/>
+          </a:prstGeom>
+          <a:noFill/>
+        </p:spPr>
+        <p:txBody>
+          <a:bodyPr wrap="none" rtlCol="0">
+            <a:spAutoFit/>
+          </a:bodyPr>
+          <a:lstStyle/>
+          <a:p>
+            <a:r>
+              <a:rPr lang="en-US" altLang="ko-KR" sz="2000" b="1" dirty="0">
+                <a:solidFill>
+                  <a:schemeClr val="bg1">
+                    <a:lumMod val="85000"/>
+                  </a:schemeClr>
+                </a:solidFill>
+                <a:latin typeface="Calibri" panose="020F0502020204030204" pitchFamily="34" charset="0"/>
+                <a:cs typeface="Calibri" panose="020F0502020204030204" pitchFamily="34" charset="0"/>
+              </a:rPr>
+              <a:t>START</a:t>
+            </a:r>
+            <a:endParaRPr lang="ko-KR" altLang="en-US" sz="2000" b="1" dirty="0">
+              <a:solidFill>
+                <a:schemeClr val="bg1">
+                  <a:lumMod val="85000"/>
+                </a:schemeClr>
+              </a:solidFill>
+              <a:latin typeface="Calibri" panose="020F0502020204030204" pitchFamily="34" charset="0"/>
+              <a:cs typeface="Calibri" panose="020F0502020204030204" pitchFamily="34" charset="0"/>
+            </a:endParaRPr>
+          </a:p>
+        </p:txBody>
+      </p:sp>
+      <p:sp>
+        <p:nvSpPr>
+          <p:cNvPr id="17" name="TextBox 16">
+            <a:extLst>
+              <a:ext uri="{FF2B5EF4-FFF2-40B4-BE49-F238E27FC236}">
+                <a16:creationId xmlns:a16="http://schemas.microsoft.com/office/drawing/2014/main" id="{D98C9B6A-888D-4F62-ACC5-210E69B867A5}"/>
+              </a:ext>
+            </a:extLst>
+          </p:cNvPr>
+          <p:cNvSpPr txBox="1"/>
+          <p:nvPr/>
+        </p:nvSpPr>
+        <p:spPr>
+          <a:xfrm>
+            <a:off x="5119632" y="4025291"/>
+            <a:ext cx="1494768" cy="400110"/>
+          </a:xfrm>
+          <a:prstGeom prst="rect">
+            <a:avLst/>
+          </a:prstGeom>
+          <a:noFill/>
+        </p:spPr>
+        <p:txBody>
+          <a:bodyPr wrap="none" rtlCol="0">
+            <a:spAutoFit/>
+          </a:bodyPr>
+          <a:lstStyle/>
+          <a:p>
+            <a:r>
+              <a:rPr lang="en-US" altLang="ko-KR" sz="2000" b="1" dirty="0" smtClean="0">
+                <a:solidFill>
+                  <a:schemeClr val="bg1">
+                    <a:lumMod val="85000"/>
+                  </a:schemeClr>
+                </a:solidFill>
+                <a:latin typeface="Calibri" panose="020F0502020204030204" pitchFamily="34" charset="0"/>
+                <a:cs typeface="Calibri" panose="020F0502020204030204" pitchFamily="34" charset="0"/>
+              </a:rPr>
+              <a:t>DUNGEON 1</a:t>
+            </a:r>
+            <a:endParaRPr lang="ko-KR" altLang="en-US" sz="2000" b="1" dirty="0">
+              <a:solidFill>
+                <a:schemeClr val="bg1">
+                  <a:lumMod val="85000"/>
+                </a:schemeClr>
+              </a:solidFill>
+              <a:latin typeface="Calibri" panose="020F0502020204030204" pitchFamily="34" charset="0"/>
+              <a:cs typeface="Calibri" panose="020F0502020204030204" pitchFamily="34" charset="0"/>
+            </a:endParaRPr>
+          </a:p>
+        </p:txBody>
+      </p:sp>
+      <p:sp>
+        <p:nvSpPr>
+          <p:cNvPr id="18" name="TextBox 17">
+            <a:extLst>
+              <a:ext uri="{FF2B5EF4-FFF2-40B4-BE49-F238E27FC236}">
+                <a16:creationId xmlns:a16="http://schemas.microsoft.com/office/drawing/2014/main" id="{D98C9B6A-888D-4F62-ACC5-210E69B867A5}"/>
+              </a:ext>
+            </a:extLst>
+          </p:cNvPr>
+          <p:cNvSpPr txBox="1"/>
+          <p:nvPr/>
+        </p:nvSpPr>
+        <p:spPr>
+          <a:xfrm>
+            <a:off x="6772104" y="4025291"/>
+            <a:ext cx="1494768" cy="400110"/>
+          </a:xfrm>
+          <a:prstGeom prst="rect">
+            <a:avLst/>
+          </a:prstGeom>
+          <a:noFill/>
+        </p:spPr>
+        <p:txBody>
+          <a:bodyPr wrap="none" rtlCol="0">
+            <a:spAutoFit/>
+          </a:bodyPr>
+          <a:lstStyle/>
+          <a:p>
+            <a:r>
+              <a:rPr lang="en-US" altLang="ko-KR" sz="2000" b="1" dirty="0" smtClean="0">
+                <a:solidFill>
+                  <a:schemeClr val="bg1">
+                    <a:lumMod val="85000"/>
+                  </a:schemeClr>
+                </a:solidFill>
+                <a:latin typeface="Calibri" panose="020F0502020204030204" pitchFamily="34" charset="0"/>
+                <a:cs typeface="Calibri" panose="020F0502020204030204" pitchFamily="34" charset="0"/>
+              </a:rPr>
+              <a:t>DUNGEON 2</a:t>
+            </a:r>
+            <a:endParaRPr lang="ko-KR" altLang="en-US" sz="2000" b="1" dirty="0">
+              <a:solidFill>
+                <a:schemeClr val="bg1">
+                  <a:lumMod val="85000"/>
+                </a:schemeClr>
+              </a:solidFill>
+              <a:latin typeface="Calibri" panose="020F0502020204030204" pitchFamily="34" charset="0"/>
+              <a:cs typeface="Calibri" panose="020F0502020204030204" pitchFamily="34" charset="0"/>
+            </a:endParaRPr>
+          </a:p>
+        </p:txBody>
+      </p:sp>
+      <p:sp>
+        <p:nvSpPr>
+          <p:cNvPr id="19" name="TextBox 18">
+            <a:extLst>
+              <a:ext uri="{FF2B5EF4-FFF2-40B4-BE49-F238E27FC236}">
+                <a16:creationId xmlns:a16="http://schemas.microsoft.com/office/drawing/2014/main" id="{D98C9B6A-888D-4F62-ACC5-210E69B867A5}"/>
+              </a:ext>
+            </a:extLst>
+          </p:cNvPr>
+          <p:cNvSpPr txBox="1"/>
+          <p:nvPr/>
+        </p:nvSpPr>
+        <p:spPr>
+          <a:xfrm>
+            <a:off x="3546768" y="4038557"/>
+            <a:ext cx="1248612" cy="400110"/>
+          </a:xfrm>
+          <a:prstGeom prst="rect">
+            <a:avLst/>
+          </a:prstGeom>
+          <a:noFill/>
+        </p:spPr>
+        <p:txBody>
+          <a:bodyPr wrap="none" rtlCol="0">
+            <a:spAutoFit/>
+          </a:bodyPr>
+          <a:lstStyle/>
+          <a:p>
+            <a:r>
+              <a:rPr lang="en-US" altLang="ko-KR" sz="2000" b="1" dirty="0" smtClean="0">
+                <a:solidFill>
+                  <a:schemeClr val="bg1">
+                    <a:lumMod val="85000"/>
+                  </a:schemeClr>
+                </a:solidFill>
+                <a:latin typeface="Calibri" panose="020F0502020204030204" pitchFamily="34" charset="0"/>
+                <a:cs typeface="Calibri" panose="020F0502020204030204" pitchFamily="34" charset="0"/>
+              </a:rPr>
+              <a:t>TUTORIAL</a:t>
+            </a:r>
+            <a:endParaRPr lang="ko-KR" altLang="en-US" sz="2000" b="1" dirty="0">
+              <a:solidFill>
+                <a:schemeClr val="bg1">
+                  <a:lumMod val="85000"/>
+                </a:schemeClr>
+              </a:solidFill>
+              <a:latin typeface="Calibri" panose="020F0502020204030204" pitchFamily="34" charset="0"/>
+              <a:cs typeface="Calibri" panose="020F0502020204030204" pitchFamily="34" charset="0"/>
+            </a:endParaRPr>
+          </a:p>
+        </p:txBody>
+      </p:sp>
+      <p:sp>
+        <p:nvSpPr>
+          <p:cNvPr id="20" name="TextBox 19">
+            <a:extLst>
+              <a:ext uri="{FF2B5EF4-FFF2-40B4-BE49-F238E27FC236}">
+                <a16:creationId xmlns:a16="http://schemas.microsoft.com/office/drawing/2014/main" id="{D98C9B6A-888D-4F62-ACC5-210E69B867A5}"/>
+              </a:ext>
+            </a:extLst>
+          </p:cNvPr>
+          <p:cNvSpPr txBox="1"/>
+          <p:nvPr/>
+        </p:nvSpPr>
+        <p:spPr>
+          <a:xfrm>
+            <a:off x="2041086" y="4722642"/>
+            <a:ext cx="1235403" cy="400110"/>
+          </a:xfrm>
+          <a:prstGeom prst="rect">
+            <a:avLst/>
+          </a:prstGeom>
+          <a:noFill/>
+        </p:spPr>
+        <p:txBody>
+          <a:bodyPr wrap="none" rtlCol="0">
+            <a:spAutoFit/>
+          </a:bodyPr>
+          <a:lstStyle/>
+          <a:p>
+            <a:r>
+              <a:rPr lang="en-US" altLang="ko-KR" sz="2000" b="1" dirty="0" smtClean="0">
+                <a:solidFill>
+                  <a:schemeClr val="bg1">
+                    <a:lumMod val="85000"/>
+                  </a:schemeClr>
+                </a:solidFill>
+                <a:latin typeface="Calibri" panose="020F0502020204030204" pitchFamily="34" charset="0"/>
+                <a:cs typeface="Calibri" panose="020F0502020204030204" pitchFamily="34" charset="0"/>
+              </a:rPr>
+              <a:t>WARRIOR</a:t>
+            </a:r>
+            <a:endParaRPr lang="ko-KR" altLang="en-US" sz="2000" b="1" dirty="0">
+              <a:solidFill>
+                <a:schemeClr val="bg1">
+                  <a:lumMod val="85000"/>
+                </a:schemeClr>
+              </a:solidFill>
+              <a:latin typeface="Calibri" panose="020F0502020204030204" pitchFamily="34" charset="0"/>
+              <a:cs typeface="Calibri" panose="020F0502020204030204" pitchFamily="34" charset="0"/>
+            </a:endParaRPr>
+          </a:p>
+        </p:txBody>
+      </p:sp>
+      <p:sp>
+        <p:nvSpPr>
+          <p:cNvPr id="21" name="TextBox 20">
+            <a:extLst>
+              <a:ext uri="{FF2B5EF4-FFF2-40B4-BE49-F238E27FC236}">
+                <a16:creationId xmlns:a16="http://schemas.microsoft.com/office/drawing/2014/main" id="{D98C9B6A-888D-4F62-ACC5-210E69B867A5}"/>
+              </a:ext>
+            </a:extLst>
+          </p:cNvPr>
+          <p:cNvSpPr txBox="1"/>
+          <p:nvPr/>
+        </p:nvSpPr>
+        <p:spPr>
+          <a:xfrm>
+            <a:off x="3559977" y="4752606"/>
+            <a:ext cx="1050031" cy="400110"/>
+          </a:xfrm>
+          <a:prstGeom prst="rect">
+            <a:avLst/>
+          </a:prstGeom>
+          <a:noFill/>
+        </p:spPr>
+        <p:txBody>
+          <a:bodyPr wrap="none" rtlCol="0">
+            <a:spAutoFit/>
+          </a:bodyPr>
+          <a:lstStyle/>
+          <a:p>
+            <a:r>
+              <a:rPr lang="en-US" altLang="ko-KR" sz="2000" b="1" dirty="0" smtClean="0">
+                <a:solidFill>
+                  <a:schemeClr val="bg1">
+                    <a:lumMod val="85000"/>
+                  </a:schemeClr>
+                </a:solidFill>
+                <a:latin typeface="Calibri" panose="020F0502020204030204" pitchFamily="34" charset="0"/>
+                <a:cs typeface="Calibri" panose="020F0502020204030204" pitchFamily="34" charset="0"/>
+              </a:rPr>
+              <a:t>ARCHER</a:t>
+            </a:r>
+            <a:endParaRPr lang="ko-KR" altLang="en-US" sz="2000" b="1" dirty="0">
+              <a:solidFill>
+                <a:schemeClr val="bg1">
+                  <a:lumMod val="85000"/>
+                </a:schemeClr>
+              </a:solidFill>
+              <a:latin typeface="Calibri" panose="020F0502020204030204" pitchFamily="34" charset="0"/>
+              <a:cs typeface="Calibri" panose="020F0502020204030204" pitchFamily="34" charset="0"/>
+            </a:endParaRPr>
+          </a:p>
+        </p:txBody>
+      </p:sp>
+      <p:sp>
+        <p:nvSpPr>
+          <p:cNvPr id="22" name="TextBox 21">
+            <a:extLst>
+              <a:ext uri="{FF2B5EF4-FFF2-40B4-BE49-F238E27FC236}">
+                <a16:creationId xmlns:a16="http://schemas.microsoft.com/office/drawing/2014/main" id="{D98C9B6A-888D-4F62-ACC5-210E69B867A5}"/>
+              </a:ext>
+            </a:extLst>
+          </p:cNvPr>
+          <p:cNvSpPr txBox="1"/>
+          <p:nvPr/>
+        </p:nvSpPr>
+        <p:spPr>
+          <a:xfrm>
+            <a:off x="5061918" y="4732517"/>
+            <a:ext cx="1067793" cy="400110"/>
+          </a:xfrm>
+          <a:prstGeom prst="rect">
+            <a:avLst/>
+          </a:prstGeom>
+          <a:noFill/>
+        </p:spPr>
+        <p:txBody>
+          <a:bodyPr wrap="none" rtlCol="0">
+            <a:spAutoFit/>
+          </a:bodyPr>
+          <a:lstStyle/>
+          <a:p>
+            <a:r>
+              <a:rPr lang="en-US" altLang="ko-KR" sz="2000" b="1" dirty="0" smtClean="0">
+                <a:solidFill>
+                  <a:schemeClr val="bg1">
+                    <a:lumMod val="85000"/>
+                  </a:schemeClr>
+                </a:solidFill>
+                <a:latin typeface="Calibri" panose="020F0502020204030204" pitchFamily="34" charset="0"/>
+                <a:cs typeface="Calibri" panose="020F0502020204030204" pitchFamily="34" charset="0"/>
+              </a:rPr>
+              <a:t>WIZARD</a:t>
+            </a:r>
+            <a:endParaRPr lang="ko-KR" altLang="en-US" sz="2000" b="1" dirty="0">
+              <a:solidFill>
+                <a:schemeClr val="bg1">
+                  <a:lumMod val="85000"/>
+                </a:schemeClr>
+              </a:solidFill>
+              <a:latin typeface="Calibri" panose="020F0502020204030204" pitchFamily="34" charset="0"/>
+              <a:cs typeface="Calibri" panose="020F0502020204030204" pitchFamily="34" charset="0"/>
+            </a:endParaRPr>
+          </a:p>
+        </p:txBody>
+      </p:sp>
+    </p:spTree>
+    <p:extLst>
+      <p:ext uri="{BB962C8B-B14F-4D97-AF65-F5344CB8AC3E}">
+        <p14:creationId xmlns:p14="http://schemas.microsoft.com/office/powerpoint/2010/main" val="531432603"/>
+      </p:ext>
+    </p:extLst>
+  </p:cSld>
+  <p:clrMapOvr>
+    <a:masterClrMapping/>
+  </p:clrMapOvr>
+</p:sld>
+</file>
+
 <file path=ppt/slides/slide2.xml><?xml version="1.0" encoding="utf-8"?>
 <p:sld xmlns:a="http://schemas.openxmlformats.org/drawingml/2006/main" xmlns:r="http://schemas.openxmlformats.org/officeDocument/2006/relationships" xmlns:p="http://schemas.openxmlformats.org/presentationml/2006/main">
   <p:cSld>
@@ -4557,7 +5375,7 @@
         </p:nvGrpSpPr>
         <p:grpSpPr>
           <a:xfrm>
-            <a:off x="731520" y="1341120"/>
+            <a:off x="856211" y="210589"/>
             <a:ext cx="2994660" cy="1341120"/>
             <a:chOff x="731520" y="1341120"/>
             <a:chExt cx="2994660" cy="1341120"/>
@@ -4686,7 +5504,7 @@
         </p:nvGrpSpPr>
         <p:grpSpPr>
           <a:xfrm>
-            <a:off x="4015740" y="1341120"/>
+            <a:off x="4140431" y="210589"/>
             <a:ext cx="2994660" cy="1341120"/>
             <a:chOff x="731520" y="1341120"/>
             <a:chExt cx="2994660" cy="1341120"/>
@@ -4815,7 +5633,7 @@
         </p:nvGrpSpPr>
         <p:grpSpPr>
           <a:xfrm>
-            <a:off x="480060" y="3505201"/>
+            <a:off x="604751" y="2374670"/>
             <a:ext cx="2994660" cy="1341120"/>
             <a:chOff x="731520" y="1341120"/>
             <a:chExt cx="2994660" cy="1341120"/>
@@ -4942,7 +5760,7 @@
         </p:nvSpPr>
         <p:spPr>
           <a:xfrm>
-            <a:off x="3979546" y="3505202"/>
+            <a:off x="4104237" y="2374671"/>
             <a:ext cx="2994660" cy="1341120"/>
           </a:xfrm>
           <a:prstGeom prst="rect">
@@ -4996,7 +5814,7 @@
         </p:nvSpPr>
         <p:spPr>
           <a:xfrm>
-            <a:off x="4015739" y="3543301"/>
+            <a:off x="4140430" y="2412770"/>
             <a:ext cx="2920841" cy="1097280"/>
           </a:xfrm>
           <a:prstGeom prst="rect">
@@ -5050,7 +5868,7 @@
         </p:nvSpPr>
         <p:spPr>
           <a:xfrm>
-            <a:off x="3979546" y="4640582"/>
+            <a:off x="4104237" y="3510051"/>
             <a:ext cx="2994660" cy="205740"/>
           </a:xfrm>
           <a:prstGeom prst="rect">
@@ -5102,7 +5920,7 @@
         </p:nvSpPr>
         <p:spPr>
           <a:xfrm>
-            <a:off x="7442839" y="3505202"/>
+            <a:off x="7567530" y="2374671"/>
             <a:ext cx="2994660" cy="1341120"/>
           </a:xfrm>
           <a:prstGeom prst="rect">
@@ -5154,7 +5972,7 @@
         </p:nvSpPr>
         <p:spPr>
           <a:xfrm>
-            <a:off x="7479032" y="3543301"/>
+            <a:off x="7603723" y="2412770"/>
             <a:ext cx="2920841" cy="1097280"/>
           </a:xfrm>
           <a:prstGeom prst="rect">
@@ -5208,7 +6026,7 @@
         </p:nvSpPr>
         <p:spPr>
           <a:xfrm>
-            <a:off x="7442839" y="4640582"/>
+            <a:off x="7567530" y="3510051"/>
             <a:ext cx="2994660" cy="205740"/>
           </a:xfrm>
           <a:prstGeom prst="rect">
@@ -5260,7 +6078,7 @@
         </p:nvSpPr>
         <p:spPr>
           <a:xfrm>
-            <a:off x="7831459" y="1341120"/>
+            <a:off x="7956150" y="210589"/>
             <a:ext cx="2933700" cy="1135380"/>
           </a:xfrm>
           <a:prstGeom prst="rect">
@@ -5301,6 +6119,312 @@
           </a:p>
         </p:txBody>
       </p:sp>
+      <p:sp>
+        <p:nvSpPr>
+          <p:cNvPr id="24" name="직사각형 17">
+            <a:extLst>
+              <a:ext uri="{FF2B5EF4-FFF2-40B4-BE49-F238E27FC236}">
+                <a16:creationId xmlns:a16="http://schemas.microsoft.com/office/drawing/2014/main" id="{5755DCF8-42D7-4DBB-B9E9-10E1696791DC}"/>
+              </a:ext>
+            </a:extLst>
+          </p:cNvPr>
+          <p:cNvSpPr/>
+          <p:nvPr/>
+        </p:nvSpPr>
+        <p:spPr>
+          <a:xfrm>
+            <a:off x="4104237" y="4386351"/>
+            <a:ext cx="2994660" cy="1341120"/>
+          </a:xfrm>
+          <a:prstGeom prst="rect">
+            <a:avLst/>
+          </a:prstGeom>
+          <a:solidFill>
+            <a:schemeClr val="bg2">
+              <a:lumMod val="90000"/>
+            </a:schemeClr>
+          </a:solidFill>
+          <a:ln>
+            <a:noFill/>
+          </a:ln>
+        </p:spPr>
+        <p:style>
+          <a:lnRef idx="2">
+            <a:schemeClr val="accent1">
+              <a:shade val="50000"/>
+            </a:schemeClr>
+          </a:lnRef>
+          <a:fillRef idx="1">
+            <a:schemeClr val="accent1"/>
+          </a:fillRef>
+          <a:effectRef idx="0">
+            <a:schemeClr val="accent1"/>
+          </a:effectRef>
+          <a:fontRef idx="minor">
+            <a:schemeClr val="lt1"/>
+          </a:fontRef>
+        </p:style>
+        <p:txBody>
+          <a:bodyPr rtlCol="0" anchor="ctr"/>
+          <a:lstStyle/>
+          <a:p>
+            <a:pPr algn="ctr"/>
+            <a:endParaRPr lang="ko-KR" altLang="en-US"/>
+          </a:p>
+        </p:txBody>
+      </p:sp>
+      <p:sp>
+        <p:nvSpPr>
+          <p:cNvPr id="25" name="직사각형 18">
+            <a:extLst>
+              <a:ext uri="{FF2B5EF4-FFF2-40B4-BE49-F238E27FC236}">
+                <a16:creationId xmlns:a16="http://schemas.microsoft.com/office/drawing/2014/main" id="{351ECF53-01F0-4C7A-9107-ED78D9E0F0D2}"/>
+              </a:ext>
+            </a:extLst>
+          </p:cNvPr>
+          <p:cNvSpPr/>
+          <p:nvPr/>
+        </p:nvSpPr>
+        <p:spPr>
+          <a:xfrm>
+            <a:off x="4140430" y="4457702"/>
+            <a:ext cx="2920841" cy="1219892"/>
+          </a:xfrm>
+          <a:prstGeom prst="rect">
+            <a:avLst/>
+          </a:prstGeom>
+          <a:solidFill>
+            <a:srgbClr val="767171">
+              <a:alpha val="80000"/>
+            </a:srgbClr>
+          </a:solidFill>
+          <a:ln>
+            <a:noFill/>
+          </a:ln>
+        </p:spPr>
+        <p:style>
+          <a:lnRef idx="2">
+            <a:schemeClr val="accent1">
+              <a:shade val="50000"/>
+            </a:schemeClr>
+          </a:lnRef>
+          <a:fillRef idx="1">
+            <a:schemeClr val="accent1"/>
+          </a:fillRef>
+          <a:effectRef idx="0">
+            <a:schemeClr val="accent1"/>
+          </a:effectRef>
+          <a:fontRef idx="minor">
+            <a:schemeClr val="lt1"/>
+          </a:fontRef>
+        </p:style>
+        <p:txBody>
+          <a:bodyPr rtlCol="0" anchor="ctr"/>
+          <a:lstStyle/>
+          <a:p>
+            <a:pPr algn="ctr"/>
+            <a:endParaRPr lang="ko-KR" altLang="en-US"/>
+          </a:p>
+        </p:txBody>
+      </p:sp>
+      <p:sp>
+        <p:nvSpPr>
+          <p:cNvPr id="2" name="L-Shape 1"/>
+          <p:cNvSpPr/>
+          <p:nvPr/>
+        </p:nvSpPr>
+        <p:spPr>
+          <a:xfrm rot="13386141">
+            <a:off x="6650637" y="5259253"/>
+            <a:ext cx="221524" cy="214784"/>
+          </a:xfrm>
+          <a:prstGeom prst="corner">
+            <a:avLst/>
+          </a:prstGeom>
+          <a:solidFill>
+            <a:srgbClr val="D0CECE"/>
+          </a:solidFill>
+          <a:ln>
+            <a:noFill/>
+          </a:ln>
+        </p:spPr>
+        <p:style>
+          <a:lnRef idx="2">
+            <a:schemeClr val="accent1">
+              <a:shade val="50000"/>
+            </a:schemeClr>
+          </a:lnRef>
+          <a:fillRef idx="1">
+            <a:schemeClr val="accent1"/>
+          </a:fillRef>
+          <a:effectRef idx="0">
+            <a:schemeClr val="accent1"/>
+          </a:effectRef>
+          <a:fontRef idx="minor">
+            <a:schemeClr val="lt1"/>
+          </a:fontRef>
+        </p:style>
+        <p:txBody>
+          <a:bodyPr rtlCol="0" anchor="ctr"/>
+          <a:lstStyle/>
+          <a:p>
+            <a:pPr algn="ctr"/>
+            <a:endParaRPr lang="en-US"/>
+          </a:p>
+        </p:txBody>
+      </p:sp>
+      <p:sp>
+        <p:nvSpPr>
+          <p:cNvPr id="28" name="직사각형 17">
+            <a:extLst>
+              <a:ext uri="{FF2B5EF4-FFF2-40B4-BE49-F238E27FC236}">
+                <a16:creationId xmlns:a16="http://schemas.microsoft.com/office/drawing/2014/main" id="{5755DCF8-42D7-4DBB-B9E9-10E1696791DC}"/>
+              </a:ext>
+            </a:extLst>
+          </p:cNvPr>
+          <p:cNvSpPr/>
+          <p:nvPr/>
+        </p:nvSpPr>
+        <p:spPr>
+          <a:xfrm>
+            <a:off x="7529904" y="4386351"/>
+            <a:ext cx="2994660" cy="1341120"/>
+          </a:xfrm>
+          <a:prstGeom prst="rect">
+            <a:avLst/>
+          </a:prstGeom>
+          <a:solidFill>
+            <a:srgbClr val="EE7E22"/>
+          </a:solidFill>
+          <a:ln>
+            <a:noFill/>
+          </a:ln>
+        </p:spPr>
+        <p:style>
+          <a:lnRef idx="2">
+            <a:schemeClr val="accent1">
+              <a:shade val="50000"/>
+            </a:schemeClr>
+          </a:lnRef>
+          <a:fillRef idx="1">
+            <a:schemeClr val="accent1"/>
+          </a:fillRef>
+          <a:effectRef idx="0">
+            <a:schemeClr val="accent1"/>
+          </a:effectRef>
+          <a:fontRef idx="minor">
+            <a:schemeClr val="lt1"/>
+          </a:fontRef>
+        </p:style>
+        <p:txBody>
+          <a:bodyPr rtlCol="0" anchor="ctr"/>
+          <a:lstStyle/>
+          <a:p>
+            <a:pPr algn="ctr"/>
+            <a:endParaRPr lang="ko-KR" altLang="en-US"/>
+          </a:p>
+        </p:txBody>
+      </p:sp>
+      <p:sp>
+        <p:nvSpPr>
+          <p:cNvPr id="29" name="직사각형 18">
+            <a:extLst>
+              <a:ext uri="{FF2B5EF4-FFF2-40B4-BE49-F238E27FC236}">
+                <a16:creationId xmlns:a16="http://schemas.microsoft.com/office/drawing/2014/main" id="{351ECF53-01F0-4C7A-9107-ED78D9E0F0D2}"/>
+              </a:ext>
+            </a:extLst>
+          </p:cNvPr>
+          <p:cNvSpPr/>
+          <p:nvPr/>
+        </p:nvSpPr>
+        <p:spPr>
+          <a:xfrm>
+            <a:off x="7566097" y="4457702"/>
+            <a:ext cx="2920841" cy="1219892"/>
+          </a:xfrm>
+          <a:prstGeom prst="rect">
+            <a:avLst/>
+          </a:prstGeom>
+          <a:solidFill>
+            <a:srgbClr val="767171">
+              <a:alpha val="80000"/>
+            </a:srgbClr>
+          </a:solidFill>
+          <a:ln>
+            <a:noFill/>
+          </a:ln>
+        </p:spPr>
+        <p:style>
+          <a:lnRef idx="2">
+            <a:schemeClr val="accent1">
+              <a:shade val="50000"/>
+            </a:schemeClr>
+          </a:lnRef>
+          <a:fillRef idx="1">
+            <a:schemeClr val="accent1"/>
+          </a:fillRef>
+          <a:effectRef idx="0">
+            <a:schemeClr val="accent1"/>
+          </a:effectRef>
+          <a:fontRef idx="minor">
+            <a:schemeClr val="lt1"/>
+          </a:fontRef>
+        </p:style>
+        <p:txBody>
+          <a:bodyPr rtlCol="0" anchor="ctr"/>
+          <a:lstStyle/>
+          <a:p>
+            <a:pPr algn="ctr"/>
+            <a:endParaRPr lang="ko-KR" altLang="en-US"/>
+          </a:p>
+        </p:txBody>
+      </p:sp>
+      <p:sp>
+        <p:nvSpPr>
+          <p:cNvPr id="30" name="L-Shape 29"/>
+          <p:cNvSpPr/>
+          <p:nvPr/>
+        </p:nvSpPr>
+        <p:spPr>
+          <a:xfrm rot="13386141">
+            <a:off x="10076304" y="5259253"/>
+            <a:ext cx="221524" cy="214784"/>
+          </a:xfrm>
+          <a:prstGeom prst="corner">
+            <a:avLst/>
+          </a:prstGeom>
+          <a:solidFill>
+            <a:srgbClr val="EE7E22"/>
+          </a:solidFill>
+          <a:ln>
+            <a:noFill/>
+          </a:ln>
+        </p:spPr>
+        <p:style>
+          <a:lnRef idx="2">
+            <a:schemeClr val="accent1">
+              <a:shade val="50000"/>
+            </a:schemeClr>
+          </a:lnRef>
+          <a:fillRef idx="1">
+            <a:schemeClr val="accent1"/>
+          </a:fillRef>
+          <a:effectRef idx="0">
+            <a:schemeClr val="accent1"/>
+          </a:effectRef>
+          <a:fontRef idx="minor">
+            <a:schemeClr val="lt1"/>
+          </a:fontRef>
+        </p:style>
+        <p:txBody>
+          <a:bodyPr rtlCol="0" anchor="ctr"/>
+          <a:lstStyle/>
+          <a:p>
+            <a:pPr algn="ctr"/>
+            <a:endParaRPr lang="en-US"/>
+          </a:p>
+        </p:txBody>
+      </p:sp>
     </p:spTree>
     <p:extLst>
       <p:ext uri="{BB962C8B-B14F-4D97-AF65-F5344CB8AC3E}">
@@ -5315,6 +6439,305 @@
 </file>
 
 <file path=ppt/slides/slide8.xml><?xml version="1.0" encoding="utf-8"?>
+<p:sld xmlns:a="http://schemas.openxmlformats.org/drawingml/2006/main" xmlns:r="http://schemas.openxmlformats.org/officeDocument/2006/relationships" xmlns:p="http://schemas.openxmlformats.org/presentationml/2006/main">
+  <p:cSld>
+    <p:spTree>
+      <p:nvGrpSpPr>
+        <p:cNvPr id="1" name=""/>
+        <p:cNvGrpSpPr/>
+        <p:nvPr/>
+      </p:nvGrpSpPr>
+      <p:grpSpPr>
+        <a:xfrm>
+          <a:off x="0" y="0"/>
+          <a:ext cx="0" cy="0"/>
+          <a:chOff x="0" y="0"/>
+          <a:chExt cx="0" cy="0"/>
+        </a:xfrm>
+      </p:grpSpPr>
+      <p:sp>
+        <p:nvSpPr>
+          <p:cNvPr id="8" name="Snip Diagonal Corner Rectangle 7"/>
+          <p:cNvSpPr/>
+          <p:nvPr/>
+        </p:nvSpPr>
+        <p:spPr>
+          <a:xfrm flipH="1">
+            <a:off x="940116" y="1889761"/>
+            <a:ext cx="7553498" cy="4153592"/>
+          </a:xfrm>
+          <a:prstGeom prst="snip2DiagRect">
+            <a:avLst>
+              <a:gd name="adj1" fmla="val 0"/>
+              <a:gd name="adj2" fmla="val 15315"/>
+            </a:avLst>
+          </a:prstGeom>
+          <a:solidFill>
+            <a:srgbClr val="000000">
+              <a:alpha val="69804"/>
+            </a:srgbClr>
+          </a:solidFill>
+          <a:ln>
+            <a:noFill/>
+          </a:ln>
+        </p:spPr>
+        <p:style>
+          <a:lnRef idx="2">
+            <a:schemeClr val="accent1">
+              <a:shade val="50000"/>
+            </a:schemeClr>
+          </a:lnRef>
+          <a:fillRef idx="1">
+            <a:schemeClr val="accent1"/>
+          </a:fillRef>
+          <a:effectRef idx="0">
+            <a:schemeClr val="accent1"/>
+          </a:effectRef>
+          <a:fontRef idx="minor">
+            <a:schemeClr val="lt1"/>
+          </a:fontRef>
+        </p:style>
+        <p:txBody>
+          <a:bodyPr rtlCol="0" anchor="ctr"/>
+          <a:lstStyle/>
+          <a:p>
+            <a:pPr algn="ctr"/>
+            <a:endParaRPr lang="en-US"/>
+          </a:p>
+        </p:txBody>
+      </p:sp>
+      <p:grpSp>
+        <p:nvGrpSpPr>
+          <p:cNvPr id="9" name="Group 8"/>
+          <p:cNvGrpSpPr/>
+          <p:nvPr/>
+        </p:nvGrpSpPr>
+        <p:grpSpPr>
+          <a:xfrm>
+            <a:off x="1438101" y="3192087"/>
+            <a:ext cx="1687484" cy="1680557"/>
+            <a:chOff x="1487978" y="856211"/>
+            <a:chExt cx="2535382" cy="2427317"/>
+          </a:xfrm>
+        </p:grpSpPr>
+        <p:sp>
+          <p:nvSpPr>
+            <p:cNvPr id="4" name="Snip Diagonal Corner Rectangle 3"/>
+            <p:cNvSpPr/>
+            <p:nvPr/>
+          </p:nvSpPr>
+          <p:spPr>
+            <a:xfrm>
+              <a:off x="1487978" y="856211"/>
+              <a:ext cx="2535382" cy="2427317"/>
+            </a:xfrm>
+            <a:prstGeom prst="snip2DiagRect">
+              <a:avLst/>
+            </a:prstGeom>
+            <a:solidFill>
+              <a:srgbClr val="D0CECE"/>
+            </a:solidFill>
+            <a:ln>
+              <a:noFill/>
+            </a:ln>
+          </p:spPr>
+          <p:style>
+            <a:lnRef idx="2">
+              <a:schemeClr val="accent1">
+                <a:shade val="50000"/>
+              </a:schemeClr>
+            </a:lnRef>
+            <a:fillRef idx="1">
+              <a:schemeClr val="accent1"/>
+            </a:fillRef>
+            <a:effectRef idx="0">
+              <a:schemeClr val="accent1"/>
+            </a:effectRef>
+            <a:fontRef idx="minor">
+              <a:schemeClr val="lt1"/>
+            </a:fontRef>
+          </p:style>
+          <p:txBody>
+            <a:bodyPr rtlCol="0" anchor="ctr"/>
+            <a:lstStyle/>
+            <a:p>
+              <a:pPr algn="ctr"/>
+              <a:endParaRPr lang="en-US"/>
+            </a:p>
+          </p:txBody>
+        </p:sp>
+        <p:sp>
+          <p:nvSpPr>
+            <p:cNvPr id="5" name="Snip Diagonal Corner Rectangle 4"/>
+            <p:cNvSpPr/>
+            <p:nvPr/>
+          </p:nvSpPr>
+          <p:spPr>
+            <a:xfrm>
+              <a:off x="1640378" y="1008612"/>
+              <a:ext cx="2228589" cy="2133600"/>
+            </a:xfrm>
+            <a:prstGeom prst="snip2DiagRect">
+              <a:avLst/>
+            </a:prstGeom>
+            <a:solidFill>
+              <a:srgbClr val="AFABAB">
+                <a:alpha val="80000"/>
+              </a:srgbClr>
+            </a:solidFill>
+            <a:ln>
+              <a:noFill/>
+            </a:ln>
+          </p:spPr>
+          <p:style>
+            <a:lnRef idx="2">
+              <a:schemeClr val="accent1">
+                <a:shade val="50000"/>
+              </a:schemeClr>
+            </a:lnRef>
+            <a:fillRef idx="1">
+              <a:schemeClr val="accent1"/>
+            </a:fillRef>
+            <a:effectRef idx="0">
+              <a:schemeClr val="accent1"/>
+            </a:effectRef>
+            <a:fontRef idx="minor">
+              <a:schemeClr val="lt1"/>
+            </a:fontRef>
+          </p:style>
+          <p:txBody>
+            <a:bodyPr rtlCol="0" anchor="ctr"/>
+            <a:lstStyle/>
+            <a:p>
+              <a:pPr algn="ctr"/>
+              <a:endParaRPr lang="en-US"/>
+            </a:p>
+          </p:txBody>
+        </p:sp>
+      </p:grpSp>
+      <p:grpSp>
+        <p:nvGrpSpPr>
+          <p:cNvPr id="10" name="Group 9"/>
+          <p:cNvGrpSpPr/>
+          <p:nvPr/>
+        </p:nvGrpSpPr>
+        <p:grpSpPr>
+          <a:xfrm>
+            <a:off x="4651867" y="3151215"/>
+            <a:ext cx="1684713" cy="1762299"/>
+            <a:chOff x="6112625" y="997527"/>
+            <a:chExt cx="2535382" cy="2427317"/>
+          </a:xfrm>
+        </p:grpSpPr>
+        <p:sp>
+          <p:nvSpPr>
+            <p:cNvPr id="6" name="Snip Diagonal Corner Rectangle 5"/>
+            <p:cNvSpPr/>
+            <p:nvPr/>
+          </p:nvSpPr>
+          <p:spPr>
+            <a:xfrm>
+              <a:off x="6112625" y="997527"/>
+              <a:ext cx="2535382" cy="2427317"/>
+            </a:xfrm>
+            <a:prstGeom prst="snip2DiagRect">
+              <a:avLst/>
+            </a:prstGeom>
+            <a:solidFill>
+              <a:srgbClr val="EE7E22"/>
+            </a:solidFill>
+            <a:ln>
+              <a:noFill/>
+            </a:ln>
+          </p:spPr>
+          <p:style>
+            <a:lnRef idx="2">
+              <a:schemeClr val="accent1">
+                <a:shade val="50000"/>
+              </a:schemeClr>
+            </a:lnRef>
+            <a:fillRef idx="1">
+              <a:schemeClr val="accent1"/>
+            </a:fillRef>
+            <a:effectRef idx="0">
+              <a:schemeClr val="accent1"/>
+            </a:effectRef>
+            <a:fontRef idx="minor">
+              <a:schemeClr val="lt1"/>
+            </a:fontRef>
+          </p:style>
+          <p:txBody>
+            <a:bodyPr rtlCol="0" anchor="ctr"/>
+            <a:lstStyle/>
+            <a:p>
+              <a:pPr algn="ctr"/>
+              <a:endParaRPr lang="en-US"/>
+            </a:p>
+          </p:txBody>
+        </p:sp>
+        <p:sp>
+          <p:nvSpPr>
+            <p:cNvPr id="7" name="Snip Diagonal Corner Rectangle 6"/>
+            <p:cNvSpPr/>
+            <p:nvPr/>
+          </p:nvSpPr>
+          <p:spPr>
+            <a:xfrm>
+              <a:off x="6265025" y="1149928"/>
+              <a:ext cx="2228589" cy="2133600"/>
+            </a:xfrm>
+            <a:prstGeom prst="snip2DiagRect">
+              <a:avLst/>
+            </a:prstGeom>
+            <a:solidFill>
+              <a:srgbClr val="AFABAB">
+                <a:alpha val="80000"/>
+              </a:srgbClr>
+            </a:solidFill>
+            <a:ln>
+              <a:noFill/>
+            </a:ln>
+          </p:spPr>
+          <p:style>
+            <a:lnRef idx="2">
+              <a:schemeClr val="accent1">
+                <a:shade val="50000"/>
+              </a:schemeClr>
+            </a:lnRef>
+            <a:fillRef idx="1">
+              <a:schemeClr val="accent1"/>
+            </a:fillRef>
+            <a:effectRef idx="0">
+              <a:schemeClr val="accent1"/>
+            </a:effectRef>
+            <a:fontRef idx="minor">
+              <a:schemeClr val="lt1"/>
+            </a:fontRef>
+          </p:style>
+          <p:txBody>
+            <a:bodyPr rtlCol="0" anchor="ctr"/>
+            <a:lstStyle/>
+            <a:p>
+              <a:pPr algn="ctr"/>
+              <a:endParaRPr lang="en-US"/>
+            </a:p>
+          </p:txBody>
+        </p:sp>
+      </p:grpSp>
+    </p:spTree>
+    <p:extLst>
+      <p:ext uri="{BB962C8B-B14F-4D97-AF65-F5344CB8AC3E}">
+        <p14:creationId xmlns:p14="http://schemas.microsoft.com/office/powerpoint/2010/main" val="542620260"/>
+      </p:ext>
+    </p:extLst>
+  </p:cSld>
+  <p:clrMapOvr>
+    <a:masterClrMapping/>
+  </p:clrMapOvr>
+</p:sld>
+</file>
+
+<file path=ppt/slides/slide9.xml><?xml version="1.0" encoding="utf-8"?>
 <p:sld xmlns:a="http://schemas.openxmlformats.org/drawingml/2006/main" xmlns:r="http://schemas.openxmlformats.org/officeDocument/2006/relationships" xmlns:p="http://schemas.openxmlformats.org/presentationml/2006/main">
   <p:cSld>
     <p:spTree>
@@ -5604,506 +7027,6 @@
     <p:extLst>
       <p:ext uri="{BB962C8B-B14F-4D97-AF65-F5344CB8AC3E}">
         <p14:creationId xmlns:p14="http://schemas.microsoft.com/office/powerpoint/2010/main" val="1162952411"/>
-      </p:ext>
-    </p:extLst>
-  </p:cSld>
-  <p:clrMapOvr>
-    <a:masterClrMapping/>
-  </p:clrMapOvr>
-</p:sld>
-</file>
-
-<file path=ppt/slides/slide9.xml><?xml version="1.0" encoding="utf-8"?>
-<p:sld xmlns:a="http://schemas.openxmlformats.org/drawingml/2006/main" xmlns:r="http://schemas.openxmlformats.org/officeDocument/2006/relationships" xmlns:p="http://schemas.openxmlformats.org/presentationml/2006/main">
-  <p:cSld>
-    <p:spTree>
-      <p:nvGrpSpPr>
-        <p:cNvPr id="1" name=""/>
-        <p:cNvGrpSpPr/>
-        <p:nvPr/>
-      </p:nvGrpSpPr>
-      <p:grpSpPr>
-        <a:xfrm>
-          <a:off x="0" y="0"/>
-          <a:ext cx="0" cy="0"/>
-          <a:chOff x="0" y="0"/>
-          <a:chExt cx="0" cy="0"/>
-        </a:xfrm>
-      </p:grpSpPr>
-      <p:sp>
-        <p:nvSpPr>
-          <p:cNvPr id="10" name="직사각형 9">
-            <a:extLst>
-              <a:ext uri="{FF2B5EF4-FFF2-40B4-BE49-F238E27FC236}">
-                <a16:creationId xmlns:a16="http://schemas.microsoft.com/office/drawing/2014/main" id="{242180D3-26D3-4B23-9A8C-AC150521A362}"/>
-              </a:ext>
-            </a:extLst>
-          </p:cNvPr>
-          <p:cNvSpPr/>
-          <p:nvPr/>
-        </p:nvSpPr>
-        <p:spPr>
-          <a:xfrm>
-            <a:off x="487680" y="1143000"/>
-            <a:ext cx="9509760" cy="5455920"/>
-          </a:xfrm>
-          <a:prstGeom prst="rect">
-            <a:avLst/>
-          </a:prstGeom>
-        </p:spPr>
-        <p:style>
-          <a:lnRef idx="2">
-            <a:schemeClr val="accent1">
-              <a:shade val="50000"/>
-            </a:schemeClr>
-          </a:lnRef>
-          <a:fillRef idx="1">
-            <a:schemeClr val="accent1"/>
-          </a:fillRef>
-          <a:effectRef idx="0">
-            <a:schemeClr val="accent1"/>
-          </a:effectRef>
-          <a:fontRef idx="minor">
-            <a:schemeClr val="lt1"/>
-          </a:fontRef>
-        </p:style>
-        <p:txBody>
-          <a:bodyPr rtlCol="0" anchor="ctr"/>
-          <a:lstStyle/>
-          <a:p>
-            <a:pPr algn="ctr"/>
-            <a:endParaRPr lang="ko-KR" altLang="en-US"/>
-          </a:p>
-        </p:txBody>
-      </p:sp>
-      <p:sp>
-        <p:nvSpPr>
-          <p:cNvPr id="5" name="TextBox 4">
-            <a:extLst>
-              <a:ext uri="{FF2B5EF4-FFF2-40B4-BE49-F238E27FC236}">
-                <a16:creationId xmlns:a16="http://schemas.microsoft.com/office/drawing/2014/main" id="{1B295513-7EB2-44FC-9CDF-30F2EAF94BC2}"/>
-              </a:ext>
-            </a:extLst>
-          </p:cNvPr>
-          <p:cNvSpPr txBox="1"/>
-          <p:nvPr/>
-        </p:nvSpPr>
-        <p:spPr>
-          <a:xfrm>
-            <a:off x="2194560" y="2506980"/>
-            <a:ext cx="928459" cy="461665"/>
-          </a:xfrm>
-          <a:prstGeom prst="rect">
-            <a:avLst/>
-          </a:prstGeom>
-          <a:noFill/>
-        </p:spPr>
-        <p:txBody>
-          <a:bodyPr wrap="none" rtlCol="0">
-            <a:spAutoFit/>
-          </a:bodyPr>
-          <a:lstStyle/>
-          <a:p>
-            <a:r>
-              <a:rPr lang="en-US" altLang="ko-KR" sz="2400" dirty="0">
-                <a:latin typeface="Aharoni" panose="02010803020104030203" pitchFamily="2" charset="-79"/>
-                <a:cs typeface="Aharoni" panose="02010803020104030203" pitchFamily="2" charset="-79"/>
-              </a:rPr>
-              <a:t>PLAY</a:t>
-            </a:r>
-            <a:endParaRPr lang="ko-KR" altLang="en-US" sz="2400" dirty="0">
-              <a:latin typeface="Aharoni" panose="02010803020104030203" pitchFamily="2" charset="-79"/>
-              <a:cs typeface="Aharoni" panose="02010803020104030203" pitchFamily="2" charset="-79"/>
-            </a:endParaRPr>
-          </a:p>
-        </p:txBody>
-      </p:sp>
-      <p:sp>
-        <p:nvSpPr>
-          <p:cNvPr id="7" name="TextBox 6">
-            <a:extLst>
-              <a:ext uri="{FF2B5EF4-FFF2-40B4-BE49-F238E27FC236}">
-                <a16:creationId xmlns:a16="http://schemas.microsoft.com/office/drawing/2014/main" id="{089E75B9-6D37-47B3-802A-FDF2C89F5F9E}"/>
-              </a:ext>
-            </a:extLst>
-          </p:cNvPr>
-          <p:cNvSpPr txBox="1"/>
-          <p:nvPr/>
-        </p:nvSpPr>
-        <p:spPr>
-          <a:xfrm>
-            <a:off x="3712419" y="2484118"/>
-            <a:ext cx="1048685" cy="400110"/>
-          </a:xfrm>
-          <a:prstGeom prst="rect">
-            <a:avLst/>
-          </a:prstGeom>
-          <a:noFill/>
-        </p:spPr>
-        <p:txBody>
-          <a:bodyPr wrap="none" rtlCol="0">
-            <a:spAutoFit/>
-          </a:bodyPr>
-          <a:lstStyle/>
-          <a:p>
-            <a:r>
-              <a:rPr lang="en-US" altLang="ko-KR" sz="2000" dirty="0">
-                <a:latin typeface="Impact" panose="020B0806030902050204" pitchFamily="34" charset="0"/>
-                <a:cs typeface="Aharoni" panose="02010803020104030203" pitchFamily="2" charset="-79"/>
-              </a:rPr>
-              <a:t>LEGENDS</a:t>
-            </a:r>
-            <a:endParaRPr lang="ko-KR" altLang="en-US" sz="2000" dirty="0">
-              <a:latin typeface="Impact" panose="020B0806030902050204" pitchFamily="34" charset="0"/>
-              <a:cs typeface="Aharoni" panose="02010803020104030203" pitchFamily="2" charset="-79"/>
-            </a:endParaRPr>
-          </a:p>
-        </p:txBody>
-      </p:sp>
-      <p:sp>
-        <p:nvSpPr>
-          <p:cNvPr id="8" name="TextBox 7">
-            <a:extLst>
-              <a:ext uri="{FF2B5EF4-FFF2-40B4-BE49-F238E27FC236}">
-                <a16:creationId xmlns:a16="http://schemas.microsoft.com/office/drawing/2014/main" id="{235E8297-2768-4BE9-9E2F-7DC505131776}"/>
-              </a:ext>
-            </a:extLst>
-          </p:cNvPr>
-          <p:cNvSpPr txBox="1"/>
-          <p:nvPr/>
-        </p:nvSpPr>
-        <p:spPr>
-          <a:xfrm>
-            <a:off x="5270133" y="2484118"/>
-            <a:ext cx="889987" cy="369332"/>
-          </a:xfrm>
-          <a:prstGeom prst="rect">
-            <a:avLst/>
-          </a:prstGeom>
-          <a:noFill/>
-        </p:spPr>
-        <p:txBody>
-          <a:bodyPr wrap="none" rtlCol="0">
-            <a:spAutoFit/>
-          </a:bodyPr>
-          <a:lstStyle/>
-          <a:p>
-            <a:r>
-              <a:rPr lang="en-US" altLang="ko-KR" dirty="0">
-                <a:latin typeface="Algerian" panose="020B0604020202020204" pitchFamily="82" charset="0"/>
-              </a:rPr>
-              <a:t>ITEMS</a:t>
-            </a:r>
-            <a:endParaRPr lang="ko-KR" altLang="en-US" dirty="0">
-              <a:latin typeface="Algerian" panose="020B0604020202020204" pitchFamily="82" charset="0"/>
-            </a:endParaRPr>
-          </a:p>
-        </p:txBody>
-      </p:sp>
-      <p:sp>
-        <p:nvSpPr>
-          <p:cNvPr id="9" name="TextBox 8">
-            <a:extLst>
-              <a:ext uri="{FF2B5EF4-FFF2-40B4-BE49-F238E27FC236}">
-                <a16:creationId xmlns:a16="http://schemas.microsoft.com/office/drawing/2014/main" id="{63063001-30E0-415C-8D89-F56C97A5333F}"/>
-              </a:ext>
-            </a:extLst>
-          </p:cNvPr>
-          <p:cNvSpPr txBox="1"/>
-          <p:nvPr/>
-        </p:nvSpPr>
-        <p:spPr>
-          <a:xfrm>
-            <a:off x="6749520" y="2484118"/>
-            <a:ext cx="975588" cy="369332"/>
-          </a:xfrm>
-          <a:prstGeom prst="rect">
-            <a:avLst/>
-          </a:prstGeom>
-          <a:noFill/>
-        </p:spPr>
-        <p:txBody>
-          <a:bodyPr wrap="none" rtlCol="0">
-            <a:spAutoFit/>
-          </a:bodyPr>
-          <a:lstStyle/>
-          <a:p>
-            <a:r>
-              <a:rPr lang="en-US" altLang="ko-KR" dirty="0">
-                <a:latin typeface="Cooper Black" panose="020B0604020202020204" pitchFamily="18" charset="0"/>
-              </a:rPr>
-              <a:t>STORE</a:t>
-            </a:r>
-            <a:endParaRPr lang="ko-KR" altLang="en-US" dirty="0">
-              <a:latin typeface="Cooper Black" panose="020B0604020202020204" pitchFamily="18" charset="0"/>
-            </a:endParaRPr>
-          </a:p>
-        </p:txBody>
-      </p:sp>
-      <p:sp>
-        <p:nvSpPr>
-          <p:cNvPr id="11" name="TextBox 10">
-            <a:extLst>
-              <a:ext uri="{FF2B5EF4-FFF2-40B4-BE49-F238E27FC236}">
-                <a16:creationId xmlns:a16="http://schemas.microsoft.com/office/drawing/2014/main" id="{AC23B053-198D-49D2-945C-98E50902D98E}"/>
-              </a:ext>
-            </a:extLst>
-          </p:cNvPr>
-          <p:cNvSpPr txBox="1"/>
-          <p:nvPr/>
-        </p:nvSpPr>
-        <p:spPr>
-          <a:xfrm>
-            <a:off x="2310007" y="3198167"/>
-            <a:ext cx="697563" cy="400110"/>
-          </a:xfrm>
-          <a:prstGeom prst="rect">
-            <a:avLst/>
-          </a:prstGeom>
-          <a:noFill/>
-        </p:spPr>
-        <p:txBody>
-          <a:bodyPr wrap="none" rtlCol="0">
-            <a:spAutoFit/>
-          </a:bodyPr>
-          <a:lstStyle/>
-          <a:p>
-            <a:r>
-              <a:rPr lang="en-US" altLang="ko-KR" sz="2000" b="1" dirty="0">
-                <a:solidFill>
-                  <a:schemeClr val="bg1">
-                    <a:lumMod val="85000"/>
-                  </a:schemeClr>
-                </a:solidFill>
-                <a:latin typeface="Calibri" panose="020F0502020204030204" pitchFamily="34" charset="0"/>
-                <a:cs typeface="Calibri" panose="020F0502020204030204" pitchFamily="34" charset="0"/>
-              </a:rPr>
-              <a:t>PLAY</a:t>
-            </a:r>
-            <a:endParaRPr lang="ko-KR" altLang="en-US" sz="2000" b="1" dirty="0">
-              <a:solidFill>
-                <a:schemeClr val="bg1">
-                  <a:lumMod val="85000"/>
-                </a:schemeClr>
-              </a:solidFill>
-              <a:latin typeface="Calibri" panose="020F0502020204030204" pitchFamily="34" charset="0"/>
-              <a:cs typeface="Calibri" panose="020F0502020204030204" pitchFamily="34" charset="0"/>
-            </a:endParaRPr>
-          </a:p>
-        </p:txBody>
-      </p:sp>
-      <p:sp>
-        <p:nvSpPr>
-          <p:cNvPr id="12" name="TextBox 11">
-            <a:extLst>
-              <a:ext uri="{FF2B5EF4-FFF2-40B4-BE49-F238E27FC236}">
-                <a16:creationId xmlns:a16="http://schemas.microsoft.com/office/drawing/2014/main" id="{E6535514-8E4C-4BFD-ADAC-1F0538529941}"/>
-              </a:ext>
-            </a:extLst>
-          </p:cNvPr>
-          <p:cNvSpPr txBox="1"/>
-          <p:nvPr/>
-        </p:nvSpPr>
-        <p:spPr>
-          <a:xfrm>
-            <a:off x="3712419" y="3198167"/>
-            <a:ext cx="1155509" cy="400110"/>
-          </a:xfrm>
-          <a:prstGeom prst="rect">
-            <a:avLst/>
-          </a:prstGeom>
-          <a:noFill/>
-        </p:spPr>
-        <p:txBody>
-          <a:bodyPr wrap="none" rtlCol="0">
-            <a:spAutoFit/>
-          </a:bodyPr>
-          <a:lstStyle/>
-          <a:p>
-            <a:r>
-              <a:rPr lang="en-US" altLang="ko-KR" sz="2000" b="1" dirty="0">
-                <a:solidFill>
-                  <a:schemeClr val="bg1">
-                    <a:lumMod val="85000"/>
-                  </a:schemeClr>
-                </a:solidFill>
-                <a:latin typeface="Calibri" panose="020F0502020204030204" pitchFamily="34" charset="0"/>
-                <a:cs typeface="Calibri" panose="020F0502020204030204" pitchFamily="34" charset="0"/>
-              </a:rPr>
-              <a:t>LEGENDS</a:t>
-            </a:r>
-            <a:endParaRPr lang="ko-KR" altLang="en-US" sz="2000" b="1" dirty="0">
-              <a:solidFill>
-                <a:schemeClr val="bg1">
-                  <a:lumMod val="85000"/>
-                </a:schemeClr>
-              </a:solidFill>
-              <a:latin typeface="Calibri" panose="020F0502020204030204" pitchFamily="34" charset="0"/>
-              <a:cs typeface="Calibri" panose="020F0502020204030204" pitchFamily="34" charset="0"/>
-            </a:endParaRPr>
-          </a:p>
-        </p:txBody>
-      </p:sp>
-      <p:sp>
-        <p:nvSpPr>
-          <p:cNvPr id="13" name="TextBox 12">
-            <a:extLst>
-              <a:ext uri="{FF2B5EF4-FFF2-40B4-BE49-F238E27FC236}">
-                <a16:creationId xmlns:a16="http://schemas.microsoft.com/office/drawing/2014/main" id="{D1730865-6F48-480F-A293-24AEAD463D15}"/>
-              </a:ext>
-            </a:extLst>
-          </p:cNvPr>
-          <p:cNvSpPr txBox="1"/>
-          <p:nvPr/>
-        </p:nvSpPr>
-        <p:spPr>
-          <a:xfrm>
-            <a:off x="5270133" y="3198167"/>
-            <a:ext cx="851515" cy="400110"/>
-          </a:xfrm>
-          <a:prstGeom prst="rect">
-            <a:avLst/>
-          </a:prstGeom>
-          <a:noFill/>
-        </p:spPr>
-        <p:txBody>
-          <a:bodyPr wrap="none" rtlCol="0">
-            <a:spAutoFit/>
-          </a:bodyPr>
-          <a:lstStyle/>
-          <a:p>
-            <a:r>
-              <a:rPr lang="en-US" altLang="ko-KR" sz="2000" b="1" dirty="0">
-                <a:solidFill>
-                  <a:schemeClr val="bg1">
-                    <a:lumMod val="85000"/>
-                  </a:schemeClr>
-                </a:solidFill>
-                <a:latin typeface="Calibri" panose="020F0502020204030204" pitchFamily="34" charset="0"/>
-                <a:cs typeface="Calibri" panose="020F0502020204030204" pitchFamily="34" charset="0"/>
-              </a:rPr>
-              <a:t>ITEMS</a:t>
-            </a:r>
-            <a:endParaRPr lang="ko-KR" altLang="en-US" b="1" dirty="0">
-              <a:solidFill>
-                <a:schemeClr val="bg1">
-                  <a:lumMod val="85000"/>
-                </a:schemeClr>
-              </a:solidFill>
-              <a:latin typeface="Calibri" panose="020F0502020204030204" pitchFamily="34" charset="0"/>
-              <a:cs typeface="Calibri" panose="020F0502020204030204" pitchFamily="34" charset="0"/>
-            </a:endParaRPr>
-          </a:p>
-        </p:txBody>
-      </p:sp>
-      <p:sp>
-        <p:nvSpPr>
-          <p:cNvPr id="14" name="TextBox 13">
-            <a:extLst>
-              <a:ext uri="{FF2B5EF4-FFF2-40B4-BE49-F238E27FC236}">
-                <a16:creationId xmlns:a16="http://schemas.microsoft.com/office/drawing/2014/main" id="{D3941BC2-E88B-4396-8986-9D856FF999D3}"/>
-              </a:ext>
-            </a:extLst>
-          </p:cNvPr>
-          <p:cNvSpPr txBox="1"/>
-          <p:nvPr/>
-        </p:nvSpPr>
-        <p:spPr>
-          <a:xfrm>
-            <a:off x="6749520" y="3188314"/>
-            <a:ext cx="866199" cy="400110"/>
-          </a:xfrm>
-          <a:prstGeom prst="rect">
-            <a:avLst/>
-          </a:prstGeom>
-          <a:noFill/>
-        </p:spPr>
-        <p:txBody>
-          <a:bodyPr wrap="none" rtlCol="0">
-            <a:spAutoFit/>
-          </a:bodyPr>
-          <a:lstStyle/>
-          <a:p>
-            <a:r>
-              <a:rPr lang="en-US" altLang="ko-KR" sz="2000" b="1" dirty="0">
-                <a:solidFill>
-                  <a:schemeClr val="bg1">
-                    <a:lumMod val="85000"/>
-                  </a:schemeClr>
-                </a:solidFill>
-                <a:latin typeface="Calibri" panose="020F0502020204030204" pitchFamily="34" charset="0"/>
-                <a:cs typeface="Calibri" panose="020F0502020204030204" pitchFamily="34" charset="0"/>
-              </a:rPr>
-              <a:t>STORE</a:t>
-            </a:r>
-            <a:endParaRPr lang="ko-KR" altLang="en-US" b="1" dirty="0">
-              <a:solidFill>
-                <a:schemeClr val="bg1">
-                  <a:lumMod val="85000"/>
-                </a:schemeClr>
-              </a:solidFill>
-              <a:latin typeface="Calibri" panose="020F0502020204030204" pitchFamily="34" charset="0"/>
-              <a:cs typeface="Calibri" panose="020F0502020204030204" pitchFamily="34" charset="0"/>
-            </a:endParaRPr>
-          </a:p>
-        </p:txBody>
-      </p:sp>
-      <p:sp>
-        <p:nvSpPr>
-          <p:cNvPr id="15" name="TextBox 14">
-            <a:extLst>
-              <a:ext uri="{FF2B5EF4-FFF2-40B4-BE49-F238E27FC236}">
-                <a16:creationId xmlns:a16="http://schemas.microsoft.com/office/drawing/2014/main" id="{D98C9B6A-888D-4F62-ACC5-210E69B867A5}"/>
-              </a:ext>
-            </a:extLst>
-          </p:cNvPr>
-          <p:cNvSpPr txBox="1"/>
-          <p:nvPr/>
-        </p:nvSpPr>
-        <p:spPr>
-          <a:xfrm>
-            <a:off x="2310006" y="4068856"/>
-            <a:ext cx="834396" cy="400110"/>
-          </a:xfrm>
-          <a:prstGeom prst="rect">
-            <a:avLst/>
-          </a:prstGeom>
-          <a:noFill/>
-        </p:spPr>
-        <p:txBody>
-          <a:bodyPr wrap="none" rtlCol="0">
-            <a:spAutoFit/>
-          </a:bodyPr>
-          <a:lstStyle/>
-          <a:p>
-            <a:r>
-              <a:rPr lang="en-US" altLang="ko-KR" sz="2000" b="1" dirty="0">
-                <a:solidFill>
-                  <a:schemeClr val="bg1">
-                    <a:lumMod val="85000"/>
-                  </a:schemeClr>
-                </a:solidFill>
-                <a:latin typeface="Calibri" panose="020F0502020204030204" pitchFamily="34" charset="0"/>
-                <a:cs typeface="Calibri" panose="020F0502020204030204" pitchFamily="34" charset="0"/>
-              </a:rPr>
-              <a:t>START</a:t>
-            </a:r>
-            <a:endParaRPr lang="ko-KR" altLang="en-US" sz="2000" b="1" dirty="0">
-              <a:solidFill>
-                <a:schemeClr val="bg1">
-                  <a:lumMod val="85000"/>
-                </a:schemeClr>
-              </a:solidFill>
-              <a:latin typeface="Calibri" panose="020F0502020204030204" pitchFamily="34" charset="0"/>
-              <a:cs typeface="Calibri" panose="020F0502020204030204" pitchFamily="34" charset="0"/>
-            </a:endParaRPr>
-          </a:p>
-        </p:txBody>
-      </p:sp>
-    </p:spTree>
-    <p:extLst>
-      <p:ext uri="{BB962C8B-B14F-4D97-AF65-F5344CB8AC3E}">
-        <p14:creationId xmlns:p14="http://schemas.microsoft.com/office/powerpoint/2010/main" val="531432603"/>
       </p:ext>
     </p:extLst>
   </p:cSld>

--- a/Projects/SW_Design/UI/UI_design.pptx
+++ b/Projects/SW_Design/UI/UI_design.pptx
@@ -13,8 +13,11 @@
     <p:sldId id="261" r:id="rId7"/>
     <p:sldId id="262" r:id="rId8"/>
     <p:sldId id="265" r:id="rId9"/>
-    <p:sldId id="263" r:id="rId10"/>
-    <p:sldId id="264" r:id="rId11"/>
+    <p:sldId id="267" r:id="rId10"/>
+    <p:sldId id="268" r:id="rId11"/>
+    <p:sldId id="266" r:id="rId12"/>
+    <p:sldId id="263" r:id="rId13"/>
+    <p:sldId id="264" r:id="rId14"/>
   </p:sldIdLst>
   <p:sldSz cx="12192000" cy="6858000"/>
   <p:notesSz cx="6858000" cy="9144000"/>
@@ -3497,6 +3500,5604 @@
       </p:grpSpPr>
       <p:sp>
         <p:nvSpPr>
+          <p:cNvPr id="4" name="Snip Diagonal Corner Rectangle 7">
+            <a:extLst>
+              <a:ext uri="{FF2B5EF4-FFF2-40B4-BE49-F238E27FC236}">
+                <a16:creationId xmlns:a16="http://schemas.microsoft.com/office/drawing/2014/main" id="{01ACB56B-EC7B-4F5A-B548-DD3154C077A8}"/>
+              </a:ext>
+            </a:extLst>
+          </p:cNvPr>
+          <p:cNvSpPr/>
+          <p:nvPr/>
+        </p:nvSpPr>
+        <p:spPr>
+          <a:xfrm flipH="1">
+            <a:off x="0" y="0"/>
+            <a:ext cx="3409949" cy="3063404"/>
+          </a:xfrm>
+          <a:prstGeom prst="snip2DiagRect">
+            <a:avLst>
+              <a:gd name="adj1" fmla="val 0"/>
+              <a:gd name="adj2" fmla="val 15315"/>
+            </a:avLst>
+          </a:prstGeom>
+          <a:solidFill>
+            <a:srgbClr val="000000">
+              <a:alpha val="69804"/>
+            </a:srgbClr>
+          </a:solidFill>
+          <a:ln>
+            <a:noFill/>
+          </a:ln>
+          <a:scene3d>
+            <a:camera prst="orthographicFront"/>
+            <a:lightRig rig="threePt" dir="t"/>
+          </a:scene3d>
+          <a:sp3d>
+            <a:bevelT/>
+          </a:sp3d>
+        </p:spPr>
+        <p:style>
+          <a:lnRef idx="2">
+            <a:schemeClr val="accent1">
+              <a:shade val="50000"/>
+            </a:schemeClr>
+          </a:lnRef>
+          <a:fillRef idx="1">
+            <a:schemeClr val="accent1"/>
+          </a:fillRef>
+          <a:effectRef idx="0">
+            <a:schemeClr val="accent1"/>
+          </a:effectRef>
+          <a:fontRef idx="minor">
+            <a:schemeClr val="lt1"/>
+          </a:fontRef>
+        </p:style>
+        <p:txBody>
+          <a:bodyPr rtlCol="0" anchor="ctr"/>
+          <a:lstStyle/>
+          <a:p>
+            <a:pPr algn="ctr"/>
+            <a:endParaRPr lang="en-US"/>
+          </a:p>
+        </p:txBody>
+      </p:sp>
+      <p:grpSp>
+        <p:nvGrpSpPr>
+          <p:cNvPr id="5" name="Group 8">
+            <a:extLst>
+              <a:ext uri="{FF2B5EF4-FFF2-40B4-BE49-F238E27FC236}">
+                <a16:creationId xmlns:a16="http://schemas.microsoft.com/office/drawing/2014/main" id="{3A5A6433-D492-4950-A521-D997B1ACC8B1}"/>
+              </a:ext>
+            </a:extLst>
+          </p:cNvPr>
+          <p:cNvGrpSpPr/>
+          <p:nvPr/>
+        </p:nvGrpSpPr>
+        <p:grpSpPr>
+          <a:xfrm>
+            <a:off x="3409949" y="0"/>
+            <a:ext cx="1687484" cy="1680557"/>
+            <a:chOff x="1487978" y="856211"/>
+            <a:chExt cx="2535382" cy="2427317"/>
+          </a:xfrm>
+        </p:grpSpPr>
+        <p:sp>
+          <p:nvSpPr>
+            <p:cNvPr id="6" name="Snip Diagonal Corner Rectangle 3">
+              <a:extLst>
+                <a:ext uri="{FF2B5EF4-FFF2-40B4-BE49-F238E27FC236}">
+                  <a16:creationId xmlns:a16="http://schemas.microsoft.com/office/drawing/2014/main" id="{5B0544CF-DA1D-4426-B978-1140C47BF267}"/>
+                </a:ext>
+              </a:extLst>
+            </p:cNvPr>
+            <p:cNvSpPr/>
+            <p:nvPr/>
+          </p:nvSpPr>
+          <p:spPr>
+            <a:xfrm>
+              <a:off x="1487978" y="856211"/>
+              <a:ext cx="2535382" cy="2427317"/>
+            </a:xfrm>
+            <a:prstGeom prst="snip2DiagRect">
+              <a:avLst/>
+            </a:prstGeom>
+            <a:solidFill>
+              <a:srgbClr val="D0CECE"/>
+            </a:solidFill>
+            <a:ln>
+              <a:noFill/>
+            </a:ln>
+            <a:scene3d>
+              <a:camera prst="orthographicFront"/>
+              <a:lightRig rig="threePt" dir="t"/>
+            </a:scene3d>
+            <a:sp3d>
+              <a:bevelT/>
+            </a:sp3d>
+          </p:spPr>
+          <p:style>
+            <a:lnRef idx="2">
+              <a:schemeClr val="accent1">
+                <a:shade val="50000"/>
+              </a:schemeClr>
+            </a:lnRef>
+            <a:fillRef idx="1">
+              <a:schemeClr val="accent1"/>
+            </a:fillRef>
+            <a:effectRef idx="0">
+              <a:schemeClr val="accent1"/>
+            </a:effectRef>
+            <a:fontRef idx="minor">
+              <a:schemeClr val="lt1"/>
+            </a:fontRef>
+          </p:style>
+          <p:txBody>
+            <a:bodyPr rtlCol="0" anchor="ctr"/>
+            <a:lstStyle/>
+            <a:p>
+              <a:pPr algn="ctr"/>
+              <a:endParaRPr lang="en-US"/>
+            </a:p>
+          </p:txBody>
+        </p:sp>
+        <p:sp>
+          <p:nvSpPr>
+            <p:cNvPr id="7" name="Snip Diagonal Corner Rectangle 4">
+              <a:extLst>
+                <a:ext uri="{FF2B5EF4-FFF2-40B4-BE49-F238E27FC236}">
+                  <a16:creationId xmlns:a16="http://schemas.microsoft.com/office/drawing/2014/main" id="{65F4078E-AD55-42F0-A598-950D469FA1F1}"/>
+                </a:ext>
+              </a:extLst>
+            </p:cNvPr>
+            <p:cNvSpPr/>
+            <p:nvPr/>
+          </p:nvSpPr>
+          <p:spPr>
+            <a:xfrm>
+              <a:off x="1640378" y="1008612"/>
+              <a:ext cx="2228589" cy="2133600"/>
+            </a:xfrm>
+            <a:prstGeom prst="snip2DiagRect">
+              <a:avLst/>
+            </a:prstGeom>
+            <a:solidFill>
+              <a:srgbClr val="AFABAB">
+                <a:alpha val="80000"/>
+              </a:srgbClr>
+            </a:solidFill>
+            <a:ln>
+              <a:noFill/>
+            </a:ln>
+            <a:scene3d>
+              <a:camera prst="orthographicFront"/>
+              <a:lightRig rig="threePt" dir="t"/>
+            </a:scene3d>
+            <a:sp3d>
+              <a:bevelT/>
+            </a:sp3d>
+          </p:spPr>
+          <p:style>
+            <a:lnRef idx="2">
+              <a:schemeClr val="accent1">
+                <a:shade val="50000"/>
+              </a:schemeClr>
+            </a:lnRef>
+            <a:fillRef idx="1">
+              <a:schemeClr val="accent1"/>
+            </a:fillRef>
+            <a:effectRef idx="0">
+              <a:schemeClr val="accent1"/>
+            </a:effectRef>
+            <a:fontRef idx="minor">
+              <a:schemeClr val="lt1"/>
+            </a:fontRef>
+          </p:style>
+          <p:txBody>
+            <a:bodyPr rtlCol="0" anchor="ctr"/>
+            <a:lstStyle/>
+            <a:p>
+              <a:pPr algn="ctr"/>
+              <a:endParaRPr lang="en-US"/>
+            </a:p>
+          </p:txBody>
+        </p:sp>
+      </p:grpSp>
+      <p:grpSp>
+        <p:nvGrpSpPr>
+          <p:cNvPr id="17" name="그룹 16">
+            <a:extLst>
+              <a:ext uri="{FF2B5EF4-FFF2-40B4-BE49-F238E27FC236}">
+                <a16:creationId xmlns:a16="http://schemas.microsoft.com/office/drawing/2014/main" id="{04E4B6C9-A8AC-4D7C-850D-1C1FF9129BDE}"/>
+              </a:ext>
+            </a:extLst>
+          </p:cNvPr>
+          <p:cNvGrpSpPr/>
+          <p:nvPr/>
+        </p:nvGrpSpPr>
+        <p:grpSpPr>
+          <a:xfrm>
+            <a:off x="6889865" y="169717"/>
+            <a:ext cx="2216035" cy="1341120"/>
+            <a:chOff x="731520" y="1341120"/>
+            <a:chExt cx="2994660" cy="1341120"/>
+          </a:xfrm>
+        </p:grpSpPr>
+        <p:sp>
+          <p:nvSpPr>
+            <p:cNvPr id="18" name="평행 사변형 17">
+              <a:extLst>
+                <a:ext uri="{FF2B5EF4-FFF2-40B4-BE49-F238E27FC236}">
+                  <a16:creationId xmlns:a16="http://schemas.microsoft.com/office/drawing/2014/main" id="{260F9755-CA73-4B01-9B8B-7B48FFDCC676}"/>
+                </a:ext>
+              </a:extLst>
+            </p:cNvPr>
+            <p:cNvSpPr/>
+            <p:nvPr/>
+          </p:nvSpPr>
+          <p:spPr>
+            <a:xfrm>
+              <a:off x="731520" y="1341120"/>
+              <a:ext cx="2994660" cy="1341120"/>
+            </a:xfrm>
+            <a:prstGeom prst="parallelogram">
+              <a:avLst/>
+            </a:prstGeom>
+            <a:solidFill>
+              <a:schemeClr val="bg1">
+                <a:lumMod val="95000"/>
+              </a:schemeClr>
+            </a:solidFill>
+            <a:ln>
+              <a:noFill/>
+            </a:ln>
+            <a:scene3d>
+              <a:camera prst="orthographicFront"/>
+              <a:lightRig rig="threePt" dir="t"/>
+            </a:scene3d>
+            <a:sp3d>
+              <a:bevelT/>
+            </a:sp3d>
+          </p:spPr>
+          <p:style>
+            <a:lnRef idx="2">
+              <a:schemeClr val="accent1">
+                <a:shade val="50000"/>
+              </a:schemeClr>
+            </a:lnRef>
+            <a:fillRef idx="1">
+              <a:schemeClr val="accent1"/>
+            </a:fillRef>
+            <a:effectRef idx="0">
+              <a:schemeClr val="accent1"/>
+            </a:effectRef>
+            <a:fontRef idx="minor">
+              <a:schemeClr val="lt1"/>
+            </a:fontRef>
+          </p:style>
+          <p:txBody>
+            <a:bodyPr rtlCol="0" anchor="ctr"/>
+            <a:lstStyle/>
+            <a:p>
+              <a:pPr algn="ctr"/>
+              <a:endParaRPr lang="ko-KR" altLang="en-US"/>
+            </a:p>
+          </p:txBody>
+        </p:sp>
+        <p:sp>
+          <p:nvSpPr>
+            <p:cNvPr id="19" name="평행 사변형 18">
+              <a:extLst>
+                <a:ext uri="{FF2B5EF4-FFF2-40B4-BE49-F238E27FC236}">
+                  <a16:creationId xmlns:a16="http://schemas.microsoft.com/office/drawing/2014/main" id="{B3501680-2A17-4CF8-9036-DE26A5F23E0D}"/>
+                </a:ext>
+              </a:extLst>
+            </p:cNvPr>
+            <p:cNvSpPr/>
+            <p:nvPr/>
+          </p:nvSpPr>
+          <p:spPr>
+            <a:xfrm>
+              <a:off x="783994" y="1341120"/>
+              <a:ext cx="2942185" cy="1121088"/>
+            </a:xfrm>
+            <a:prstGeom prst="parallelogram">
+              <a:avLst/>
+            </a:prstGeom>
+            <a:solidFill>
+              <a:srgbClr val="999595">
+                <a:alpha val="49804"/>
+              </a:srgbClr>
+            </a:solidFill>
+            <a:ln>
+              <a:noFill/>
+            </a:ln>
+            <a:scene3d>
+              <a:camera prst="orthographicFront"/>
+              <a:lightRig rig="threePt" dir="t"/>
+            </a:scene3d>
+            <a:sp3d>
+              <a:bevelT/>
+            </a:sp3d>
+          </p:spPr>
+          <p:style>
+            <a:lnRef idx="2">
+              <a:schemeClr val="accent1">
+                <a:shade val="50000"/>
+              </a:schemeClr>
+            </a:lnRef>
+            <a:fillRef idx="1">
+              <a:schemeClr val="accent1"/>
+            </a:fillRef>
+            <a:effectRef idx="0">
+              <a:schemeClr val="accent1"/>
+            </a:effectRef>
+            <a:fontRef idx="minor">
+              <a:schemeClr val="lt1"/>
+            </a:fontRef>
+          </p:style>
+          <p:txBody>
+            <a:bodyPr rtlCol="0" anchor="ctr"/>
+            <a:lstStyle/>
+            <a:p>
+              <a:pPr algn="ctr"/>
+              <a:endParaRPr lang="ko-KR" altLang="en-US" dirty="0"/>
+            </a:p>
+          </p:txBody>
+        </p:sp>
+      </p:grpSp>
+      <p:grpSp>
+        <p:nvGrpSpPr>
+          <p:cNvPr id="20" name="Group 8">
+            <a:extLst>
+              <a:ext uri="{FF2B5EF4-FFF2-40B4-BE49-F238E27FC236}">
+                <a16:creationId xmlns:a16="http://schemas.microsoft.com/office/drawing/2014/main" id="{9EE97310-D067-4C26-9845-BD0D490B0D64}"/>
+              </a:ext>
+            </a:extLst>
+          </p:cNvPr>
+          <p:cNvGrpSpPr/>
+          <p:nvPr/>
+        </p:nvGrpSpPr>
+        <p:grpSpPr>
+          <a:xfrm>
+            <a:off x="3511382" y="1697748"/>
+            <a:ext cx="1584724" cy="1578219"/>
+            <a:chOff x="1487978" y="856211"/>
+            <a:chExt cx="2535382" cy="2427317"/>
+          </a:xfrm>
+        </p:grpSpPr>
+        <p:sp>
+          <p:nvSpPr>
+            <p:cNvPr id="21" name="Snip Diagonal Corner Rectangle 3">
+              <a:extLst>
+                <a:ext uri="{FF2B5EF4-FFF2-40B4-BE49-F238E27FC236}">
+                  <a16:creationId xmlns:a16="http://schemas.microsoft.com/office/drawing/2014/main" id="{BFCB5D21-816F-4EB5-ACE5-A516AD61DA33}"/>
+                </a:ext>
+              </a:extLst>
+            </p:cNvPr>
+            <p:cNvSpPr/>
+            <p:nvPr/>
+          </p:nvSpPr>
+          <p:spPr>
+            <a:xfrm>
+              <a:off x="1487978" y="856211"/>
+              <a:ext cx="2535382" cy="2427317"/>
+            </a:xfrm>
+            <a:prstGeom prst="snip2DiagRect">
+              <a:avLst/>
+            </a:prstGeom>
+            <a:solidFill>
+              <a:srgbClr val="D0CECE"/>
+            </a:solidFill>
+            <a:ln>
+              <a:noFill/>
+            </a:ln>
+            <a:scene3d>
+              <a:camera prst="orthographicFront"/>
+              <a:lightRig rig="threePt" dir="t"/>
+            </a:scene3d>
+            <a:sp3d>
+              <a:bevelT/>
+            </a:sp3d>
+          </p:spPr>
+          <p:style>
+            <a:lnRef idx="2">
+              <a:schemeClr val="accent1">
+                <a:shade val="50000"/>
+              </a:schemeClr>
+            </a:lnRef>
+            <a:fillRef idx="1">
+              <a:schemeClr val="accent1"/>
+            </a:fillRef>
+            <a:effectRef idx="0">
+              <a:schemeClr val="accent1"/>
+            </a:effectRef>
+            <a:fontRef idx="minor">
+              <a:schemeClr val="lt1"/>
+            </a:fontRef>
+          </p:style>
+          <p:txBody>
+            <a:bodyPr rtlCol="0" anchor="ctr"/>
+            <a:lstStyle/>
+            <a:p>
+              <a:pPr algn="ctr"/>
+              <a:endParaRPr lang="en-US"/>
+            </a:p>
+          </p:txBody>
+        </p:sp>
+        <p:sp>
+          <p:nvSpPr>
+            <p:cNvPr id="22" name="Snip Diagonal Corner Rectangle 4">
+              <a:extLst>
+                <a:ext uri="{FF2B5EF4-FFF2-40B4-BE49-F238E27FC236}">
+                  <a16:creationId xmlns:a16="http://schemas.microsoft.com/office/drawing/2014/main" id="{5B1BB08A-E5A2-407F-9AA6-3BE4C73331E3}"/>
+                </a:ext>
+              </a:extLst>
+            </p:cNvPr>
+            <p:cNvSpPr/>
+            <p:nvPr/>
+          </p:nvSpPr>
+          <p:spPr>
+            <a:xfrm>
+              <a:off x="1640378" y="1008612"/>
+              <a:ext cx="2228589" cy="2133600"/>
+            </a:xfrm>
+            <a:prstGeom prst="snip2DiagRect">
+              <a:avLst/>
+            </a:prstGeom>
+            <a:solidFill>
+              <a:srgbClr val="AFABAB">
+                <a:alpha val="80000"/>
+              </a:srgbClr>
+            </a:solidFill>
+            <a:ln>
+              <a:noFill/>
+            </a:ln>
+            <a:scene3d>
+              <a:camera prst="orthographicFront"/>
+              <a:lightRig rig="threePt" dir="t"/>
+            </a:scene3d>
+            <a:sp3d>
+              <a:bevelT/>
+            </a:sp3d>
+          </p:spPr>
+          <p:style>
+            <a:lnRef idx="2">
+              <a:schemeClr val="accent1">
+                <a:shade val="50000"/>
+              </a:schemeClr>
+            </a:lnRef>
+            <a:fillRef idx="1">
+              <a:schemeClr val="accent1"/>
+            </a:fillRef>
+            <a:effectRef idx="0">
+              <a:schemeClr val="accent1"/>
+            </a:effectRef>
+            <a:fontRef idx="minor">
+              <a:schemeClr val="lt1"/>
+            </a:fontRef>
+          </p:style>
+          <p:txBody>
+            <a:bodyPr rtlCol="0" anchor="ctr"/>
+            <a:lstStyle/>
+            <a:p>
+              <a:pPr algn="ctr"/>
+              <a:endParaRPr lang="en-US"/>
+            </a:p>
+          </p:txBody>
+        </p:sp>
+      </p:grpSp>
+      <p:grpSp>
+        <p:nvGrpSpPr>
+          <p:cNvPr id="23" name="그룹 22">
+            <a:extLst>
+              <a:ext uri="{FF2B5EF4-FFF2-40B4-BE49-F238E27FC236}">
+                <a16:creationId xmlns:a16="http://schemas.microsoft.com/office/drawing/2014/main" id="{EFB8BCCF-964C-45D9-B283-03FDCA8751B9}"/>
+              </a:ext>
+            </a:extLst>
+          </p:cNvPr>
+          <p:cNvGrpSpPr/>
+          <p:nvPr/>
+        </p:nvGrpSpPr>
+        <p:grpSpPr>
+          <a:xfrm>
+            <a:off x="6928696" y="1999771"/>
+            <a:ext cx="2072429" cy="1184314"/>
+            <a:chOff x="731520" y="1341120"/>
+            <a:chExt cx="2994660" cy="1341120"/>
+          </a:xfrm>
+        </p:grpSpPr>
+        <p:sp>
+          <p:nvSpPr>
+            <p:cNvPr id="24" name="평행 사변형 23">
+              <a:extLst>
+                <a:ext uri="{FF2B5EF4-FFF2-40B4-BE49-F238E27FC236}">
+                  <a16:creationId xmlns:a16="http://schemas.microsoft.com/office/drawing/2014/main" id="{89538C9A-832A-468C-A98C-B3ECA90DAB97}"/>
+                </a:ext>
+              </a:extLst>
+            </p:cNvPr>
+            <p:cNvSpPr/>
+            <p:nvPr/>
+          </p:nvSpPr>
+          <p:spPr>
+            <a:xfrm>
+              <a:off x="731520" y="1341120"/>
+              <a:ext cx="2994660" cy="1341120"/>
+            </a:xfrm>
+            <a:prstGeom prst="parallelogram">
+              <a:avLst/>
+            </a:prstGeom>
+            <a:solidFill>
+              <a:schemeClr val="bg1">
+                <a:lumMod val="95000"/>
+              </a:schemeClr>
+            </a:solidFill>
+            <a:ln>
+              <a:noFill/>
+            </a:ln>
+            <a:scene3d>
+              <a:camera prst="orthographicFront"/>
+              <a:lightRig rig="threePt" dir="t"/>
+            </a:scene3d>
+            <a:sp3d>
+              <a:bevelT/>
+            </a:sp3d>
+          </p:spPr>
+          <p:style>
+            <a:lnRef idx="2">
+              <a:schemeClr val="accent1">
+                <a:shade val="50000"/>
+              </a:schemeClr>
+            </a:lnRef>
+            <a:fillRef idx="1">
+              <a:schemeClr val="accent1"/>
+            </a:fillRef>
+            <a:effectRef idx="0">
+              <a:schemeClr val="accent1"/>
+            </a:effectRef>
+            <a:fontRef idx="minor">
+              <a:schemeClr val="lt1"/>
+            </a:fontRef>
+          </p:style>
+          <p:txBody>
+            <a:bodyPr rtlCol="0" anchor="ctr"/>
+            <a:lstStyle/>
+            <a:p>
+              <a:pPr algn="ctr"/>
+              <a:endParaRPr lang="ko-KR" altLang="en-US"/>
+            </a:p>
+          </p:txBody>
+        </p:sp>
+        <p:sp>
+          <p:nvSpPr>
+            <p:cNvPr id="25" name="평행 사변형 24">
+              <a:extLst>
+                <a:ext uri="{FF2B5EF4-FFF2-40B4-BE49-F238E27FC236}">
+                  <a16:creationId xmlns:a16="http://schemas.microsoft.com/office/drawing/2014/main" id="{8E304941-D3C8-4518-8181-03B88A2384A0}"/>
+                </a:ext>
+              </a:extLst>
+            </p:cNvPr>
+            <p:cNvSpPr/>
+            <p:nvPr/>
+          </p:nvSpPr>
+          <p:spPr>
+            <a:xfrm>
+              <a:off x="783994" y="1341120"/>
+              <a:ext cx="2942185" cy="1121088"/>
+            </a:xfrm>
+            <a:prstGeom prst="parallelogram">
+              <a:avLst/>
+            </a:prstGeom>
+            <a:solidFill>
+              <a:srgbClr val="999595">
+                <a:alpha val="49804"/>
+              </a:srgbClr>
+            </a:solidFill>
+            <a:ln>
+              <a:noFill/>
+            </a:ln>
+            <a:scene3d>
+              <a:camera prst="orthographicFront"/>
+              <a:lightRig rig="threePt" dir="t"/>
+            </a:scene3d>
+            <a:sp3d>
+              <a:bevelT/>
+            </a:sp3d>
+          </p:spPr>
+          <p:style>
+            <a:lnRef idx="2">
+              <a:schemeClr val="accent1">
+                <a:shade val="50000"/>
+              </a:schemeClr>
+            </a:lnRef>
+            <a:fillRef idx="1">
+              <a:schemeClr val="accent1"/>
+            </a:fillRef>
+            <a:effectRef idx="0">
+              <a:schemeClr val="accent1"/>
+            </a:effectRef>
+            <a:fontRef idx="minor">
+              <a:schemeClr val="lt1"/>
+            </a:fontRef>
+          </p:style>
+          <p:txBody>
+            <a:bodyPr rtlCol="0" anchor="ctr"/>
+            <a:lstStyle/>
+            <a:p>
+              <a:pPr algn="ctr"/>
+              <a:endParaRPr lang="ko-KR" altLang="en-US" dirty="0"/>
+            </a:p>
+          </p:txBody>
+        </p:sp>
+      </p:grpSp>
+      <p:grpSp>
+        <p:nvGrpSpPr>
+          <p:cNvPr id="26" name="Group 8">
+            <a:extLst>
+              <a:ext uri="{FF2B5EF4-FFF2-40B4-BE49-F238E27FC236}">
+                <a16:creationId xmlns:a16="http://schemas.microsoft.com/office/drawing/2014/main" id="{79114F96-94A3-41FA-BE43-4840B5760775}"/>
+              </a:ext>
+            </a:extLst>
+          </p:cNvPr>
+          <p:cNvGrpSpPr/>
+          <p:nvPr/>
+        </p:nvGrpSpPr>
+        <p:grpSpPr>
+          <a:xfrm>
+            <a:off x="5149907" y="-1"/>
+            <a:ext cx="1687484" cy="1680557"/>
+            <a:chOff x="1487978" y="856211"/>
+            <a:chExt cx="2535382" cy="2427317"/>
+          </a:xfrm>
+        </p:grpSpPr>
+        <p:sp>
+          <p:nvSpPr>
+            <p:cNvPr id="27" name="Snip Diagonal Corner Rectangle 3">
+              <a:extLst>
+                <a:ext uri="{FF2B5EF4-FFF2-40B4-BE49-F238E27FC236}">
+                  <a16:creationId xmlns:a16="http://schemas.microsoft.com/office/drawing/2014/main" id="{D4EB030E-EFCE-4393-8A9B-7F23A6BE3894}"/>
+                </a:ext>
+              </a:extLst>
+            </p:cNvPr>
+            <p:cNvSpPr/>
+            <p:nvPr/>
+          </p:nvSpPr>
+          <p:spPr>
+            <a:xfrm>
+              <a:off x="1487978" y="856211"/>
+              <a:ext cx="2535382" cy="2427317"/>
+            </a:xfrm>
+            <a:prstGeom prst="snip2DiagRect">
+              <a:avLst/>
+            </a:prstGeom>
+            <a:solidFill>
+              <a:srgbClr val="E3E1E1"/>
+            </a:solidFill>
+            <a:ln>
+              <a:noFill/>
+            </a:ln>
+            <a:scene3d>
+              <a:camera prst="orthographicFront"/>
+              <a:lightRig rig="threePt" dir="t"/>
+            </a:scene3d>
+            <a:sp3d>
+              <a:bevelT/>
+            </a:sp3d>
+          </p:spPr>
+          <p:style>
+            <a:lnRef idx="2">
+              <a:schemeClr val="accent1">
+                <a:shade val="50000"/>
+              </a:schemeClr>
+            </a:lnRef>
+            <a:fillRef idx="1">
+              <a:schemeClr val="accent1"/>
+            </a:fillRef>
+            <a:effectRef idx="0">
+              <a:schemeClr val="accent1"/>
+            </a:effectRef>
+            <a:fontRef idx="minor">
+              <a:schemeClr val="lt1"/>
+            </a:fontRef>
+          </p:style>
+          <p:txBody>
+            <a:bodyPr rtlCol="0" anchor="ctr"/>
+            <a:lstStyle/>
+            <a:p>
+              <a:pPr algn="ctr"/>
+              <a:endParaRPr lang="en-US"/>
+            </a:p>
+          </p:txBody>
+        </p:sp>
+        <p:sp>
+          <p:nvSpPr>
+            <p:cNvPr id="28" name="Snip Diagonal Corner Rectangle 4">
+              <a:extLst>
+                <a:ext uri="{FF2B5EF4-FFF2-40B4-BE49-F238E27FC236}">
+                  <a16:creationId xmlns:a16="http://schemas.microsoft.com/office/drawing/2014/main" id="{28766F41-2CFF-4F7C-BE53-CD87D7F80430}"/>
+                </a:ext>
+              </a:extLst>
+            </p:cNvPr>
+            <p:cNvSpPr/>
+            <p:nvPr/>
+          </p:nvSpPr>
+          <p:spPr>
+            <a:xfrm>
+              <a:off x="1640378" y="1008612"/>
+              <a:ext cx="2228589" cy="2133600"/>
+            </a:xfrm>
+            <a:prstGeom prst="snip2DiagRect">
+              <a:avLst/>
+            </a:prstGeom>
+            <a:solidFill>
+              <a:srgbClr val="D0CECE">
+                <a:alpha val="80000"/>
+              </a:srgbClr>
+            </a:solidFill>
+            <a:ln>
+              <a:noFill/>
+            </a:ln>
+            <a:scene3d>
+              <a:camera prst="orthographicFront"/>
+              <a:lightRig rig="threePt" dir="t"/>
+            </a:scene3d>
+            <a:sp3d>
+              <a:bevelT/>
+            </a:sp3d>
+          </p:spPr>
+          <p:style>
+            <a:lnRef idx="2">
+              <a:schemeClr val="accent1">
+                <a:shade val="50000"/>
+              </a:schemeClr>
+            </a:lnRef>
+            <a:fillRef idx="1">
+              <a:schemeClr val="accent1"/>
+            </a:fillRef>
+            <a:effectRef idx="0">
+              <a:schemeClr val="accent1"/>
+            </a:effectRef>
+            <a:fontRef idx="minor">
+              <a:schemeClr val="lt1"/>
+            </a:fontRef>
+          </p:style>
+          <p:txBody>
+            <a:bodyPr rtlCol="0" anchor="ctr"/>
+            <a:lstStyle/>
+            <a:p>
+              <a:pPr algn="ctr"/>
+              <a:endParaRPr lang="en-US"/>
+            </a:p>
+          </p:txBody>
+        </p:sp>
+      </p:grpSp>
+      <p:grpSp>
+        <p:nvGrpSpPr>
+          <p:cNvPr id="29" name="Group 8">
+            <a:extLst>
+              <a:ext uri="{FF2B5EF4-FFF2-40B4-BE49-F238E27FC236}">
+                <a16:creationId xmlns:a16="http://schemas.microsoft.com/office/drawing/2014/main" id="{E373C914-E388-4066-B278-129EB1387E85}"/>
+              </a:ext>
+            </a:extLst>
+          </p:cNvPr>
+          <p:cNvGrpSpPr/>
+          <p:nvPr/>
+        </p:nvGrpSpPr>
+        <p:grpSpPr>
+          <a:xfrm>
+            <a:off x="5191363" y="1680556"/>
+            <a:ext cx="1687484" cy="1680557"/>
+            <a:chOff x="1487978" y="856211"/>
+            <a:chExt cx="2535382" cy="2427317"/>
+          </a:xfrm>
+          <a:effectLst/>
+        </p:grpSpPr>
+        <p:sp>
+          <p:nvSpPr>
+            <p:cNvPr id="30" name="Snip Diagonal Corner Rectangle 3">
+              <a:extLst>
+                <a:ext uri="{FF2B5EF4-FFF2-40B4-BE49-F238E27FC236}">
+                  <a16:creationId xmlns:a16="http://schemas.microsoft.com/office/drawing/2014/main" id="{785E0E4D-B686-4787-82DE-DDB2EE9564D1}"/>
+                </a:ext>
+              </a:extLst>
+            </p:cNvPr>
+            <p:cNvSpPr/>
+            <p:nvPr/>
+          </p:nvSpPr>
+          <p:spPr>
+            <a:xfrm>
+              <a:off x="1487978" y="856211"/>
+              <a:ext cx="2535382" cy="2427317"/>
+            </a:xfrm>
+            <a:prstGeom prst="snip2DiagRect">
+              <a:avLst/>
+            </a:prstGeom>
+            <a:solidFill>
+              <a:srgbClr val="EE7E22"/>
+            </a:solidFill>
+            <a:ln>
+              <a:noFill/>
+            </a:ln>
+            <a:scene3d>
+              <a:camera prst="orthographicFront"/>
+              <a:lightRig rig="threePt" dir="t"/>
+            </a:scene3d>
+            <a:sp3d>
+              <a:bevelT/>
+            </a:sp3d>
+          </p:spPr>
+          <p:style>
+            <a:lnRef idx="2">
+              <a:schemeClr val="accent1">
+                <a:shade val="50000"/>
+              </a:schemeClr>
+            </a:lnRef>
+            <a:fillRef idx="1">
+              <a:schemeClr val="accent1"/>
+            </a:fillRef>
+            <a:effectRef idx="0">
+              <a:schemeClr val="accent1"/>
+            </a:effectRef>
+            <a:fontRef idx="minor">
+              <a:schemeClr val="lt1"/>
+            </a:fontRef>
+          </p:style>
+          <p:txBody>
+            <a:bodyPr rtlCol="0" anchor="ctr"/>
+            <a:lstStyle/>
+            <a:p>
+              <a:pPr algn="ctr"/>
+              <a:endParaRPr lang="en-US"/>
+            </a:p>
+          </p:txBody>
+        </p:sp>
+        <p:sp>
+          <p:nvSpPr>
+            <p:cNvPr id="31" name="Snip Diagonal Corner Rectangle 4">
+              <a:extLst>
+                <a:ext uri="{FF2B5EF4-FFF2-40B4-BE49-F238E27FC236}">
+                  <a16:creationId xmlns:a16="http://schemas.microsoft.com/office/drawing/2014/main" id="{AC39E667-7B1C-413E-88F2-782DE498E73B}"/>
+                </a:ext>
+              </a:extLst>
+            </p:cNvPr>
+            <p:cNvSpPr/>
+            <p:nvPr/>
+          </p:nvSpPr>
+          <p:spPr>
+            <a:xfrm>
+              <a:off x="1640377" y="1008612"/>
+              <a:ext cx="2228590" cy="2133601"/>
+            </a:xfrm>
+            <a:prstGeom prst="snip2DiagRect">
+              <a:avLst/>
+            </a:prstGeom>
+            <a:solidFill>
+              <a:srgbClr val="AFABAB">
+                <a:alpha val="69804"/>
+              </a:srgbClr>
+            </a:solidFill>
+            <a:ln>
+              <a:noFill/>
+            </a:ln>
+            <a:scene3d>
+              <a:camera prst="orthographicFront"/>
+              <a:lightRig rig="threePt" dir="t"/>
+            </a:scene3d>
+            <a:sp3d>
+              <a:bevelT/>
+            </a:sp3d>
+          </p:spPr>
+          <p:style>
+            <a:lnRef idx="2">
+              <a:schemeClr val="accent1">
+                <a:shade val="50000"/>
+              </a:schemeClr>
+            </a:lnRef>
+            <a:fillRef idx="1">
+              <a:schemeClr val="accent1"/>
+            </a:fillRef>
+            <a:effectRef idx="0">
+              <a:schemeClr val="accent1"/>
+            </a:effectRef>
+            <a:fontRef idx="minor">
+              <a:schemeClr val="lt1"/>
+            </a:fontRef>
+          </p:style>
+          <p:txBody>
+            <a:bodyPr rtlCol="0" anchor="ctr"/>
+            <a:lstStyle/>
+            <a:p>
+              <a:pPr algn="ctr"/>
+              <a:endParaRPr lang="en-US"/>
+            </a:p>
+          </p:txBody>
+        </p:sp>
+      </p:grpSp>
+      <p:grpSp>
+        <p:nvGrpSpPr>
+          <p:cNvPr id="32" name="그룹 31">
+            <a:extLst>
+              <a:ext uri="{FF2B5EF4-FFF2-40B4-BE49-F238E27FC236}">
+                <a16:creationId xmlns:a16="http://schemas.microsoft.com/office/drawing/2014/main" id="{6A73A5D6-A5DE-4CAB-9F88-FD42424F95C6}"/>
+              </a:ext>
+            </a:extLst>
+          </p:cNvPr>
+          <p:cNvGrpSpPr/>
+          <p:nvPr/>
+        </p:nvGrpSpPr>
+        <p:grpSpPr>
+          <a:xfrm>
+            <a:off x="9366365" y="190582"/>
+            <a:ext cx="2216035" cy="1341120"/>
+            <a:chOff x="731520" y="1341120"/>
+            <a:chExt cx="2994660" cy="1341120"/>
+          </a:xfrm>
+        </p:grpSpPr>
+        <p:sp>
+          <p:nvSpPr>
+            <p:cNvPr id="33" name="평행 사변형 32">
+              <a:extLst>
+                <a:ext uri="{FF2B5EF4-FFF2-40B4-BE49-F238E27FC236}">
+                  <a16:creationId xmlns:a16="http://schemas.microsoft.com/office/drawing/2014/main" id="{A5E7D7DE-112E-41F6-8222-96EB8ED2D799}"/>
+                </a:ext>
+              </a:extLst>
+            </p:cNvPr>
+            <p:cNvSpPr/>
+            <p:nvPr/>
+          </p:nvSpPr>
+          <p:spPr>
+            <a:xfrm>
+              <a:off x="731520" y="1341120"/>
+              <a:ext cx="2994660" cy="1341120"/>
+            </a:xfrm>
+            <a:prstGeom prst="parallelogram">
+              <a:avLst/>
+            </a:prstGeom>
+            <a:solidFill>
+              <a:srgbClr val="FFFFFF"/>
+            </a:solidFill>
+            <a:ln>
+              <a:noFill/>
+            </a:ln>
+            <a:scene3d>
+              <a:camera prst="orthographicFront"/>
+              <a:lightRig rig="threePt" dir="t"/>
+            </a:scene3d>
+            <a:sp3d>
+              <a:bevelT/>
+            </a:sp3d>
+          </p:spPr>
+          <p:style>
+            <a:lnRef idx="2">
+              <a:schemeClr val="accent1">
+                <a:shade val="50000"/>
+              </a:schemeClr>
+            </a:lnRef>
+            <a:fillRef idx="1">
+              <a:schemeClr val="accent1"/>
+            </a:fillRef>
+            <a:effectRef idx="0">
+              <a:schemeClr val="accent1"/>
+            </a:effectRef>
+            <a:fontRef idx="minor">
+              <a:schemeClr val="lt1"/>
+            </a:fontRef>
+          </p:style>
+          <p:txBody>
+            <a:bodyPr rtlCol="0" anchor="ctr"/>
+            <a:lstStyle/>
+            <a:p>
+              <a:pPr algn="ctr"/>
+              <a:endParaRPr lang="ko-KR" altLang="en-US" dirty="0"/>
+            </a:p>
+          </p:txBody>
+        </p:sp>
+        <p:sp>
+          <p:nvSpPr>
+            <p:cNvPr id="34" name="평행 사변형 33">
+              <a:extLst>
+                <a:ext uri="{FF2B5EF4-FFF2-40B4-BE49-F238E27FC236}">
+                  <a16:creationId xmlns:a16="http://schemas.microsoft.com/office/drawing/2014/main" id="{3A914824-9722-43F6-A8F7-1DA73638A85F}"/>
+                </a:ext>
+              </a:extLst>
+            </p:cNvPr>
+            <p:cNvSpPr/>
+            <p:nvPr/>
+          </p:nvSpPr>
+          <p:spPr>
+            <a:xfrm>
+              <a:off x="783994" y="1341120"/>
+              <a:ext cx="2942185" cy="1121088"/>
+            </a:xfrm>
+            <a:prstGeom prst="parallelogram">
+              <a:avLst/>
+            </a:prstGeom>
+            <a:solidFill>
+              <a:srgbClr val="D8D6D6">
+                <a:alpha val="69804"/>
+              </a:srgbClr>
+            </a:solidFill>
+            <a:ln>
+              <a:noFill/>
+            </a:ln>
+            <a:scene3d>
+              <a:camera prst="orthographicFront"/>
+              <a:lightRig rig="threePt" dir="t"/>
+            </a:scene3d>
+            <a:sp3d>
+              <a:bevelT/>
+            </a:sp3d>
+          </p:spPr>
+          <p:style>
+            <a:lnRef idx="2">
+              <a:schemeClr val="accent1">
+                <a:shade val="50000"/>
+              </a:schemeClr>
+            </a:lnRef>
+            <a:fillRef idx="1">
+              <a:schemeClr val="accent1"/>
+            </a:fillRef>
+            <a:effectRef idx="0">
+              <a:schemeClr val="accent1"/>
+            </a:effectRef>
+            <a:fontRef idx="minor">
+              <a:schemeClr val="lt1"/>
+            </a:fontRef>
+          </p:style>
+          <p:txBody>
+            <a:bodyPr rtlCol="0" anchor="ctr"/>
+            <a:lstStyle/>
+            <a:p>
+              <a:pPr algn="ctr"/>
+              <a:endParaRPr lang="ko-KR" altLang="en-US" dirty="0"/>
+            </a:p>
+          </p:txBody>
+        </p:sp>
+      </p:grpSp>
+      <p:grpSp>
+        <p:nvGrpSpPr>
+          <p:cNvPr id="35" name="그룹 34">
+            <a:extLst>
+              <a:ext uri="{FF2B5EF4-FFF2-40B4-BE49-F238E27FC236}">
+                <a16:creationId xmlns:a16="http://schemas.microsoft.com/office/drawing/2014/main" id="{E125DCF8-91D8-49BB-A85A-E46EE13B6BD0}"/>
+              </a:ext>
+            </a:extLst>
+          </p:cNvPr>
+          <p:cNvGrpSpPr/>
+          <p:nvPr/>
+        </p:nvGrpSpPr>
+        <p:grpSpPr>
+          <a:xfrm>
+            <a:off x="9105900" y="1850274"/>
+            <a:ext cx="2216035" cy="1341120"/>
+            <a:chOff x="731520" y="1341120"/>
+            <a:chExt cx="2994660" cy="1341120"/>
+          </a:xfrm>
+          <a:effectLst/>
+        </p:grpSpPr>
+        <p:sp>
+          <p:nvSpPr>
+            <p:cNvPr id="36" name="평행 사변형 35">
+              <a:extLst>
+                <a:ext uri="{FF2B5EF4-FFF2-40B4-BE49-F238E27FC236}">
+                  <a16:creationId xmlns:a16="http://schemas.microsoft.com/office/drawing/2014/main" id="{EDB24138-F035-4C8E-8BDB-D6756EDCB6DD}"/>
+                </a:ext>
+              </a:extLst>
+            </p:cNvPr>
+            <p:cNvSpPr/>
+            <p:nvPr/>
+          </p:nvSpPr>
+          <p:spPr>
+            <a:xfrm>
+              <a:off x="731520" y="1341120"/>
+              <a:ext cx="2994660" cy="1341120"/>
+            </a:xfrm>
+            <a:prstGeom prst="parallelogram">
+              <a:avLst/>
+            </a:prstGeom>
+            <a:solidFill>
+              <a:srgbClr val="EE7E22"/>
+            </a:solidFill>
+            <a:ln>
+              <a:noFill/>
+            </a:ln>
+            <a:scene3d>
+              <a:camera prst="orthographicFront"/>
+              <a:lightRig rig="threePt" dir="t"/>
+            </a:scene3d>
+            <a:sp3d>
+              <a:bevelT/>
+            </a:sp3d>
+          </p:spPr>
+          <p:style>
+            <a:lnRef idx="2">
+              <a:schemeClr val="accent1">
+                <a:shade val="50000"/>
+              </a:schemeClr>
+            </a:lnRef>
+            <a:fillRef idx="1">
+              <a:schemeClr val="accent1"/>
+            </a:fillRef>
+            <a:effectRef idx="0">
+              <a:schemeClr val="accent1"/>
+            </a:effectRef>
+            <a:fontRef idx="minor">
+              <a:schemeClr val="lt1"/>
+            </a:fontRef>
+          </p:style>
+          <p:txBody>
+            <a:bodyPr rtlCol="0" anchor="ctr"/>
+            <a:lstStyle/>
+            <a:p>
+              <a:pPr algn="ctr"/>
+              <a:endParaRPr lang="ko-KR" altLang="en-US" dirty="0"/>
+            </a:p>
+          </p:txBody>
+        </p:sp>
+        <p:sp>
+          <p:nvSpPr>
+            <p:cNvPr id="37" name="평행 사변형 36">
+              <a:extLst>
+                <a:ext uri="{FF2B5EF4-FFF2-40B4-BE49-F238E27FC236}">
+                  <a16:creationId xmlns:a16="http://schemas.microsoft.com/office/drawing/2014/main" id="{20282EF4-6538-44C2-ACD3-9B49F3652534}"/>
+                </a:ext>
+              </a:extLst>
+            </p:cNvPr>
+            <p:cNvSpPr/>
+            <p:nvPr/>
+          </p:nvSpPr>
+          <p:spPr>
+            <a:xfrm>
+              <a:off x="783994" y="1341120"/>
+              <a:ext cx="2942185" cy="1121088"/>
+            </a:xfrm>
+            <a:prstGeom prst="parallelogram">
+              <a:avLst/>
+            </a:prstGeom>
+            <a:solidFill>
+              <a:srgbClr val="D8D6D6">
+                <a:alpha val="69804"/>
+              </a:srgbClr>
+            </a:solidFill>
+            <a:ln>
+              <a:noFill/>
+            </a:ln>
+            <a:scene3d>
+              <a:camera prst="orthographicFront"/>
+              <a:lightRig rig="threePt" dir="t"/>
+            </a:scene3d>
+            <a:sp3d>
+              <a:bevelT/>
+            </a:sp3d>
+          </p:spPr>
+          <p:style>
+            <a:lnRef idx="2">
+              <a:schemeClr val="accent1">
+                <a:shade val="50000"/>
+              </a:schemeClr>
+            </a:lnRef>
+            <a:fillRef idx="1">
+              <a:schemeClr val="accent1"/>
+            </a:fillRef>
+            <a:effectRef idx="0">
+              <a:schemeClr val="accent1"/>
+            </a:effectRef>
+            <a:fontRef idx="minor">
+              <a:schemeClr val="lt1"/>
+            </a:fontRef>
+          </p:style>
+          <p:txBody>
+            <a:bodyPr rtlCol="0" anchor="ctr"/>
+            <a:lstStyle/>
+            <a:p>
+              <a:pPr algn="ctr"/>
+              <a:endParaRPr lang="ko-KR" altLang="en-US" dirty="0"/>
+            </a:p>
+          </p:txBody>
+        </p:sp>
+      </p:grpSp>
+      <p:grpSp>
+        <p:nvGrpSpPr>
+          <p:cNvPr id="50" name="그룹 49">
+            <a:extLst>
+              <a:ext uri="{FF2B5EF4-FFF2-40B4-BE49-F238E27FC236}">
+                <a16:creationId xmlns:a16="http://schemas.microsoft.com/office/drawing/2014/main" id="{61005396-7730-4556-9E96-3EFA30302EE7}"/>
+              </a:ext>
+            </a:extLst>
+          </p:cNvPr>
+          <p:cNvGrpSpPr/>
+          <p:nvPr/>
+        </p:nvGrpSpPr>
+        <p:grpSpPr>
+          <a:xfrm>
+            <a:off x="3511382" y="3458789"/>
+            <a:ext cx="2994660" cy="1341120"/>
+            <a:chOff x="3511382" y="3458789"/>
+            <a:chExt cx="2994660" cy="1341120"/>
+          </a:xfrm>
+        </p:grpSpPr>
+        <p:sp>
+          <p:nvSpPr>
+            <p:cNvPr id="38" name="직사각형 37">
+              <a:extLst>
+                <a:ext uri="{FF2B5EF4-FFF2-40B4-BE49-F238E27FC236}">
+                  <a16:creationId xmlns:a16="http://schemas.microsoft.com/office/drawing/2014/main" id="{125934C0-3C6D-4610-ACE3-728B1B12AE05}"/>
+                </a:ext>
+              </a:extLst>
+            </p:cNvPr>
+            <p:cNvSpPr/>
+            <p:nvPr/>
+          </p:nvSpPr>
+          <p:spPr>
+            <a:xfrm>
+              <a:off x="3511382" y="3458789"/>
+              <a:ext cx="2994660" cy="1341120"/>
+            </a:xfrm>
+            <a:prstGeom prst="rect">
+              <a:avLst/>
+            </a:prstGeom>
+            <a:solidFill>
+              <a:schemeClr val="bg2">
+                <a:lumMod val="90000"/>
+              </a:schemeClr>
+            </a:solidFill>
+            <a:ln>
+              <a:noFill/>
+            </a:ln>
+            <a:scene3d>
+              <a:camera prst="orthographicFront"/>
+              <a:lightRig rig="threePt" dir="t"/>
+            </a:scene3d>
+            <a:sp3d>
+              <a:bevelT/>
+            </a:sp3d>
+          </p:spPr>
+          <p:style>
+            <a:lnRef idx="2">
+              <a:schemeClr val="accent1">
+                <a:shade val="50000"/>
+              </a:schemeClr>
+            </a:lnRef>
+            <a:fillRef idx="1">
+              <a:schemeClr val="accent1"/>
+            </a:fillRef>
+            <a:effectRef idx="0">
+              <a:schemeClr val="accent1"/>
+            </a:effectRef>
+            <a:fontRef idx="minor">
+              <a:schemeClr val="lt1"/>
+            </a:fontRef>
+          </p:style>
+          <p:txBody>
+            <a:bodyPr rtlCol="0" anchor="ctr"/>
+            <a:lstStyle/>
+            <a:p>
+              <a:pPr algn="ctr"/>
+              <a:endParaRPr lang="ko-KR" altLang="en-US"/>
+            </a:p>
+          </p:txBody>
+        </p:sp>
+        <p:sp>
+          <p:nvSpPr>
+            <p:cNvPr id="39" name="직사각형 38">
+              <a:extLst>
+                <a:ext uri="{FF2B5EF4-FFF2-40B4-BE49-F238E27FC236}">
+                  <a16:creationId xmlns:a16="http://schemas.microsoft.com/office/drawing/2014/main" id="{40E62468-E6CF-4E98-BB88-768CD8A7C25D}"/>
+                </a:ext>
+              </a:extLst>
+            </p:cNvPr>
+            <p:cNvSpPr/>
+            <p:nvPr/>
+          </p:nvSpPr>
+          <p:spPr>
+            <a:xfrm>
+              <a:off x="3547575" y="3496888"/>
+              <a:ext cx="2920841" cy="1097280"/>
+            </a:xfrm>
+            <a:prstGeom prst="rect">
+              <a:avLst/>
+            </a:prstGeom>
+            <a:solidFill>
+              <a:srgbClr val="767171">
+                <a:alpha val="80000"/>
+              </a:srgbClr>
+            </a:solidFill>
+            <a:ln>
+              <a:noFill/>
+            </a:ln>
+            <a:scene3d>
+              <a:camera prst="orthographicFront"/>
+              <a:lightRig rig="threePt" dir="t"/>
+            </a:scene3d>
+            <a:sp3d>
+              <a:bevelT/>
+            </a:sp3d>
+          </p:spPr>
+          <p:style>
+            <a:lnRef idx="2">
+              <a:schemeClr val="accent1">
+                <a:shade val="50000"/>
+              </a:schemeClr>
+            </a:lnRef>
+            <a:fillRef idx="1">
+              <a:schemeClr val="accent1"/>
+            </a:fillRef>
+            <a:effectRef idx="0">
+              <a:schemeClr val="accent1"/>
+            </a:effectRef>
+            <a:fontRef idx="minor">
+              <a:schemeClr val="lt1"/>
+            </a:fontRef>
+          </p:style>
+          <p:txBody>
+            <a:bodyPr rtlCol="0" anchor="ctr"/>
+            <a:lstStyle/>
+            <a:p>
+              <a:pPr algn="ctr"/>
+              <a:endParaRPr lang="ko-KR" altLang="en-US"/>
+            </a:p>
+          </p:txBody>
+        </p:sp>
+        <p:sp>
+          <p:nvSpPr>
+            <p:cNvPr id="40" name="직사각형 39">
+              <a:extLst>
+                <a:ext uri="{FF2B5EF4-FFF2-40B4-BE49-F238E27FC236}">
+                  <a16:creationId xmlns:a16="http://schemas.microsoft.com/office/drawing/2014/main" id="{0855DC4B-4B60-42FD-B535-14DE5F8C3768}"/>
+                </a:ext>
+              </a:extLst>
+            </p:cNvPr>
+            <p:cNvSpPr/>
+            <p:nvPr/>
+          </p:nvSpPr>
+          <p:spPr>
+            <a:xfrm>
+              <a:off x="3511382" y="4594169"/>
+              <a:ext cx="2994660" cy="205740"/>
+            </a:xfrm>
+            <a:prstGeom prst="rect">
+              <a:avLst/>
+            </a:prstGeom>
+            <a:solidFill>
+              <a:srgbClr val="EE7E22"/>
+            </a:solidFill>
+            <a:ln>
+              <a:noFill/>
+            </a:ln>
+            <a:scene3d>
+              <a:camera prst="orthographicFront"/>
+              <a:lightRig rig="threePt" dir="t"/>
+            </a:scene3d>
+            <a:sp3d>
+              <a:bevelT/>
+            </a:sp3d>
+          </p:spPr>
+          <p:style>
+            <a:lnRef idx="2">
+              <a:schemeClr val="accent1">
+                <a:shade val="50000"/>
+              </a:schemeClr>
+            </a:lnRef>
+            <a:fillRef idx="1">
+              <a:schemeClr val="accent1"/>
+            </a:fillRef>
+            <a:effectRef idx="0">
+              <a:schemeClr val="accent1"/>
+            </a:effectRef>
+            <a:fontRef idx="minor">
+              <a:schemeClr val="lt1"/>
+            </a:fontRef>
+          </p:style>
+          <p:txBody>
+            <a:bodyPr rtlCol="0" anchor="ctr"/>
+            <a:lstStyle/>
+            <a:p>
+              <a:pPr algn="ctr"/>
+              <a:endParaRPr lang="ko-KR" altLang="en-US"/>
+            </a:p>
+          </p:txBody>
+        </p:sp>
+      </p:grpSp>
+      <p:grpSp>
+        <p:nvGrpSpPr>
+          <p:cNvPr id="55" name="그룹 54">
+            <a:extLst>
+              <a:ext uri="{FF2B5EF4-FFF2-40B4-BE49-F238E27FC236}">
+                <a16:creationId xmlns:a16="http://schemas.microsoft.com/office/drawing/2014/main" id="{A87253C9-7417-4E12-99FE-4EB00C45F45A}"/>
+              </a:ext>
+            </a:extLst>
+          </p:cNvPr>
+          <p:cNvGrpSpPr/>
+          <p:nvPr/>
+        </p:nvGrpSpPr>
+        <p:grpSpPr>
+          <a:xfrm>
+            <a:off x="6974675" y="3458789"/>
+            <a:ext cx="2994660" cy="1341120"/>
+            <a:chOff x="6974675" y="3458789"/>
+            <a:chExt cx="2994660" cy="1341120"/>
+          </a:xfrm>
+        </p:grpSpPr>
+        <p:sp>
+          <p:nvSpPr>
+            <p:cNvPr id="41" name="직사각형 40">
+              <a:extLst>
+                <a:ext uri="{FF2B5EF4-FFF2-40B4-BE49-F238E27FC236}">
+                  <a16:creationId xmlns:a16="http://schemas.microsoft.com/office/drawing/2014/main" id="{6948D38F-CE8E-44BB-933D-C5F12809F0D9}"/>
+                </a:ext>
+              </a:extLst>
+            </p:cNvPr>
+            <p:cNvSpPr/>
+            <p:nvPr/>
+          </p:nvSpPr>
+          <p:spPr>
+            <a:xfrm>
+              <a:off x="6974675" y="3458789"/>
+              <a:ext cx="2994660" cy="1341120"/>
+            </a:xfrm>
+            <a:prstGeom prst="rect">
+              <a:avLst/>
+            </a:prstGeom>
+            <a:solidFill>
+              <a:srgbClr val="EE7E22"/>
+            </a:solidFill>
+            <a:ln>
+              <a:noFill/>
+            </a:ln>
+            <a:effectLst/>
+            <a:scene3d>
+              <a:camera prst="orthographicFront"/>
+              <a:lightRig rig="threePt" dir="t"/>
+            </a:scene3d>
+            <a:sp3d>
+              <a:bevelT/>
+            </a:sp3d>
+          </p:spPr>
+          <p:style>
+            <a:lnRef idx="2">
+              <a:schemeClr val="accent1">
+                <a:shade val="50000"/>
+              </a:schemeClr>
+            </a:lnRef>
+            <a:fillRef idx="1">
+              <a:schemeClr val="accent1"/>
+            </a:fillRef>
+            <a:effectRef idx="0">
+              <a:schemeClr val="accent1"/>
+            </a:effectRef>
+            <a:fontRef idx="minor">
+              <a:schemeClr val="lt1"/>
+            </a:fontRef>
+          </p:style>
+          <p:txBody>
+            <a:bodyPr rtlCol="0" anchor="ctr"/>
+            <a:lstStyle/>
+            <a:p>
+              <a:pPr algn="ctr"/>
+              <a:endParaRPr lang="ko-KR" altLang="en-US"/>
+            </a:p>
+          </p:txBody>
+        </p:sp>
+        <p:sp>
+          <p:nvSpPr>
+            <p:cNvPr id="42" name="직사각형 41">
+              <a:extLst>
+                <a:ext uri="{FF2B5EF4-FFF2-40B4-BE49-F238E27FC236}">
+                  <a16:creationId xmlns:a16="http://schemas.microsoft.com/office/drawing/2014/main" id="{E0B5EE79-5DE3-4792-A2A4-1D1C6AF9FA20}"/>
+                </a:ext>
+              </a:extLst>
+            </p:cNvPr>
+            <p:cNvSpPr/>
+            <p:nvPr/>
+          </p:nvSpPr>
+          <p:spPr>
+            <a:xfrm>
+              <a:off x="7010868" y="3496888"/>
+              <a:ext cx="2920841" cy="1097280"/>
+            </a:xfrm>
+            <a:prstGeom prst="rect">
+              <a:avLst/>
+            </a:prstGeom>
+            <a:solidFill>
+              <a:srgbClr val="767171">
+                <a:alpha val="80000"/>
+              </a:srgbClr>
+            </a:solidFill>
+            <a:ln>
+              <a:noFill/>
+            </a:ln>
+            <a:effectLst/>
+            <a:scene3d>
+              <a:camera prst="orthographicFront"/>
+              <a:lightRig rig="threePt" dir="t"/>
+            </a:scene3d>
+            <a:sp3d>
+              <a:bevelT/>
+            </a:sp3d>
+          </p:spPr>
+          <p:style>
+            <a:lnRef idx="2">
+              <a:schemeClr val="accent1">
+                <a:shade val="50000"/>
+              </a:schemeClr>
+            </a:lnRef>
+            <a:fillRef idx="1">
+              <a:schemeClr val="accent1"/>
+            </a:fillRef>
+            <a:effectRef idx="0">
+              <a:schemeClr val="accent1"/>
+            </a:effectRef>
+            <a:fontRef idx="minor">
+              <a:schemeClr val="lt1"/>
+            </a:fontRef>
+          </p:style>
+          <p:txBody>
+            <a:bodyPr rtlCol="0" anchor="ctr"/>
+            <a:lstStyle/>
+            <a:p>
+              <a:pPr algn="ctr"/>
+              <a:endParaRPr lang="ko-KR" altLang="en-US"/>
+            </a:p>
+          </p:txBody>
+        </p:sp>
+        <p:sp>
+          <p:nvSpPr>
+            <p:cNvPr id="43" name="직사각형 42">
+              <a:extLst>
+                <a:ext uri="{FF2B5EF4-FFF2-40B4-BE49-F238E27FC236}">
+                  <a16:creationId xmlns:a16="http://schemas.microsoft.com/office/drawing/2014/main" id="{DA5E0DB4-4827-4E66-922A-FE49A58E3399}"/>
+                </a:ext>
+              </a:extLst>
+            </p:cNvPr>
+            <p:cNvSpPr/>
+            <p:nvPr/>
+          </p:nvSpPr>
+          <p:spPr>
+            <a:xfrm>
+              <a:off x="6974675" y="4594169"/>
+              <a:ext cx="2994660" cy="205740"/>
+            </a:xfrm>
+            <a:prstGeom prst="rect">
+              <a:avLst/>
+            </a:prstGeom>
+            <a:solidFill>
+              <a:srgbClr val="EE7E22"/>
+            </a:solidFill>
+            <a:ln>
+              <a:noFill/>
+            </a:ln>
+            <a:effectLst/>
+            <a:scene3d>
+              <a:camera prst="orthographicFront"/>
+              <a:lightRig rig="threePt" dir="t"/>
+            </a:scene3d>
+            <a:sp3d>
+              <a:bevelT/>
+            </a:sp3d>
+          </p:spPr>
+          <p:style>
+            <a:lnRef idx="2">
+              <a:schemeClr val="accent1">
+                <a:shade val="50000"/>
+              </a:schemeClr>
+            </a:lnRef>
+            <a:fillRef idx="1">
+              <a:schemeClr val="accent1"/>
+            </a:fillRef>
+            <a:effectRef idx="0">
+              <a:schemeClr val="accent1"/>
+            </a:effectRef>
+            <a:fontRef idx="minor">
+              <a:schemeClr val="lt1"/>
+            </a:fontRef>
+          </p:style>
+          <p:txBody>
+            <a:bodyPr rtlCol="0" anchor="ctr"/>
+            <a:lstStyle/>
+            <a:p>
+              <a:pPr algn="ctr"/>
+              <a:endParaRPr lang="ko-KR" altLang="en-US"/>
+            </a:p>
+          </p:txBody>
+        </p:sp>
+      </p:grpSp>
+      <p:grpSp>
+        <p:nvGrpSpPr>
+          <p:cNvPr id="53" name="그룹 52">
+            <a:extLst>
+              <a:ext uri="{FF2B5EF4-FFF2-40B4-BE49-F238E27FC236}">
+                <a16:creationId xmlns:a16="http://schemas.microsoft.com/office/drawing/2014/main" id="{76162254-6345-4703-B350-A307BAD03B08}"/>
+              </a:ext>
+            </a:extLst>
+          </p:cNvPr>
+          <p:cNvGrpSpPr/>
+          <p:nvPr/>
+        </p:nvGrpSpPr>
+        <p:grpSpPr>
+          <a:xfrm>
+            <a:off x="3511382" y="5048251"/>
+            <a:ext cx="2994660" cy="1341120"/>
+            <a:chOff x="3511382" y="5048251"/>
+            <a:chExt cx="2994660" cy="1341120"/>
+          </a:xfrm>
+        </p:grpSpPr>
+        <p:sp>
+          <p:nvSpPr>
+            <p:cNvPr id="44" name="직사각형 17">
+              <a:extLst>
+                <a:ext uri="{FF2B5EF4-FFF2-40B4-BE49-F238E27FC236}">
+                  <a16:creationId xmlns:a16="http://schemas.microsoft.com/office/drawing/2014/main" id="{3A63938B-62D0-49FD-B6EC-FE1B1E49D2B6}"/>
+                </a:ext>
+              </a:extLst>
+            </p:cNvPr>
+            <p:cNvSpPr/>
+            <p:nvPr/>
+          </p:nvSpPr>
+          <p:spPr>
+            <a:xfrm>
+              <a:off x="3511382" y="5048251"/>
+              <a:ext cx="2994660" cy="1341120"/>
+            </a:xfrm>
+            <a:prstGeom prst="rect">
+              <a:avLst/>
+            </a:prstGeom>
+            <a:solidFill>
+              <a:schemeClr val="bg2">
+                <a:lumMod val="90000"/>
+              </a:schemeClr>
+            </a:solidFill>
+            <a:ln>
+              <a:noFill/>
+            </a:ln>
+            <a:scene3d>
+              <a:camera prst="orthographicFront"/>
+              <a:lightRig rig="threePt" dir="t"/>
+            </a:scene3d>
+            <a:sp3d>
+              <a:bevelT/>
+            </a:sp3d>
+          </p:spPr>
+          <p:style>
+            <a:lnRef idx="2">
+              <a:schemeClr val="accent1">
+                <a:shade val="50000"/>
+              </a:schemeClr>
+            </a:lnRef>
+            <a:fillRef idx="1">
+              <a:schemeClr val="accent1"/>
+            </a:fillRef>
+            <a:effectRef idx="0">
+              <a:schemeClr val="accent1"/>
+            </a:effectRef>
+            <a:fontRef idx="minor">
+              <a:schemeClr val="lt1"/>
+            </a:fontRef>
+          </p:style>
+          <p:txBody>
+            <a:bodyPr rtlCol="0" anchor="ctr"/>
+            <a:lstStyle/>
+            <a:p>
+              <a:pPr algn="ctr"/>
+              <a:endParaRPr lang="ko-KR" altLang="en-US"/>
+            </a:p>
+          </p:txBody>
+        </p:sp>
+        <p:sp>
+          <p:nvSpPr>
+            <p:cNvPr id="45" name="직사각형 18">
+              <a:extLst>
+                <a:ext uri="{FF2B5EF4-FFF2-40B4-BE49-F238E27FC236}">
+                  <a16:creationId xmlns:a16="http://schemas.microsoft.com/office/drawing/2014/main" id="{B9A00E6A-A4ED-47E3-AA1E-3C148D87FEAC}"/>
+                </a:ext>
+              </a:extLst>
+            </p:cNvPr>
+            <p:cNvSpPr/>
+            <p:nvPr/>
+          </p:nvSpPr>
+          <p:spPr>
+            <a:xfrm>
+              <a:off x="3547575" y="5119602"/>
+              <a:ext cx="2920841" cy="1219892"/>
+            </a:xfrm>
+            <a:prstGeom prst="rect">
+              <a:avLst/>
+            </a:prstGeom>
+            <a:solidFill>
+              <a:srgbClr val="767171">
+                <a:alpha val="80000"/>
+              </a:srgbClr>
+            </a:solidFill>
+            <a:ln>
+              <a:noFill/>
+            </a:ln>
+            <a:scene3d>
+              <a:camera prst="orthographicFront"/>
+              <a:lightRig rig="threePt" dir="t"/>
+            </a:scene3d>
+            <a:sp3d>
+              <a:bevelT/>
+            </a:sp3d>
+          </p:spPr>
+          <p:style>
+            <a:lnRef idx="2">
+              <a:schemeClr val="accent1">
+                <a:shade val="50000"/>
+              </a:schemeClr>
+            </a:lnRef>
+            <a:fillRef idx="1">
+              <a:schemeClr val="accent1"/>
+            </a:fillRef>
+            <a:effectRef idx="0">
+              <a:schemeClr val="accent1"/>
+            </a:effectRef>
+            <a:fontRef idx="minor">
+              <a:schemeClr val="lt1"/>
+            </a:fontRef>
+          </p:style>
+          <p:txBody>
+            <a:bodyPr rtlCol="0" anchor="ctr"/>
+            <a:lstStyle/>
+            <a:p>
+              <a:pPr algn="ctr"/>
+              <a:endParaRPr lang="ko-KR" altLang="en-US"/>
+            </a:p>
+          </p:txBody>
+        </p:sp>
+        <p:sp>
+          <p:nvSpPr>
+            <p:cNvPr id="46" name="L-Shape 1">
+              <a:extLst>
+                <a:ext uri="{FF2B5EF4-FFF2-40B4-BE49-F238E27FC236}">
+                  <a16:creationId xmlns:a16="http://schemas.microsoft.com/office/drawing/2014/main" id="{EDEE15AB-8324-46FF-821F-F4AA42F8DC55}"/>
+                </a:ext>
+              </a:extLst>
+            </p:cNvPr>
+            <p:cNvSpPr/>
+            <p:nvPr/>
+          </p:nvSpPr>
+          <p:spPr>
+            <a:xfrm rot="13386141">
+              <a:off x="6057782" y="5921153"/>
+              <a:ext cx="221524" cy="214784"/>
+            </a:xfrm>
+            <a:prstGeom prst="corner">
+              <a:avLst/>
+            </a:prstGeom>
+            <a:solidFill>
+              <a:srgbClr val="D0CECE"/>
+            </a:solidFill>
+            <a:ln>
+              <a:noFill/>
+            </a:ln>
+            <a:scene3d>
+              <a:camera prst="orthographicFront"/>
+              <a:lightRig rig="threePt" dir="t"/>
+            </a:scene3d>
+            <a:sp3d>
+              <a:bevelT/>
+            </a:sp3d>
+          </p:spPr>
+          <p:style>
+            <a:lnRef idx="2">
+              <a:schemeClr val="accent1">
+                <a:shade val="50000"/>
+              </a:schemeClr>
+            </a:lnRef>
+            <a:fillRef idx="1">
+              <a:schemeClr val="accent1"/>
+            </a:fillRef>
+            <a:effectRef idx="0">
+              <a:schemeClr val="accent1"/>
+            </a:effectRef>
+            <a:fontRef idx="minor">
+              <a:schemeClr val="lt1"/>
+            </a:fontRef>
+          </p:style>
+          <p:txBody>
+            <a:bodyPr rtlCol="0" anchor="ctr"/>
+            <a:lstStyle/>
+            <a:p>
+              <a:pPr algn="ctr"/>
+              <a:endParaRPr lang="en-US"/>
+            </a:p>
+          </p:txBody>
+        </p:sp>
+      </p:grpSp>
+      <p:grpSp>
+        <p:nvGrpSpPr>
+          <p:cNvPr id="56" name="그룹 55">
+            <a:extLst>
+              <a:ext uri="{FF2B5EF4-FFF2-40B4-BE49-F238E27FC236}">
+                <a16:creationId xmlns:a16="http://schemas.microsoft.com/office/drawing/2014/main" id="{60872FAD-C50B-4EEB-88C4-D31B506DC132}"/>
+              </a:ext>
+            </a:extLst>
+          </p:cNvPr>
+          <p:cNvGrpSpPr/>
+          <p:nvPr/>
+        </p:nvGrpSpPr>
+        <p:grpSpPr>
+          <a:xfrm>
+            <a:off x="7012301" y="5048251"/>
+            <a:ext cx="2994660" cy="1341120"/>
+            <a:chOff x="7012301" y="5048251"/>
+            <a:chExt cx="2994660" cy="1341120"/>
+          </a:xfrm>
+        </p:grpSpPr>
+        <p:sp>
+          <p:nvSpPr>
+            <p:cNvPr id="47" name="직사각형 17">
+              <a:extLst>
+                <a:ext uri="{FF2B5EF4-FFF2-40B4-BE49-F238E27FC236}">
+                  <a16:creationId xmlns:a16="http://schemas.microsoft.com/office/drawing/2014/main" id="{15058984-361A-4336-807C-1F35F04F3C7C}"/>
+                </a:ext>
+              </a:extLst>
+            </p:cNvPr>
+            <p:cNvSpPr/>
+            <p:nvPr/>
+          </p:nvSpPr>
+          <p:spPr>
+            <a:xfrm>
+              <a:off x="7012301" y="5048251"/>
+              <a:ext cx="2994660" cy="1341120"/>
+            </a:xfrm>
+            <a:prstGeom prst="rect">
+              <a:avLst/>
+            </a:prstGeom>
+            <a:solidFill>
+              <a:srgbClr val="EE7E22"/>
+            </a:solidFill>
+            <a:ln>
+              <a:noFill/>
+            </a:ln>
+            <a:effectLst/>
+            <a:scene3d>
+              <a:camera prst="orthographicFront"/>
+              <a:lightRig rig="threePt" dir="t"/>
+            </a:scene3d>
+            <a:sp3d>
+              <a:bevelT/>
+            </a:sp3d>
+          </p:spPr>
+          <p:style>
+            <a:lnRef idx="2">
+              <a:schemeClr val="accent1">
+                <a:shade val="50000"/>
+              </a:schemeClr>
+            </a:lnRef>
+            <a:fillRef idx="1">
+              <a:schemeClr val="accent1"/>
+            </a:fillRef>
+            <a:effectRef idx="0">
+              <a:schemeClr val="accent1"/>
+            </a:effectRef>
+            <a:fontRef idx="minor">
+              <a:schemeClr val="lt1"/>
+            </a:fontRef>
+          </p:style>
+          <p:txBody>
+            <a:bodyPr rtlCol="0" anchor="ctr"/>
+            <a:lstStyle/>
+            <a:p>
+              <a:pPr algn="ctr"/>
+              <a:endParaRPr lang="ko-KR" altLang="en-US"/>
+            </a:p>
+          </p:txBody>
+        </p:sp>
+        <p:sp>
+          <p:nvSpPr>
+            <p:cNvPr id="48" name="직사각형 18">
+              <a:extLst>
+                <a:ext uri="{FF2B5EF4-FFF2-40B4-BE49-F238E27FC236}">
+                  <a16:creationId xmlns:a16="http://schemas.microsoft.com/office/drawing/2014/main" id="{F80BE30C-3289-4B7E-AD59-2D2D8550E221}"/>
+                </a:ext>
+              </a:extLst>
+            </p:cNvPr>
+            <p:cNvSpPr/>
+            <p:nvPr/>
+          </p:nvSpPr>
+          <p:spPr>
+            <a:xfrm>
+              <a:off x="7048494" y="5119602"/>
+              <a:ext cx="2920841" cy="1219892"/>
+            </a:xfrm>
+            <a:prstGeom prst="rect">
+              <a:avLst/>
+            </a:prstGeom>
+            <a:solidFill>
+              <a:srgbClr val="767171">
+                <a:alpha val="80000"/>
+              </a:srgbClr>
+            </a:solidFill>
+            <a:ln>
+              <a:noFill/>
+            </a:ln>
+            <a:effectLst/>
+            <a:scene3d>
+              <a:camera prst="orthographicFront"/>
+              <a:lightRig rig="threePt" dir="t"/>
+            </a:scene3d>
+            <a:sp3d>
+              <a:bevelT/>
+            </a:sp3d>
+          </p:spPr>
+          <p:style>
+            <a:lnRef idx="2">
+              <a:schemeClr val="accent1">
+                <a:shade val="50000"/>
+              </a:schemeClr>
+            </a:lnRef>
+            <a:fillRef idx="1">
+              <a:schemeClr val="accent1"/>
+            </a:fillRef>
+            <a:effectRef idx="0">
+              <a:schemeClr val="accent1"/>
+            </a:effectRef>
+            <a:fontRef idx="minor">
+              <a:schemeClr val="lt1"/>
+            </a:fontRef>
+          </p:style>
+          <p:txBody>
+            <a:bodyPr rtlCol="0" anchor="ctr"/>
+            <a:lstStyle/>
+            <a:p>
+              <a:pPr algn="ctr"/>
+              <a:endParaRPr lang="ko-KR" altLang="en-US"/>
+            </a:p>
+          </p:txBody>
+        </p:sp>
+        <p:sp>
+          <p:nvSpPr>
+            <p:cNvPr id="49" name="L-Shape 29">
+              <a:extLst>
+                <a:ext uri="{FF2B5EF4-FFF2-40B4-BE49-F238E27FC236}">
+                  <a16:creationId xmlns:a16="http://schemas.microsoft.com/office/drawing/2014/main" id="{B938FD40-91DD-466F-860F-E3A8E0A71E96}"/>
+                </a:ext>
+              </a:extLst>
+            </p:cNvPr>
+            <p:cNvSpPr/>
+            <p:nvPr/>
+          </p:nvSpPr>
+          <p:spPr>
+            <a:xfrm rot="13386141">
+              <a:off x="9558701" y="5921153"/>
+              <a:ext cx="221524" cy="214784"/>
+            </a:xfrm>
+            <a:prstGeom prst="corner">
+              <a:avLst/>
+            </a:prstGeom>
+            <a:solidFill>
+              <a:srgbClr val="EE7E22"/>
+            </a:solidFill>
+            <a:ln>
+              <a:noFill/>
+            </a:ln>
+            <a:effectLst/>
+            <a:scene3d>
+              <a:camera prst="orthographicFront"/>
+              <a:lightRig rig="threePt" dir="t"/>
+            </a:scene3d>
+            <a:sp3d>
+              <a:bevelT/>
+            </a:sp3d>
+          </p:spPr>
+          <p:style>
+            <a:lnRef idx="2">
+              <a:schemeClr val="accent1">
+                <a:shade val="50000"/>
+              </a:schemeClr>
+            </a:lnRef>
+            <a:fillRef idx="1">
+              <a:schemeClr val="accent1"/>
+            </a:fillRef>
+            <a:effectRef idx="0">
+              <a:schemeClr val="accent1"/>
+            </a:effectRef>
+            <a:fontRef idx="minor">
+              <a:schemeClr val="lt1"/>
+            </a:fontRef>
+          </p:style>
+          <p:txBody>
+            <a:bodyPr rtlCol="0" anchor="ctr"/>
+            <a:lstStyle/>
+            <a:p>
+              <a:pPr algn="ctr"/>
+              <a:endParaRPr lang="en-US"/>
+            </a:p>
+          </p:txBody>
+        </p:sp>
+      </p:grpSp>
+      <p:sp>
+        <p:nvSpPr>
+          <p:cNvPr id="54" name="Snip Diagonal Corner Rectangle 7">
+            <a:extLst>
+              <a:ext uri="{FF2B5EF4-FFF2-40B4-BE49-F238E27FC236}">
+                <a16:creationId xmlns:a16="http://schemas.microsoft.com/office/drawing/2014/main" id="{DCA3F6D8-FDC5-448C-AA32-B087DA0626D0}"/>
+              </a:ext>
+            </a:extLst>
+          </p:cNvPr>
+          <p:cNvSpPr/>
+          <p:nvPr/>
+        </p:nvSpPr>
+        <p:spPr>
+          <a:xfrm>
+            <a:off x="-1" y="3134755"/>
+            <a:ext cx="3409950" cy="3063404"/>
+          </a:xfrm>
+          <a:prstGeom prst="snip2DiagRect">
+            <a:avLst>
+              <a:gd name="adj1" fmla="val 0"/>
+              <a:gd name="adj2" fmla="val 15315"/>
+            </a:avLst>
+          </a:prstGeom>
+          <a:solidFill>
+            <a:srgbClr val="000000">
+              <a:alpha val="69804"/>
+            </a:srgbClr>
+          </a:solidFill>
+          <a:ln>
+            <a:noFill/>
+          </a:ln>
+          <a:scene3d>
+            <a:camera prst="orthographicFront"/>
+            <a:lightRig rig="threePt" dir="t"/>
+          </a:scene3d>
+          <a:sp3d>
+            <a:bevelT/>
+          </a:sp3d>
+        </p:spPr>
+        <p:style>
+          <a:lnRef idx="2">
+            <a:schemeClr val="accent1">
+              <a:shade val="50000"/>
+            </a:schemeClr>
+          </a:lnRef>
+          <a:fillRef idx="1">
+            <a:schemeClr val="accent1"/>
+          </a:fillRef>
+          <a:effectRef idx="0">
+            <a:schemeClr val="accent1"/>
+          </a:effectRef>
+          <a:fontRef idx="minor">
+            <a:schemeClr val="lt1"/>
+          </a:fontRef>
+        </p:style>
+        <p:txBody>
+          <a:bodyPr rtlCol="0" anchor="ctr"/>
+          <a:lstStyle/>
+          <a:p>
+            <a:pPr algn="ctr"/>
+            <a:endParaRPr lang="en-US"/>
+          </a:p>
+        </p:txBody>
+      </p:sp>
+    </p:spTree>
+    <p:extLst>
+      <p:ext uri="{BB962C8B-B14F-4D97-AF65-F5344CB8AC3E}">
+        <p14:creationId xmlns:p14="http://schemas.microsoft.com/office/powerpoint/2010/main" val="1287948188"/>
+      </p:ext>
+    </p:extLst>
+  </p:cSld>
+  <p:clrMapOvr>
+    <a:masterClrMapping/>
+  </p:clrMapOvr>
+</p:sld>
+</file>
+
+<file path=ppt/slides/slide11.xml><?xml version="1.0" encoding="utf-8"?>
+<p:sld xmlns:a="http://schemas.openxmlformats.org/drawingml/2006/main" xmlns:r="http://schemas.openxmlformats.org/officeDocument/2006/relationships" xmlns:p="http://schemas.openxmlformats.org/presentationml/2006/main">
+  <p:cSld>
+    <p:spTree>
+      <p:nvGrpSpPr>
+        <p:cNvPr id="1" name=""/>
+        <p:cNvGrpSpPr/>
+        <p:nvPr/>
+      </p:nvGrpSpPr>
+      <p:grpSpPr>
+        <a:xfrm>
+          <a:off x="0" y="0"/>
+          <a:ext cx="0" cy="0"/>
+          <a:chOff x="0" y="0"/>
+          <a:chExt cx="0" cy="0"/>
+        </a:xfrm>
+      </p:grpSpPr>
+      <p:sp>
+        <p:nvSpPr>
+          <p:cNvPr id="4" name="Snip Diagonal Corner Rectangle 7">
+            <a:extLst>
+              <a:ext uri="{FF2B5EF4-FFF2-40B4-BE49-F238E27FC236}">
+                <a16:creationId xmlns:a16="http://schemas.microsoft.com/office/drawing/2014/main" id="{24D90FBE-B4E7-4DA2-96C3-B7377520B9FE}"/>
+              </a:ext>
+            </a:extLst>
+          </p:cNvPr>
+          <p:cNvSpPr/>
+          <p:nvPr/>
+        </p:nvSpPr>
+        <p:spPr>
+          <a:xfrm flipH="1">
+            <a:off x="6553200" y="746761"/>
+            <a:ext cx="5219700" cy="5739764"/>
+          </a:xfrm>
+          <a:prstGeom prst="snip2DiagRect">
+            <a:avLst>
+              <a:gd name="adj1" fmla="val 0"/>
+              <a:gd name="adj2" fmla="val 15315"/>
+            </a:avLst>
+          </a:prstGeom>
+          <a:solidFill>
+            <a:srgbClr val="000000">
+              <a:alpha val="69804"/>
+            </a:srgbClr>
+          </a:solidFill>
+          <a:ln>
+            <a:noFill/>
+          </a:ln>
+          <a:scene3d>
+            <a:camera prst="orthographicFront"/>
+            <a:lightRig rig="threePt" dir="t"/>
+          </a:scene3d>
+          <a:sp3d>
+            <a:bevelT/>
+          </a:sp3d>
+        </p:spPr>
+        <p:style>
+          <a:lnRef idx="2">
+            <a:schemeClr val="accent1">
+              <a:shade val="50000"/>
+            </a:schemeClr>
+          </a:lnRef>
+          <a:fillRef idx="1">
+            <a:schemeClr val="accent1"/>
+          </a:fillRef>
+          <a:effectRef idx="0">
+            <a:schemeClr val="accent1"/>
+          </a:effectRef>
+          <a:fontRef idx="minor">
+            <a:schemeClr val="lt1"/>
+          </a:fontRef>
+        </p:style>
+        <p:txBody>
+          <a:bodyPr rtlCol="0" anchor="ctr"/>
+          <a:lstStyle/>
+          <a:p>
+            <a:pPr algn="ctr"/>
+            <a:endParaRPr lang="en-US"/>
+          </a:p>
+        </p:txBody>
+      </p:sp>
+      <p:grpSp>
+        <p:nvGrpSpPr>
+          <p:cNvPr id="5" name="Group 8">
+            <a:extLst>
+              <a:ext uri="{FF2B5EF4-FFF2-40B4-BE49-F238E27FC236}">
+                <a16:creationId xmlns:a16="http://schemas.microsoft.com/office/drawing/2014/main" id="{DAEF0FDE-AF13-464E-80AE-3A12A3E5B4BE}"/>
+              </a:ext>
+            </a:extLst>
+          </p:cNvPr>
+          <p:cNvGrpSpPr/>
+          <p:nvPr/>
+        </p:nvGrpSpPr>
+        <p:grpSpPr>
+          <a:xfrm>
+            <a:off x="6834457" y="1525824"/>
+            <a:ext cx="981248" cy="934378"/>
+            <a:chOff x="1487978" y="856211"/>
+            <a:chExt cx="2535382" cy="2427317"/>
+          </a:xfrm>
+        </p:grpSpPr>
+        <p:sp>
+          <p:nvSpPr>
+            <p:cNvPr id="6" name="Snip Diagonal Corner Rectangle 3">
+              <a:extLst>
+                <a:ext uri="{FF2B5EF4-FFF2-40B4-BE49-F238E27FC236}">
+                  <a16:creationId xmlns:a16="http://schemas.microsoft.com/office/drawing/2014/main" id="{A169F28F-90C3-46F1-8D95-F0B90825EC8B}"/>
+                </a:ext>
+              </a:extLst>
+            </p:cNvPr>
+            <p:cNvSpPr/>
+            <p:nvPr/>
+          </p:nvSpPr>
+          <p:spPr>
+            <a:xfrm>
+              <a:off x="1487978" y="856211"/>
+              <a:ext cx="2535382" cy="2427317"/>
+            </a:xfrm>
+            <a:prstGeom prst="snip2DiagRect">
+              <a:avLst/>
+            </a:prstGeom>
+            <a:solidFill>
+              <a:srgbClr val="D0CECE"/>
+            </a:solidFill>
+            <a:ln>
+              <a:noFill/>
+            </a:ln>
+            <a:scene3d>
+              <a:camera prst="orthographicFront"/>
+              <a:lightRig rig="threePt" dir="t"/>
+            </a:scene3d>
+            <a:sp3d>
+              <a:bevelT/>
+            </a:sp3d>
+          </p:spPr>
+          <p:style>
+            <a:lnRef idx="2">
+              <a:schemeClr val="accent1">
+                <a:shade val="50000"/>
+              </a:schemeClr>
+            </a:lnRef>
+            <a:fillRef idx="1">
+              <a:schemeClr val="accent1"/>
+            </a:fillRef>
+            <a:effectRef idx="0">
+              <a:schemeClr val="accent1"/>
+            </a:effectRef>
+            <a:fontRef idx="minor">
+              <a:schemeClr val="lt1"/>
+            </a:fontRef>
+          </p:style>
+          <p:txBody>
+            <a:bodyPr rtlCol="0" anchor="ctr"/>
+            <a:lstStyle/>
+            <a:p>
+              <a:pPr algn="ctr"/>
+              <a:endParaRPr lang="en-US"/>
+            </a:p>
+          </p:txBody>
+        </p:sp>
+        <p:sp>
+          <p:nvSpPr>
+            <p:cNvPr id="7" name="Snip Diagonal Corner Rectangle 4">
+              <a:extLst>
+                <a:ext uri="{FF2B5EF4-FFF2-40B4-BE49-F238E27FC236}">
+                  <a16:creationId xmlns:a16="http://schemas.microsoft.com/office/drawing/2014/main" id="{10E34B97-3318-4C86-81CA-77532D6EB61A}"/>
+                </a:ext>
+              </a:extLst>
+            </p:cNvPr>
+            <p:cNvSpPr/>
+            <p:nvPr/>
+          </p:nvSpPr>
+          <p:spPr>
+            <a:xfrm>
+              <a:off x="1640378" y="1008612"/>
+              <a:ext cx="2228589" cy="2133600"/>
+            </a:xfrm>
+            <a:prstGeom prst="snip2DiagRect">
+              <a:avLst/>
+            </a:prstGeom>
+            <a:solidFill>
+              <a:srgbClr val="AFABAB">
+                <a:alpha val="80000"/>
+              </a:srgbClr>
+            </a:solidFill>
+            <a:ln>
+              <a:noFill/>
+            </a:ln>
+            <a:scene3d>
+              <a:camera prst="orthographicFront"/>
+              <a:lightRig rig="threePt" dir="t"/>
+            </a:scene3d>
+            <a:sp3d>
+              <a:bevelT/>
+            </a:sp3d>
+          </p:spPr>
+          <p:style>
+            <a:lnRef idx="2">
+              <a:schemeClr val="accent1">
+                <a:shade val="50000"/>
+              </a:schemeClr>
+            </a:lnRef>
+            <a:fillRef idx="1">
+              <a:schemeClr val="accent1"/>
+            </a:fillRef>
+            <a:effectRef idx="0">
+              <a:schemeClr val="accent1"/>
+            </a:effectRef>
+            <a:fontRef idx="minor">
+              <a:schemeClr val="lt1"/>
+            </a:fontRef>
+          </p:style>
+          <p:txBody>
+            <a:bodyPr rtlCol="0" anchor="ctr"/>
+            <a:lstStyle/>
+            <a:p>
+              <a:pPr algn="ctr"/>
+              <a:endParaRPr lang="en-US"/>
+            </a:p>
+          </p:txBody>
+        </p:sp>
+      </p:grpSp>
+      <p:grpSp>
+        <p:nvGrpSpPr>
+          <p:cNvPr id="8" name="Group 8">
+            <a:extLst>
+              <a:ext uri="{FF2B5EF4-FFF2-40B4-BE49-F238E27FC236}">
+                <a16:creationId xmlns:a16="http://schemas.microsoft.com/office/drawing/2014/main" id="{5488F379-B093-4EA3-8CB3-B19C7405B998}"/>
+              </a:ext>
+            </a:extLst>
+          </p:cNvPr>
+          <p:cNvGrpSpPr/>
+          <p:nvPr/>
+        </p:nvGrpSpPr>
+        <p:grpSpPr>
+          <a:xfrm>
+            <a:off x="8066643" y="1525360"/>
+            <a:ext cx="981248" cy="934378"/>
+            <a:chOff x="1487978" y="856211"/>
+            <a:chExt cx="2535382" cy="2427317"/>
+          </a:xfrm>
+        </p:grpSpPr>
+        <p:sp>
+          <p:nvSpPr>
+            <p:cNvPr id="9" name="Snip Diagonal Corner Rectangle 3">
+              <a:extLst>
+                <a:ext uri="{FF2B5EF4-FFF2-40B4-BE49-F238E27FC236}">
+                  <a16:creationId xmlns:a16="http://schemas.microsoft.com/office/drawing/2014/main" id="{08608D3E-DC8A-41E0-B92D-5122E974FF0B}"/>
+                </a:ext>
+              </a:extLst>
+            </p:cNvPr>
+            <p:cNvSpPr/>
+            <p:nvPr/>
+          </p:nvSpPr>
+          <p:spPr>
+            <a:xfrm>
+              <a:off x="1487978" y="856211"/>
+              <a:ext cx="2535382" cy="2427317"/>
+            </a:xfrm>
+            <a:prstGeom prst="snip2DiagRect">
+              <a:avLst/>
+            </a:prstGeom>
+            <a:solidFill>
+              <a:srgbClr val="D0CECE"/>
+            </a:solidFill>
+            <a:ln>
+              <a:noFill/>
+            </a:ln>
+            <a:scene3d>
+              <a:camera prst="orthographicFront"/>
+              <a:lightRig rig="threePt" dir="t"/>
+            </a:scene3d>
+            <a:sp3d>
+              <a:bevelT/>
+            </a:sp3d>
+          </p:spPr>
+          <p:style>
+            <a:lnRef idx="2">
+              <a:schemeClr val="accent1">
+                <a:shade val="50000"/>
+              </a:schemeClr>
+            </a:lnRef>
+            <a:fillRef idx="1">
+              <a:schemeClr val="accent1"/>
+            </a:fillRef>
+            <a:effectRef idx="0">
+              <a:schemeClr val="accent1"/>
+            </a:effectRef>
+            <a:fontRef idx="minor">
+              <a:schemeClr val="lt1"/>
+            </a:fontRef>
+          </p:style>
+          <p:txBody>
+            <a:bodyPr rtlCol="0" anchor="ctr"/>
+            <a:lstStyle/>
+            <a:p>
+              <a:pPr algn="ctr"/>
+              <a:endParaRPr lang="en-US"/>
+            </a:p>
+          </p:txBody>
+        </p:sp>
+        <p:sp>
+          <p:nvSpPr>
+            <p:cNvPr id="10" name="Snip Diagonal Corner Rectangle 4">
+              <a:extLst>
+                <a:ext uri="{FF2B5EF4-FFF2-40B4-BE49-F238E27FC236}">
+                  <a16:creationId xmlns:a16="http://schemas.microsoft.com/office/drawing/2014/main" id="{7496BBCA-E8C6-42A8-8225-2E98815B4ED0}"/>
+                </a:ext>
+              </a:extLst>
+            </p:cNvPr>
+            <p:cNvSpPr/>
+            <p:nvPr/>
+          </p:nvSpPr>
+          <p:spPr>
+            <a:xfrm>
+              <a:off x="1640378" y="1008612"/>
+              <a:ext cx="2228589" cy="2133600"/>
+            </a:xfrm>
+            <a:prstGeom prst="snip2DiagRect">
+              <a:avLst/>
+            </a:prstGeom>
+            <a:solidFill>
+              <a:srgbClr val="AFABAB">
+                <a:alpha val="80000"/>
+              </a:srgbClr>
+            </a:solidFill>
+            <a:ln>
+              <a:noFill/>
+            </a:ln>
+            <a:scene3d>
+              <a:camera prst="orthographicFront"/>
+              <a:lightRig rig="threePt" dir="t"/>
+            </a:scene3d>
+            <a:sp3d>
+              <a:bevelT/>
+            </a:sp3d>
+          </p:spPr>
+          <p:style>
+            <a:lnRef idx="2">
+              <a:schemeClr val="accent1">
+                <a:shade val="50000"/>
+              </a:schemeClr>
+            </a:lnRef>
+            <a:fillRef idx="1">
+              <a:schemeClr val="accent1"/>
+            </a:fillRef>
+            <a:effectRef idx="0">
+              <a:schemeClr val="accent1"/>
+            </a:effectRef>
+            <a:fontRef idx="minor">
+              <a:schemeClr val="lt1"/>
+            </a:fontRef>
+          </p:style>
+          <p:txBody>
+            <a:bodyPr rtlCol="0" anchor="ctr"/>
+            <a:lstStyle/>
+            <a:p>
+              <a:pPr algn="ctr"/>
+              <a:endParaRPr lang="en-US"/>
+            </a:p>
+          </p:txBody>
+        </p:sp>
+      </p:grpSp>
+      <p:grpSp>
+        <p:nvGrpSpPr>
+          <p:cNvPr id="11" name="Group 8">
+            <a:extLst>
+              <a:ext uri="{FF2B5EF4-FFF2-40B4-BE49-F238E27FC236}">
+                <a16:creationId xmlns:a16="http://schemas.microsoft.com/office/drawing/2014/main" id="{801004FD-E03C-48C2-B950-6C2943B2B622}"/>
+              </a:ext>
+            </a:extLst>
+          </p:cNvPr>
+          <p:cNvGrpSpPr/>
+          <p:nvPr/>
+        </p:nvGrpSpPr>
+        <p:grpSpPr>
+          <a:xfrm>
+            <a:off x="9309998" y="1525360"/>
+            <a:ext cx="981248" cy="934378"/>
+            <a:chOff x="1487978" y="856211"/>
+            <a:chExt cx="2535382" cy="2427317"/>
+          </a:xfrm>
+        </p:grpSpPr>
+        <p:sp>
+          <p:nvSpPr>
+            <p:cNvPr id="12" name="Snip Diagonal Corner Rectangle 3">
+              <a:extLst>
+                <a:ext uri="{FF2B5EF4-FFF2-40B4-BE49-F238E27FC236}">
+                  <a16:creationId xmlns:a16="http://schemas.microsoft.com/office/drawing/2014/main" id="{9E01321A-942E-4788-B451-AB076CF9DF63}"/>
+                </a:ext>
+              </a:extLst>
+            </p:cNvPr>
+            <p:cNvSpPr/>
+            <p:nvPr/>
+          </p:nvSpPr>
+          <p:spPr>
+            <a:xfrm>
+              <a:off x="1487978" y="856211"/>
+              <a:ext cx="2535382" cy="2427317"/>
+            </a:xfrm>
+            <a:prstGeom prst="snip2DiagRect">
+              <a:avLst/>
+            </a:prstGeom>
+            <a:solidFill>
+              <a:srgbClr val="D0CECE"/>
+            </a:solidFill>
+            <a:ln>
+              <a:noFill/>
+            </a:ln>
+            <a:scene3d>
+              <a:camera prst="orthographicFront"/>
+              <a:lightRig rig="threePt" dir="t"/>
+            </a:scene3d>
+            <a:sp3d>
+              <a:bevelT/>
+            </a:sp3d>
+          </p:spPr>
+          <p:style>
+            <a:lnRef idx="2">
+              <a:schemeClr val="accent1">
+                <a:shade val="50000"/>
+              </a:schemeClr>
+            </a:lnRef>
+            <a:fillRef idx="1">
+              <a:schemeClr val="accent1"/>
+            </a:fillRef>
+            <a:effectRef idx="0">
+              <a:schemeClr val="accent1"/>
+            </a:effectRef>
+            <a:fontRef idx="minor">
+              <a:schemeClr val="lt1"/>
+            </a:fontRef>
+          </p:style>
+          <p:txBody>
+            <a:bodyPr rtlCol="0" anchor="ctr"/>
+            <a:lstStyle/>
+            <a:p>
+              <a:pPr algn="ctr"/>
+              <a:endParaRPr lang="en-US"/>
+            </a:p>
+          </p:txBody>
+        </p:sp>
+        <p:sp>
+          <p:nvSpPr>
+            <p:cNvPr id="13" name="Snip Diagonal Corner Rectangle 4">
+              <a:extLst>
+                <a:ext uri="{FF2B5EF4-FFF2-40B4-BE49-F238E27FC236}">
+                  <a16:creationId xmlns:a16="http://schemas.microsoft.com/office/drawing/2014/main" id="{3D33BC99-35E3-42C8-A67B-5155A5F1173A}"/>
+                </a:ext>
+              </a:extLst>
+            </p:cNvPr>
+            <p:cNvSpPr/>
+            <p:nvPr/>
+          </p:nvSpPr>
+          <p:spPr>
+            <a:xfrm>
+              <a:off x="1640378" y="1008612"/>
+              <a:ext cx="2228589" cy="2133600"/>
+            </a:xfrm>
+            <a:prstGeom prst="snip2DiagRect">
+              <a:avLst/>
+            </a:prstGeom>
+            <a:solidFill>
+              <a:srgbClr val="AFABAB">
+                <a:alpha val="80000"/>
+              </a:srgbClr>
+            </a:solidFill>
+            <a:ln>
+              <a:noFill/>
+            </a:ln>
+            <a:scene3d>
+              <a:camera prst="orthographicFront"/>
+              <a:lightRig rig="threePt" dir="t"/>
+            </a:scene3d>
+            <a:sp3d>
+              <a:bevelT/>
+            </a:sp3d>
+          </p:spPr>
+          <p:style>
+            <a:lnRef idx="2">
+              <a:schemeClr val="accent1">
+                <a:shade val="50000"/>
+              </a:schemeClr>
+            </a:lnRef>
+            <a:fillRef idx="1">
+              <a:schemeClr val="accent1"/>
+            </a:fillRef>
+            <a:effectRef idx="0">
+              <a:schemeClr val="accent1"/>
+            </a:effectRef>
+            <a:fontRef idx="minor">
+              <a:schemeClr val="lt1"/>
+            </a:fontRef>
+          </p:style>
+          <p:txBody>
+            <a:bodyPr rtlCol="0" anchor="ctr"/>
+            <a:lstStyle/>
+            <a:p>
+              <a:pPr algn="ctr"/>
+              <a:endParaRPr lang="en-US"/>
+            </a:p>
+          </p:txBody>
+        </p:sp>
+      </p:grpSp>
+      <p:grpSp>
+        <p:nvGrpSpPr>
+          <p:cNvPr id="14" name="Group 8">
+            <a:extLst>
+              <a:ext uri="{FF2B5EF4-FFF2-40B4-BE49-F238E27FC236}">
+                <a16:creationId xmlns:a16="http://schemas.microsoft.com/office/drawing/2014/main" id="{FBFC23DF-98E9-4F43-B8E8-C23B7EE1C0E6}"/>
+              </a:ext>
+            </a:extLst>
+          </p:cNvPr>
+          <p:cNvGrpSpPr/>
+          <p:nvPr/>
+        </p:nvGrpSpPr>
+        <p:grpSpPr>
+          <a:xfrm>
+            <a:off x="10553353" y="1525360"/>
+            <a:ext cx="981248" cy="934378"/>
+            <a:chOff x="1487978" y="856211"/>
+            <a:chExt cx="2535382" cy="2427317"/>
+          </a:xfrm>
+        </p:grpSpPr>
+        <p:sp>
+          <p:nvSpPr>
+            <p:cNvPr id="15" name="Snip Diagonal Corner Rectangle 3">
+              <a:extLst>
+                <a:ext uri="{FF2B5EF4-FFF2-40B4-BE49-F238E27FC236}">
+                  <a16:creationId xmlns:a16="http://schemas.microsoft.com/office/drawing/2014/main" id="{0898D2A8-7F0A-49DC-97EC-B91C470E3060}"/>
+                </a:ext>
+              </a:extLst>
+            </p:cNvPr>
+            <p:cNvSpPr/>
+            <p:nvPr/>
+          </p:nvSpPr>
+          <p:spPr>
+            <a:xfrm>
+              <a:off x="1487978" y="856211"/>
+              <a:ext cx="2535382" cy="2427317"/>
+            </a:xfrm>
+            <a:prstGeom prst="snip2DiagRect">
+              <a:avLst/>
+            </a:prstGeom>
+            <a:solidFill>
+              <a:srgbClr val="D0CECE"/>
+            </a:solidFill>
+            <a:ln>
+              <a:noFill/>
+            </a:ln>
+            <a:scene3d>
+              <a:camera prst="orthographicFront"/>
+              <a:lightRig rig="threePt" dir="t"/>
+            </a:scene3d>
+            <a:sp3d>
+              <a:bevelT/>
+            </a:sp3d>
+          </p:spPr>
+          <p:style>
+            <a:lnRef idx="2">
+              <a:schemeClr val="accent1">
+                <a:shade val="50000"/>
+              </a:schemeClr>
+            </a:lnRef>
+            <a:fillRef idx="1">
+              <a:schemeClr val="accent1"/>
+            </a:fillRef>
+            <a:effectRef idx="0">
+              <a:schemeClr val="accent1"/>
+            </a:effectRef>
+            <a:fontRef idx="minor">
+              <a:schemeClr val="lt1"/>
+            </a:fontRef>
+          </p:style>
+          <p:txBody>
+            <a:bodyPr rtlCol="0" anchor="ctr"/>
+            <a:lstStyle/>
+            <a:p>
+              <a:pPr algn="ctr"/>
+              <a:endParaRPr lang="en-US"/>
+            </a:p>
+          </p:txBody>
+        </p:sp>
+        <p:sp>
+          <p:nvSpPr>
+            <p:cNvPr id="16" name="Snip Diagonal Corner Rectangle 4">
+              <a:extLst>
+                <a:ext uri="{FF2B5EF4-FFF2-40B4-BE49-F238E27FC236}">
+                  <a16:creationId xmlns:a16="http://schemas.microsoft.com/office/drawing/2014/main" id="{9B9AD1B8-CA3A-4E3F-A28A-EF03519975C2}"/>
+                </a:ext>
+              </a:extLst>
+            </p:cNvPr>
+            <p:cNvSpPr/>
+            <p:nvPr/>
+          </p:nvSpPr>
+          <p:spPr>
+            <a:xfrm>
+              <a:off x="1640378" y="1008612"/>
+              <a:ext cx="2228589" cy="2133600"/>
+            </a:xfrm>
+            <a:prstGeom prst="snip2DiagRect">
+              <a:avLst/>
+            </a:prstGeom>
+            <a:solidFill>
+              <a:srgbClr val="AFABAB">
+                <a:alpha val="80000"/>
+              </a:srgbClr>
+            </a:solidFill>
+            <a:ln>
+              <a:noFill/>
+            </a:ln>
+            <a:scene3d>
+              <a:camera prst="orthographicFront"/>
+              <a:lightRig rig="threePt" dir="t"/>
+            </a:scene3d>
+            <a:sp3d>
+              <a:bevelT/>
+            </a:sp3d>
+          </p:spPr>
+          <p:style>
+            <a:lnRef idx="2">
+              <a:schemeClr val="accent1">
+                <a:shade val="50000"/>
+              </a:schemeClr>
+            </a:lnRef>
+            <a:fillRef idx="1">
+              <a:schemeClr val="accent1"/>
+            </a:fillRef>
+            <a:effectRef idx="0">
+              <a:schemeClr val="accent1"/>
+            </a:effectRef>
+            <a:fontRef idx="minor">
+              <a:schemeClr val="lt1"/>
+            </a:fontRef>
+          </p:style>
+          <p:txBody>
+            <a:bodyPr rtlCol="0" anchor="ctr"/>
+            <a:lstStyle/>
+            <a:p>
+              <a:pPr algn="ctr"/>
+              <a:endParaRPr lang="en-US"/>
+            </a:p>
+          </p:txBody>
+        </p:sp>
+      </p:grpSp>
+      <p:grpSp>
+        <p:nvGrpSpPr>
+          <p:cNvPr id="17" name="Group 8">
+            <a:extLst>
+              <a:ext uri="{FF2B5EF4-FFF2-40B4-BE49-F238E27FC236}">
+                <a16:creationId xmlns:a16="http://schemas.microsoft.com/office/drawing/2014/main" id="{44F14C96-6AB0-4BBB-926C-48D7F682D1A1}"/>
+              </a:ext>
+            </a:extLst>
+          </p:cNvPr>
+          <p:cNvGrpSpPr/>
+          <p:nvPr/>
+        </p:nvGrpSpPr>
+        <p:grpSpPr>
+          <a:xfrm>
+            <a:off x="6893439" y="2771148"/>
+            <a:ext cx="981248" cy="934378"/>
+            <a:chOff x="1487978" y="856211"/>
+            <a:chExt cx="2535382" cy="2427317"/>
+          </a:xfrm>
+        </p:grpSpPr>
+        <p:sp>
+          <p:nvSpPr>
+            <p:cNvPr id="18" name="Snip Diagonal Corner Rectangle 3">
+              <a:extLst>
+                <a:ext uri="{FF2B5EF4-FFF2-40B4-BE49-F238E27FC236}">
+                  <a16:creationId xmlns:a16="http://schemas.microsoft.com/office/drawing/2014/main" id="{3A1AC27B-BD8D-47BD-BFC9-32A41AD1F9F2}"/>
+                </a:ext>
+              </a:extLst>
+            </p:cNvPr>
+            <p:cNvSpPr/>
+            <p:nvPr/>
+          </p:nvSpPr>
+          <p:spPr>
+            <a:xfrm>
+              <a:off x="1487978" y="856211"/>
+              <a:ext cx="2535382" cy="2427317"/>
+            </a:xfrm>
+            <a:prstGeom prst="snip2DiagRect">
+              <a:avLst/>
+            </a:prstGeom>
+            <a:solidFill>
+              <a:srgbClr val="D0CECE"/>
+            </a:solidFill>
+            <a:ln>
+              <a:noFill/>
+            </a:ln>
+            <a:scene3d>
+              <a:camera prst="orthographicFront"/>
+              <a:lightRig rig="threePt" dir="t"/>
+            </a:scene3d>
+            <a:sp3d>
+              <a:bevelT/>
+            </a:sp3d>
+          </p:spPr>
+          <p:style>
+            <a:lnRef idx="2">
+              <a:schemeClr val="accent1">
+                <a:shade val="50000"/>
+              </a:schemeClr>
+            </a:lnRef>
+            <a:fillRef idx="1">
+              <a:schemeClr val="accent1"/>
+            </a:fillRef>
+            <a:effectRef idx="0">
+              <a:schemeClr val="accent1"/>
+            </a:effectRef>
+            <a:fontRef idx="minor">
+              <a:schemeClr val="lt1"/>
+            </a:fontRef>
+          </p:style>
+          <p:txBody>
+            <a:bodyPr rtlCol="0" anchor="ctr"/>
+            <a:lstStyle/>
+            <a:p>
+              <a:pPr algn="ctr"/>
+              <a:endParaRPr lang="en-US"/>
+            </a:p>
+          </p:txBody>
+        </p:sp>
+        <p:sp>
+          <p:nvSpPr>
+            <p:cNvPr id="19" name="Snip Diagonal Corner Rectangle 4">
+              <a:extLst>
+                <a:ext uri="{FF2B5EF4-FFF2-40B4-BE49-F238E27FC236}">
+                  <a16:creationId xmlns:a16="http://schemas.microsoft.com/office/drawing/2014/main" id="{44D6E004-2C1A-41FE-92B7-5FE58967F05C}"/>
+                </a:ext>
+              </a:extLst>
+            </p:cNvPr>
+            <p:cNvSpPr/>
+            <p:nvPr/>
+          </p:nvSpPr>
+          <p:spPr>
+            <a:xfrm>
+              <a:off x="1640378" y="1008612"/>
+              <a:ext cx="2228589" cy="2133600"/>
+            </a:xfrm>
+            <a:prstGeom prst="snip2DiagRect">
+              <a:avLst/>
+            </a:prstGeom>
+            <a:solidFill>
+              <a:srgbClr val="AFABAB">
+                <a:alpha val="80000"/>
+              </a:srgbClr>
+            </a:solidFill>
+            <a:ln>
+              <a:noFill/>
+            </a:ln>
+            <a:scene3d>
+              <a:camera prst="orthographicFront"/>
+              <a:lightRig rig="threePt" dir="t"/>
+            </a:scene3d>
+            <a:sp3d>
+              <a:bevelT/>
+            </a:sp3d>
+          </p:spPr>
+          <p:style>
+            <a:lnRef idx="2">
+              <a:schemeClr val="accent1">
+                <a:shade val="50000"/>
+              </a:schemeClr>
+            </a:lnRef>
+            <a:fillRef idx="1">
+              <a:schemeClr val="accent1"/>
+            </a:fillRef>
+            <a:effectRef idx="0">
+              <a:schemeClr val="accent1"/>
+            </a:effectRef>
+            <a:fontRef idx="minor">
+              <a:schemeClr val="lt1"/>
+            </a:fontRef>
+          </p:style>
+          <p:txBody>
+            <a:bodyPr rtlCol="0" anchor="ctr"/>
+            <a:lstStyle/>
+            <a:p>
+              <a:pPr algn="ctr"/>
+              <a:endParaRPr lang="en-US"/>
+            </a:p>
+          </p:txBody>
+        </p:sp>
+      </p:grpSp>
+      <p:grpSp>
+        <p:nvGrpSpPr>
+          <p:cNvPr id="20" name="Group 8">
+            <a:extLst>
+              <a:ext uri="{FF2B5EF4-FFF2-40B4-BE49-F238E27FC236}">
+                <a16:creationId xmlns:a16="http://schemas.microsoft.com/office/drawing/2014/main" id="{9FCEB3E6-970D-4C95-B52F-5822CFBBD98A}"/>
+              </a:ext>
+            </a:extLst>
+          </p:cNvPr>
+          <p:cNvGrpSpPr/>
+          <p:nvPr/>
+        </p:nvGrpSpPr>
+        <p:grpSpPr>
+          <a:xfrm>
+            <a:off x="8125625" y="2770684"/>
+            <a:ext cx="981248" cy="934378"/>
+            <a:chOff x="1487978" y="856211"/>
+            <a:chExt cx="2535382" cy="2427317"/>
+          </a:xfrm>
+        </p:grpSpPr>
+        <p:sp>
+          <p:nvSpPr>
+            <p:cNvPr id="21" name="Snip Diagonal Corner Rectangle 3">
+              <a:extLst>
+                <a:ext uri="{FF2B5EF4-FFF2-40B4-BE49-F238E27FC236}">
+                  <a16:creationId xmlns:a16="http://schemas.microsoft.com/office/drawing/2014/main" id="{B89B5F65-99E0-46E3-A239-76FDB53309D1}"/>
+                </a:ext>
+              </a:extLst>
+            </p:cNvPr>
+            <p:cNvSpPr/>
+            <p:nvPr/>
+          </p:nvSpPr>
+          <p:spPr>
+            <a:xfrm>
+              <a:off x="1487978" y="856211"/>
+              <a:ext cx="2535382" cy="2427317"/>
+            </a:xfrm>
+            <a:prstGeom prst="snip2DiagRect">
+              <a:avLst/>
+            </a:prstGeom>
+            <a:solidFill>
+              <a:srgbClr val="D0CECE"/>
+            </a:solidFill>
+            <a:ln>
+              <a:noFill/>
+            </a:ln>
+            <a:scene3d>
+              <a:camera prst="orthographicFront"/>
+              <a:lightRig rig="threePt" dir="t"/>
+            </a:scene3d>
+            <a:sp3d>
+              <a:bevelT/>
+            </a:sp3d>
+          </p:spPr>
+          <p:style>
+            <a:lnRef idx="2">
+              <a:schemeClr val="accent1">
+                <a:shade val="50000"/>
+              </a:schemeClr>
+            </a:lnRef>
+            <a:fillRef idx="1">
+              <a:schemeClr val="accent1"/>
+            </a:fillRef>
+            <a:effectRef idx="0">
+              <a:schemeClr val="accent1"/>
+            </a:effectRef>
+            <a:fontRef idx="minor">
+              <a:schemeClr val="lt1"/>
+            </a:fontRef>
+          </p:style>
+          <p:txBody>
+            <a:bodyPr rtlCol="0" anchor="ctr"/>
+            <a:lstStyle/>
+            <a:p>
+              <a:pPr algn="ctr"/>
+              <a:endParaRPr lang="en-US"/>
+            </a:p>
+          </p:txBody>
+        </p:sp>
+        <p:sp>
+          <p:nvSpPr>
+            <p:cNvPr id="22" name="Snip Diagonal Corner Rectangle 4">
+              <a:extLst>
+                <a:ext uri="{FF2B5EF4-FFF2-40B4-BE49-F238E27FC236}">
+                  <a16:creationId xmlns:a16="http://schemas.microsoft.com/office/drawing/2014/main" id="{2172D070-905C-496F-9D05-167AABA5C487}"/>
+                </a:ext>
+              </a:extLst>
+            </p:cNvPr>
+            <p:cNvSpPr/>
+            <p:nvPr/>
+          </p:nvSpPr>
+          <p:spPr>
+            <a:xfrm>
+              <a:off x="1640378" y="1008612"/>
+              <a:ext cx="2228589" cy="2133600"/>
+            </a:xfrm>
+            <a:prstGeom prst="snip2DiagRect">
+              <a:avLst/>
+            </a:prstGeom>
+            <a:solidFill>
+              <a:srgbClr val="AFABAB">
+                <a:alpha val="80000"/>
+              </a:srgbClr>
+            </a:solidFill>
+            <a:ln>
+              <a:noFill/>
+            </a:ln>
+            <a:scene3d>
+              <a:camera prst="orthographicFront"/>
+              <a:lightRig rig="threePt" dir="t"/>
+            </a:scene3d>
+            <a:sp3d>
+              <a:bevelT/>
+            </a:sp3d>
+          </p:spPr>
+          <p:style>
+            <a:lnRef idx="2">
+              <a:schemeClr val="accent1">
+                <a:shade val="50000"/>
+              </a:schemeClr>
+            </a:lnRef>
+            <a:fillRef idx="1">
+              <a:schemeClr val="accent1"/>
+            </a:fillRef>
+            <a:effectRef idx="0">
+              <a:schemeClr val="accent1"/>
+            </a:effectRef>
+            <a:fontRef idx="minor">
+              <a:schemeClr val="lt1"/>
+            </a:fontRef>
+          </p:style>
+          <p:txBody>
+            <a:bodyPr rtlCol="0" anchor="ctr"/>
+            <a:lstStyle/>
+            <a:p>
+              <a:pPr algn="ctr"/>
+              <a:endParaRPr lang="en-US"/>
+            </a:p>
+          </p:txBody>
+        </p:sp>
+      </p:grpSp>
+      <p:grpSp>
+        <p:nvGrpSpPr>
+          <p:cNvPr id="23" name="Group 8">
+            <a:extLst>
+              <a:ext uri="{FF2B5EF4-FFF2-40B4-BE49-F238E27FC236}">
+                <a16:creationId xmlns:a16="http://schemas.microsoft.com/office/drawing/2014/main" id="{3E118427-3222-4BE4-B411-DB157A6F210A}"/>
+              </a:ext>
+            </a:extLst>
+          </p:cNvPr>
+          <p:cNvGrpSpPr/>
+          <p:nvPr/>
+        </p:nvGrpSpPr>
+        <p:grpSpPr>
+          <a:xfrm>
+            <a:off x="9368980" y="2770684"/>
+            <a:ext cx="981248" cy="934378"/>
+            <a:chOff x="1487978" y="856211"/>
+            <a:chExt cx="2535382" cy="2427317"/>
+          </a:xfrm>
+        </p:grpSpPr>
+        <p:sp>
+          <p:nvSpPr>
+            <p:cNvPr id="24" name="Snip Diagonal Corner Rectangle 3">
+              <a:extLst>
+                <a:ext uri="{FF2B5EF4-FFF2-40B4-BE49-F238E27FC236}">
+                  <a16:creationId xmlns:a16="http://schemas.microsoft.com/office/drawing/2014/main" id="{0790AE0D-D2DC-410F-A9CD-256E521AC598}"/>
+                </a:ext>
+              </a:extLst>
+            </p:cNvPr>
+            <p:cNvSpPr/>
+            <p:nvPr/>
+          </p:nvSpPr>
+          <p:spPr>
+            <a:xfrm>
+              <a:off x="1487978" y="856211"/>
+              <a:ext cx="2535382" cy="2427317"/>
+            </a:xfrm>
+            <a:prstGeom prst="snip2DiagRect">
+              <a:avLst/>
+            </a:prstGeom>
+            <a:solidFill>
+              <a:srgbClr val="D0CECE"/>
+            </a:solidFill>
+            <a:ln>
+              <a:noFill/>
+            </a:ln>
+            <a:scene3d>
+              <a:camera prst="orthographicFront"/>
+              <a:lightRig rig="threePt" dir="t"/>
+            </a:scene3d>
+            <a:sp3d>
+              <a:bevelT/>
+            </a:sp3d>
+          </p:spPr>
+          <p:style>
+            <a:lnRef idx="2">
+              <a:schemeClr val="accent1">
+                <a:shade val="50000"/>
+              </a:schemeClr>
+            </a:lnRef>
+            <a:fillRef idx="1">
+              <a:schemeClr val="accent1"/>
+            </a:fillRef>
+            <a:effectRef idx="0">
+              <a:schemeClr val="accent1"/>
+            </a:effectRef>
+            <a:fontRef idx="minor">
+              <a:schemeClr val="lt1"/>
+            </a:fontRef>
+          </p:style>
+          <p:txBody>
+            <a:bodyPr rtlCol="0" anchor="ctr"/>
+            <a:lstStyle/>
+            <a:p>
+              <a:pPr algn="ctr"/>
+              <a:endParaRPr lang="en-US"/>
+            </a:p>
+          </p:txBody>
+        </p:sp>
+        <p:sp>
+          <p:nvSpPr>
+            <p:cNvPr id="25" name="Snip Diagonal Corner Rectangle 4">
+              <a:extLst>
+                <a:ext uri="{FF2B5EF4-FFF2-40B4-BE49-F238E27FC236}">
+                  <a16:creationId xmlns:a16="http://schemas.microsoft.com/office/drawing/2014/main" id="{DFFC71C3-2B2A-4A7F-A5A2-185B96BA1DC5}"/>
+                </a:ext>
+              </a:extLst>
+            </p:cNvPr>
+            <p:cNvSpPr/>
+            <p:nvPr/>
+          </p:nvSpPr>
+          <p:spPr>
+            <a:xfrm>
+              <a:off x="1640378" y="1008612"/>
+              <a:ext cx="2228589" cy="2133600"/>
+            </a:xfrm>
+            <a:prstGeom prst="snip2DiagRect">
+              <a:avLst/>
+            </a:prstGeom>
+            <a:solidFill>
+              <a:srgbClr val="AFABAB">
+                <a:alpha val="80000"/>
+              </a:srgbClr>
+            </a:solidFill>
+            <a:ln>
+              <a:noFill/>
+            </a:ln>
+            <a:scene3d>
+              <a:camera prst="orthographicFront"/>
+              <a:lightRig rig="threePt" dir="t"/>
+            </a:scene3d>
+            <a:sp3d>
+              <a:bevelT/>
+            </a:sp3d>
+          </p:spPr>
+          <p:style>
+            <a:lnRef idx="2">
+              <a:schemeClr val="accent1">
+                <a:shade val="50000"/>
+              </a:schemeClr>
+            </a:lnRef>
+            <a:fillRef idx="1">
+              <a:schemeClr val="accent1"/>
+            </a:fillRef>
+            <a:effectRef idx="0">
+              <a:schemeClr val="accent1"/>
+            </a:effectRef>
+            <a:fontRef idx="minor">
+              <a:schemeClr val="lt1"/>
+            </a:fontRef>
+          </p:style>
+          <p:txBody>
+            <a:bodyPr rtlCol="0" anchor="ctr"/>
+            <a:lstStyle/>
+            <a:p>
+              <a:pPr algn="ctr"/>
+              <a:endParaRPr lang="en-US"/>
+            </a:p>
+          </p:txBody>
+        </p:sp>
+      </p:grpSp>
+      <p:grpSp>
+        <p:nvGrpSpPr>
+          <p:cNvPr id="26" name="Group 8">
+            <a:extLst>
+              <a:ext uri="{FF2B5EF4-FFF2-40B4-BE49-F238E27FC236}">
+                <a16:creationId xmlns:a16="http://schemas.microsoft.com/office/drawing/2014/main" id="{080E645A-B37F-4038-A4CA-F6E75DB32226}"/>
+              </a:ext>
+            </a:extLst>
+          </p:cNvPr>
+          <p:cNvGrpSpPr/>
+          <p:nvPr/>
+        </p:nvGrpSpPr>
+        <p:grpSpPr>
+          <a:xfrm>
+            <a:off x="10612335" y="2770684"/>
+            <a:ext cx="981248" cy="934378"/>
+            <a:chOff x="1487978" y="856211"/>
+            <a:chExt cx="2535382" cy="2427317"/>
+          </a:xfrm>
+        </p:grpSpPr>
+        <p:sp>
+          <p:nvSpPr>
+            <p:cNvPr id="27" name="Snip Diagonal Corner Rectangle 3">
+              <a:extLst>
+                <a:ext uri="{FF2B5EF4-FFF2-40B4-BE49-F238E27FC236}">
+                  <a16:creationId xmlns:a16="http://schemas.microsoft.com/office/drawing/2014/main" id="{EA697F3A-A3B9-4D8B-8CE7-6D17BFA84D65}"/>
+                </a:ext>
+              </a:extLst>
+            </p:cNvPr>
+            <p:cNvSpPr/>
+            <p:nvPr/>
+          </p:nvSpPr>
+          <p:spPr>
+            <a:xfrm>
+              <a:off x="1487978" y="856211"/>
+              <a:ext cx="2535382" cy="2427317"/>
+            </a:xfrm>
+            <a:prstGeom prst="snip2DiagRect">
+              <a:avLst/>
+            </a:prstGeom>
+            <a:solidFill>
+              <a:srgbClr val="D0CECE"/>
+            </a:solidFill>
+            <a:ln>
+              <a:noFill/>
+            </a:ln>
+            <a:scene3d>
+              <a:camera prst="orthographicFront"/>
+              <a:lightRig rig="threePt" dir="t"/>
+            </a:scene3d>
+            <a:sp3d>
+              <a:bevelT/>
+            </a:sp3d>
+          </p:spPr>
+          <p:style>
+            <a:lnRef idx="2">
+              <a:schemeClr val="accent1">
+                <a:shade val="50000"/>
+              </a:schemeClr>
+            </a:lnRef>
+            <a:fillRef idx="1">
+              <a:schemeClr val="accent1"/>
+            </a:fillRef>
+            <a:effectRef idx="0">
+              <a:schemeClr val="accent1"/>
+            </a:effectRef>
+            <a:fontRef idx="minor">
+              <a:schemeClr val="lt1"/>
+            </a:fontRef>
+          </p:style>
+          <p:txBody>
+            <a:bodyPr rtlCol="0" anchor="ctr"/>
+            <a:lstStyle/>
+            <a:p>
+              <a:pPr algn="ctr"/>
+              <a:endParaRPr lang="en-US"/>
+            </a:p>
+          </p:txBody>
+        </p:sp>
+        <p:sp>
+          <p:nvSpPr>
+            <p:cNvPr id="28" name="Snip Diagonal Corner Rectangle 4">
+              <a:extLst>
+                <a:ext uri="{FF2B5EF4-FFF2-40B4-BE49-F238E27FC236}">
+                  <a16:creationId xmlns:a16="http://schemas.microsoft.com/office/drawing/2014/main" id="{95C99235-B45E-418C-8904-994C76A42ACC}"/>
+                </a:ext>
+              </a:extLst>
+            </p:cNvPr>
+            <p:cNvSpPr/>
+            <p:nvPr/>
+          </p:nvSpPr>
+          <p:spPr>
+            <a:xfrm>
+              <a:off x="1640378" y="1008612"/>
+              <a:ext cx="2228589" cy="2133600"/>
+            </a:xfrm>
+            <a:prstGeom prst="snip2DiagRect">
+              <a:avLst/>
+            </a:prstGeom>
+            <a:solidFill>
+              <a:srgbClr val="AFABAB">
+                <a:alpha val="80000"/>
+              </a:srgbClr>
+            </a:solidFill>
+            <a:ln>
+              <a:noFill/>
+            </a:ln>
+            <a:scene3d>
+              <a:camera prst="orthographicFront"/>
+              <a:lightRig rig="threePt" dir="t"/>
+            </a:scene3d>
+            <a:sp3d>
+              <a:bevelT/>
+            </a:sp3d>
+          </p:spPr>
+          <p:style>
+            <a:lnRef idx="2">
+              <a:schemeClr val="accent1">
+                <a:shade val="50000"/>
+              </a:schemeClr>
+            </a:lnRef>
+            <a:fillRef idx="1">
+              <a:schemeClr val="accent1"/>
+            </a:fillRef>
+            <a:effectRef idx="0">
+              <a:schemeClr val="accent1"/>
+            </a:effectRef>
+            <a:fontRef idx="minor">
+              <a:schemeClr val="lt1"/>
+            </a:fontRef>
+          </p:style>
+          <p:txBody>
+            <a:bodyPr rtlCol="0" anchor="ctr"/>
+            <a:lstStyle/>
+            <a:p>
+              <a:pPr algn="ctr"/>
+              <a:endParaRPr lang="en-US"/>
+            </a:p>
+          </p:txBody>
+        </p:sp>
+      </p:grpSp>
+      <p:grpSp>
+        <p:nvGrpSpPr>
+          <p:cNvPr id="29" name="Group 8">
+            <a:extLst>
+              <a:ext uri="{FF2B5EF4-FFF2-40B4-BE49-F238E27FC236}">
+                <a16:creationId xmlns:a16="http://schemas.microsoft.com/office/drawing/2014/main" id="{FC2419C4-E6DF-41D3-AF5F-C48C02571DA1}"/>
+              </a:ext>
+            </a:extLst>
+          </p:cNvPr>
+          <p:cNvGrpSpPr/>
+          <p:nvPr/>
+        </p:nvGrpSpPr>
+        <p:grpSpPr>
+          <a:xfrm>
+            <a:off x="6952421" y="4016472"/>
+            <a:ext cx="981248" cy="934378"/>
+            <a:chOff x="1487978" y="856211"/>
+            <a:chExt cx="2535382" cy="2427317"/>
+          </a:xfrm>
+        </p:grpSpPr>
+        <p:sp>
+          <p:nvSpPr>
+            <p:cNvPr id="30" name="Snip Diagonal Corner Rectangle 3">
+              <a:extLst>
+                <a:ext uri="{FF2B5EF4-FFF2-40B4-BE49-F238E27FC236}">
+                  <a16:creationId xmlns:a16="http://schemas.microsoft.com/office/drawing/2014/main" id="{4FA84EC8-11F8-4A50-81DE-AE1C9728B3B8}"/>
+                </a:ext>
+              </a:extLst>
+            </p:cNvPr>
+            <p:cNvSpPr/>
+            <p:nvPr/>
+          </p:nvSpPr>
+          <p:spPr>
+            <a:xfrm>
+              <a:off x="1487978" y="856211"/>
+              <a:ext cx="2535382" cy="2427317"/>
+            </a:xfrm>
+            <a:prstGeom prst="snip2DiagRect">
+              <a:avLst/>
+            </a:prstGeom>
+            <a:solidFill>
+              <a:srgbClr val="D0CECE"/>
+            </a:solidFill>
+            <a:ln>
+              <a:noFill/>
+            </a:ln>
+            <a:scene3d>
+              <a:camera prst="orthographicFront"/>
+              <a:lightRig rig="threePt" dir="t"/>
+            </a:scene3d>
+            <a:sp3d>
+              <a:bevelT/>
+            </a:sp3d>
+          </p:spPr>
+          <p:style>
+            <a:lnRef idx="2">
+              <a:schemeClr val="accent1">
+                <a:shade val="50000"/>
+              </a:schemeClr>
+            </a:lnRef>
+            <a:fillRef idx="1">
+              <a:schemeClr val="accent1"/>
+            </a:fillRef>
+            <a:effectRef idx="0">
+              <a:schemeClr val="accent1"/>
+            </a:effectRef>
+            <a:fontRef idx="minor">
+              <a:schemeClr val="lt1"/>
+            </a:fontRef>
+          </p:style>
+          <p:txBody>
+            <a:bodyPr rtlCol="0" anchor="ctr"/>
+            <a:lstStyle/>
+            <a:p>
+              <a:pPr algn="ctr"/>
+              <a:endParaRPr lang="en-US"/>
+            </a:p>
+          </p:txBody>
+        </p:sp>
+        <p:sp>
+          <p:nvSpPr>
+            <p:cNvPr id="31" name="Snip Diagonal Corner Rectangle 4">
+              <a:extLst>
+                <a:ext uri="{FF2B5EF4-FFF2-40B4-BE49-F238E27FC236}">
+                  <a16:creationId xmlns:a16="http://schemas.microsoft.com/office/drawing/2014/main" id="{D72A5A6C-980D-4A75-8D3D-B24C379C1924}"/>
+                </a:ext>
+              </a:extLst>
+            </p:cNvPr>
+            <p:cNvSpPr/>
+            <p:nvPr/>
+          </p:nvSpPr>
+          <p:spPr>
+            <a:xfrm>
+              <a:off x="1640378" y="1008612"/>
+              <a:ext cx="2228589" cy="2133600"/>
+            </a:xfrm>
+            <a:prstGeom prst="snip2DiagRect">
+              <a:avLst/>
+            </a:prstGeom>
+            <a:solidFill>
+              <a:srgbClr val="AFABAB">
+                <a:alpha val="80000"/>
+              </a:srgbClr>
+            </a:solidFill>
+            <a:ln>
+              <a:noFill/>
+            </a:ln>
+            <a:scene3d>
+              <a:camera prst="orthographicFront"/>
+              <a:lightRig rig="threePt" dir="t"/>
+            </a:scene3d>
+            <a:sp3d>
+              <a:bevelT/>
+            </a:sp3d>
+          </p:spPr>
+          <p:style>
+            <a:lnRef idx="2">
+              <a:schemeClr val="accent1">
+                <a:shade val="50000"/>
+              </a:schemeClr>
+            </a:lnRef>
+            <a:fillRef idx="1">
+              <a:schemeClr val="accent1"/>
+            </a:fillRef>
+            <a:effectRef idx="0">
+              <a:schemeClr val="accent1"/>
+            </a:effectRef>
+            <a:fontRef idx="minor">
+              <a:schemeClr val="lt1"/>
+            </a:fontRef>
+          </p:style>
+          <p:txBody>
+            <a:bodyPr rtlCol="0" anchor="ctr"/>
+            <a:lstStyle/>
+            <a:p>
+              <a:pPr algn="ctr"/>
+              <a:endParaRPr lang="en-US"/>
+            </a:p>
+          </p:txBody>
+        </p:sp>
+      </p:grpSp>
+      <p:grpSp>
+        <p:nvGrpSpPr>
+          <p:cNvPr id="32" name="Group 8">
+            <a:extLst>
+              <a:ext uri="{FF2B5EF4-FFF2-40B4-BE49-F238E27FC236}">
+                <a16:creationId xmlns:a16="http://schemas.microsoft.com/office/drawing/2014/main" id="{3640029A-97B2-48D6-9E20-8569E6F2C428}"/>
+              </a:ext>
+            </a:extLst>
+          </p:cNvPr>
+          <p:cNvGrpSpPr/>
+          <p:nvPr/>
+        </p:nvGrpSpPr>
+        <p:grpSpPr>
+          <a:xfrm>
+            <a:off x="8184607" y="4016008"/>
+            <a:ext cx="981248" cy="934378"/>
+            <a:chOff x="1487978" y="856211"/>
+            <a:chExt cx="2535382" cy="2427317"/>
+          </a:xfrm>
+        </p:grpSpPr>
+        <p:sp>
+          <p:nvSpPr>
+            <p:cNvPr id="33" name="Snip Diagonal Corner Rectangle 3">
+              <a:extLst>
+                <a:ext uri="{FF2B5EF4-FFF2-40B4-BE49-F238E27FC236}">
+                  <a16:creationId xmlns:a16="http://schemas.microsoft.com/office/drawing/2014/main" id="{D4A38DF2-FFE8-4FDC-BB3D-774AEDFDD800}"/>
+                </a:ext>
+              </a:extLst>
+            </p:cNvPr>
+            <p:cNvSpPr/>
+            <p:nvPr/>
+          </p:nvSpPr>
+          <p:spPr>
+            <a:xfrm>
+              <a:off x="1487978" y="856211"/>
+              <a:ext cx="2535382" cy="2427317"/>
+            </a:xfrm>
+            <a:prstGeom prst="snip2DiagRect">
+              <a:avLst/>
+            </a:prstGeom>
+            <a:solidFill>
+              <a:srgbClr val="D0CECE"/>
+            </a:solidFill>
+            <a:ln>
+              <a:noFill/>
+            </a:ln>
+            <a:scene3d>
+              <a:camera prst="orthographicFront"/>
+              <a:lightRig rig="threePt" dir="t"/>
+            </a:scene3d>
+            <a:sp3d>
+              <a:bevelT/>
+            </a:sp3d>
+          </p:spPr>
+          <p:style>
+            <a:lnRef idx="2">
+              <a:schemeClr val="accent1">
+                <a:shade val="50000"/>
+              </a:schemeClr>
+            </a:lnRef>
+            <a:fillRef idx="1">
+              <a:schemeClr val="accent1"/>
+            </a:fillRef>
+            <a:effectRef idx="0">
+              <a:schemeClr val="accent1"/>
+            </a:effectRef>
+            <a:fontRef idx="minor">
+              <a:schemeClr val="lt1"/>
+            </a:fontRef>
+          </p:style>
+          <p:txBody>
+            <a:bodyPr rtlCol="0" anchor="ctr"/>
+            <a:lstStyle/>
+            <a:p>
+              <a:pPr algn="ctr"/>
+              <a:endParaRPr lang="en-US"/>
+            </a:p>
+          </p:txBody>
+        </p:sp>
+        <p:sp>
+          <p:nvSpPr>
+            <p:cNvPr id="34" name="Snip Diagonal Corner Rectangle 4">
+              <a:extLst>
+                <a:ext uri="{FF2B5EF4-FFF2-40B4-BE49-F238E27FC236}">
+                  <a16:creationId xmlns:a16="http://schemas.microsoft.com/office/drawing/2014/main" id="{962A4682-54CA-4E30-A39F-B8FA049725C6}"/>
+                </a:ext>
+              </a:extLst>
+            </p:cNvPr>
+            <p:cNvSpPr/>
+            <p:nvPr/>
+          </p:nvSpPr>
+          <p:spPr>
+            <a:xfrm>
+              <a:off x="1640378" y="1008612"/>
+              <a:ext cx="2228589" cy="2133600"/>
+            </a:xfrm>
+            <a:prstGeom prst="snip2DiagRect">
+              <a:avLst/>
+            </a:prstGeom>
+            <a:solidFill>
+              <a:srgbClr val="AFABAB">
+                <a:alpha val="80000"/>
+              </a:srgbClr>
+            </a:solidFill>
+            <a:ln>
+              <a:noFill/>
+            </a:ln>
+            <a:scene3d>
+              <a:camera prst="orthographicFront"/>
+              <a:lightRig rig="threePt" dir="t"/>
+            </a:scene3d>
+            <a:sp3d>
+              <a:bevelT/>
+            </a:sp3d>
+          </p:spPr>
+          <p:style>
+            <a:lnRef idx="2">
+              <a:schemeClr val="accent1">
+                <a:shade val="50000"/>
+              </a:schemeClr>
+            </a:lnRef>
+            <a:fillRef idx="1">
+              <a:schemeClr val="accent1"/>
+            </a:fillRef>
+            <a:effectRef idx="0">
+              <a:schemeClr val="accent1"/>
+            </a:effectRef>
+            <a:fontRef idx="minor">
+              <a:schemeClr val="lt1"/>
+            </a:fontRef>
+          </p:style>
+          <p:txBody>
+            <a:bodyPr rtlCol="0" anchor="ctr"/>
+            <a:lstStyle/>
+            <a:p>
+              <a:pPr algn="ctr"/>
+              <a:endParaRPr lang="en-US"/>
+            </a:p>
+          </p:txBody>
+        </p:sp>
+      </p:grpSp>
+      <p:grpSp>
+        <p:nvGrpSpPr>
+          <p:cNvPr id="35" name="Group 8">
+            <a:extLst>
+              <a:ext uri="{FF2B5EF4-FFF2-40B4-BE49-F238E27FC236}">
+                <a16:creationId xmlns:a16="http://schemas.microsoft.com/office/drawing/2014/main" id="{F9750BFD-2690-4606-9267-C8BF1D554E2D}"/>
+              </a:ext>
+            </a:extLst>
+          </p:cNvPr>
+          <p:cNvGrpSpPr/>
+          <p:nvPr/>
+        </p:nvGrpSpPr>
+        <p:grpSpPr>
+          <a:xfrm>
+            <a:off x="9427962" y="4016008"/>
+            <a:ext cx="981248" cy="934378"/>
+            <a:chOff x="1487978" y="856211"/>
+            <a:chExt cx="2535382" cy="2427317"/>
+          </a:xfrm>
+        </p:grpSpPr>
+        <p:sp>
+          <p:nvSpPr>
+            <p:cNvPr id="36" name="Snip Diagonal Corner Rectangle 3">
+              <a:extLst>
+                <a:ext uri="{FF2B5EF4-FFF2-40B4-BE49-F238E27FC236}">
+                  <a16:creationId xmlns:a16="http://schemas.microsoft.com/office/drawing/2014/main" id="{AAA79E0F-0E05-40B9-BC33-81C7407C7346}"/>
+                </a:ext>
+              </a:extLst>
+            </p:cNvPr>
+            <p:cNvSpPr/>
+            <p:nvPr/>
+          </p:nvSpPr>
+          <p:spPr>
+            <a:xfrm>
+              <a:off x="1487978" y="856211"/>
+              <a:ext cx="2535382" cy="2427317"/>
+            </a:xfrm>
+            <a:prstGeom prst="snip2DiagRect">
+              <a:avLst/>
+            </a:prstGeom>
+            <a:solidFill>
+              <a:srgbClr val="D0CECE"/>
+            </a:solidFill>
+            <a:ln>
+              <a:noFill/>
+            </a:ln>
+            <a:scene3d>
+              <a:camera prst="orthographicFront"/>
+              <a:lightRig rig="threePt" dir="t"/>
+            </a:scene3d>
+            <a:sp3d>
+              <a:bevelT/>
+            </a:sp3d>
+          </p:spPr>
+          <p:style>
+            <a:lnRef idx="2">
+              <a:schemeClr val="accent1">
+                <a:shade val="50000"/>
+              </a:schemeClr>
+            </a:lnRef>
+            <a:fillRef idx="1">
+              <a:schemeClr val="accent1"/>
+            </a:fillRef>
+            <a:effectRef idx="0">
+              <a:schemeClr val="accent1"/>
+            </a:effectRef>
+            <a:fontRef idx="minor">
+              <a:schemeClr val="lt1"/>
+            </a:fontRef>
+          </p:style>
+          <p:txBody>
+            <a:bodyPr rtlCol="0" anchor="ctr"/>
+            <a:lstStyle/>
+            <a:p>
+              <a:pPr algn="ctr"/>
+              <a:endParaRPr lang="en-US"/>
+            </a:p>
+          </p:txBody>
+        </p:sp>
+        <p:sp>
+          <p:nvSpPr>
+            <p:cNvPr id="37" name="Snip Diagonal Corner Rectangle 4">
+              <a:extLst>
+                <a:ext uri="{FF2B5EF4-FFF2-40B4-BE49-F238E27FC236}">
+                  <a16:creationId xmlns:a16="http://schemas.microsoft.com/office/drawing/2014/main" id="{9C2714CA-6713-44D5-A630-9ECB1DCB1C35}"/>
+                </a:ext>
+              </a:extLst>
+            </p:cNvPr>
+            <p:cNvSpPr/>
+            <p:nvPr/>
+          </p:nvSpPr>
+          <p:spPr>
+            <a:xfrm>
+              <a:off x="1640378" y="1008612"/>
+              <a:ext cx="2228589" cy="2133600"/>
+            </a:xfrm>
+            <a:prstGeom prst="snip2DiagRect">
+              <a:avLst/>
+            </a:prstGeom>
+            <a:solidFill>
+              <a:srgbClr val="AFABAB">
+                <a:alpha val="80000"/>
+              </a:srgbClr>
+            </a:solidFill>
+            <a:ln>
+              <a:noFill/>
+            </a:ln>
+            <a:scene3d>
+              <a:camera prst="orthographicFront"/>
+              <a:lightRig rig="threePt" dir="t"/>
+            </a:scene3d>
+            <a:sp3d>
+              <a:bevelT/>
+            </a:sp3d>
+          </p:spPr>
+          <p:style>
+            <a:lnRef idx="2">
+              <a:schemeClr val="accent1">
+                <a:shade val="50000"/>
+              </a:schemeClr>
+            </a:lnRef>
+            <a:fillRef idx="1">
+              <a:schemeClr val="accent1"/>
+            </a:fillRef>
+            <a:effectRef idx="0">
+              <a:schemeClr val="accent1"/>
+            </a:effectRef>
+            <a:fontRef idx="minor">
+              <a:schemeClr val="lt1"/>
+            </a:fontRef>
+          </p:style>
+          <p:txBody>
+            <a:bodyPr rtlCol="0" anchor="ctr"/>
+            <a:lstStyle/>
+            <a:p>
+              <a:pPr algn="ctr"/>
+              <a:endParaRPr lang="en-US"/>
+            </a:p>
+          </p:txBody>
+        </p:sp>
+      </p:grpSp>
+      <p:grpSp>
+        <p:nvGrpSpPr>
+          <p:cNvPr id="38" name="Group 8">
+            <a:extLst>
+              <a:ext uri="{FF2B5EF4-FFF2-40B4-BE49-F238E27FC236}">
+                <a16:creationId xmlns:a16="http://schemas.microsoft.com/office/drawing/2014/main" id="{10CE70F6-BE6D-42A1-B01F-7ED0DC921FE4}"/>
+              </a:ext>
+            </a:extLst>
+          </p:cNvPr>
+          <p:cNvGrpSpPr/>
+          <p:nvPr/>
+        </p:nvGrpSpPr>
+        <p:grpSpPr>
+          <a:xfrm>
+            <a:off x="10671317" y="4016008"/>
+            <a:ext cx="981248" cy="934378"/>
+            <a:chOff x="1487978" y="856211"/>
+            <a:chExt cx="2535382" cy="2427317"/>
+          </a:xfrm>
+        </p:grpSpPr>
+        <p:sp>
+          <p:nvSpPr>
+            <p:cNvPr id="39" name="Snip Diagonal Corner Rectangle 3">
+              <a:extLst>
+                <a:ext uri="{FF2B5EF4-FFF2-40B4-BE49-F238E27FC236}">
+                  <a16:creationId xmlns:a16="http://schemas.microsoft.com/office/drawing/2014/main" id="{A4A0C8BD-74BB-4F6E-AEF8-519C0B0FDB15}"/>
+                </a:ext>
+              </a:extLst>
+            </p:cNvPr>
+            <p:cNvSpPr/>
+            <p:nvPr/>
+          </p:nvSpPr>
+          <p:spPr>
+            <a:xfrm>
+              <a:off x="1487978" y="856211"/>
+              <a:ext cx="2535382" cy="2427317"/>
+            </a:xfrm>
+            <a:prstGeom prst="snip2DiagRect">
+              <a:avLst/>
+            </a:prstGeom>
+            <a:solidFill>
+              <a:srgbClr val="D0CECE"/>
+            </a:solidFill>
+            <a:ln>
+              <a:noFill/>
+            </a:ln>
+            <a:scene3d>
+              <a:camera prst="orthographicFront"/>
+              <a:lightRig rig="threePt" dir="t"/>
+            </a:scene3d>
+            <a:sp3d>
+              <a:bevelT/>
+            </a:sp3d>
+          </p:spPr>
+          <p:style>
+            <a:lnRef idx="2">
+              <a:schemeClr val="accent1">
+                <a:shade val="50000"/>
+              </a:schemeClr>
+            </a:lnRef>
+            <a:fillRef idx="1">
+              <a:schemeClr val="accent1"/>
+            </a:fillRef>
+            <a:effectRef idx="0">
+              <a:schemeClr val="accent1"/>
+            </a:effectRef>
+            <a:fontRef idx="minor">
+              <a:schemeClr val="lt1"/>
+            </a:fontRef>
+          </p:style>
+          <p:txBody>
+            <a:bodyPr rtlCol="0" anchor="ctr"/>
+            <a:lstStyle/>
+            <a:p>
+              <a:pPr algn="ctr"/>
+              <a:endParaRPr lang="en-US"/>
+            </a:p>
+          </p:txBody>
+        </p:sp>
+        <p:sp>
+          <p:nvSpPr>
+            <p:cNvPr id="40" name="Snip Diagonal Corner Rectangle 4">
+              <a:extLst>
+                <a:ext uri="{FF2B5EF4-FFF2-40B4-BE49-F238E27FC236}">
+                  <a16:creationId xmlns:a16="http://schemas.microsoft.com/office/drawing/2014/main" id="{8CCD6313-A4D3-4BAC-8DE9-2B055DC417D7}"/>
+                </a:ext>
+              </a:extLst>
+            </p:cNvPr>
+            <p:cNvSpPr/>
+            <p:nvPr/>
+          </p:nvSpPr>
+          <p:spPr>
+            <a:xfrm>
+              <a:off x="1640378" y="1008612"/>
+              <a:ext cx="2228589" cy="2133600"/>
+            </a:xfrm>
+            <a:prstGeom prst="snip2DiagRect">
+              <a:avLst/>
+            </a:prstGeom>
+            <a:solidFill>
+              <a:srgbClr val="AFABAB">
+                <a:alpha val="80000"/>
+              </a:srgbClr>
+            </a:solidFill>
+            <a:ln>
+              <a:noFill/>
+            </a:ln>
+            <a:scene3d>
+              <a:camera prst="orthographicFront"/>
+              <a:lightRig rig="threePt" dir="t"/>
+            </a:scene3d>
+            <a:sp3d>
+              <a:bevelT/>
+            </a:sp3d>
+          </p:spPr>
+          <p:style>
+            <a:lnRef idx="2">
+              <a:schemeClr val="accent1">
+                <a:shade val="50000"/>
+              </a:schemeClr>
+            </a:lnRef>
+            <a:fillRef idx="1">
+              <a:schemeClr val="accent1"/>
+            </a:fillRef>
+            <a:effectRef idx="0">
+              <a:schemeClr val="accent1"/>
+            </a:effectRef>
+            <a:fontRef idx="minor">
+              <a:schemeClr val="lt1"/>
+            </a:fontRef>
+          </p:style>
+          <p:txBody>
+            <a:bodyPr rtlCol="0" anchor="ctr"/>
+            <a:lstStyle/>
+            <a:p>
+              <a:pPr algn="ctr"/>
+              <a:endParaRPr lang="en-US"/>
+            </a:p>
+          </p:txBody>
+        </p:sp>
+      </p:grpSp>
+      <p:grpSp>
+        <p:nvGrpSpPr>
+          <p:cNvPr id="44" name="Group 8">
+            <a:extLst>
+              <a:ext uri="{FF2B5EF4-FFF2-40B4-BE49-F238E27FC236}">
+                <a16:creationId xmlns:a16="http://schemas.microsoft.com/office/drawing/2014/main" id="{40EF87C4-DED1-452B-A2F4-0344248473F6}"/>
+              </a:ext>
+            </a:extLst>
+          </p:cNvPr>
+          <p:cNvGrpSpPr/>
+          <p:nvPr/>
+        </p:nvGrpSpPr>
+        <p:grpSpPr>
+          <a:xfrm>
+            <a:off x="8114780" y="5172602"/>
+            <a:ext cx="973487" cy="751155"/>
+            <a:chOff x="1487978" y="856211"/>
+            <a:chExt cx="2535382" cy="2427317"/>
+          </a:xfrm>
+        </p:grpSpPr>
+        <p:sp>
+          <p:nvSpPr>
+            <p:cNvPr id="45" name="Snip Diagonal Corner Rectangle 3">
+              <a:extLst>
+                <a:ext uri="{FF2B5EF4-FFF2-40B4-BE49-F238E27FC236}">
+                  <a16:creationId xmlns:a16="http://schemas.microsoft.com/office/drawing/2014/main" id="{41D7DDFD-048B-4233-817A-4DF1EE44CFE1}"/>
+                </a:ext>
+              </a:extLst>
+            </p:cNvPr>
+            <p:cNvSpPr/>
+            <p:nvPr/>
+          </p:nvSpPr>
+          <p:spPr>
+            <a:xfrm>
+              <a:off x="1487978" y="856211"/>
+              <a:ext cx="2535382" cy="2427317"/>
+            </a:xfrm>
+            <a:prstGeom prst="snip2DiagRect">
+              <a:avLst/>
+            </a:prstGeom>
+            <a:solidFill>
+              <a:srgbClr val="D0CECE"/>
+            </a:solidFill>
+            <a:ln>
+              <a:noFill/>
+            </a:ln>
+            <a:scene3d>
+              <a:camera prst="orthographicFront"/>
+              <a:lightRig rig="threePt" dir="t"/>
+            </a:scene3d>
+            <a:sp3d>
+              <a:bevelT/>
+            </a:sp3d>
+          </p:spPr>
+          <p:style>
+            <a:lnRef idx="2">
+              <a:schemeClr val="accent1">
+                <a:shade val="50000"/>
+              </a:schemeClr>
+            </a:lnRef>
+            <a:fillRef idx="1">
+              <a:schemeClr val="accent1"/>
+            </a:fillRef>
+            <a:effectRef idx="0">
+              <a:schemeClr val="accent1"/>
+            </a:effectRef>
+            <a:fontRef idx="minor">
+              <a:schemeClr val="lt1"/>
+            </a:fontRef>
+          </p:style>
+          <p:txBody>
+            <a:bodyPr rtlCol="0" anchor="ctr"/>
+            <a:lstStyle/>
+            <a:p>
+              <a:pPr algn="ctr"/>
+              <a:endParaRPr lang="en-US"/>
+            </a:p>
+          </p:txBody>
+        </p:sp>
+        <p:sp>
+          <p:nvSpPr>
+            <p:cNvPr id="46" name="Snip Diagonal Corner Rectangle 4">
+              <a:extLst>
+                <a:ext uri="{FF2B5EF4-FFF2-40B4-BE49-F238E27FC236}">
+                  <a16:creationId xmlns:a16="http://schemas.microsoft.com/office/drawing/2014/main" id="{937B75A7-969C-4C98-A5A9-82D21E7B5FA7}"/>
+                </a:ext>
+              </a:extLst>
+            </p:cNvPr>
+            <p:cNvSpPr/>
+            <p:nvPr/>
+          </p:nvSpPr>
+          <p:spPr>
+            <a:xfrm>
+              <a:off x="1640378" y="1008612"/>
+              <a:ext cx="2228589" cy="2133600"/>
+            </a:xfrm>
+            <a:prstGeom prst="snip2DiagRect">
+              <a:avLst/>
+            </a:prstGeom>
+            <a:solidFill>
+              <a:srgbClr val="AFABAB">
+                <a:alpha val="80000"/>
+              </a:srgbClr>
+            </a:solidFill>
+            <a:ln>
+              <a:noFill/>
+            </a:ln>
+            <a:scene3d>
+              <a:camera prst="orthographicFront"/>
+              <a:lightRig rig="threePt" dir="t"/>
+            </a:scene3d>
+            <a:sp3d>
+              <a:bevelT/>
+            </a:sp3d>
+          </p:spPr>
+          <p:style>
+            <a:lnRef idx="2">
+              <a:schemeClr val="accent1">
+                <a:shade val="50000"/>
+              </a:schemeClr>
+            </a:lnRef>
+            <a:fillRef idx="1">
+              <a:schemeClr val="accent1"/>
+            </a:fillRef>
+            <a:effectRef idx="0">
+              <a:schemeClr val="accent1"/>
+            </a:effectRef>
+            <a:fontRef idx="minor">
+              <a:schemeClr val="lt1"/>
+            </a:fontRef>
+          </p:style>
+          <p:txBody>
+            <a:bodyPr rtlCol="0" anchor="ctr"/>
+            <a:lstStyle/>
+            <a:p>
+              <a:pPr algn="ctr"/>
+              <a:endParaRPr lang="en-US"/>
+            </a:p>
+          </p:txBody>
+        </p:sp>
+      </p:grpSp>
+      <p:grpSp>
+        <p:nvGrpSpPr>
+          <p:cNvPr id="41" name="Group 8">
+            <a:extLst>
+              <a:ext uri="{FF2B5EF4-FFF2-40B4-BE49-F238E27FC236}">
+                <a16:creationId xmlns:a16="http://schemas.microsoft.com/office/drawing/2014/main" id="{F81BFAA9-931A-4F62-AA7F-4EFD6242B0FF}"/>
+              </a:ext>
+            </a:extLst>
+          </p:cNvPr>
+          <p:cNvGrpSpPr/>
+          <p:nvPr/>
+        </p:nvGrpSpPr>
+        <p:grpSpPr>
+          <a:xfrm>
+            <a:off x="8114780" y="5790105"/>
+            <a:ext cx="981248" cy="274162"/>
+            <a:chOff x="1487978" y="856211"/>
+            <a:chExt cx="2535382" cy="2427317"/>
+          </a:xfrm>
+        </p:grpSpPr>
+        <p:sp>
+          <p:nvSpPr>
+            <p:cNvPr id="42" name="Snip Diagonal Corner Rectangle 3">
+              <a:extLst>
+                <a:ext uri="{FF2B5EF4-FFF2-40B4-BE49-F238E27FC236}">
+                  <a16:creationId xmlns:a16="http://schemas.microsoft.com/office/drawing/2014/main" id="{44D44972-CAB3-46F3-B6C0-0FCC5332FCC8}"/>
+                </a:ext>
+              </a:extLst>
+            </p:cNvPr>
+            <p:cNvSpPr/>
+            <p:nvPr/>
+          </p:nvSpPr>
+          <p:spPr>
+            <a:xfrm>
+              <a:off x="1487978" y="856211"/>
+              <a:ext cx="2535382" cy="2427317"/>
+            </a:xfrm>
+            <a:prstGeom prst="snip2DiagRect">
+              <a:avLst/>
+            </a:prstGeom>
+            <a:solidFill>
+              <a:srgbClr val="D0CECE"/>
+            </a:solidFill>
+            <a:ln>
+              <a:noFill/>
+            </a:ln>
+            <a:scene3d>
+              <a:camera prst="orthographicFront"/>
+              <a:lightRig rig="threePt" dir="t"/>
+            </a:scene3d>
+            <a:sp3d>
+              <a:bevelT/>
+            </a:sp3d>
+          </p:spPr>
+          <p:style>
+            <a:lnRef idx="2">
+              <a:schemeClr val="accent1">
+                <a:shade val="50000"/>
+              </a:schemeClr>
+            </a:lnRef>
+            <a:fillRef idx="1">
+              <a:schemeClr val="accent1"/>
+            </a:fillRef>
+            <a:effectRef idx="0">
+              <a:schemeClr val="accent1"/>
+            </a:effectRef>
+            <a:fontRef idx="minor">
+              <a:schemeClr val="lt1"/>
+            </a:fontRef>
+          </p:style>
+          <p:txBody>
+            <a:bodyPr rtlCol="0" anchor="ctr"/>
+            <a:lstStyle/>
+            <a:p>
+              <a:pPr algn="ctr"/>
+              <a:endParaRPr lang="en-US"/>
+            </a:p>
+          </p:txBody>
+        </p:sp>
+        <p:sp>
+          <p:nvSpPr>
+            <p:cNvPr id="43" name="Snip Diagonal Corner Rectangle 4">
+              <a:extLst>
+                <a:ext uri="{FF2B5EF4-FFF2-40B4-BE49-F238E27FC236}">
+                  <a16:creationId xmlns:a16="http://schemas.microsoft.com/office/drawing/2014/main" id="{1ECC3386-A84D-4E69-BE18-78178560CB5B}"/>
+                </a:ext>
+              </a:extLst>
+            </p:cNvPr>
+            <p:cNvSpPr/>
+            <p:nvPr/>
+          </p:nvSpPr>
+          <p:spPr>
+            <a:xfrm>
+              <a:off x="1640378" y="1008612"/>
+              <a:ext cx="2228589" cy="2133600"/>
+            </a:xfrm>
+            <a:prstGeom prst="snip2DiagRect">
+              <a:avLst/>
+            </a:prstGeom>
+            <a:solidFill>
+              <a:srgbClr val="AFABAB">
+                <a:alpha val="80000"/>
+              </a:srgbClr>
+            </a:solidFill>
+            <a:ln>
+              <a:noFill/>
+            </a:ln>
+            <a:scene3d>
+              <a:camera prst="orthographicFront"/>
+              <a:lightRig rig="threePt" dir="t"/>
+            </a:scene3d>
+            <a:sp3d>
+              <a:bevelT/>
+            </a:sp3d>
+          </p:spPr>
+          <p:style>
+            <a:lnRef idx="2">
+              <a:schemeClr val="accent1">
+                <a:shade val="50000"/>
+              </a:schemeClr>
+            </a:lnRef>
+            <a:fillRef idx="1">
+              <a:schemeClr val="accent1"/>
+            </a:fillRef>
+            <a:effectRef idx="0">
+              <a:schemeClr val="accent1"/>
+            </a:effectRef>
+            <a:fontRef idx="minor">
+              <a:schemeClr val="lt1"/>
+            </a:fontRef>
+          </p:style>
+          <p:txBody>
+            <a:bodyPr rtlCol="0" anchor="ctr"/>
+            <a:lstStyle/>
+            <a:p>
+              <a:pPr algn="ctr"/>
+              <a:r>
+                <a:rPr lang="en-US" dirty="0"/>
+                <a:t>INFO</a:t>
+              </a:r>
+            </a:p>
+          </p:txBody>
+        </p:sp>
+      </p:grpSp>
+      <p:grpSp>
+        <p:nvGrpSpPr>
+          <p:cNvPr id="47" name="Group 8">
+            <a:extLst>
+              <a:ext uri="{FF2B5EF4-FFF2-40B4-BE49-F238E27FC236}">
+                <a16:creationId xmlns:a16="http://schemas.microsoft.com/office/drawing/2014/main" id="{F5936916-A7D0-4A5D-AAD3-DDF9A3B9B4CA}"/>
+              </a:ext>
+            </a:extLst>
+          </p:cNvPr>
+          <p:cNvGrpSpPr/>
+          <p:nvPr/>
+        </p:nvGrpSpPr>
+        <p:grpSpPr>
+          <a:xfrm>
+            <a:off x="8114780" y="6064267"/>
+            <a:ext cx="981248" cy="274162"/>
+            <a:chOff x="1487978" y="856211"/>
+            <a:chExt cx="2535382" cy="2427317"/>
+          </a:xfrm>
+        </p:grpSpPr>
+        <p:sp>
+          <p:nvSpPr>
+            <p:cNvPr id="48" name="Snip Diagonal Corner Rectangle 3">
+              <a:extLst>
+                <a:ext uri="{FF2B5EF4-FFF2-40B4-BE49-F238E27FC236}">
+                  <a16:creationId xmlns:a16="http://schemas.microsoft.com/office/drawing/2014/main" id="{20075B8C-E3B5-4E78-AD72-0530AA6179D7}"/>
+                </a:ext>
+              </a:extLst>
+            </p:cNvPr>
+            <p:cNvSpPr/>
+            <p:nvPr/>
+          </p:nvSpPr>
+          <p:spPr>
+            <a:xfrm>
+              <a:off x="1487978" y="856211"/>
+              <a:ext cx="2535382" cy="2427317"/>
+            </a:xfrm>
+            <a:prstGeom prst="snip2DiagRect">
+              <a:avLst/>
+            </a:prstGeom>
+            <a:solidFill>
+              <a:srgbClr val="D0CECE"/>
+            </a:solidFill>
+            <a:ln>
+              <a:noFill/>
+            </a:ln>
+            <a:scene3d>
+              <a:camera prst="orthographicFront"/>
+              <a:lightRig rig="threePt" dir="t"/>
+            </a:scene3d>
+            <a:sp3d>
+              <a:bevelT/>
+            </a:sp3d>
+          </p:spPr>
+          <p:style>
+            <a:lnRef idx="2">
+              <a:schemeClr val="accent1">
+                <a:shade val="50000"/>
+              </a:schemeClr>
+            </a:lnRef>
+            <a:fillRef idx="1">
+              <a:schemeClr val="accent1"/>
+            </a:fillRef>
+            <a:effectRef idx="0">
+              <a:schemeClr val="accent1"/>
+            </a:effectRef>
+            <a:fontRef idx="minor">
+              <a:schemeClr val="lt1"/>
+            </a:fontRef>
+          </p:style>
+          <p:txBody>
+            <a:bodyPr rtlCol="0" anchor="ctr"/>
+            <a:lstStyle/>
+            <a:p>
+              <a:pPr algn="ctr"/>
+              <a:endParaRPr lang="en-US"/>
+            </a:p>
+          </p:txBody>
+        </p:sp>
+        <p:sp>
+          <p:nvSpPr>
+            <p:cNvPr id="49" name="Snip Diagonal Corner Rectangle 4">
+              <a:extLst>
+                <a:ext uri="{FF2B5EF4-FFF2-40B4-BE49-F238E27FC236}">
+                  <a16:creationId xmlns:a16="http://schemas.microsoft.com/office/drawing/2014/main" id="{008A1284-1F37-4160-BA14-AFC5C177AFAB}"/>
+                </a:ext>
+              </a:extLst>
+            </p:cNvPr>
+            <p:cNvSpPr/>
+            <p:nvPr/>
+          </p:nvSpPr>
+          <p:spPr>
+            <a:xfrm>
+              <a:off x="1640378" y="1008612"/>
+              <a:ext cx="2228589" cy="2133600"/>
+            </a:xfrm>
+            <a:prstGeom prst="snip2DiagRect">
+              <a:avLst/>
+            </a:prstGeom>
+            <a:solidFill>
+              <a:srgbClr val="AFABAB">
+                <a:alpha val="80000"/>
+              </a:srgbClr>
+            </a:solidFill>
+            <a:ln>
+              <a:noFill/>
+            </a:ln>
+            <a:scene3d>
+              <a:camera prst="orthographicFront"/>
+              <a:lightRig rig="threePt" dir="t"/>
+            </a:scene3d>
+            <a:sp3d>
+              <a:bevelT/>
+            </a:sp3d>
+          </p:spPr>
+          <p:style>
+            <a:lnRef idx="2">
+              <a:schemeClr val="accent1">
+                <a:shade val="50000"/>
+              </a:schemeClr>
+            </a:lnRef>
+            <a:fillRef idx="1">
+              <a:schemeClr val="accent1"/>
+            </a:fillRef>
+            <a:effectRef idx="0">
+              <a:schemeClr val="accent1"/>
+            </a:effectRef>
+            <a:fontRef idx="minor">
+              <a:schemeClr val="lt1"/>
+            </a:fontRef>
+          </p:style>
+          <p:txBody>
+            <a:bodyPr rtlCol="0" anchor="ctr"/>
+            <a:lstStyle/>
+            <a:p>
+              <a:pPr algn="ctr"/>
+              <a:r>
+                <a:rPr lang="en-US" dirty="0"/>
+                <a:t>USE</a:t>
+              </a:r>
+            </a:p>
+          </p:txBody>
+        </p:sp>
+      </p:grpSp>
+      <p:sp>
+        <p:nvSpPr>
+          <p:cNvPr id="51" name="Snip Diagonal Corner Rectangle 7">
+            <a:extLst>
+              <a:ext uri="{FF2B5EF4-FFF2-40B4-BE49-F238E27FC236}">
+                <a16:creationId xmlns:a16="http://schemas.microsoft.com/office/drawing/2014/main" id="{111D0885-D53B-4446-AFE9-57D356267B32}"/>
+              </a:ext>
+            </a:extLst>
+          </p:cNvPr>
+          <p:cNvSpPr/>
+          <p:nvPr/>
+        </p:nvSpPr>
+        <p:spPr>
+          <a:xfrm flipH="1">
+            <a:off x="4805361" y="1285423"/>
+            <a:ext cx="1627504" cy="2970522"/>
+          </a:xfrm>
+          <a:prstGeom prst="snip2DiagRect">
+            <a:avLst>
+              <a:gd name="adj1" fmla="val 0"/>
+              <a:gd name="adj2" fmla="val 15315"/>
+            </a:avLst>
+          </a:prstGeom>
+          <a:solidFill>
+            <a:srgbClr val="000000">
+              <a:alpha val="69804"/>
+            </a:srgbClr>
+          </a:solidFill>
+          <a:ln>
+            <a:noFill/>
+          </a:ln>
+        </p:spPr>
+        <p:style>
+          <a:lnRef idx="2">
+            <a:schemeClr val="accent1">
+              <a:shade val="50000"/>
+            </a:schemeClr>
+          </a:lnRef>
+          <a:fillRef idx="1">
+            <a:schemeClr val="accent1"/>
+          </a:fillRef>
+          <a:effectRef idx="0">
+            <a:schemeClr val="accent1"/>
+          </a:effectRef>
+          <a:fontRef idx="minor">
+            <a:schemeClr val="lt1"/>
+          </a:fontRef>
+        </p:style>
+        <p:txBody>
+          <a:bodyPr rtlCol="0" anchor="ctr"/>
+          <a:lstStyle/>
+          <a:p>
+            <a:pPr algn="ctr"/>
+            <a:endParaRPr lang="en-US"/>
+          </a:p>
+        </p:txBody>
+      </p:sp>
+      <p:grpSp>
+        <p:nvGrpSpPr>
+          <p:cNvPr id="62" name="Group 8">
+            <a:extLst>
+              <a:ext uri="{FF2B5EF4-FFF2-40B4-BE49-F238E27FC236}">
+                <a16:creationId xmlns:a16="http://schemas.microsoft.com/office/drawing/2014/main" id="{27036D9F-5F46-453C-B963-A354F086743D}"/>
+              </a:ext>
+            </a:extLst>
+          </p:cNvPr>
+          <p:cNvGrpSpPr/>
+          <p:nvPr/>
+        </p:nvGrpSpPr>
+        <p:grpSpPr>
+          <a:xfrm>
+            <a:off x="5092047" y="1635856"/>
+            <a:ext cx="981248" cy="934378"/>
+            <a:chOff x="1487978" y="856211"/>
+            <a:chExt cx="2535382" cy="2427317"/>
+          </a:xfrm>
+        </p:grpSpPr>
+        <p:sp>
+          <p:nvSpPr>
+            <p:cNvPr id="63" name="Snip Diagonal Corner Rectangle 3">
+              <a:extLst>
+                <a:ext uri="{FF2B5EF4-FFF2-40B4-BE49-F238E27FC236}">
+                  <a16:creationId xmlns:a16="http://schemas.microsoft.com/office/drawing/2014/main" id="{AA9C3427-43F6-4A82-B627-B0AF9EE117A3}"/>
+                </a:ext>
+              </a:extLst>
+            </p:cNvPr>
+            <p:cNvSpPr/>
+            <p:nvPr/>
+          </p:nvSpPr>
+          <p:spPr>
+            <a:xfrm>
+              <a:off x="1487978" y="856211"/>
+              <a:ext cx="2535382" cy="2427317"/>
+            </a:xfrm>
+            <a:prstGeom prst="snip2DiagRect">
+              <a:avLst/>
+            </a:prstGeom>
+            <a:solidFill>
+              <a:srgbClr val="D0CECE"/>
+            </a:solidFill>
+            <a:ln>
+              <a:noFill/>
+            </a:ln>
+          </p:spPr>
+          <p:style>
+            <a:lnRef idx="2">
+              <a:schemeClr val="accent1">
+                <a:shade val="50000"/>
+              </a:schemeClr>
+            </a:lnRef>
+            <a:fillRef idx="1">
+              <a:schemeClr val="accent1"/>
+            </a:fillRef>
+            <a:effectRef idx="0">
+              <a:schemeClr val="accent1"/>
+            </a:effectRef>
+            <a:fontRef idx="minor">
+              <a:schemeClr val="lt1"/>
+            </a:fontRef>
+          </p:style>
+          <p:txBody>
+            <a:bodyPr rtlCol="0" anchor="ctr"/>
+            <a:lstStyle/>
+            <a:p>
+              <a:pPr algn="ctr"/>
+              <a:endParaRPr lang="en-US"/>
+            </a:p>
+          </p:txBody>
+        </p:sp>
+        <p:sp>
+          <p:nvSpPr>
+            <p:cNvPr id="64" name="Snip Diagonal Corner Rectangle 4">
+              <a:extLst>
+                <a:ext uri="{FF2B5EF4-FFF2-40B4-BE49-F238E27FC236}">
+                  <a16:creationId xmlns:a16="http://schemas.microsoft.com/office/drawing/2014/main" id="{4A29FA9C-AA32-40EB-BA6C-DEB8AAF4F179}"/>
+                </a:ext>
+              </a:extLst>
+            </p:cNvPr>
+            <p:cNvSpPr/>
+            <p:nvPr/>
+          </p:nvSpPr>
+          <p:spPr>
+            <a:xfrm>
+              <a:off x="1640378" y="1008612"/>
+              <a:ext cx="2228589" cy="2133600"/>
+            </a:xfrm>
+            <a:prstGeom prst="snip2DiagRect">
+              <a:avLst/>
+            </a:prstGeom>
+            <a:solidFill>
+              <a:srgbClr val="AFABAB">
+                <a:alpha val="80000"/>
+              </a:srgbClr>
+            </a:solidFill>
+            <a:ln>
+              <a:noFill/>
+            </a:ln>
+          </p:spPr>
+          <p:style>
+            <a:lnRef idx="2">
+              <a:schemeClr val="accent1">
+                <a:shade val="50000"/>
+              </a:schemeClr>
+            </a:lnRef>
+            <a:fillRef idx="1">
+              <a:schemeClr val="accent1"/>
+            </a:fillRef>
+            <a:effectRef idx="0">
+              <a:schemeClr val="accent1"/>
+            </a:effectRef>
+            <a:fontRef idx="minor">
+              <a:schemeClr val="lt1"/>
+            </a:fontRef>
+          </p:style>
+          <p:txBody>
+            <a:bodyPr rtlCol="0" anchor="ctr"/>
+            <a:lstStyle/>
+            <a:p>
+              <a:pPr algn="ctr"/>
+              <a:endParaRPr lang="en-US"/>
+            </a:p>
+          </p:txBody>
+        </p:sp>
+      </p:grpSp>
+      <p:grpSp>
+        <p:nvGrpSpPr>
+          <p:cNvPr id="65" name="Group 8">
+            <a:extLst>
+              <a:ext uri="{FF2B5EF4-FFF2-40B4-BE49-F238E27FC236}">
+                <a16:creationId xmlns:a16="http://schemas.microsoft.com/office/drawing/2014/main" id="{BCF45CD6-3F1E-47D1-BB5D-277EB3ABED45}"/>
+              </a:ext>
+            </a:extLst>
+          </p:cNvPr>
+          <p:cNvGrpSpPr/>
+          <p:nvPr/>
+        </p:nvGrpSpPr>
+        <p:grpSpPr>
+          <a:xfrm>
+            <a:off x="9572105" y="5128871"/>
+            <a:ext cx="973487" cy="751155"/>
+            <a:chOff x="1487978" y="856211"/>
+            <a:chExt cx="2535382" cy="2427317"/>
+          </a:xfrm>
+        </p:grpSpPr>
+        <p:sp>
+          <p:nvSpPr>
+            <p:cNvPr id="66" name="Snip Diagonal Corner Rectangle 3">
+              <a:extLst>
+                <a:ext uri="{FF2B5EF4-FFF2-40B4-BE49-F238E27FC236}">
+                  <a16:creationId xmlns:a16="http://schemas.microsoft.com/office/drawing/2014/main" id="{F499AE1D-6146-4688-A13A-9B63A6E6AEED}"/>
+                </a:ext>
+              </a:extLst>
+            </p:cNvPr>
+            <p:cNvSpPr/>
+            <p:nvPr/>
+          </p:nvSpPr>
+          <p:spPr>
+            <a:xfrm>
+              <a:off x="1487978" y="856211"/>
+              <a:ext cx="2535382" cy="2427317"/>
+            </a:xfrm>
+            <a:prstGeom prst="snip2DiagRect">
+              <a:avLst/>
+            </a:prstGeom>
+            <a:solidFill>
+              <a:srgbClr val="D0CECE"/>
+            </a:solidFill>
+            <a:ln>
+              <a:noFill/>
+            </a:ln>
+          </p:spPr>
+          <p:style>
+            <a:lnRef idx="2">
+              <a:schemeClr val="accent1">
+                <a:shade val="50000"/>
+              </a:schemeClr>
+            </a:lnRef>
+            <a:fillRef idx="1">
+              <a:schemeClr val="accent1"/>
+            </a:fillRef>
+            <a:effectRef idx="0">
+              <a:schemeClr val="accent1"/>
+            </a:effectRef>
+            <a:fontRef idx="minor">
+              <a:schemeClr val="lt1"/>
+            </a:fontRef>
+          </p:style>
+          <p:txBody>
+            <a:bodyPr rtlCol="0" anchor="ctr"/>
+            <a:lstStyle/>
+            <a:p>
+              <a:pPr algn="ctr"/>
+              <a:endParaRPr lang="en-US"/>
+            </a:p>
+          </p:txBody>
+        </p:sp>
+        <p:sp>
+          <p:nvSpPr>
+            <p:cNvPr id="67" name="Snip Diagonal Corner Rectangle 4">
+              <a:extLst>
+                <a:ext uri="{FF2B5EF4-FFF2-40B4-BE49-F238E27FC236}">
+                  <a16:creationId xmlns:a16="http://schemas.microsoft.com/office/drawing/2014/main" id="{56E4E4CC-5F13-463A-BB38-C4835071C862}"/>
+                </a:ext>
+              </a:extLst>
+            </p:cNvPr>
+            <p:cNvSpPr/>
+            <p:nvPr/>
+          </p:nvSpPr>
+          <p:spPr>
+            <a:xfrm>
+              <a:off x="1640378" y="1008612"/>
+              <a:ext cx="2228589" cy="2133600"/>
+            </a:xfrm>
+            <a:prstGeom prst="snip2DiagRect">
+              <a:avLst/>
+            </a:prstGeom>
+            <a:solidFill>
+              <a:srgbClr val="AFABAB">
+                <a:alpha val="80000"/>
+              </a:srgbClr>
+            </a:solidFill>
+            <a:ln>
+              <a:noFill/>
+            </a:ln>
+          </p:spPr>
+          <p:style>
+            <a:lnRef idx="2">
+              <a:schemeClr val="accent1">
+                <a:shade val="50000"/>
+              </a:schemeClr>
+            </a:lnRef>
+            <a:fillRef idx="1">
+              <a:schemeClr val="accent1"/>
+            </a:fillRef>
+            <a:effectRef idx="0">
+              <a:schemeClr val="accent1"/>
+            </a:effectRef>
+            <a:fontRef idx="minor">
+              <a:schemeClr val="lt1"/>
+            </a:fontRef>
+          </p:style>
+          <p:txBody>
+            <a:bodyPr rtlCol="0" anchor="ctr"/>
+            <a:lstStyle/>
+            <a:p>
+              <a:pPr algn="ctr"/>
+              <a:endParaRPr lang="en-US"/>
+            </a:p>
+          </p:txBody>
+        </p:sp>
+      </p:grpSp>
+      <p:grpSp>
+        <p:nvGrpSpPr>
+          <p:cNvPr id="68" name="Group 8">
+            <a:extLst>
+              <a:ext uri="{FF2B5EF4-FFF2-40B4-BE49-F238E27FC236}">
+                <a16:creationId xmlns:a16="http://schemas.microsoft.com/office/drawing/2014/main" id="{6564EA66-BC36-466C-A7CE-C289903AFF6E}"/>
+              </a:ext>
+            </a:extLst>
+          </p:cNvPr>
+          <p:cNvGrpSpPr/>
+          <p:nvPr/>
+        </p:nvGrpSpPr>
+        <p:grpSpPr>
+          <a:xfrm>
+            <a:off x="9572105" y="5746374"/>
+            <a:ext cx="981248" cy="274162"/>
+            <a:chOff x="1487978" y="856211"/>
+            <a:chExt cx="2535382" cy="2427317"/>
+          </a:xfrm>
+        </p:grpSpPr>
+        <p:sp>
+          <p:nvSpPr>
+            <p:cNvPr id="69" name="Snip Diagonal Corner Rectangle 3">
+              <a:extLst>
+                <a:ext uri="{FF2B5EF4-FFF2-40B4-BE49-F238E27FC236}">
+                  <a16:creationId xmlns:a16="http://schemas.microsoft.com/office/drawing/2014/main" id="{427B5499-2400-40CF-9D45-02F7EC5FAC79}"/>
+                </a:ext>
+              </a:extLst>
+            </p:cNvPr>
+            <p:cNvSpPr/>
+            <p:nvPr/>
+          </p:nvSpPr>
+          <p:spPr>
+            <a:xfrm>
+              <a:off x="1487978" y="856211"/>
+              <a:ext cx="2535382" cy="2427317"/>
+            </a:xfrm>
+            <a:prstGeom prst="snip2DiagRect">
+              <a:avLst/>
+            </a:prstGeom>
+            <a:solidFill>
+              <a:srgbClr val="D0CECE"/>
+            </a:solidFill>
+            <a:ln>
+              <a:noFill/>
+            </a:ln>
+          </p:spPr>
+          <p:style>
+            <a:lnRef idx="2">
+              <a:schemeClr val="accent1">
+                <a:shade val="50000"/>
+              </a:schemeClr>
+            </a:lnRef>
+            <a:fillRef idx="1">
+              <a:schemeClr val="accent1"/>
+            </a:fillRef>
+            <a:effectRef idx="0">
+              <a:schemeClr val="accent1"/>
+            </a:effectRef>
+            <a:fontRef idx="minor">
+              <a:schemeClr val="lt1"/>
+            </a:fontRef>
+          </p:style>
+          <p:txBody>
+            <a:bodyPr rtlCol="0" anchor="ctr"/>
+            <a:lstStyle/>
+            <a:p>
+              <a:pPr algn="ctr"/>
+              <a:endParaRPr lang="en-US"/>
+            </a:p>
+          </p:txBody>
+        </p:sp>
+        <p:sp>
+          <p:nvSpPr>
+            <p:cNvPr id="70" name="Snip Diagonal Corner Rectangle 4">
+              <a:extLst>
+                <a:ext uri="{FF2B5EF4-FFF2-40B4-BE49-F238E27FC236}">
+                  <a16:creationId xmlns:a16="http://schemas.microsoft.com/office/drawing/2014/main" id="{CCE1FE8F-2A65-45EC-BAF8-90EC6A6935E8}"/>
+                </a:ext>
+              </a:extLst>
+            </p:cNvPr>
+            <p:cNvSpPr/>
+            <p:nvPr/>
+          </p:nvSpPr>
+          <p:spPr>
+            <a:xfrm>
+              <a:off x="1640378" y="1008612"/>
+              <a:ext cx="2228589" cy="2133600"/>
+            </a:xfrm>
+            <a:prstGeom prst="snip2DiagRect">
+              <a:avLst/>
+            </a:prstGeom>
+            <a:solidFill>
+              <a:srgbClr val="AFABAB">
+                <a:alpha val="80000"/>
+              </a:srgbClr>
+            </a:solidFill>
+            <a:ln>
+              <a:noFill/>
+            </a:ln>
+          </p:spPr>
+          <p:style>
+            <a:lnRef idx="2">
+              <a:schemeClr val="accent1">
+                <a:shade val="50000"/>
+              </a:schemeClr>
+            </a:lnRef>
+            <a:fillRef idx="1">
+              <a:schemeClr val="accent1"/>
+            </a:fillRef>
+            <a:effectRef idx="0">
+              <a:schemeClr val="accent1"/>
+            </a:effectRef>
+            <a:fontRef idx="minor">
+              <a:schemeClr val="lt1"/>
+            </a:fontRef>
+          </p:style>
+          <p:txBody>
+            <a:bodyPr rtlCol="0" anchor="ctr"/>
+            <a:lstStyle/>
+            <a:p>
+              <a:pPr algn="ctr"/>
+              <a:r>
+                <a:rPr lang="en-US" dirty="0"/>
+                <a:t>INFO</a:t>
+              </a:r>
+            </a:p>
+          </p:txBody>
+        </p:sp>
+      </p:grpSp>
+      <p:grpSp>
+        <p:nvGrpSpPr>
+          <p:cNvPr id="71" name="Group 8">
+            <a:extLst>
+              <a:ext uri="{FF2B5EF4-FFF2-40B4-BE49-F238E27FC236}">
+                <a16:creationId xmlns:a16="http://schemas.microsoft.com/office/drawing/2014/main" id="{1F5FBA19-B324-4B4F-B4DF-6EADDD2985AD}"/>
+              </a:ext>
+            </a:extLst>
+          </p:cNvPr>
+          <p:cNvGrpSpPr/>
+          <p:nvPr/>
+        </p:nvGrpSpPr>
+        <p:grpSpPr>
+          <a:xfrm>
+            <a:off x="5100710" y="3871901"/>
+            <a:ext cx="981248" cy="274162"/>
+            <a:chOff x="1487978" y="856211"/>
+            <a:chExt cx="2535382" cy="2427317"/>
+          </a:xfrm>
+        </p:grpSpPr>
+        <p:sp>
+          <p:nvSpPr>
+            <p:cNvPr id="72" name="Snip Diagonal Corner Rectangle 3">
+              <a:extLst>
+                <a:ext uri="{FF2B5EF4-FFF2-40B4-BE49-F238E27FC236}">
+                  <a16:creationId xmlns:a16="http://schemas.microsoft.com/office/drawing/2014/main" id="{8ED488C1-D2C6-48B1-85F0-7192BE128671}"/>
+                </a:ext>
+              </a:extLst>
+            </p:cNvPr>
+            <p:cNvSpPr/>
+            <p:nvPr/>
+          </p:nvSpPr>
+          <p:spPr>
+            <a:xfrm>
+              <a:off x="1487978" y="856211"/>
+              <a:ext cx="2535382" cy="2427317"/>
+            </a:xfrm>
+            <a:prstGeom prst="snip2DiagRect">
+              <a:avLst/>
+            </a:prstGeom>
+            <a:solidFill>
+              <a:srgbClr val="D0CECE"/>
+            </a:solidFill>
+            <a:ln>
+              <a:noFill/>
+            </a:ln>
+          </p:spPr>
+          <p:style>
+            <a:lnRef idx="2">
+              <a:schemeClr val="accent1">
+                <a:shade val="50000"/>
+              </a:schemeClr>
+            </a:lnRef>
+            <a:fillRef idx="1">
+              <a:schemeClr val="accent1"/>
+            </a:fillRef>
+            <a:effectRef idx="0">
+              <a:schemeClr val="accent1"/>
+            </a:effectRef>
+            <a:fontRef idx="minor">
+              <a:schemeClr val="lt1"/>
+            </a:fontRef>
+          </p:style>
+          <p:txBody>
+            <a:bodyPr rtlCol="0" anchor="ctr"/>
+            <a:lstStyle/>
+            <a:p>
+              <a:pPr algn="ctr"/>
+              <a:endParaRPr lang="en-US"/>
+            </a:p>
+          </p:txBody>
+        </p:sp>
+        <p:sp>
+          <p:nvSpPr>
+            <p:cNvPr id="73" name="Snip Diagonal Corner Rectangle 4">
+              <a:extLst>
+                <a:ext uri="{FF2B5EF4-FFF2-40B4-BE49-F238E27FC236}">
+                  <a16:creationId xmlns:a16="http://schemas.microsoft.com/office/drawing/2014/main" id="{9F233866-1F24-442B-9324-0E3B3826332B}"/>
+                </a:ext>
+              </a:extLst>
+            </p:cNvPr>
+            <p:cNvSpPr/>
+            <p:nvPr/>
+          </p:nvSpPr>
+          <p:spPr>
+            <a:xfrm>
+              <a:off x="1640378" y="1008612"/>
+              <a:ext cx="2228589" cy="2133600"/>
+            </a:xfrm>
+            <a:prstGeom prst="snip2DiagRect">
+              <a:avLst/>
+            </a:prstGeom>
+            <a:solidFill>
+              <a:srgbClr val="AFABAB">
+                <a:alpha val="80000"/>
+              </a:srgbClr>
+            </a:solidFill>
+            <a:ln>
+              <a:noFill/>
+            </a:ln>
+          </p:spPr>
+          <p:style>
+            <a:lnRef idx="2">
+              <a:schemeClr val="accent1">
+                <a:shade val="50000"/>
+              </a:schemeClr>
+            </a:lnRef>
+            <a:fillRef idx="1">
+              <a:schemeClr val="accent1"/>
+            </a:fillRef>
+            <a:effectRef idx="0">
+              <a:schemeClr val="accent1"/>
+            </a:effectRef>
+            <a:fontRef idx="minor">
+              <a:schemeClr val="lt1"/>
+            </a:fontRef>
+          </p:style>
+          <p:txBody>
+            <a:bodyPr rtlCol="0" anchor="ctr"/>
+            <a:lstStyle/>
+            <a:p>
+              <a:pPr algn="ctr"/>
+              <a:r>
+                <a:rPr lang="en-US" dirty="0"/>
+                <a:t>USE</a:t>
+              </a:r>
+            </a:p>
+          </p:txBody>
+        </p:sp>
+      </p:grpSp>
+      <p:sp>
+        <p:nvSpPr>
+          <p:cNvPr id="74" name="직사각형 73">
+            <a:extLst>
+              <a:ext uri="{FF2B5EF4-FFF2-40B4-BE49-F238E27FC236}">
+                <a16:creationId xmlns:a16="http://schemas.microsoft.com/office/drawing/2014/main" id="{8BE23382-8E38-48BC-A007-D4DC253BC60D}"/>
+              </a:ext>
+            </a:extLst>
+          </p:cNvPr>
+          <p:cNvSpPr/>
+          <p:nvPr/>
+        </p:nvSpPr>
+        <p:spPr>
+          <a:xfrm>
+            <a:off x="4990870" y="2570234"/>
+            <a:ext cx="1233639" cy="1191785"/>
+          </a:xfrm>
+          <a:prstGeom prst="rect">
+            <a:avLst/>
+          </a:prstGeom>
+          <a:noFill/>
+        </p:spPr>
+        <p:style>
+          <a:lnRef idx="2">
+            <a:schemeClr val="accent1">
+              <a:shade val="50000"/>
+            </a:schemeClr>
+          </a:lnRef>
+          <a:fillRef idx="1">
+            <a:schemeClr val="accent1"/>
+          </a:fillRef>
+          <a:effectRef idx="0">
+            <a:schemeClr val="accent1"/>
+          </a:effectRef>
+          <a:fontRef idx="minor">
+            <a:schemeClr val="lt1"/>
+          </a:fontRef>
+        </p:style>
+        <p:txBody>
+          <a:bodyPr rtlCol="0" anchor="ctr"/>
+          <a:lstStyle/>
+          <a:p>
+            <a:pPr algn="ctr"/>
+            <a:r>
+              <a:rPr lang="en-US" altLang="ko-KR" sz="2000" dirty="0">
+                <a:latin typeface="Calibri" panose="020F0502020204030204" pitchFamily="34" charset="0"/>
+                <a:cs typeface="Calibri" panose="020F0502020204030204" pitchFamily="34" charset="0"/>
+              </a:rPr>
+              <a:t>Mana +5</a:t>
+            </a:r>
+          </a:p>
+          <a:p>
+            <a:pPr algn="ctr"/>
+            <a:r>
+              <a:rPr lang="en-US" altLang="ko-KR" sz="2000" dirty="0">
+                <a:latin typeface="Calibri" panose="020F0502020204030204" pitchFamily="34" charset="0"/>
+                <a:cs typeface="Calibri" panose="020F0502020204030204" pitchFamily="34" charset="0"/>
+              </a:rPr>
+              <a:t>HP    +5</a:t>
+            </a:r>
+            <a:endParaRPr lang="ko-KR" altLang="en-US" sz="2000" dirty="0">
+              <a:latin typeface="Calibri" panose="020F0502020204030204" pitchFamily="34" charset="0"/>
+              <a:cs typeface="Calibri" panose="020F0502020204030204" pitchFamily="34" charset="0"/>
+            </a:endParaRPr>
+          </a:p>
+        </p:txBody>
+      </p:sp>
+      <p:grpSp>
+        <p:nvGrpSpPr>
+          <p:cNvPr id="75" name="Group 8">
+            <a:extLst>
+              <a:ext uri="{FF2B5EF4-FFF2-40B4-BE49-F238E27FC236}">
+                <a16:creationId xmlns:a16="http://schemas.microsoft.com/office/drawing/2014/main" id="{001D7E68-C1BB-4B09-AC98-2EFC853699F8}"/>
+              </a:ext>
+            </a:extLst>
+          </p:cNvPr>
+          <p:cNvGrpSpPr/>
+          <p:nvPr/>
+        </p:nvGrpSpPr>
+        <p:grpSpPr>
+          <a:xfrm flipH="1">
+            <a:off x="6224509" y="1333499"/>
+            <a:ext cx="161925" cy="158225"/>
+            <a:chOff x="1487978" y="856211"/>
+            <a:chExt cx="2535382" cy="2427317"/>
+          </a:xfrm>
+        </p:grpSpPr>
+        <p:sp>
+          <p:nvSpPr>
+            <p:cNvPr id="76" name="Snip Diagonal Corner Rectangle 3">
+              <a:extLst>
+                <a:ext uri="{FF2B5EF4-FFF2-40B4-BE49-F238E27FC236}">
+                  <a16:creationId xmlns:a16="http://schemas.microsoft.com/office/drawing/2014/main" id="{C02DF7B7-11C8-4B91-8A1A-4E609DCD746F}"/>
+                </a:ext>
+              </a:extLst>
+            </p:cNvPr>
+            <p:cNvSpPr/>
+            <p:nvPr/>
+          </p:nvSpPr>
+          <p:spPr>
+            <a:xfrm>
+              <a:off x="1487978" y="856211"/>
+              <a:ext cx="2535382" cy="2427317"/>
+            </a:xfrm>
+            <a:prstGeom prst="snip2DiagRect">
+              <a:avLst/>
+            </a:prstGeom>
+            <a:solidFill>
+              <a:srgbClr val="D0CECE"/>
+            </a:solidFill>
+            <a:ln>
+              <a:noFill/>
+            </a:ln>
+          </p:spPr>
+          <p:style>
+            <a:lnRef idx="2">
+              <a:schemeClr val="accent1">
+                <a:shade val="50000"/>
+              </a:schemeClr>
+            </a:lnRef>
+            <a:fillRef idx="1">
+              <a:schemeClr val="accent1"/>
+            </a:fillRef>
+            <a:effectRef idx="0">
+              <a:schemeClr val="accent1"/>
+            </a:effectRef>
+            <a:fontRef idx="minor">
+              <a:schemeClr val="lt1"/>
+            </a:fontRef>
+          </p:style>
+          <p:txBody>
+            <a:bodyPr rtlCol="0" anchor="ctr"/>
+            <a:lstStyle/>
+            <a:p>
+              <a:pPr algn="ctr"/>
+              <a:endParaRPr lang="en-US"/>
+            </a:p>
+          </p:txBody>
+        </p:sp>
+        <p:sp>
+          <p:nvSpPr>
+            <p:cNvPr id="77" name="Snip Diagonal Corner Rectangle 4">
+              <a:extLst>
+                <a:ext uri="{FF2B5EF4-FFF2-40B4-BE49-F238E27FC236}">
+                  <a16:creationId xmlns:a16="http://schemas.microsoft.com/office/drawing/2014/main" id="{CC2BE5DC-F524-41EF-AFA6-4CEB2F770337}"/>
+                </a:ext>
+              </a:extLst>
+            </p:cNvPr>
+            <p:cNvSpPr/>
+            <p:nvPr/>
+          </p:nvSpPr>
+          <p:spPr>
+            <a:xfrm>
+              <a:off x="1640378" y="1008612"/>
+              <a:ext cx="2228589" cy="2133600"/>
+            </a:xfrm>
+            <a:prstGeom prst="snip2DiagRect">
+              <a:avLst/>
+            </a:prstGeom>
+            <a:solidFill>
+              <a:srgbClr val="AFABAB">
+                <a:alpha val="80000"/>
+              </a:srgbClr>
+            </a:solidFill>
+            <a:ln>
+              <a:noFill/>
+            </a:ln>
+          </p:spPr>
+          <p:style>
+            <a:lnRef idx="2">
+              <a:schemeClr val="accent1">
+                <a:shade val="50000"/>
+              </a:schemeClr>
+            </a:lnRef>
+            <a:fillRef idx="1">
+              <a:schemeClr val="accent1"/>
+            </a:fillRef>
+            <a:effectRef idx="0">
+              <a:schemeClr val="accent1"/>
+            </a:effectRef>
+            <a:fontRef idx="minor">
+              <a:schemeClr val="lt1"/>
+            </a:fontRef>
+          </p:style>
+          <p:txBody>
+            <a:bodyPr rtlCol="0" anchor="ctr"/>
+            <a:lstStyle/>
+            <a:p>
+              <a:pPr algn="ctr"/>
+              <a:endParaRPr lang="en-US"/>
+            </a:p>
+          </p:txBody>
+        </p:sp>
+      </p:grpSp>
+      <p:sp>
+        <p:nvSpPr>
+          <p:cNvPr id="78" name="Snip Diagonal Corner Rectangle 7">
+            <a:extLst>
+              <a:ext uri="{FF2B5EF4-FFF2-40B4-BE49-F238E27FC236}">
+                <a16:creationId xmlns:a16="http://schemas.microsoft.com/office/drawing/2014/main" id="{85ACE5B9-C6F2-429C-8186-C5668B9E6D39}"/>
+              </a:ext>
+            </a:extLst>
+          </p:cNvPr>
+          <p:cNvSpPr/>
+          <p:nvPr/>
+        </p:nvSpPr>
+        <p:spPr>
+          <a:xfrm>
+            <a:off x="193427" y="4895987"/>
+            <a:ext cx="4966265" cy="1741497"/>
+          </a:xfrm>
+          <a:prstGeom prst="snip2DiagRect">
+            <a:avLst>
+              <a:gd name="adj1" fmla="val 0"/>
+              <a:gd name="adj2" fmla="val 15315"/>
+            </a:avLst>
+          </a:prstGeom>
+          <a:solidFill>
+            <a:srgbClr val="000000">
+              <a:alpha val="69804"/>
+            </a:srgbClr>
+          </a:solidFill>
+          <a:ln>
+            <a:noFill/>
+          </a:ln>
+        </p:spPr>
+        <p:style>
+          <a:lnRef idx="2">
+            <a:schemeClr val="accent1">
+              <a:shade val="50000"/>
+            </a:schemeClr>
+          </a:lnRef>
+          <a:fillRef idx="1">
+            <a:schemeClr val="accent1"/>
+          </a:fillRef>
+          <a:effectRef idx="0">
+            <a:schemeClr val="accent1"/>
+          </a:effectRef>
+          <a:fontRef idx="minor">
+            <a:schemeClr val="lt1"/>
+          </a:fontRef>
+        </p:style>
+        <p:txBody>
+          <a:bodyPr rtlCol="0" anchor="ctr"/>
+          <a:lstStyle/>
+          <a:p>
+            <a:pPr algn="ctr"/>
+            <a:endParaRPr lang="en-US"/>
+          </a:p>
+        </p:txBody>
+      </p:sp>
+      <p:sp>
+        <p:nvSpPr>
+          <p:cNvPr id="79" name="타원 78">
+            <a:extLst>
+              <a:ext uri="{FF2B5EF4-FFF2-40B4-BE49-F238E27FC236}">
+                <a16:creationId xmlns:a16="http://schemas.microsoft.com/office/drawing/2014/main" id="{2C255094-48BA-4313-A026-4BAB75FAC6DB}"/>
+              </a:ext>
+            </a:extLst>
+          </p:cNvPr>
+          <p:cNvSpPr/>
+          <p:nvPr/>
+        </p:nvSpPr>
+        <p:spPr>
+          <a:xfrm>
+            <a:off x="1100203" y="1635856"/>
+            <a:ext cx="1601102" cy="2960248"/>
+          </a:xfrm>
+          <a:prstGeom prst="ellipse">
+            <a:avLst/>
+          </a:prstGeom>
+        </p:spPr>
+        <p:style>
+          <a:lnRef idx="2">
+            <a:schemeClr val="accent1">
+              <a:shade val="50000"/>
+            </a:schemeClr>
+          </a:lnRef>
+          <a:fillRef idx="1">
+            <a:schemeClr val="accent1"/>
+          </a:fillRef>
+          <a:effectRef idx="0">
+            <a:schemeClr val="accent1"/>
+          </a:effectRef>
+          <a:fontRef idx="minor">
+            <a:schemeClr val="lt1"/>
+          </a:fontRef>
+        </p:style>
+        <p:txBody>
+          <a:bodyPr rtlCol="0" anchor="ctr"/>
+          <a:lstStyle/>
+          <a:p>
+            <a:pPr algn="ctr"/>
+            <a:endParaRPr lang="ko-KR" altLang="en-US"/>
+          </a:p>
+        </p:txBody>
+      </p:sp>
+      <p:sp>
+        <p:nvSpPr>
+          <p:cNvPr id="80" name="Snip Diagonal Corner Rectangle 7">
+            <a:extLst>
+              <a:ext uri="{FF2B5EF4-FFF2-40B4-BE49-F238E27FC236}">
+                <a16:creationId xmlns:a16="http://schemas.microsoft.com/office/drawing/2014/main" id="{8587D198-D0AE-44A4-9FFD-A61F294DEC9E}"/>
+              </a:ext>
+            </a:extLst>
+          </p:cNvPr>
+          <p:cNvSpPr/>
+          <p:nvPr/>
+        </p:nvSpPr>
+        <p:spPr>
+          <a:xfrm>
+            <a:off x="576467" y="645187"/>
+            <a:ext cx="3532140" cy="729315"/>
+          </a:xfrm>
+          <a:prstGeom prst="snip2DiagRect">
+            <a:avLst>
+              <a:gd name="adj1" fmla="val 0"/>
+              <a:gd name="adj2" fmla="val 15315"/>
+            </a:avLst>
+          </a:prstGeom>
+          <a:solidFill>
+            <a:srgbClr val="000000">
+              <a:alpha val="69804"/>
+            </a:srgbClr>
+          </a:solidFill>
+          <a:ln>
+            <a:noFill/>
+          </a:ln>
+        </p:spPr>
+        <p:style>
+          <a:lnRef idx="2">
+            <a:schemeClr val="accent1">
+              <a:shade val="50000"/>
+            </a:schemeClr>
+          </a:lnRef>
+          <a:fillRef idx="1">
+            <a:schemeClr val="accent1"/>
+          </a:fillRef>
+          <a:effectRef idx="0">
+            <a:schemeClr val="accent1"/>
+          </a:effectRef>
+          <a:fontRef idx="minor">
+            <a:schemeClr val="lt1"/>
+          </a:fontRef>
+        </p:style>
+        <p:txBody>
+          <a:bodyPr rtlCol="0" anchor="ctr"/>
+          <a:lstStyle/>
+          <a:p>
+            <a:pPr algn="ctr"/>
+            <a:endParaRPr lang="en-US"/>
+          </a:p>
+        </p:txBody>
+      </p:sp>
+      <p:sp>
+        <p:nvSpPr>
+          <p:cNvPr id="81" name="Snip Diagonal Corner Rectangle 7">
+            <a:extLst>
+              <a:ext uri="{FF2B5EF4-FFF2-40B4-BE49-F238E27FC236}">
+                <a16:creationId xmlns:a16="http://schemas.microsoft.com/office/drawing/2014/main" id="{644C2639-F392-47B5-992E-C1ED948104F3}"/>
+              </a:ext>
+            </a:extLst>
+          </p:cNvPr>
+          <p:cNvSpPr/>
+          <p:nvPr/>
+        </p:nvSpPr>
+        <p:spPr>
+          <a:xfrm>
+            <a:off x="3203707" y="1638462"/>
+            <a:ext cx="891106" cy="2762088"/>
+          </a:xfrm>
+          <a:prstGeom prst="snip2DiagRect">
+            <a:avLst>
+              <a:gd name="adj1" fmla="val 0"/>
+              <a:gd name="adj2" fmla="val 15315"/>
+            </a:avLst>
+          </a:prstGeom>
+          <a:solidFill>
+            <a:srgbClr val="000000">
+              <a:alpha val="69804"/>
+            </a:srgbClr>
+          </a:solidFill>
+          <a:ln>
+            <a:noFill/>
+          </a:ln>
+        </p:spPr>
+        <p:style>
+          <a:lnRef idx="2">
+            <a:schemeClr val="accent1">
+              <a:shade val="50000"/>
+            </a:schemeClr>
+          </a:lnRef>
+          <a:fillRef idx="1">
+            <a:schemeClr val="accent1"/>
+          </a:fillRef>
+          <a:effectRef idx="0">
+            <a:schemeClr val="accent1"/>
+          </a:effectRef>
+          <a:fontRef idx="minor">
+            <a:schemeClr val="lt1"/>
+          </a:fontRef>
+        </p:style>
+        <p:txBody>
+          <a:bodyPr rtlCol="0" anchor="ctr"/>
+          <a:lstStyle/>
+          <a:p>
+            <a:pPr algn="ctr"/>
+            <a:endParaRPr lang="en-US"/>
+          </a:p>
+        </p:txBody>
+      </p:sp>
+    </p:spTree>
+    <p:extLst>
+      <p:ext uri="{BB962C8B-B14F-4D97-AF65-F5344CB8AC3E}">
+        <p14:creationId xmlns:p14="http://schemas.microsoft.com/office/powerpoint/2010/main" val="3069189296"/>
+      </p:ext>
+    </p:extLst>
+  </p:cSld>
+  <p:clrMapOvr>
+    <a:masterClrMapping/>
+  </p:clrMapOvr>
+</p:sld>
+</file>
+
+<file path=ppt/slides/slide12.xml><?xml version="1.0" encoding="utf-8"?>
+<p:sld xmlns:a="http://schemas.openxmlformats.org/drawingml/2006/main" xmlns:r="http://schemas.openxmlformats.org/officeDocument/2006/relationships" xmlns:p="http://schemas.openxmlformats.org/presentationml/2006/main">
+  <p:cSld>
+    <p:spTree>
+      <p:nvGrpSpPr>
+        <p:cNvPr id="1" name=""/>
+        <p:cNvGrpSpPr/>
+        <p:nvPr/>
+      </p:nvGrpSpPr>
+      <p:grpSpPr>
+        <a:xfrm>
+          <a:off x="0" y="0"/>
+          <a:ext cx="0" cy="0"/>
+          <a:chOff x="0" y="0"/>
+          <a:chExt cx="0" cy="0"/>
+        </a:xfrm>
+      </p:grpSpPr>
+      <p:sp>
+        <p:nvSpPr>
+          <p:cNvPr id="4" name="직사각형 3">
+            <a:extLst>
+              <a:ext uri="{FF2B5EF4-FFF2-40B4-BE49-F238E27FC236}">
+                <a16:creationId xmlns:a16="http://schemas.microsoft.com/office/drawing/2014/main" id="{017602BE-24C4-4835-9924-EF2D6009BFAF}"/>
+              </a:ext>
+            </a:extLst>
+          </p:cNvPr>
+          <p:cNvSpPr/>
+          <p:nvPr/>
+        </p:nvSpPr>
+        <p:spPr>
+          <a:xfrm>
+            <a:off x="645799" y="1196340"/>
+            <a:ext cx="2933700" cy="1135380"/>
+          </a:xfrm>
+          <a:prstGeom prst="rect">
+            <a:avLst/>
+          </a:prstGeom>
+          <a:solidFill>
+            <a:schemeClr val="bg2">
+              <a:lumMod val="75000"/>
+              <a:alpha val="80000"/>
+            </a:schemeClr>
+          </a:solidFill>
+          <a:ln>
+            <a:noFill/>
+          </a:ln>
+        </p:spPr>
+        <p:style>
+          <a:lnRef idx="2">
+            <a:schemeClr val="accent1">
+              <a:shade val="50000"/>
+            </a:schemeClr>
+          </a:lnRef>
+          <a:fillRef idx="1">
+            <a:schemeClr val="accent1"/>
+          </a:fillRef>
+          <a:effectRef idx="0">
+            <a:schemeClr val="accent1"/>
+          </a:effectRef>
+          <a:fontRef idx="minor">
+            <a:schemeClr val="lt1"/>
+          </a:fontRef>
+        </p:style>
+        <p:txBody>
+          <a:bodyPr rtlCol="0" anchor="ctr"/>
+          <a:lstStyle/>
+          <a:p>
+            <a:pPr algn="ctr"/>
+            <a:endParaRPr lang="ko-KR" altLang="en-US"/>
+          </a:p>
+        </p:txBody>
+      </p:sp>
+      <p:sp>
+        <p:nvSpPr>
+          <p:cNvPr id="5" name="직사각형 4">
+            <a:extLst>
+              <a:ext uri="{FF2B5EF4-FFF2-40B4-BE49-F238E27FC236}">
+                <a16:creationId xmlns:a16="http://schemas.microsoft.com/office/drawing/2014/main" id="{A2875D99-2719-4C42-B9B0-07EF36022C68}"/>
+              </a:ext>
+            </a:extLst>
+          </p:cNvPr>
+          <p:cNvSpPr/>
+          <p:nvPr/>
+        </p:nvSpPr>
+        <p:spPr>
+          <a:xfrm>
+            <a:off x="4166239" y="1196340"/>
+            <a:ext cx="2933700" cy="1135380"/>
+          </a:xfrm>
+          <a:prstGeom prst="rect">
+            <a:avLst/>
+          </a:prstGeom>
+          <a:solidFill>
+            <a:srgbClr val="AFABAB"/>
+          </a:solidFill>
+          <a:ln>
+            <a:noFill/>
+          </a:ln>
+        </p:spPr>
+        <p:style>
+          <a:lnRef idx="2">
+            <a:schemeClr val="accent1">
+              <a:shade val="50000"/>
+            </a:schemeClr>
+          </a:lnRef>
+          <a:fillRef idx="1">
+            <a:schemeClr val="accent1"/>
+          </a:fillRef>
+          <a:effectRef idx="0">
+            <a:schemeClr val="accent1"/>
+          </a:effectRef>
+          <a:fontRef idx="minor">
+            <a:schemeClr val="lt1"/>
+          </a:fontRef>
+        </p:style>
+        <p:txBody>
+          <a:bodyPr rtlCol="0" anchor="ctr"/>
+          <a:lstStyle/>
+          <a:p>
+            <a:pPr algn="ctr"/>
+            <a:endParaRPr lang="ko-KR" altLang="en-US"/>
+          </a:p>
+        </p:txBody>
+      </p:sp>
+      <p:sp>
+        <p:nvSpPr>
+          <p:cNvPr id="6" name="직사각형 5">
+            <a:extLst>
+              <a:ext uri="{FF2B5EF4-FFF2-40B4-BE49-F238E27FC236}">
+                <a16:creationId xmlns:a16="http://schemas.microsoft.com/office/drawing/2014/main" id="{39141B10-4AFC-47CF-82E5-7DE62CE30781}"/>
+              </a:ext>
+            </a:extLst>
+          </p:cNvPr>
+          <p:cNvSpPr/>
+          <p:nvPr/>
+        </p:nvSpPr>
+        <p:spPr>
+          <a:xfrm>
+            <a:off x="7747639" y="1196340"/>
+            <a:ext cx="2933700" cy="1135380"/>
+          </a:xfrm>
+          <a:prstGeom prst="rect">
+            <a:avLst/>
+          </a:prstGeom>
+          <a:solidFill>
+            <a:schemeClr val="bg2">
+              <a:lumMod val="90000"/>
+            </a:schemeClr>
+          </a:solidFill>
+          <a:ln>
+            <a:noFill/>
+          </a:ln>
+        </p:spPr>
+        <p:style>
+          <a:lnRef idx="2">
+            <a:schemeClr val="accent1">
+              <a:shade val="50000"/>
+            </a:schemeClr>
+          </a:lnRef>
+          <a:fillRef idx="1">
+            <a:schemeClr val="accent1"/>
+          </a:fillRef>
+          <a:effectRef idx="0">
+            <a:schemeClr val="accent1"/>
+          </a:effectRef>
+          <a:fontRef idx="minor">
+            <a:schemeClr val="lt1"/>
+          </a:fontRef>
+        </p:style>
+        <p:txBody>
+          <a:bodyPr rtlCol="0" anchor="ctr"/>
+          <a:lstStyle/>
+          <a:p>
+            <a:pPr algn="ctr"/>
+            <a:endParaRPr lang="ko-KR" altLang="en-US"/>
+          </a:p>
+        </p:txBody>
+      </p:sp>
+      <p:sp>
+        <p:nvSpPr>
+          <p:cNvPr id="7" name="직사각형 6">
+            <a:extLst>
+              <a:ext uri="{FF2B5EF4-FFF2-40B4-BE49-F238E27FC236}">
+                <a16:creationId xmlns:a16="http://schemas.microsoft.com/office/drawing/2014/main" id="{C0E72F88-80D4-4EF4-A79D-8C032968CD9A}"/>
+              </a:ext>
+            </a:extLst>
+          </p:cNvPr>
+          <p:cNvSpPr/>
+          <p:nvPr/>
+        </p:nvSpPr>
+        <p:spPr>
+          <a:xfrm>
+            <a:off x="7839079" y="2933700"/>
+            <a:ext cx="2933700" cy="1135380"/>
+          </a:xfrm>
+          <a:prstGeom prst="rect">
+            <a:avLst/>
+          </a:prstGeom>
+          <a:solidFill>
+            <a:srgbClr val="D0CECE">
+              <a:alpha val="80000"/>
+            </a:srgbClr>
+          </a:solidFill>
+          <a:ln>
+            <a:noFill/>
+          </a:ln>
+        </p:spPr>
+        <p:style>
+          <a:lnRef idx="2">
+            <a:schemeClr val="accent1">
+              <a:shade val="50000"/>
+            </a:schemeClr>
+          </a:lnRef>
+          <a:fillRef idx="1">
+            <a:schemeClr val="accent1"/>
+          </a:fillRef>
+          <a:effectRef idx="0">
+            <a:schemeClr val="accent1"/>
+          </a:effectRef>
+          <a:fontRef idx="minor">
+            <a:schemeClr val="lt1"/>
+          </a:fontRef>
+        </p:style>
+        <p:txBody>
+          <a:bodyPr rtlCol="0" anchor="ctr"/>
+          <a:lstStyle/>
+          <a:p>
+            <a:pPr algn="ctr"/>
+            <a:endParaRPr lang="ko-KR" altLang="en-US"/>
+          </a:p>
+        </p:txBody>
+      </p:sp>
+      <p:sp>
+        <p:nvSpPr>
+          <p:cNvPr id="8" name="직사각형 7">
+            <a:extLst>
+              <a:ext uri="{FF2B5EF4-FFF2-40B4-BE49-F238E27FC236}">
+                <a16:creationId xmlns:a16="http://schemas.microsoft.com/office/drawing/2014/main" id="{6D3D12B7-C4AF-4853-81FB-2F077D7AC43D}"/>
+              </a:ext>
+            </a:extLst>
+          </p:cNvPr>
+          <p:cNvSpPr/>
+          <p:nvPr/>
+        </p:nvSpPr>
+        <p:spPr>
+          <a:xfrm>
+            <a:off x="4166239" y="2910840"/>
+            <a:ext cx="2933700" cy="1135380"/>
+          </a:xfrm>
+          <a:prstGeom prst="rect">
+            <a:avLst/>
+          </a:prstGeom>
+          <a:solidFill>
+            <a:srgbClr val="D0CECE">
+              <a:alpha val="50196"/>
+            </a:srgbClr>
+          </a:solidFill>
+          <a:ln>
+            <a:noFill/>
+          </a:ln>
+        </p:spPr>
+        <p:style>
+          <a:lnRef idx="2">
+            <a:schemeClr val="accent1">
+              <a:shade val="50000"/>
+            </a:schemeClr>
+          </a:lnRef>
+          <a:fillRef idx="1">
+            <a:schemeClr val="accent1"/>
+          </a:fillRef>
+          <a:effectRef idx="0">
+            <a:schemeClr val="accent1"/>
+          </a:effectRef>
+          <a:fontRef idx="minor">
+            <a:schemeClr val="lt1"/>
+          </a:fontRef>
+        </p:style>
+        <p:txBody>
+          <a:bodyPr rtlCol="0" anchor="ctr"/>
+          <a:lstStyle/>
+          <a:p>
+            <a:pPr algn="ctr"/>
+            <a:endParaRPr lang="ko-KR" altLang="en-US"/>
+          </a:p>
+        </p:txBody>
+      </p:sp>
+    </p:spTree>
+    <p:extLst>
+      <p:ext uri="{BB962C8B-B14F-4D97-AF65-F5344CB8AC3E}">
+        <p14:creationId xmlns:p14="http://schemas.microsoft.com/office/powerpoint/2010/main" val="1162952411"/>
+      </p:ext>
+    </p:extLst>
+  </p:cSld>
+  <p:clrMapOvr>
+    <a:masterClrMapping/>
+  </p:clrMapOvr>
+</p:sld>
+</file>
+
+<file path=ppt/slides/slide13.xml><?xml version="1.0" encoding="utf-8"?>
+<p:sld xmlns:a="http://schemas.openxmlformats.org/drawingml/2006/main" xmlns:r="http://schemas.openxmlformats.org/officeDocument/2006/relationships" xmlns:p="http://schemas.openxmlformats.org/presentationml/2006/main">
+  <p:cSld>
+    <p:spTree>
+      <p:nvGrpSpPr>
+        <p:cNvPr id="1" name=""/>
+        <p:cNvGrpSpPr/>
+        <p:nvPr/>
+      </p:nvGrpSpPr>
+      <p:grpSpPr>
+        <a:xfrm>
+          <a:off x="0" y="0"/>
+          <a:ext cx="0" cy="0"/>
+          <a:chOff x="0" y="0"/>
+          <a:chExt cx="0" cy="0"/>
+        </a:xfrm>
+      </p:grpSpPr>
+      <p:sp>
+        <p:nvSpPr>
           <p:cNvPr id="10" name="직사각형 9">
             <a:extLst>
               <a:ext uri="{FF2B5EF4-FFF2-40B4-BE49-F238E27FC236}">
@@ -3994,7 +9595,7 @@
           <a:lstStyle/>
           <a:p>
             <a:r>
-              <a:rPr lang="en-US" altLang="ko-KR" sz="2000" b="1" dirty="0" smtClean="0">
+              <a:rPr lang="en-US" altLang="ko-KR" sz="2000" b="1" dirty="0">
                 <a:solidFill>
                   <a:schemeClr val="bg1">
                     <a:lumMod val="85000"/>
@@ -4046,7 +9647,7 @@
           <a:lstStyle/>
           <a:p>
             <a:r>
-              <a:rPr lang="en-US" altLang="ko-KR" sz="2000" b="1" dirty="0" smtClean="0">
+              <a:rPr lang="en-US" altLang="ko-KR" sz="2000" b="1" dirty="0">
                 <a:solidFill>
                   <a:schemeClr val="bg1">
                     <a:lumMod val="85000"/>
@@ -4098,7 +9699,7 @@
           <a:lstStyle/>
           <a:p>
             <a:r>
-              <a:rPr lang="en-US" altLang="ko-KR" sz="2000" b="1" dirty="0" smtClean="0">
+              <a:rPr lang="en-US" altLang="ko-KR" sz="2000" b="1" dirty="0">
                 <a:solidFill>
                   <a:schemeClr val="bg1">
                     <a:lumMod val="85000"/>
@@ -4150,7 +9751,7 @@
           <a:lstStyle/>
           <a:p>
             <a:r>
-              <a:rPr lang="en-US" altLang="ko-KR" sz="2000" b="1" dirty="0" smtClean="0">
+              <a:rPr lang="en-US" altLang="ko-KR" sz="2000" b="1" dirty="0">
                 <a:solidFill>
                   <a:schemeClr val="bg1">
                     <a:lumMod val="85000"/>
@@ -4202,7 +9803,7 @@
           <a:lstStyle/>
           <a:p>
             <a:r>
-              <a:rPr lang="en-US" altLang="ko-KR" sz="2000" b="1" dirty="0" smtClean="0">
+              <a:rPr lang="en-US" altLang="ko-KR" sz="2000" b="1" dirty="0">
                 <a:solidFill>
                   <a:schemeClr val="bg1">
                     <a:lumMod val="85000"/>
@@ -4254,7 +9855,7 @@
           <a:lstStyle/>
           <a:p>
             <a:r>
-              <a:rPr lang="en-US" altLang="ko-KR" sz="2000" b="1" dirty="0" smtClean="0">
+              <a:rPr lang="en-US" altLang="ko-KR" sz="2000" b="1" dirty="0">
                 <a:solidFill>
                   <a:schemeClr val="bg1">
                     <a:lumMod val="85000"/>
@@ -4264,6 +9865,110 @@
                 <a:cs typeface="Calibri" panose="020F0502020204030204" pitchFamily="34" charset="0"/>
               </a:rPr>
               <a:t>WIZARD</a:t>
+            </a:r>
+            <a:endParaRPr lang="ko-KR" altLang="en-US" sz="2000" b="1" dirty="0">
+              <a:solidFill>
+                <a:schemeClr val="bg1">
+                  <a:lumMod val="85000"/>
+                </a:schemeClr>
+              </a:solidFill>
+              <a:latin typeface="Calibri" panose="020F0502020204030204" pitchFamily="34" charset="0"/>
+              <a:cs typeface="Calibri" panose="020F0502020204030204" pitchFamily="34" charset="0"/>
+            </a:endParaRPr>
+          </a:p>
+        </p:txBody>
+      </p:sp>
+      <p:sp>
+        <p:nvSpPr>
+          <p:cNvPr id="23" name="TextBox 22">
+            <a:extLst>
+              <a:ext uri="{FF2B5EF4-FFF2-40B4-BE49-F238E27FC236}">
+                <a16:creationId xmlns:a16="http://schemas.microsoft.com/office/drawing/2014/main" id="{6DEC0899-8CFC-4F3F-9C8B-64F4DE6D5543}"/>
+              </a:ext>
+            </a:extLst>
+          </p:cNvPr>
+          <p:cNvSpPr txBox="1"/>
+          <p:nvPr/>
+        </p:nvSpPr>
+        <p:spPr>
+          <a:xfrm>
+            <a:off x="2124890" y="5314890"/>
+            <a:ext cx="710194" cy="400110"/>
+          </a:xfrm>
+          <a:prstGeom prst="rect">
+            <a:avLst/>
+          </a:prstGeom>
+          <a:noFill/>
+        </p:spPr>
+        <p:txBody>
+          <a:bodyPr wrap="none" rtlCol="0">
+            <a:spAutoFit/>
+          </a:bodyPr>
+          <a:lstStyle/>
+          <a:p>
+            <a:r>
+              <a:rPr lang="en-US" altLang="ko-KR" sz="2000" b="1" dirty="0">
+                <a:solidFill>
+                  <a:schemeClr val="bg1">
+                    <a:lumMod val="85000"/>
+                  </a:schemeClr>
+                </a:solidFill>
+                <a:latin typeface="Calibri" panose="020F0502020204030204" pitchFamily="34" charset="0"/>
+                <a:cs typeface="Calibri" panose="020F0502020204030204" pitchFamily="34" charset="0"/>
+              </a:rPr>
+              <a:t>INFO</a:t>
+            </a:r>
+            <a:endParaRPr lang="ko-KR" altLang="en-US" sz="2000" b="1" dirty="0">
+              <a:solidFill>
+                <a:schemeClr val="bg1">
+                  <a:lumMod val="85000"/>
+                </a:schemeClr>
+              </a:solidFill>
+              <a:latin typeface="Calibri" panose="020F0502020204030204" pitchFamily="34" charset="0"/>
+              <a:cs typeface="Calibri" panose="020F0502020204030204" pitchFamily="34" charset="0"/>
+            </a:endParaRPr>
+          </a:p>
+        </p:txBody>
+      </p:sp>
+      <p:sp>
+        <p:nvSpPr>
+          <p:cNvPr id="24" name="TextBox 23">
+            <a:extLst>
+              <a:ext uri="{FF2B5EF4-FFF2-40B4-BE49-F238E27FC236}">
+                <a16:creationId xmlns:a16="http://schemas.microsoft.com/office/drawing/2014/main" id="{113F2887-26B7-4D1D-9ADD-E4BBEC5DCF03}"/>
+              </a:ext>
+            </a:extLst>
+          </p:cNvPr>
+          <p:cNvSpPr txBox="1"/>
+          <p:nvPr/>
+        </p:nvSpPr>
+        <p:spPr>
+          <a:xfrm>
+            <a:off x="3546768" y="5314890"/>
+            <a:ext cx="598241" cy="400110"/>
+          </a:xfrm>
+          <a:prstGeom prst="rect">
+            <a:avLst/>
+          </a:prstGeom>
+          <a:noFill/>
+        </p:spPr>
+        <p:txBody>
+          <a:bodyPr wrap="none" rtlCol="0">
+            <a:spAutoFit/>
+          </a:bodyPr>
+          <a:lstStyle/>
+          <a:p>
+            <a:r>
+              <a:rPr lang="en-US" altLang="ko-KR" sz="2000" b="1" dirty="0">
+                <a:solidFill>
+                  <a:schemeClr val="bg1">
+                    <a:lumMod val="85000"/>
+                  </a:schemeClr>
+                </a:solidFill>
+                <a:latin typeface="Calibri" panose="020F0502020204030204" pitchFamily="34" charset="0"/>
+                <a:cs typeface="Calibri" panose="020F0502020204030204" pitchFamily="34" charset="0"/>
+              </a:rPr>
+              <a:t>USE</a:t>
             </a:r>
             <a:endParaRPr lang="ko-KR" altLang="en-US" sz="2000" b="1" dirty="0">
               <a:solidFill>
@@ -5083,7 +10788,7 @@
         </p:nvGrpSpPr>
         <p:grpSpPr>
           <a:xfrm>
-            <a:off x="469392" y="2310384"/>
+            <a:off x="1106955" y="1052035"/>
             <a:ext cx="3041904" cy="1816608"/>
             <a:chOff x="469392" y="2310384"/>
             <a:chExt cx="3041904" cy="1816608"/>
@@ -5195,7 +10900,7 @@
             <a:lstStyle/>
             <a:p>
               <a:pPr algn="ctr"/>
-              <a:endParaRPr lang="ko-KR" altLang="en-US"/>
+              <a:endParaRPr lang="ko-KR" altLang="en-US" dirty="0"/>
             </a:p>
           </p:txBody>
         </p:sp>
@@ -5214,7 +10919,7 @@
         </p:nvGrpSpPr>
         <p:grpSpPr>
           <a:xfrm>
-            <a:off x="4663440" y="2316480"/>
+            <a:off x="5301003" y="1058131"/>
             <a:ext cx="3041904" cy="1816608"/>
             <a:chOff x="469392" y="2310384"/>
             <a:chExt cx="3041904" cy="1816608"/>
@@ -5331,6 +11036,343 @@
           </p:txBody>
         </p:sp>
       </p:grpSp>
+      <p:sp>
+        <p:nvSpPr>
+          <p:cNvPr id="15" name="사각형: 둥근 모서리 14">
+            <a:extLst>
+              <a:ext uri="{FF2B5EF4-FFF2-40B4-BE49-F238E27FC236}">
+                <a16:creationId xmlns:a16="http://schemas.microsoft.com/office/drawing/2014/main" id="{433864F3-01D5-4DA3-9695-4042BB5160C0}"/>
+              </a:ext>
+            </a:extLst>
+          </p:cNvPr>
+          <p:cNvSpPr/>
+          <p:nvPr/>
+        </p:nvSpPr>
+        <p:spPr>
+          <a:xfrm>
+            <a:off x="6274965" y="3744863"/>
+            <a:ext cx="2852257" cy="1397178"/>
+          </a:xfrm>
+          <a:prstGeom prst="roundRect">
+            <a:avLst>
+              <a:gd name="adj" fmla="val 9764"/>
+            </a:avLst>
+          </a:prstGeom>
+          <a:solidFill>
+            <a:srgbClr val="E5E3E3"/>
+          </a:solidFill>
+          <a:ln>
+            <a:noFill/>
+          </a:ln>
+        </p:spPr>
+        <p:style>
+          <a:lnRef idx="2">
+            <a:schemeClr val="accent1">
+              <a:shade val="50000"/>
+            </a:schemeClr>
+          </a:lnRef>
+          <a:fillRef idx="1">
+            <a:schemeClr val="accent1"/>
+          </a:fillRef>
+          <a:effectRef idx="0">
+            <a:schemeClr val="accent1"/>
+          </a:effectRef>
+          <a:fontRef idx="minor">
+            <a:schemeClr val="lt1"/>
+          </a:fontRef>
+        </p:style>
+        <p:txBody>
+          <a:bodyPr rtlCol="0" anchor="ctr"/>
+          <a:lstStyle/>
+          <a:p>
+            <a:pPr algn="ctr"/>
+            <a:endParaRPr lang="ko-KR" altLang="en-US"/>
+          </a:p>
+        </p:txBody>
+      </p:sp>
+      <p:grpSp>
+        <p:nvGrpSpPr>
+          <p:cNvPr id="2" name="그룹 1">
+            <a:extLst>
+              <a:ext uri="{FF2B5EF4-FFF2-40B4-BE49-F238E27FC236}">
+                <a16:creationId xmlns:a16="http://schemas.microsoft.com/office/drawing/2014/main" id="{25778E0F-8088-4170-B700-23D4C2C18EDA}"/>
+              </a:ext>
+            </a:extLst>
+          </p:cNvPr>
+          <p:cNvGrpSpPr/>
+          <p:nvPr/>
+        </p:nvGrpSpPr>
+        <p:grpSpPr>
+          <a:xfrm>
+            <a:off x="1106955" y="3654019"/>
+            <a:ext cx="3041904" cy="1816609"/>
+            <a:chOff x="1106955" y="3654019"/>
+            <a:chExt cx="3041904" cy="1816609"/>
+          </a:xfrm>
+        </p:grpSpPr>
+        <p:grpSp>
+          <p:nvGrpSpPr>
+            <p:cNvPr id="12" name="그룹 11">
+              <a:extLst>
+                <a:ext uri="{FF2B5EF4-FFF2-40B4-BE49-F238E27FC236}">
+                  <a16:creationId xmlns:a16="http://schemas.microsoft.com/office/drawing/2014/main" id="{BAB26CF5-C982-47E1-866B-6EDE95953CCB}"/>
+                </a:ext>
+              </a:extLst>
+            </p:cNvPr>
+            <p:cNvGrpSpPr/>
+            <p:nvPr/>
+          </p:nvGrpSpPr>
+          <p:grpSpPr>
+            <a:xfrm>
+              <a:off x="1106955" y="3654019"/>
+              <a:ext cx="3041904" cy="1816609"/>
+              <a:chOff x="469392" y="2310383"/>
+              <a:chExt cx="3041904" cy="1816609"/>
+            </a:xfrm>
+          </p:grpSpPr>
+          <p:sp>
+            <p:nvSpPr>
+              <p:cNvPr id="13" name="사각형: 둥근 모서리 12">
+                <a:extLst>
+                  <a:ext uri="{FF2B5EF4-FFF2-40B4-BE49-F238E27FC236}">
+                    <a16:creationId xmlns:a16="http://schemas.microsoft.com/office/drawing/2014/main" id="{CD89273C-1B7A-4027-8FEC-568D28E7C280}"/>
+                  </a:ext>
+                </a:extLst>
+              </p:cNvPr>
+              <p:cNvSpPr/>
+              <p:nvPr/>
+            </p:nvSpPr>
+            <p:spPr>
+              <a:xfrm>
+                <a:off x="469392" y="2310384"/>
+                <a:ext cx="3041904" cy="1816608"/>
+              </a:xfrm>
+              <a:prstGeom prst="roundRect">
+                <a:avLst>
+                  <a:gd name="adj" fmla="val 9764"/>
+                </a:avLst>
+              </a:prstGeom>
+              <a:solidFill>
+                <a:schemeClr val="bg2">
+                  <a:lumMod val="75000"/>
+                </a:schemeClr>
+              </a:solidFill>
+              <a:ln>
+                <a:noFill/>
+              </a:ln>
+            </p:spPr>
+            <p:style>
+              <a:lnRef idx="2">
+                <a:schemeClr val="accent1">
+                  <a:shade val="50000"/>
+                </a:schemeClr>
+              </a:lnRef>
+              <a:fillRef idx="1">
+                <a:schemeClr val="accent1"/>
+              </a:fillRef>
+              <a:effectRef idx="0">
+                <a:schemeClr val="accent1"/>
+              </a:effectRef>
+              <a:fontRef idx="minor">
+                <a:schemeClr val="lt1"/>
+              </a:fontRef>
+            </p:style>
+            <p:txBody>
+              <a:bodyPr rtlCol="0" anchor="ctr"/>
+              <a:lstStyle/>
+              <a:p>
+                <a:pPr algn="ctr"/>
+                <a:endParaRPr lang="ko-KR" altLang="en-US"/>
+              </a:p>
+            </p:txBody>
+          </p:sp>
+          <p:sp>
+            <p:nvSpPr>
+              <p:cNvPr id="14" name="사각형: 둥근 모서리 13">
+                <a:extLst>
+                  <a:ext uri="{FF2B5EF4-FFF2-40B4-BE49-F238E27FC236}">
+                    <a16:creationId xmlns:a16="http://schemas.microsoft.com/office/drawing/2014/main" id="{5FC135B5-E022-4052-A092-17683869D946}"/>
+                  </a:ext>
+                </a:extLst>
+              </p:cNvPr>
+              <p:cNvSpPr/>
+              <p:nvPr/>
+            </p:nvSpPr>
+            <p:spPr>
+              <a:xfrm>
+                <a:off x="469392" y="2310383"/>
+                <a:ext cx="3041904" cy="1696649"/>
+              </a:xfrm>
+              <a:prstGeom prst="roundRect">
+                <a:avLst>
+                  <a:gd name="adj" fmla="val 9764"/>
+                </a:avLst>
+              </a:prstGeom>
+              <a:solidFill>
+                <a:schemeClr val="bg2">
+                  <a:lumMod val="90000"/>
+                </a:schemeClr>
+              </a:solidFill>
+              <a:ln>
+                <a:noFill/>
+              </a:ln>
+            </p:spPr>
+            <p:style>
+              <a:lnRef idx="2">
+                <a:schemeClr val="accent1">
+                  <a:shade val="50000"/>
+                </a:schemeClr>
+              </a:lnRef>
+              <a:fillRef idx="1">
+                <a:schemeClr val="accent1"/>
+              </a:fillRef>
+              <a:effectRef idx="0">
+                <a:schemeClr val="accent1"/>
+              </a:effectRef>
+              <a:fontRef idx="minor">
+                <a:schemeClr val="lt1"/>
+              </a:fontRef>
+            </p:style>
+            <p:txBody>
+              <a:bodyPr rtlCol="0" anchor="ctr"/>
+              <a:lstStyle/>
+              <a:p>
+                <a:pPr algn="ctr"/>
+                <a:endParaRPr lang="ko-KR" altLang="en-US" dirty="0"/>
+              </a:p>
+            </p:txBody>
+          </p:sp>
+        </p:grpSp>
+        <p:grpSp>
+          <p:nvGrpSpPr>
+            <p:cNvPr id="16" name="그룹 15">
+              <a:extLst>
+                <a:ext uri="{FF2B5EF4-FFF2-40B4-BE49-F238E27FC236}">
+                  <a16:creationId xmlns:a16="http://schemas.microsoft.com/office/drawing/2014/main" id="{CCE4DD59-DF86-419D-A905-AE35E7695DA3}"/>
+                </a:ext>
+              </a:extLst>
+            </p:cNvPr>
+            <p:cNvGrpSpPr/>
+            <p:nvPr/>
+          </p:nvGrpSpPr>
+          <p:grpSpPr>
+            <a:xfrm>
+              <a:off x="1191237" y="3744862"/>
+              <a:ext cx="2877423" cy="1510557"/>
+              <a:chOff x="469392" y="2310383"/>
+              <a:chExt cx="3041904" cy="1816609"/>
+            </a:xfrm>
+          </p:grpSpPr>
+          <p:sp>
+            <p:nvSpPr>
+              <p:cNvPr id="17" name="사각형: 둥근 모서리 16">
+                <a:extLst>
+                  <a:ext uri="{FF2B5EF4-FFF2-40B4-BE49-F238E27FC236}">
+                    <a16:creationId xmlns:a16="http://schemas.microsoft.com/office/drawing/2014/main" id="{E72EC1CF-EE19-4EA3-AF44-C4114F2A37A9}"/>
+                  </a:ext>
+                </a:extLst>
+              </p:cNvPr>
+              <p:cNvSpPr/>
+              <p:nvPr/>
+            </p:nvSpPr>
+            <p:spPr>
+              <a:xfrm>
+                <a:off x="469392" y="2310384"/>
+                <a:ext cx="3041904" cy="1816608"/>
+              </a:xfrm>
+              <a:prstGeom prst="roundRect">
+                <a:avLst>
+                  <a:gd name="adj" fmla="val 9764"/>
+                </a:avLst>
+              </a:prstGeom>
+              <a:solidFill>
+                <a:srgbClr val="CAC8C8"/>
+              </a:solidFill>
+              <a:ln>
+                <a:noFill/>
+              </a:ln>
+            </p:spPr>
+            <p:style>
+              <a:lnRef idx="2">
+                <a:schemeClr val="accent1">
+                  <a:shade val="50000"/>
+                </a:schemeClr>
+              </a:lnRef>
+              <a:fillRef idx="1">
+                <a:schemeClr val="accent1"/>
+              </a:fillRef>
+              <a:effectRef idx="0">
+                <a:schemeClr val="accent1"/>
+              </a:effectRef>
+              <a:fontRef idx="minor">
+                <a:schemeClr val="lt1"/>
+              </a:fontRef>
+            </p:style>
+            <p:txBody>
+              <a:bodyPr rtlCol="0" anchor="ctr"/>
+              <a:lstStyle/>
+              <a:p>
+                <a:pPr algn="ctr"/>
+                <a:endParaRPr lang="ko-KR" altLang="en-US"/>
+              </a:p>
+            </p:txBody>
+          </p:sp>
+          <p:sp>
+            <p:nvSpPr>
+              <p:cNvPr id="18" name="사각형: 둥근 모서리 17">
+                <a:extLst>
+                  <a:ext uri="{FF2B5EF4-FFF2-40B4-BE49-F238E27FC236}">
+                    <a16:creationId xmlns:a16="http://schemas.microsoft.com/office/drawing/2014/main" id="{A77B7B2F-7E27-4317-B947-AC0824EFFE9E}"/>
+                  </a:ext>
+                </a:extLst>
+              </p:cNvPr>
+              <p:cNvSpPr/>
+              <p:nvPr/>
+            </p:nvSpPr>
+            <p:spPr>
+              <a:xfrm>
+                <a:off x="469392" y="2310383"/>
+                <a:ext cx="3041904" cy="1742151"/>
+              </a:xfrm>
+              <a:prstGeom prst="roundRect">
+                <a:avLst>
+                  <a:gd name="adj" fmla="val 9764"/>
+                </a:avLst>
+              </a:prstGeom>
+              <a:solidFill>
+                <a:srgbClr val="E5E3E3"/>
+              </a:solidFill>
+              <a:ln>
+                <a:noFill/>
+              </a:ln>
+            </p:spPr>
+            <p:style>
+              <a:lnRef idx="2">
+                <a:schemeClr val="accent1">
+                  <a:shade val="50000"/>
+                </a:schemeClr>
+              </a:lnRef>
+              <a:fillRef idx="1">
+                <a:schemeClr val="accent1"/>
+              </a:fillRef>
+              <a:effectRef idx="0">
+                <a:schemeClr val="accent1"/>
+              </a:effectRef>
+              <a:fontRef idx="minor">
+                <a:schemeClr val="lt1"/>
+              </a:fontRef>
+            </p:style>
+            <p:txBody>
+              <a:bodyPr rtlCol="0" anchor="ctr"/>
+              <a:lstStyle/>
+              <a:p>
+                <a:pPr algn="ctr"/>
+                <a:endParaRPr lang="ko-KR" altLang="en-US"/>
+              </a:p>
+            </p:txBody>
+          </p:sp>
+        </p:grpSp>
+      </p:grpSp>
     </p:spTree>
     <p:extLst>
       <p:ext uri="{BB962C8B-B14F-4D97-AF65-F5344CB8AC3E}">
@@ -5504,7 +11546,7 @@
         </p:nvGrpSpPr>
         <p:grpSpPr>
           <a:xfrm>
-            <a:off x="4140431" y="210589"/>
+            <a:off x="4140430" y="210589"/>
             <a:ext cx="2994660" cy="1341120"/>
             <a:chOff x="731520" y="1341120"/>
             <a:chExt cx="2994660" cy="1341120"/>
@@ -6754,279 +12796,693 @@
           <a:chExt cx="0" cy="0"/>
         </a:xfrm>
       </p:grpSpPr>
-      <p:sp>
-        <p:nvSpPr>
-          <p:cNvPr id="4" name="직사각형 3">
-            <a:extLst>
-              <a:ext uri="{FF2B5EF4-FFF2-40B4-BE49-F238E27FC236}">
-                <a16:creationId xmlns:a16="http://schemas.microsoft.com/office/drawing/2014/main" id="{017602BE-24C4-4835-9924-EF2D6009BFAF}"/>
-              </a:ext>
-            </a:extLst>
-          </p:cNvPr>
-          <p:cNvSpPr/>
+      <p:grpSp>
+        <p:nvGrpSpPr>
+          <p:cNvPr id="4" name="Group 8">
+            <a:extLst>
+              <a:ext uri="{FF2B5EF4-FFF2-40B4-BE49-F238E27FC236}">
+                <a16:creationId xmlns:a16="http://schemas.microsoft.com/office/drawing/2014/main" id="{ECFDB03C-217B-4EE6-8D92-C5A23130707C}"/>
+              </a:ext>
+            </a:extLst>
+          </p:cNvPr>
+          <p:cNvGrpSpPr/>
           <p:nvPr/>
-        </p:nvSpPr>
-        <p:spPr>
+        </p:nvGrpSpPr>
+        <p:grpSpPr>
           <a:xfrm>
-            <a:off x="645799" y="1196340"/>
-            <a:ext cx="2933700" cy="1135380"/>
+            <a:off x="2000076" y="1658562"/>
+            <a:ext cx="1687484" cy="1680557"/>
+            <a:chOff x="1487978" y="856211"/>
+            <a:chExt cx="2535382" cy="2427317"/>
           </a:xfrm>
-          <a:prstGeom prst="rect">
-            <a:avLst/>
-          </a:prstGeom>
-          <a:solidFill>
-            <a:schemeClr val="bg2">
-              <a:lumMod val="75000"/>
-              <a:alpha val="80000"/>
-            </a:schemeClr>
-          </a:solidFill>
-          <a:ln>
-            <a:noFill/>
-          </a:ln>
-        </p:spPr>
-        <p:style>
-          <a:lnRef idx="2">
-            <a:schemeClr val="accent1">
-              <a:shade val="50000"/>
-            </a:schemeClr>
-          </a:lnRef>
-          <a:fillRef idx="1">
-            <a:schemeClr val="accent1"/>
-          </a:fillRef>
-          <a:effectRef idx="0">
-            <a:schemeClr val="accent1"/>
-          </a:effectRef>
-          <a:fontRef idx="minor">
-            <a:schemeClr val="lt1"/>
-          </a:fontRef>
-        </p:style>
-        <p:txBody>
-          <a:bodyPr rtlCol="0" anchor="ctr"/>
-          <a:lstStyle/>
-          <a:p>
-            <a:pPr algn="ctr"/>
-            <a:endParaRPr lang="ko-KR" altLang="en-US"/>
-          </a:p>
-        </p:txBody>
-      </p:sp>
-      <p:sp>
-        <p:nvSpPr>
-          <p:cNvPr id="5" name="직사각형 4">
-            <a:extLst>
-              <a:ext uri="{FF2B5EF4-FFF2-40B4-BE49-F238E27FC236}">
-                <a16:creationId xmlns:a16="http://schemas.microsoft.com/office/drawing/2014/main" id="{A2875D99-2719-4C42-B9B0-07EF36022C68}"/>
-              </a:ext>
-            </a:extLst>
-          </p:cNvPr>
-          <p:cNvSpPr/>
+        </p:grpSpPr>
+        <p:sp>
+          <p:nvSpPr>
+            <p:cNvPr id="5" name="Snip Diagonal Corner Rectangle 3">
+              <a:extLst>
+                <a:ext uri="{FF2B5EF4-FFF2-40B4-BE49-F238E27FC236}">
+                  <a16:creationId xmlns:a16="http://schemas.microsoft.com/office/drawing/2014/main" id="{E68D92A7-F6A6-445D-8A52-8528108B6203}"/>
+                </a:ext>
+              </a:extLst>
+            </p:cNvPr>
+            <p:cNvSpPr/>
+            <p:nvPr/>
+          </p:nvSpPr>
+          <p:spPr>
+            <a:xfrm>
+              <a:off x="1487978" y="856211"/>
+              <a:ext cx="2535382" cy="2427317"/>
+            </a:xfrm>
+            <a:prstGeom prst="snip2DiagRect">
+              <a:avLst/>
+            </a:prstGeom>
+            <a:solidFill>
+              <a:srgbClr val="D0CECE"/>
+            </a:solidFill>
+            <a:ln>
+              <a:noFill/>
+            </a:ln>
+          </p:spPr>
+          <p:style>
+            <a:lnRef idx="2">
+              <a:schemeClr val="accent1">
+                <a:shade val="50000"/>
+              </a:schemeClr>
+            </a:lnRef>
+            <a:fillRef idx="1">
+              <a:schemeClr val="accent1"/>
+            </a:fillRef>
+            <a:effectRef idx="0">
+              <a:schemeClr val="accent1"/>
+            </a:effectRef>
+            <a:fontRef idx="minor">
+              <a:schemeClr val="lt1"/>
+            </a:fontRef>
+          </p:style>
+          <p:txBody>
+            <a:bodyPr rtlCol="0" anchor="ctr"/>
+            <a:lstStyle/>
+            <a:p>
+              <a:pPr algn="ctr"/>
+              <a:endParaRPr lang="en-US"/>
+            </a:p>
+          </p:txBody>
+        </p:sp>
+        <p:sp>
+          <p:nvSpPr>
+            <p:cNvPr id="6" name="Snip Diagonal Corner Rectangle 4">
+              <a:extLst>
+                <a:ext uri="{FF2B5EF4-FFF2-40B4-BE49-F238E27FC236}">
+                  <a16:creationId xmlns:a16="http://schemas.microsoft.com/office/drawing/2014/main" id="{4A66137C-0045-4EFE-8361-65C03A1277C9}"/>
+                </a:ext>
+              </a:extLst>
+            </p:cNvPr>
+            <p:cNvSpPr/>
+            <p:nvPr/>
+          </p:nvSpPr>
+          <p:spPr>
+            <a:xfrm>
+              <a:off x="1640378" y="1008612"/>
+              <a:ext cx="2228589" cy="2133600"/>
+            </a:xfrm>
+            <a:prstGeom prst="snip2DiagRect">
+              <a:avLst/>
+            </a:prstGeom>
+            <a:solidFill>
+              <a:srgbClr val="AFABAB">
+                <a:alpha val="80000"/>
+              </a:srgbClr>
+            </a:solidFill>
+            <a:ln>
+              <a:noFill/>
+            </a:ln>
+          </p:spPr>
+          <p:style>
+            <a:lnRef idx="2">
+              <a:schemeClr val="accent1">
+                <a:shade val="50000"/>
+              </a:schemeClr>
+            </a:lnRef>
+            <a:fillRef idx="1">
+              <a:schemeClr val="accent1"/>
+            </a:fillRef>
+            <a:effectRef idx="0">
+              <a:schemeClr val="accent1"/>
+            </a:effectRef>
+            <a:fontRef idx="minor">
+              <a:schemeClr val="lt1"/>
+            </a:fontRef>
+          </p:style>
+          <p:txBody>
+            <a:bodyPr rtlCol="0" anchor="ctr"/>
+            <a:lstStyle/>
+            <a:p>
+              <a:pPr algn="ctr"/>
+              <a:endParaRPr lang="en-US"/>
+            </a:p>
+          </p:txBody>
+        </p:sp>
+      </p:grpSp>
+      <p:grpSp>
+        <p:nvGrpSpPr>
+          <p:cNvPr id="7" name="Group 8">
+            <a:extLst>
+              <a:ext uri="{FF2B5EF4-FFF2-40B4-BE49-F238E27FC236}">
+                <a16:creationId xmlns:a16="http://schemas.microsoft.com/office/drawing/2014/main" id="{88DD3D1A-2113-4DBD-BDD8-5A235F9ABFB8}"/>
+              </a:ext>
+            </a:extLst>
+          </p:cNvPr>
+          <p:cNvGrpSpPr/>
           <p:nvPr/>
-        </p:nvSpPr>
-        <p:spPr>
+        </p:nvGrpSpPr>
+        <p:grpSpPr>
           <a:xfrm>
-            <a:off x="4166239" y="1196340"/>
-            <a:ext cx="2933700" cy="1135380"/>
+            <a:off x="2101509" y="3847154"/>
+            <a:ext cx="1543586" cy="1537250"/>
+            <a:chOff x="1487978" y="856211"/>
+            <a:chExt cx="2535382" cy="2427317"/>
           </a:xfrm>
-          <a:prstGeom prst="rect">
-            <a:avLst/>
-          </a:prstGeom>
-          <a:solidFill>
-            <a:srgbClr val="AFABAB"/>
-          </a:solidFill>
-          <a:ln>
-            <a:noFill/>
-          </a:ln>
-        </p:spPr>
-        <p:style>
-          <a:lnRef idx="2">
-            <a:schemeClr val="accent1">
-              <a:shade val="50000"/>
-            </a:schemeClr>
-          </a:lnRef>
-          <a:fillRef idx="1">
-            <a:schemeClr val="accent1"/>
-          </a:fillRef>
-          <a:effectRef idx="0">
-            <a:schemeClr val="accent1"/>
-          </a:effectRef>
-          <a:fontRef idx="minor">
-            <a:schemeClr val="lt1"/>
-          </a:fontRef>
-        </p:style>
-        <p:txBody>
-          <a:bodyPr rtlCol="0" anchor="ctr"/>
-          <a:lstStyle/>
-          <a:p>
-            <a:pPr algn="ctr"/>
-            <a:endParaRPr lang="ko-KR" altLang="en-US"/>
-          </a:p>
-        </p:txBody>
-      </p:sp>
-      <p:sp>
-        <p:nvSpPr>
-          <p:cNvPr id="6" name="직사각형 5">
-            <a:extLst>
-              <a:ext uri="{FF2B5EF4-FFF2-40B4-BE49-F238E27FC236}">
-                <a16:creationId xmlns:a16="http://schemas.microsoft.com/office/drawing/2014/main" id="{39141B10-4AFC-47CF-82E5-7DE62CE30781}"/>
-              </a:ext>
-            </a:extLst>
-          </p:cNvPr>
-          <p:cNvSpPr/>
+        </p:grpSpPr>
+        <p:sp>
+          <p:nvSpPr>
+            <p:cNvPr id="8" name="Snip Diagonal Corner Rectangle 3">
+              <a:extLst>
+                <a:ext uri="{FF2B5EF4-FFF2-40B4-BE49-F238E27FC236}">
+                  <a16:creationId xmlns:a16="http://schemas.microsoft.com/office/drawing/2014/main" id="{13A520E0-8F6B-4FC0-BB71-2A46B1A1BCE2}"/>
+                </a:ext>
+              </a:extLst>
+            </p:cNvPr>
+            <p:cNvSpPr/>
+            <p:nvPr/>
+          </p:nvSpPr>
+          <p:spPr>
+            <a:xfrm>
+              <a:off x="1487978" y="856211"/>
+              <a:ext cx="2535382" cy="2427317"/>
+            </a:xfrm>
+            <a:prstGeom prst="snip2DiagRect">
+              <a:avLst/>
+            </a:prstGeom>
+            <a:solidFill>
+              <a:srgbClr val="D0CECE"/>
+            </a:solidFill>
+            <a:ln>
+              <a:noFill/>
+            </a:ln>
+          </p:spPr>
+          <p:style>
+            <a:lnRef idx="2">
+              <a:schemeClr val="accent1">
+                <a:shade val="50000"/>
+              </a:schemeClr>
+            </a:lnRef>
+            <a:fillRef idx="1">
+              <a:schemeClr val="accent1"/>
+            </a:fillRef>
+            <a:effectRef idx="0">
+              <a:schemeClr val="accent1"/>
+            </a:effectRef>
+            <a:fontRef idx="minor">
+              <a:schemeClr val="lt1"/>
+            </a:fontRef>
+          </p:style>
+          <p:txBody>
+            <a:bodyPr rtlCol="0" anchor="ctr"/>
+            <a:lstStyle/>
+            <a:p>
+              <a:pPr algn="ctr"/>
+              <a:endParaRPr lang="en-US"/>
+            </a:p>
+          </p:txBody>
+        </p:sp>
+        <p:sp>
+          <p:nvSpPr>
+            <p:cNvPr id="9" name="Snip Diagonal Corner Rectangle 4">
+              <a:extLst>
+                <a:ext uri="{FF2B5EF4-FFF2-40B4-BE49-F238E27FC236}">
+                  <a16:creationId xmlns:a16="http://schemas.microsoft.com/office/drawing/2014/main" id="{988DD5A0-3E8C-411F-8DA3-FB4435B8E332}"/>
+                </a:ext>
+              </a:extLst>
+            </p:cNvPr>
+            <p:cNvSpPr/>
+            <p:nvPr/>
+          </p:nvSpPr>
+          <p:spPr>
+            <a:xfrm>
+              <a:off x="1640378" y="1008612"/>
+              <a:ext cx="2228589" cy="2133600"/>
+            </a:xfrm>
+            <a:prstGeom prst="snip2DiagRect">
+              <a:avLst/>
+            </a:prstGeom>
+            <a:solidFill>
+              <a:srgbClr val="AFABAB">
+                <a:alpha val="80000"/>
+              </a:srgbClr>
+            </a:solidFill>
+            <a:ln>
+              <a:noFill/>
+            </a:ln>
+          </p:spPr>
+          <p:style>
+            <a:lnRef idx="2">
+              <a:schemeClr val="accent1">
+                <a:shade val="50000"/>
+              </a:schemeClr>
+            </a:lnRef>
+            <a:fillRef idx="1">
+              <a:schemeClr val="accent1"/>
+            </a:fillRef>
+            <a:effectRef idx="0">
+              <a:schemeClr val="accent1"/>
+            </a:effectRef>
+            <a:fontRef idx="minor">
+              <a:schemeClr val="lt1"/>
+            </a:fontRef>
+          </p:style>
+          <p:txBody>
+            <a:bodyPr rtlCol="0" anchor="ctr"/>
+            <a:lstStyle/>
+            <a:p>
+              <a:pPr algn="ctr"/>
+              <a:endParaRPr lang="en-US"/>
+            </a:p>
+          </p:txBody>
+        </p:sp>
+      </p:grpSp>
+      <p:grpSp>
+        <p:nvGrpSpPr>
+          <p:cNvPr id="10" name="그룹 9">
+            <a:extLst>
+              <a:ext uri="{FF2B5EF4-FFF2-40B4-BE49-F238E27FC236}">
+                <a16:creationId xmlns:a16="http://schemas.microsoft.com/office/drawing/2014/main" id="{DA7DC287-28DE-4285-951C-B167A42A8D7E}"/>
+              </a:ext>
+            </a:extLst>
+          </p:cNvPr>
+          <p:cNvGrpSpPr/>
           <p:nvPr/>
-        </p:nvSpPr>
-        <p:spPr>
+        </p:nvGrpSpPr>
+        <p:grpSpPr>
           <a:xfrm>
-            <a:off x="7747639" y="1196340"/>
-            <a:ext cx="2933700" cy="1135380"/>
+            <a:off x="4997680" y="1900159"/>
+            <a:ext cx="2994660" cy="1341120"/>
+            <a:chOff x="731520" y="1341120"/>
+            <a:chExt cx="2994660" cy="1341120"/>
           </a:xfrm>
-          <a:prstGeom prst="rect">
-            <a:avLst/>
-          </a:prstGeom>
-          <a:solidFill>
-            <a:schemeClr val="bg2">
-              <a:lumMod val="90000"/>
-            </a:schemeClr>
-          </a:solidFill>
-          <a:ln>
-            <a:noFill/>
-          </a:ln>
-        </p:spPr>
-        <p:style>
-          <a:lnRef idx="2">
-            <a:schemeClr val="accent1">
-              <a:shade val="50000"/>
-            </a:schemeClr>
-          </a:lnRef>
-          <a:fillRef idx="1">
-            <a:schemeClr val="accent1"/>
-          </a:fillRef>
-          <a:effectRef idx="0">
-            <a:schemeClr val="accent1"/>
-          </a:effectRef>
-          <a:fontRef idx="minor">
-            <a:schemeClr val="lt1"/>
-          </a:fontRef>
-        </p:style>
-        <p:txBody>
-          <a:bodyPr rtlCol="0" anchor="ctr"/>
-          <a:lstStyle/>
-          <a:p>
-            <a:pPr algn="ctr"/>
-            <a:endParaRPr lang="ko-KR" altLang="en-US"/>
-          </a:p>
-        </p:txBody>
-      </p:sp>
-      <p:sp>
-        <p:nvSpPr>
-          <p:cNvPr id="7" name="직사각형 6">
-            <a:extLst>
-              <a:ext uri="{FF2B5EF4-FFF2-40B4-BE49-F238E27FC236}">
-                <a16:creationId xmlns:a16="http://schemas.microsoft.com/office/drawing/2014/main" id="{C0E72F88-80D4-4EF4-A79D-8C032968CD9A}"/>
-              </a:ext>
-            </a:extLst>
-          </p:cNvPr>
-          <p:cNvSpPr/>
+        </p:grpSpPr>
+        <p:sp>
+          <p:nvSpPr>
+            <p:cNvPr id="11" name="평행 사변형 10">
+              <a:extLst>
+                <a:ext uri="{FF2B5EF4-FFF2-40B4-BE49-F238E27FC236}">
+                  <a16:creationId xmlns:a16="http://schemas.microsoft.com/office/drawing/2014/main" id="{B5A6272C-9AA7-4535-B30A-F5015E934F1A}"/>
+                </a:ext>
+              </a:extLst>
+            </p:cNvPr>
+            <p:cNvSpPr/>
+            <p:nvPr/>
+          </p:nvSpPr>
+          <p:spPr>
+            <a:xfrm>
+              <a:off x="731520" y="1341120"/>
+              <a:ext cx="2994660" cy="1341120"/>
+            </a:xfrm>
+            <a:prstGeom prst="parallelogram">
+              <a:avLst/>
+            </a:prstGeom>
+            <a:solidFill>
+              <a:schemeClr val="bg1">
+                <a:lumMod val="95000"/>
+              </a:schemeClr>
+            </a:solidFill>
+            <a:ln>
+              <a:noFill/>
+            </a:ln>
+            <a:scene3d>
+              <a:camera prst="orthographicFront"/>
+              <a:lightRig rig="threePt" dir="t"/>
+            </a:scene3d>
+            <a:sp3d>
+              <a:bevelT/>
+            </a:sp3d>
+          </p:spPr>
+          <p:style>
+            <a:lnRef idx="2">
+              <a:schemeClr val="accent1">
+                <a:shade val="50000"/>
+              </a:schemeClr>
+            </a:lnRef>
+            <a:fillRef idx="1">
+              <a:schemeClr val="accent1"/>
+            </a:fillRef>
+            <a:effectRef idx="0">
+              <a:schemeClr val="accent1"/>
+            </a:effectRef>
+            <a:fontRef idx="minor">
+              <a:schemeClr val="lt1"/>
+            </a:fontRef>
+          </p:style>
+          <p:txBody>
+            <a:bodyPr rtlCol="0" anchor="ctr"/>
+            <a:lstStyle/>
+            <a:p>
+              <a:pPr algn="ctr"/>
+              <a:endParaRPr lang="ko-KR" altLang="en-US"/>
+            </a:p>
+          </p:txBody>
+        </p:sp>
+        <p:sp>
+          <p:nvSpPr>
+            <p:cNvPr id="12" name="평행 사변형 11">
+              <a:extLst>
+                <a:ext uri="{FF2B5EF4-FFF2-40B4-BE49-F238E27FC236}">
+                  <a16:creationId xmlns:a16="http://schemas.microsoft.com/office/drawing/2014/main" id="{45C95EED-2926-4D47-96DD-B184B49FE23D}"/>
+                </a:ext>
+              </a:extLst>
+            </p:cNvPr>
+            <p:cNvSpPr/>
+            <p:nvPr/>
+          </p:nvSpPr>
+          <p:spPr>
+            <a:xfrm>
+              <a:off x="862012" y="1417394"/>
+              <a:ext cx="2752178" cy="1044814"/>
+            </a:xfrm>
+            <a:prstGeom prst="parallelogram">
+              <a:avLst/>
+            </a:prstGeom>
+            <a:solidFill>
+              <a:srgbClr val="999595">
+                <a:alpha val="49804"/>
+              </a:srgbClr>
+            </a:solidFill>
+            <a:ln>
+              <a:noFill/>
+            </a:ln>
+            <a:scene3d>
+              <a:camera prst="orthographicFront"/>
+              <a:lightRig rig="threePt" dir="t"/>
+            </a:scene3d>
+            <a:sp3d>
+              <a:bevelT/>
+            </a:sp3d>
+          </p:spPr>
+          <p:style>
+            <a:lnRef idx="2">
+              <a:schemeClr val="accent1">
+                <a:shade val="50000"/>
+              </a:schemeClr>
+            </a:lnRef>
+            <a:fillRef idx="1">
+              <a:schemeClr val="accent1"/>
+            </a:fillRef>
+            <a:effectRef idx="0">
+              <a:schemeClr val="accent1"/>
+            </a:effectRef>
+            <a:fontRef idx="minor">
+              <a:schemeClr val="lt1"/>
+            </a:fontRef>
+          </p:style>
+          <p:txBody>
+            <a:bodyPr rtlCol="0" anchor="ctr"/>
+            <a:lstStyle/>
+            <a:p>
+              <a:pPr algn="ctr"/>
+              <a:endParaRPr lang="ko-KR" altLang="en-US" dirty="0"/>
+            </a:p>
+          </p:txBody>
+        </p:sp>
+      </p:grpSp>
+      <p:grpSp>
+        <p:nvGrpSpPr>
+          <p:cNvPr id="13" name="그룹 12">
+            <a:extLst>
+              <a:ext uri="{FF2B5EF4-FFF2-40B4-BE49-F238E27FC236}">
+                <a16:creationId xmlns:a16="http://schemas.microsoft.com/office/drawing/2014/main" id="{C1CBFFC9-DB3C-444F-9243-94BA005D53A2}"/>
+              </a:ext>
+            </a:extLst>
+          </p:cNvPr>
+          <p:cNvGrpSpPr/>
           <p:nvPr/>
-        </p:nvSpPr>
-        <p:spPr>
+        </p:nvGrpSpPr>
+        <p:grpSpPr>
           <a:xfrm>
-            <a:off x="7839079" y="2933700"/>
-            <a:ext cx="2933700" cy="1135380"/>
+            <a:off x="4027400" y="3616722"/>
+            <a:ext cx="2994660" cy="1341120"/>
+            <a:chOff x="731520" y="1341120"/>
+            <a:chExt cx="2994660" cy="1341120"/>
           </a:xfrm>
-          <a:prstGeom prst="rect">
-            <a:avLst/>
-          </a:prstGeom>
-          <a:solidFill>
-            <a:srgbClr val="D0CECE">
-              <a:alpha val="80000"/>
-            </a:srgbClr>
-          </a:solidFill>
-          <a:ln>
-            <a:noFill/>
-          </a:ln>
-        </p:spPr>
-        <p:style>
-          <a:lnRef idx="2">
-            <a:schemeClr val="accent1">
-              <a:shade val="50000"/>
-            </a:schemeClr>
-          </a:lnRef>
-          <a:fillRef idx="1">
-            <a:schemeClr val="accent1"/>
-          </a:fillRef>
-          <a:effectRef idx="0">
-            <a:schemeClr val="accent1"/>
-          </a:effectRef>
-          <a:fontRef idx="minor">
-            <a:schemeClr val="lt1"/>
-          </a:fontRef>
-        </p:style>
-        <p:txBody>
-          <a:bodyPr rtlCol="0" anchor="ctr"/>
-          <a:lstStyle/>
-          <a:p>
-            <a:pPr algn="ctr"/>
-            <a:endParaRPr lang="ko-KR" altLang="en-US"/>
-          </a:p>
-        </p:txBody>
-      </p:sp>
-      <p:sp>
-        <p:nvSpPr>
-          <p:cNvPr id="8" name="직사각형 7">
-            <a:extLst>
-              <a:ext uri="{FF2B5EF4-FFF2-40B4-BE49-F238E27FC236}">
-                <a16:creationId xmlns:a16="http://schemas.microsoft.com/office/drawing/2014/main" id="{6D3D12B7-C4AF-4853-81FB-2F077D7AC43D}"/>
-              </a:ext>
-            </a:extLst>
-          </p:cNvPr>
-          <p:cNvSpPr/>
+        </p:grpSpPr>
+        <p:sp>
+          <p:nvSpPr>
+            <p:cNvPr id="14" name="평행 사변형 13">
+              <a:extLst>
+                <a:ext uri="{FF2B5EF4-FFF2-40B4-BE49-F238E27FC236}">
+                  <a16:creationId xmlns:a16="http://schemas.microsoft.com/office/drawing/2014/main" id="{7CFE555E-BCB6-4911-9EA3-8A46B9FF3562}"/>
+                </a:ext>
+              </a:extLst>
+            </p:cNvPr>
+            <p:cNvSpPr/>
+            <p:nvPr/>
+          </p:nvSpPr>
+          <p:spPr>
+            <a:xfrm>
+              <a:off x="731520" y="1341120"/>
+              <a:ext cx="2994660" cy="1341120"/>
+            </a:xfrm>
+            <a:prstGeom prst="parallelogram">
+              <a:avLst/>
+            </a:prstGeom>
+            <a:solidFill>
+              <a:schemeClr val="bg1">
+                <a:lumMod val="95000"/>
+              </a:schemeClr>
+            </a:solidFill>
+            <a:ln>
+              <a:noFill/>
+            </a:ln>
+            <a:scene3d>
+              <a:camera prst="orthographicFront"/>
+              <a:lightRig rig="threePt" dir="t"/>
+            </a:scene3d>
+            <a:sp3d>
+              <a:bevelT/>
+            </a:sp3d>
+          </p:spPr>
+          <p:style>
+            <a:lnRef idx="2">
+              <a:schemeClr val="accent1">
+                <a:shade val="50000"/>
+              </a:schemeClr>
+            </a:lnRef>
+            <a:fillRef idx="1">
+              <a:schemeClr val="accent1"/>
+            </a:fillRef>
+            <a:effectRef idx="0">
+              <a:schemeClr val="accent1"/>
+            </a:effectRef>
+            <a:fontRef idx="minor">
+              <a:schemeClr val="lt1"/>
+            </a:fontRef>
+          </p:style>
+          <p:txBody>
+            <a:bodyPr rtlCol="0" anchor="ctr"/>
+            <a:lstStyle/>
+            <a:p>
+              <a:pPr algn="ctr"/>
+              <a:endParaRPr lang="ko-KR" altLang="en-US"/>
+            </a:p>
+          </p:txBody>
+        </p:sp>
+        <p:sp>
+          <p:nvSpPr>
+            <p:cNvPr id="15" name="평행 사변형 14">
+              <a:extLst>
+                <a:ext uri="{FF2B5EF4-FFF2-40B4-BE49-F238E27FC236}">
+                  <a16:creationId xmlns:a16="http://schemas.microsoft.com/office/drawing/2014/main" id="{3819FE07-51CC-4D99-A609-5CC99DFFC52A}"/>
+                </a:ext>
+              </a:extLst>
+            </p:cNvPr>
+            <p:cNvSpPr/>
+            <p:nvPr/>
+          </p:nvSpPr>
+          <p:spPr>
+            <a:xfrm>
+              <a:off x="783994" y="1341120"/>
+              <a:ext cx="2942185" cy="1121088"/>
+            </a:xfrm>
+            <a:prstGeom prst="parallelogram">
+              <a:avLst/>
+            </a:prstGeom>
+            <a:solidFill>
+              <a:srgbClr val="999595">
+                <a:alpha val="49804"/>
+              </a:srgbClr>
+            </a:solidFill>
+            <a:ln>
+              <a:noFill/>
+            </a:ln>
+            <a:scene3d>
+              <a:camera prst="orthographicFront"/>
+              <a:lightRig rig="threePt" dir="t"/>
+            </a:scene3d>
+            <a:sp3d>
+              <a:bevelT/>
+            </a:sp3d>
+          </p:spPr>
+          <p:style>
+            <a:lnRef idx="2">
+              <a:schemeClr val="accent1">
+                <a:shade val="50000"/>
+              </a:schemeClr>
+            </a:lnRef>
+            <a:fillRef idx="1">
+              <a:schemeClr val="accent1"/>
+            </a:fillRef>
+            <a:effectRef idx="0">
+              <a:schemeClr val="accent1"/>
+            </a:effectRef>
+            <a:fontRef idx="minor">
+              <a:schemeClr val="lt1"/>
+            </a:fontRef>
+          </p:style>
+          <p:txBody>
+            <a:bodyPr rtlCol="0" anchor="ctr"/>
+            <a:lstStyle/>
+            <a:p>
+              <a:pPr algn="ctr"/>
+              <a:endParaRPr lang="ko-KR" altLang="en-US" dirty="0"/>
+            </a:p>
+          </p:txBody>
+        </p:sp>
+      </p:grpSp>
+      <p:grpSp>
+        <p:nvGrpSpPr>
+          <p:cNvPr id="16" name="그룹 15">
+            <a:extLst>
+              <a:ext uri="{FF2B5EF4-FFF2-40B4-BE49-F238E27FC236}">
+                <a16:creationId xmlns:a16="http://schemas.microsoft.com/office/drawing/2014/main" id="{EFF23AF5-9F9E-473A-9ADD-023FEAA04125}"/>
+              </a:ext>
+            </a:extLst>
+          </p:cNvPr>
+          <p:cNvGrpSpPr/>
           <p:nvPr/>
-        </p:nvSpPr>
-        <p:spPr>
+        </p:nvGrpSpPr>
+        <p:grpSpPr>
           <a:xfrm>
-            <a:off x="4166239" y="2910840"/>
-            <a:ext cx="2933700" cy="1135380"/>
+            <a:off x="6675350" y="3616722"/>
+            <a:ext cx="2994660" cy="1341120"/>
+            <a:chOff x="731520" y="1341120"/>
+            <a:chExt cx="2994660" cy="1341120"/>
           </a:xfrm>
-          <a:prstGeom prst="rect">
-            <a:avLst/>
-          </a:prstGeom>
-          <a:solidFill>
-            <a:srgbClr val="D0CECE">
-              <a:alpha val="50196"/>
-            </a:srgbClr>
-          </a:solidFill>
-          <a:ln>
-            <a:noFill/>
-          </a:ln>
-        </p:spPr>
-        <p:style>
-          <a:lnRef idx="2">
-            <a:schemeClr val="accent1">
-              <a:shade val="50000"/>
-            </a:schemeClr>
-          </a:lnRef>
-          <a:fillRef idx="1">
-            <a:schemeClr val="accent1"/>
-          </a:fillRef>
-          <a:effectRef idx="0">
-            <a:schemeClr val="accent1"/>
-          </a:effectRef>
-          <a:fontRef idx="minor">
-            <a:schemeClr val="lt1"/>
-          </a:fontRef>
-        </p:style>
-        <p:txBody>
-          <a:bodyPr rtlCol="0" anchor="ctr"/>
-          <a:lstStyle/>
-          <a:p>
-            <a:pPr algn="ctr"/>
-            <a:endParaRPr lang="ko-KR" altLang="en-US"/>
-          </a:p>
-        </p:txBody>
-      </p:sp>
+        </p:grpSpPr>
+        <p:sp>
+          <p:nvSpPr>
+            <p:cNvPr id="17" name="평행 사변형 16">
+              <a:extLst>
+                <a:ext uri="{FF2B5EF4-FFF2-40B4-BE49-F238E27FC236}">
+                  <a16:creationId xmlns:a16="http://schemas.microsoft.com/office/drawing/2014/main" id="{969B1DF2-EFFE-46D6-9E93-145D2F4B8E8D}"/>
+                </a:ext>
+              </a:extLst>
+            </p:cNvPr>
+            <p:cNvSpPr/>
+            <p:nvPr/>
+          </p:nvSpPr>
+          <p:spPr>
+            <a:xfrm>
+              <a:off x="731520" y="1341120"/>
+              <a:ext cx="2994660" cy="1341120"/>
+            </a:xfrm>
+            <a:prstGeom prst="parallelogram">
+              <a:avLst/>
+            </a:prstGeom>
+            <a:solidFill>
+              <a:schemeClr val="bg1">
+                <a:lumMod val="95000"/>
+              </a:schemeClr>
+            </a:solidFill>
+            <a:ln>
+              <a:noFill/>
+            </a:ln>
+            <a:scene3d>
+              <a:camera prst="orthographicFront"/>
+              <a:lightRig rig="threePt" dir="t"/>
+            </a:scene3d>
+            <a:sp3d>
+              <a:bevelT/>
+            </a:sp3d>
+          </p:spPr>
+          <p:style>
+            <a:lnRef idx="2">
+              <a:schemeClr val="accent1">
+                <a:shade val="50000"/>
+              </a:schemeClr>
+            </a:lnRef>
+            <a:fillRef idx="1">
+              <a:schemeClr val="accent1"/>
+            </a:fillRef>
+            <a:effectRef idx="0">
+              <a:schemeClr val="accent1"/>
+            </a:effectRef>
+            <a:fontRef idx="minor">
+              <a:schemeClr val="lt1"/>
+            </a:fontRef>
+          </p:style>
+          <p:txBody>
+            <a:bodyPr rtlCol="0" anchor="ctr"/>
+            <a:lstStyle/>
+            <a:p>
+              <a:pPr algn="ctr"/>
+              <a:endParaRPr lang="ko-KR" altLang="en-US"/>
+            </a:p>
+          </p:txBody>
+        </p:sp>
+        <p:sp>
+          <p:nvSpPr>
+            <p:cNvPr id="18" name="평행 사변형 17">
+              <a:extLst>
+                <a:ext uri="{FF2B5EF4-FFF2-40B4-BE49-F238E27FC236}">
+                  <a16:creationId xmlns:a16="http://schemas.microsoft.com/office/drawing/2014/main" id="{9F7B0C35-6DE1-470E-980C-A4A169F24AFA}"/>
+                </a:ext>
+              </a:extLst>
+            </p:cNvPr>
+            <p:cNvSpPr/>
+            <p:nvPr/>
+          </p:nvSpPr>
+          <p:spPr>
+            <a:xfrm>
+              <a:off x="783994" y="1341120"/>
+              <a:ext cx="2942185" cy="1121088"/>
+            </a:xfrm>
+            <a:prstGeom prst="parallelogram">
+              <a:avLst/>
+            </a:prstGeom>
+            <a:solidFill>
+              <a:srgbClr val="999595">
+                <a:alpha val="49804"/>
+              </a:srgbClr>
+            </a:solidFill>
+            <a:ln>
+              <a:noFill/>
+            </a:ln>
+            <a:scene3d>
+              <a:camera prst="orthographicFront"/>
+              <a:lightRig rig="threePt" dir="t"/>
+            </a:scene3d>
+            <a:sp3d>
+              <a:bevelT/>
+            </a:sp3d>
+          </p:spPr>
+          <p:style>
+            <a:lnRef idx="2">
+              <a:schemeClr val="accent1">
+                <a:shade val="50000"/>
+              </a:schemeClr>
+            </a:lnRef>
+            <a:fillRef idx="1">
+              <a:schemeClr val="accent1"/>
+            </a:fillRef>
+            <a:effectRef idx="0">
+              <a:schemeClr val="accent1"/>
+            </a:effectRef>
+            <a:fontRef idx="minor">
+              <a:schemeClr val="lt1"/>
+            </a:fontRef>
+          </p:style>
+          <p:txBody>
+            <a:bodyPr rtlCol="0" anchor="ctr"/>
+            <a:lstStyle/>
+            <a:p>
+              <a:pPr algn="ctr"/>
+              <a:endParaRPr lang="ko-KR" altLang="en-US" dirty="0"/>
+            </a:p>
+          </p:txBody>
+        </p:sp>
+      </p:grpSp>
     </p:spTree>
     <p:extLst>
       <p:ext uri="{BB962C8B-B14F-4D97-AF65-F5344CB8AC3E}">
-        <p14:creationId xmlns:p14="http://schemas.microsoft.com/office/powerpoint/2010/main" val="1162952411"/>
+        <p14:creationId xmlns:p14="http://schemas.microsoft.com/office/powerpoint/2010/main" val="205837413"/>
       </p:ext>
     </p:extLst>
   </p:cSld>

--- a/Projects/SW_Design/UI/UI_design.pptx
+++ b/Projects/SW_Design/UI/UI_design.pptx
@@ -16,8 +16,11 @@
     <p:sldId id="267" r:id="rId10"/>
     <p:sldId id="268" r:id="rId11"/>
     <p:sldId id="266" r:id="rId12"/>
-    <p:sldId id="263" r:id="rId13"/>
-    <p:sldId id="264" r:id="rId14"/>
+    <p:sldId id="269" r:id="rId13"/>
+    <p:sldId id="270" r:id="rId14"/>
+    <p:sldId id="263" r:id="rId15"/>
+    <p:sldId id="264" r:id="rId16"/>
+    <p:sldId id="271" r:id="rId17"/>
   </p:sldIdLst>
   <p:sldSz cx="12192000" cy="6858000"/>
   <p:notesSz cx="6858000" cy="9144000"/>
@@ -271,7 +274,7 @@
           <a:p>
             <a:fld id="{EB44E886-23E1-4ADA-9C75-D80585AEE320}" type="datetimeFigureOut">
               <a:rPr lang="ko-KR" altLang="en-US" smtClean="0"/>
-              <a:t>2019-11-12</a:t>
+              <a:t>2019-11-13</a:t>
             </a:fld>
             <a:endParaRPr lang="ko-KR" altLang="en-US"/>
           </a:p>
@@ -469,7 +472,7 @@
           <a:p>
             <a:fld id="{EB44E886-23E1-4ADA-9C75-D80585AEE320}" type="datetimeFigureOut">
               <a:rPr lang="ko-KR" altLang="en-US" smtClean="0"/>
-              <a:t>2019-11-12</a:t>
+              <a:t>2019-11-13</a:t>
             </a:fld>
             <a:endParaRPr lang="ko-KR" altLang="en-US"/>
           </a:p>
@@ -677,7 +680,7 @@
           <a:p>
             <a:fld id="{EB44E886-23E1-4ADA-9C75-D80585AEE320}" type="datetimeFigureOut">
               <a:rPr lang="ko-KR" altLang="en-US" smtClean="0"/>
-              <a:t>2019-11-12</a:t>
+              <a:t>2019-11-13</a:t>
             </a:fld>
             <a:endParaRPr lang="ko-KR" altLang="en-US"/>
           </a:p>
@@ -875,7 +878,7 @@
           <a:p>
             <a:fld id="{EB44E886-23E1-4ADA-9C75-D80585AEE320}" type="datetimeFigureOut">
               <a:rPr lang="ko-KR" altLang="en-US" smtClean="0"/>
-              <a:t>2019-11-12</a:t>
+              <a:t>2019-11-13</a:t>
             </a:fld>
             <a:endParaRPr lang="ko-KR" altLang="en-US"/>
           </a:p>
@@ -1150,7 +1153,7 @@
           <a:p>
             <a:fld id="{EB44E886-23E1-4ADA-9C75-D80585AEE320}" type="datetimeFigureOut">
               <a:rPr lang="ko-KR" altLang="en-US" smtClean="0"/>
-              <a:t>2019-11-12</a:t>
+              <a:t>2019-11-13</a:t>
             </a:fld>
             <a:endParaRPr lang="ko-KR" altLang="en-US"/>
           </a:p>
@@ -1415,7 +1418,7 @@
           <a:p>
             <a:fld id="{EB44E886-23E1-4ADA-9C75-D80585AEE320}" type="datetimeFigureOut">
               <a:rPr lang="ko-KR" altLang="en-US" smtClean="0"/>
-              <a:t>2019-11-12</a:t>
+              <a:t>2019-11-13</a:t>
             </a:fld>
             <a:endParaRPr lang="ko-KR" altLang="en-US"/>
           </a:p>
@@ -1827,7 +1830,7 @@
           <a:p>
             <a:fld id="{EB44E886-23E1-4ADA-9C75-D80585AEE320}" type="datetimeFigureOut">
               <a:rPr lang="ko-KR" altLang="en-US" smtClean="0"/>
-              <a:t>2019-11-12</a:t>
+              <a:t>2019-11-13</a:t>
             </a:fld>
             <a:endParaRPr lang="ko-KR" altLang="en-US"/>
           </a:p>
@@ -1968,7 +1971,7 @@
           <a:p>
             <a:fld id="{EB44E886-23E1-4ADA-9C75-D80585AEE320}" type="datetimeFigureOut">
               <a:rPr lang="ko-KR" altLang="en-US" smtClean="0"/>
-              <a:t>2019-11-12</a:t>
+              <a:t>2019-11-13</a:t>
             </a:fld>
             <a:endParaRPr lang="ko-KR" altLang="en-US"/>
           </a:p>
@@ -2081,7 +2084,7 @@
           <a:p>
             <a:fld id="{EB44E886-23E1-4ADA-9C75-D80585AEE320}" type="datetimeFigureOut">
               <a:rPr lang="ko-KR" altLang="en-US" smtClean="0"/>
-              <a:t>2019-11-12</a:t>
+              <a:t>2019-11-13</a:t>
             </a:fld>
             <a:endParaRPr lang="ko-KR" altLang="en-US"/>
           </a:p>
@@ -2392,7 +2395,7 @@
           <a:p>
             <a:fld id="{EB44E886-23E1-4ADA-9C75-D80585AEE320}" type="datetimeFigureOut">
               <a:rPr lang="ko-KR" altLang="en-US" smtClean="0"/>
-              <a:t>2019-11-12</a:t>
+              <a:t>2019-11-13</a:t>
             </a:fld>
             <a:endParaRPr lang="ko-KR" altLang="en-US"/>
           </a:p>
@@ -2680,7 +2683,7 @@
           <a:p>
             <a:fld id="{EB44E886-23E1-4ADA-9C75-D80585AEE320}" type="datetimeFigureOut">
               <a:rPr lang="ko-KR" altLang="en-US" smtClean="0"/>
-              <a:t>2019-11-12</a:t>
+              <a:t>2019-11-13</a:t>
             </a:fld>
             <a:endParaRPr lang="ko-KR" altLang="en-US"/>
           </a:p>
@@ -2921,7 +2924,7 @@
           <a:p>
             <a:fld id="{EB44E886-23E1-4ADA-9C75-D80585AEE320}" type="datetimeFigureOut">
               <a:rPr lang="ko-KR" altLang="en-US" smtClean="0"/>
-              <a:t>2019-11-12</a:t>
+              <a:t>2019-11-13</a:t>
             </a:fld>
             <a:endParaRPr lang="ko-KR" altLang="en-US"/>
           </a:p>
@@ -8799,6 +8802,4166 @@
       </p:grpSpPr>
       <p:sp>
         <p:nvSpPr>
+          <p:cNvPr id="4" name="Snip Diagonal Corner Rectangle 7">
+            <a:extLst>
+              <a:ext uri="{FF2B5EF4-FFF2-40B4-BE49-F238E27FC236}">
+                <a16:creationId xmlns:a16="http://schemas.microsoft.com/office/drawing/2014/main" id="{48FDD334-7F62-4CFE-92C3-4163C7B200F6}"/>
+              </a:ext>
+            </a:extLst>
+          </p:cNvPr>
+          <p:cNvSpPr/>
+          <p:nvPr/>
+        </p:nvSpPr>
+        <p:spPr>
+          <a:xfrm flipH="1">
+            <a:off x="6553200" y="746761"/>
+            <a:ext cx="5219700" cy="5739764"/>
+          </a:xfrm>
+          <a:prstGeom prst="snip2DiagRect">
+            <a:avLst>
+              <a:gd name="adj1" fmla="val 0"/>
+              <a:gd name="adj2" fmla="val 15315"/>
+            </a:avLst>
+          </a:prstGeom>
+          <a:solidFill>
+            <a:srgbClr val="000000">
+              <a:alpha val="69804"/>
+            </a:srgbClr>
+          </a:solidFill>
+          <a:ln>
+            <a:noFill/>
+          </a:ln>
+          <a:scene3d>
+            <a:camera prst="orthographicFront"/>
+            <a:lightRig rig="threePt" dir="t"/>
+          </a:scene3d>
+          <a:sp3d>
+            <a:bevelT/>
+          </a:sp3d>
+        </p:spPr>
+        <p:style>
+          <a:lnRef idx="2">
+            <a:schemeClr val="accent1">
+              <a:shade val="50000"/>
+            </a:schemeClr>
+          </a:lnRef>
+          <a:fillRef idx="1">
+            <a:schemeClr val="accent1"/>
+          </a:fillRef>
+          <a:effectRef idx="0">
+            <a:schemeClr val="accent1"/>
+          </a:effectRef>
+          <a:fontRef idx="minor">
+            <a:schemeClr val="lt1"/>
+          </a:fontRef>
+        </p:style>
+        <p:txBody>
+          <a:bodyPr rtlCol="0" anchor="ctr"/>
+          <a:lstStyle/>
+          <a:p>
+            <a:pPr algn="ctr"/>
+            <a:endParaRPr lang="en-US"/>
+          </a:p>
+        </p:txBody>
+      </p:sp>
+      <p:grpSp>
+        <p:nvGrpSpPr>
+          <p:cNvPr id="5" name="Group 8">
+            <a:extLst>
+              <a:ext uri="{FF2B5EF4-FFF2-40B4-BE49-F238E27FC236}">
+                <a16:creationId xmlns:a16="http://schemas.microsoft.com/office/drawing/2014/main" id="{9C4DE3AE-1F31-4046-8A9D-AADD484825BB}"/>
+              </a:ext>
+            </a:extLst>
+          </p:cNvPr>
+          <p:cNvGrpSpPr/>
+          <p:nvPr/>
+        </p:nvGrpSpPr>
+        <p:grpSpPr>
+          <a:xfrm>
+            <a:off x="6834457" y="1525824"/>
+            <a:ext cx="981248" cy="934378"/>
+            <a:chOff x="1487978" y="856211"/>
+            <a:chExt cx="2535382" cy="2427317"/>
+          </a:xfrm>
+        </p:grpSpPr>
+        <p:sp>
+          <p:nvSpPr>
+            <p:cNvPr id="6" name="Snip Diagonal Corner Rectangle 3">
+              <a:extLst>
+                <a:ext uri="{FF2B5EF4-FFF2-40B4-BE49-F238E27FC236}">
+                  <a16:creationId xmlns:a16="http://schemas.microsoft.com/office/drawing/2014/main" id="{634B2626-69AC-4BAE-99CF-1A61FD10C1E3}"/>
+                </a:ext>
+              </a:extLst>
+            </p:cNvPr>
+            <p:cNvSpPr/>
+            <p:nvPr/>
+          </p:nvSpPr>
+          <p:spPr>
+            <a:xfrm>
+              <a:off x="1487978" y="856211"/>
+              <a:ext cx="2535382" cy="2427317"/>
+            </a:xfrm>
+            <a:prstGeom prst="snip2DiagRect">
+              <a:avLst/>
+            </a:prstGeom>
+            <a:solidFill>
+              <a:srgbClr val="D0CECE"/>
+            </a:solidFill>
+            <a:ln>
+              <a:noFill/>
+            </a:ln>
+            <a:scene3d>
+              <a:camera prst="orthographicFront"/>
+              <a:lightRig rig="threePt" dir="t"/>
+            </a:scene3d>
+            <a:sp3d>
+              <a:bevelT/>
+            </a:sp3d>
+          </p:spPr>
+          <p:style>
+            <a:lnRef idx="2">
+              <a:schemeClr val="accent1">
+                <a:shade val="50000"/>
+              </a:schemeClr>
+            </a:lnRef>
+            <a:fillRef idx="1">
+              <a:schemeClr val="accent1"/>
+            </a:fillRef>
+            <a:effectRef idx="0">
+              <a:schemeClr val="accent1"/>
+            </a:effectRef>
+            <a:fontRef idx="minor">
+              <a:schemeClr val="lt1"/>
+            </a:fontRef>
+          </p:style>
+          <p:txBody>
+            <a:bodyPr rtlCol="0" anchor="ctr"/>
+            <a:lstStyle/>
+            <a:p>
+              <a:pPr algn="ctr"/>
+              <a:endParaRPr lang="en-US"/>
+            </a:p>
+          </p:txBody>
+        </p:sp>
+        <p:sp>
+          <p:nvSpPr>
+            <p:cNvPr id="7" name="Snip Diagonal Corner Rectangle 4">
+              <a:extLst>
+                <a:ext uri="{FF2B5EF4-FFF2-40B4-BE49-F238E27FC236}">
+                  <a16:creationId xmlns:a16="http://schemas.microsoft.com/office/drawing/2014/main" id="{75215927-004D-4039-A8CA-6A9BAADCB596}"/>
+                </a:ext>
+              </a:extLst>
+            </p:cNvPr>
+            <p:cNvSpPr/>
+            <p:nvPr/>
+          </p:nvSpPr>
+          <p:spPr>
+            <a:xfrm>
+              <a:off x="1640378" y="1008612"/>
+              <a:ext cx="2228589" cy="2133600"/>
+            </a:xfrm>
+            <a:prstGeom prst="snip2DiagRect">
+              <a:avLst/>
+            </a:prstGeom>
+            <a:solidFill>
+              <a:srgbClr val="AFABAB">
+                <a:alpha val="80000"/>
+              </a:srgbClr>
+            </a:solidFill>
+            <a:ln>
+              <a:noFill/>
+            </a:ln>
+            <a:scene3d>
+              <a:camera prst="orthographicFront"/>
+              <a:lightRig rig="threePt" dir="t"/>
+            </a:scene3d>
+            <a:sp3d>
+              <a:bevelT/>
+            </a:sp3d>
+          </p:spPr>
+          <p:style>
+            <a:lnRef idx="2">
+              <a:schemeClr val="accent1">
+                <a:shade val="50000"/>
+              </a:schemeClr>
+            </a:lnRef>
+            <a:fillRef idx="1">
+              <a:schemeClr val="accent1"/>
+            </a:fillRef>
+            <a:effectRef idx="0">
+              <a:schemeClr val="accent1"/>
+            </a:effectRef>
+            <a:fontRef idx="minor">
+              <a:schemeClr val="lt1"/>
+            </a:fontRef>
+          </p:style>
+          <p:txBody>
+            <a:bodyPr rtlCol="0" anchor="ctr"/>
+            <a:lstStyle/>
+            <a:p>
+              <a:pPr algn="ctr"/>
+              <a:endParaRPr lang="en-US"/>
+            </a:p>
+          </p:txBody>
+        </p:sp>
+      </p:grpSp>
+      <p:grpSp>
+        <p:nvGrpSpPr>
+          <p:cNvPr id="8" name="Group 8">
+            <a:extLst>
+              <a:ext uri="{FF2B5EF4-FFF2-40B4-BE49-F238E27FC236}">
+                <a16:creationId xmlns:a16="http://schemas.microsoft.com/office/drawing/2014/main" id="{917E41E0-9018-4A1E-9C39-87DD5094A9C0}"/>
+              </a:ext>
+            </a:extLst>
+          </p:cNvPr>
+          <p:cNvGrpSpPr/>
+          <p:nvPr/>
+        </p:nvGrpSpPr>
+        <p:grpSpPr>
+          <a:xfrm>
+            <a:off x="8066643" y="1525360"/>
+            <a:ext cx="981248" cy="934378"/>
+            <a:chOff x="1487978" y="856211"/>
+            <a:chExt cx="2535382" cy="2427317"/>
+          </a:xfrm>
+        </p:grpSpPr>
+        <p:sp>
+          <p:nvSpPr>
+            <p:cNvPr id="9" name="Snip Diagonal Corner Rectangle 3">
+              <a:extLst>
+                <a:ext uri="{FF2B5EF4-FFF2-40B4-BE49-F238E27FC236}">
+                  <a16:creationId xmlns:a16="http://schemas.microsoft.com/office/drawing/2014/main" id="{80E9D92B-5B80-4A4D-8FA2-B023A24A841C}"/>
+                </a:ext>
+              </a:extLst>
+            </p:cNvPr>
+            <p:cNvSpPr/>
+            <p:nvPr/>
+          </p:nvSpPr>
+          <p:spPr>
+            <a:xfrm>
+              <a:off x="1487978" y="856211"/>
+              <a:ext cx="2535382" cy="2427317"/>
+            </a:xfrm>
+            <a:prstGeom prst="snip2DiagRect">
+              <a:avLst/>
+            </a:prstGeom>
+            <a:solidFill>
+              <a:srgbClr val="D0CECE"/>
+            </a:solidFill>
+            <a:ln>
+              <a:noFill/>
+            </a:ln>
+            <a:scene3d>
+              <a:camera prst="orthographicFront"/>
+              <a:lightRig rig="threePt" dir="t"/>
+            </a:scene3d>
+            <a:sp3d>
+              <a:bevelT/>
+            </a:sp3d>
+          </p:spPr>
+          <p:style>
+            <a:lnRef idx="2">
+              <a:schemeClr val="accent1">
+                <a:shade val="50000"/>
+              </a:schemeClr>
+            </a:lnRef>
+            <a:fillRef idx="1">
+              <a:schemeClr val="accent1"/>
+            </a:fillRef>
+            <a:effectRef idx="0">
+              <a:schemeClr val="accent1"/>
+            </a:effectRef>
+            <a:fontRef idx="minor">
+              <a:schemeClr val="lt1"/>
+            </a:fontRef>
+          </p:style>
+          <p:txBody>
+            <a:bodyPr rtlCol="0" anchor="ctr"/>
+            <a:lstStyle/>
+            <a:p>
+              <a:pPr algn="ctr"/>
+              <a:endParaRPr lang="en-US"/>
+            </a:p>
+          </p:txBody>
+        </p:sp>
+        <p:sp>
+          <p:nvSpPr>
+            <p:cNvPr id="10" name="Snip Diagonal Corner Rectangle 4">
+              <a:extLst>
+                <a:ext uri="{FF2B5EF4-FFF2-40B4-BE49-F238E27FC236}">
+                  <a16:creationId xmlns:a16="http://schemas.microsoft.com/office/drawing/2014/main" id="{F9421187-EB54-414C-8676-DEB6F8F4FD9B}"/>
+                </a:ext>
+              </a:extLst>
+            </p:cNvPr>
+            <p:cNvSpPr/>
+            <p:nvPr/>
+          </p:nvSpPr>
+          <p:spPr>
+            <a:xfrm>
+              <a:off x="1640378" y="1008612"/>
+              <a:ext cx="2228589" cy="2133600"/>
+            </a:xfrm>
+            <a:prstGeom prst="snip2DiagRect">
+              <a:avLst/>
+            </a:prstGeom>
+            <a:solidFill>
+              <a:srgbClr val="AFABAB">
+                <a:alpha val="80000"/>
+              </a:srgbClr>
+            </a:solidFill>
+            <a:ln>
+              <a:noFill/>
+            </a:ln>
+            <a:scene3d>
+              <a:camera prst="orthographicFront"/>
+              <a:lightRig rig="threePt" dir="t"/>
+            </a:scene3d>
+            <a:sp3d>
+              <a:bevelT/>
+            </a:sp3d>
+          </p:spPr>
+          <p:style>
+            <a:lnRef idx="2">
+              <a:schemeClr val="accent1">
+                <a:shade val="50000"/>
+              </a:schemeClr>
+            </a:lnRef>
+            <a:fillRef idx="1">
+              <a:schemeClr val="accent1"/>
+            </a:fillRef>
+            <a:effectRef idx="0">
+              <a:schemeClr val="accent1"/>
+            </a:effectRef>
+            <a:fontRef idx="minor">
+              <a:schemeClr val="lt1"/>
+            </a:fontRef>
+          </p:style>
+          <p:txBody>
+            <a:bodyPr rtlCol="0" anchor="ctr"/>
+            <a:lstStyle/>
+            <a:p>
+              <a:pPr algn="ctr"/>
+              <a:endParaRPr lang="en-US"/>
+            </a:p>
+          </p:txBody>
+        </p:sp>
+      </p:grpSp>
+      <p:grpSp>
+        <p:nvGrpSpPr>
+          <p:cNvPr id="11" name="Group 8">
+            <a:extLst>
+              <a:ext uri="{FF2B5EF4-FFF2-40B4-BE49-F238E27FC236}">
+                <a16:creationId xmlns:a16="http://schemas.microsoft.com/office/drawing/2014/main" id="{0B413F39-3A27-4D1B-BF67-CEB2C0D0FC05}"/>
+              </a:ext>
+            </a:extLst>
+          </p:cNvPr>
+          <p:cNvGrpSpPr/>
+          <p:nvPr/>
+        </p:nvGrpSpPr>
+        <p:grpSpPr>
+          <a:xfrm>
+            <a:off x="9309998" y="1525360"/>
+            <a:ext cx="981248" cy="934378"/>
+            <a:chOff x="1487978" y="856211"/>
+            <a:chExt cx="2535382" cy="2427317"/>
+          </a:xfrm>
+        </p:grpSpPr>
+        <p:sp>
+          <p:nvSpPr>
+            <p:cNvPr id="12" name="Snip Diagonal Corner Rectangle 3">
+              <a:extLst>
+                <a:ext uri="{FF2B5EF4-FFF2-40B4-BE49-F238E27FC236}">
+                  <a16:creationId xmlns:a16="http://schemas.microsoft.com/office/drawing/2014/main" id="{D5323C32-A7D2-45DB-9070-BD44C1E7EB67}"/>
+                </a:ext>
+              </a:extLst>
+            </p:cNvPr>
+            <p:cNvSpPr/>
+            <p:nvPr/>
+          </p:nvSpPr>
+          <p:spPr>
+            <a:xfrm>
+              <a:off x="1487978" y="856211"/>
+              <a:ext cx="2535382" cy="2427317"/>
+            </a:xfrm>
+            <a:prstGeom prst="snip2DiagRect">
+              <a:avLst/>
+            </a:prstGeom>
+            <a:solidFill>
+              <a:srgbClr val="D0CECE"/>
+            </a:solidFill>
+            <a:ln>
+              <a:noFill/>
+            </a:ln>
+            <a:scene3d>
+              <a:camera prst="orthographicFront"/>
+              <a:lightRig rig="threePt" dir="t"/>
+            </a:scene3d>
+            <a:sp3d>
+              <a:bevelT/>
+            </a:sp3d>
+          </p:spPr>
+          <p:style>
+            <a:lnRef idx="2">
+              <a:schemeClr val="accent1">
+                <a:shade val="50000"/>
+              </a:schemeClr>
+            </a:lnRef>
+            <a:fillRef idx="1">
+              <a:schemeClr val="accent1"/>
+            </a:fillRef>
+            <a:effectRef idx="0">
+              <a:schemeClr val="accent1"/>
+            </a:effectRef>
+            <a:fontRef idx="minor">
+              <a:schemeClr val="lt1"/>
+            </a:fontRef>
+          </p:style>
+          <p:txBody>
+            <a:bodyPr rtlCol="0" anchor="ctr"/>
+            <a:lstStyle/>
+            <a:p>
+              <a:pPr algn="ctr"/>
+              <a:endParaRPr lang="en-US"/>
+            </a:p>
+          </p:txBody>
+        </p:sp>
+        <p:sp>
+          <p:nvSpPr>
+            <p:cNvPr id="13" name="Snip Diagonal Corner Rectangle 4">
+              <a:extLst>
+                <a:ext uri="{FF2B5EF4-FFF2-40B4-BE49-F238E27FC236}">
+                  <a16:creationId xmlns:a16="http://schemas.microsoft.com/office/drawing/2014/main" id="{98AA9201-3321-4DAD-BEE3-804493CCC3BB}"/>
+                </a:ext>
+              </a:extLst>
+            </p:cNvPr>
+            <p:cNvSpPr/>
+            <p:nvPr/>
+          </p:nvSpPr>
+          <p:spPr>
+            <a:xfrm>
+              <a:off x="1640378" y="1008612"/>
+              <a:ext cx="2228589" cy="2133600"/>
+            </a:xfrm>
+            <a:prstGeom prst="snip2DiagRect">
+              <a:avLst/>
+            </a:prstGeom>
+            <a:solidFill>
+              <a:srgbClr val="AFABAB">
+                <a:alpha val="80000"/>
+              </a:srgbClr>
+            </a:solidFill>
+            <a:ln>
+              <a:noFill/>
+            </a:ln>
+            <a:scene3d>
+              <a:camera prst="orthographicFront"/>
+              <a:lightRig rig="threePt" dir="t"/>
+            </a:scene3d>
+            <a:sp3d>
+              <a:bevelT/>
+            </a:sp3d>
+          </p:spPr>
+          <p:style>
+            <a:lnRef idx="2">
+              <a:schemeClr val="accent1">
+                <a:shade val="50000"/>
+              </a:schemeClr>
+            </a:lnRef>
+            <a:fillRef idx="1">
+              <a:schemeClr val="accent1"/>
+            </a:fillRef>
+            <a:effectRef idx="0">
+              <a:schemeClr val="accent1"/>
+            </a:effectRef>
+            <a:fontRef idx="minor">
+              <a:schemeClr val="lt1"/>
+            </a:fontRef>
+          </p:style>
+          <p:txBody>
+            <a:bodyPr rtlCol="0" anchor="ctr"/>
+            <a:lstStyle/>
+            <a:p>
+              <a:pPr algn="ctr"/>
+              <a:endParaRPr lang="en-US"/>
+            </a:p>
+          </p:txBody>
+        </p:sp>
+      </p:grpSp>
+      <p:grpSp>
+        <p:nvGrpSpPr>
+          <p:cNvPr id="14" name="Group 8">
+            <a:extLst>
+              <a:ext uri="{FF2B5EF4-FFF2-40B4-BE49-F238E27FC236}">
+                <a16:creationId xmlns:a16="http://schemas.microsoft.com/office/drawing/2014/main" id="{0CDA6D95-2F58-43F3-AC83-1FB20F674DFB}"/>
+              </a:ext>
+            </a:extLst>
+          </p:cNvPr>
+          <p:cNvGrpSpPr/>
+          <p:nvPr/>
+        </p:nvGrpSpPr>
+        <p:grpSpPr>
+          <a:xfrm>
+            <a:off x="10553353" y="1525360"/>
+            <a:ext cx="981248" cy="934378"/>
+            <a:chOff x="1487978" y="856211"/>
+            <a:chExt cx="2535382" cy="2427317"/>
+          </a:xfrm>
+        </p:grpSpPr>
+        <p:sp>
+          <p:nvSpPr>
+            <p:cNvPr id="15" name="Snip Diagonal Corner Rectangle 3">
+              <a:extLst>
+                <a:ext uri="{FF2B5EF4-FFF2-40B4-BE49-F238E27FC236}">
+                  <a16:creationId xmlns:a16="http://schemas.microsoft.com/office/drawing/2014/main" id="{7BBA99EF-7E28-41A9-8296-B76C52F26877}"/>
+                </a:ext>
+              </a:extLst>
+            </p:cNvPr>
+            <p:cNvSpPr/>
+            <p:nvPr/>
+          </p:nvSpPr>
+          <p:spPr>
+            <a:xfrm>
+              <a:off x="1487978" y="856211"/>
+              <a:ext cx="2535382" cy="2427317"/>
+            </a:xfrm>
+            <a:prstGeom prst="snip2DiagRect">
+              <a:avLst/>
+            </a:prstGeom>
+            <a:solidFill>
+              <a:srgbClr val="D0CECE"/>
+            </a:solidFill>
+            <a:ln>
+              <a:noFill/>
+            </a:ln>
+            <a:scene3d>
+              <a:camera prst="orthographicFront"/>
+              <a:lightRig rig="threePt" dir="t"/>
+            </a:scene3d>
+            <a:sp3d>
+              <a:bevelT/>
+            </a:sp3d>
+          </p:spPr>
+          <p:style>
+            <a:lnRef idx="2">
+              <a:schemeClr val="accent1">
+                <a:shade val="50000"/>
+              </a:schemeClr>
+            </a:lnRef>
+            <a:fillRef idx="1">
+              <a:schemeClr val="accent1"/>
+            </a:fillRef>
+            <a:effectRef idx="0">
+              <a:schemeClr val="accent1"/>
+            </a:effectRef>
+            <a:fontRef idx="minor">
+              <a:schemeClr val="lt1"/>
+            </a:fontRef>
+          </p:style>
+          <p:txBody>
+            <a:bodyPr rtlCol="0" anchor="ctr"/>
+            <a:lstStyle/>
+            <a:p>
+              <a:pPr algn="ctr"/>
+              <a:endParaRPr lang="en-US"/>
+            </a:p>
+          </p:txBody>
+        </p:sp>
+        <p:sp>
+          <p:nvSpPr>
+            <p:cNvPr id="16" name="Snip Diagonal Corner Rectangle 4">
+              <a:extLst>
+                <a:ext uri="{FF2B5EF4-FFF2-40B4-BE49-F238E27FC236}">
+                  <a16:creationId xmlns:a16="http://schemas.microsoft.com/office/drawing/2014/main" id="{73D42C41-684B-4AE9-88E6-D2FBCEC8DCA8}"/>
+                </a:ext>
+              </a:extLst>
+            </p:cNvPr>
+            <p:cNvSpPr/>
+            <p:nvPr/>
+          </p:nvSpPr>
+          <p:spPr>
+            <a:xfrm>
+              <a:off x="1640378" y="1008612"/>
+              <a:ext cx="2228589" cy="2133600"/>
+            </a:xfrm>
+            <a:prstGeom prst="snip2DiagRect">
+              <a:avLst/>
+            </a:prstGeom>
+            <a:solidFill>
+              <a:srgbClr val="AFABAB">
+                <a:alpha val="80000"/>
+              </a:srgbClr>
+            </a:solidFill>
+            <a:ln>
+              <a:noFill/>
+            </a:ln>
+            <a:scene3d>
+              <a:camera prst="orthographicFront"/>
+              <a:lightRig rig="threePt" dir="t"/>
+            </a:scene3d>
+            <a:sp3d>
+              <a:bevelT/>
+            </a:sp3d>
+          </p:spPr>
+          <p:style>
+            <a:lnRef idx="2">
+              <a:schemeClr val="accent1">
+                <a:shade val="50000"/>
+              </a:schemeClr>
+            </a:lnRef>
+            <a:fillRef idx="1">
+              <a:schemeClr val="accent1"/>
+            </a:fillRef>
+            <a:effectRef idx="0">
+              <a:schemeClr val="accent1"/>
+            </a:effectRef>
+            <a:fontRef idx="minor">
+              <a:schemeClr val="lt1"/>
+            </a:fontRef>
+          </p:style>
+          <p:txBody>
+            <a:bodyPr rtlCol="0" anchor="ctr"/>
+            <a:lstStyle/>
+            <a:p>
+              <a:pPr algn="ctr"/>
+              <a:endParaRPr lang="en-US"/>
+            </a:p>
+          </p:txBody>
+        </p:sp>
+      </p:grpSp>
+      <p:grpSp>
+        <p:nvGrpSpPr>
+          <p:cNvPr id="17" name="Group 8">
+            <a:extLst>
+              <a:ext uri="{FF2B5EF4-FFF2-40B4-BE49-F238E27FC236}">
+                <a16:creationId xmlns:a16="http://schemas.microsoft.com/office/drawing/2014/main" id="{F011BADA-8781-4600-9EC6-19A0D7477AA0}"/>
+              </a:ext>
+            </a:extLst>
+          </p:cNvPr>
+          <p:cNvGrpSpPr/>
+          <p:nvPr/>
+        </p:nvGrpSpPr>
+        <p:grpSpPr>
+          <a:xfrm>
+            <a:off x="6893439" y="2771148"/>
+            <a:ext cx="981248" cy="934378"/>
+            <a:chOff x="1487978" y="856211"/>
+            <a:chExt cx="2535382" cy="2427317"/>
+          </a:xfrm>
+        </p:grpSpPr>
+        <p:sp>
+          <p:nvSpPr>
+            <p:cNvPr id="18" name="Snip Diagonal Corner Rectangle 3">
+              <a:extLst>
+                <a:ext uri="{FF2B5EF4-FFF2-40B4-BE49-F238E27FC236}">
+                  <a16:creationId xmlns:a16="http://schemas.microsoft.com/office/drawing/2014/main" id="{D9CD4693-474D-41BB-B519-406D0AAC829F}"/>
+                </a:ext>
+              </a:extLst>
+            </p:cNvPr>
+            <p:cNvSpPr/>
+            <p:nvPr/>
+          </p:nvSpPr>
+          <p:spPr>
+            <a:xfrm>
+              <a:off x="1487978" y="856211"/>
+              <a:ext cx="2535382" cy="2427317"/>
+            </a:xfrm>
+            <a:prstGeom prst="snip2DiagRect">
+              <a:avLst/>
+            </a:prstGeom>
+            <a:solidFill>
+              <a:srgbClr val="D0CECE"/>
+            </a:solidFill>
+            <a:ln>
+              <a:noFill/>
+            </a:ln>
+            <a:scene3d>
+              <a:camera prst="orthographicFront"/>
+              <a:lightRig rig="threePt" dir="t"/>
+            </a:scene3d>
+            <a:sp3d>
+              <a:bevelT/>
+            </a:sp3d>
+          </p:spPr>
+          <p:style>
+            <a:lnRef idx="2">
+              <a:schemeClr val="accent1">
+                <a:shade val="50000"/>
+              </a:schemeClr>
+            </a:lnRef>
+            <a:fillRef idx="1">
+              <a:schemeClr val="accent1"/>
+            </a:fillRef>
+            <a:effectRef idx="0">
+              <a:schemeClr val="accent1"/>
+            </a:effectRef>
+            <a:fontRef idx="minor">
+              <a:schemeClr val="lt1"/>
+            </a:fontRef>
+          </p:style>
+          <p:txBody>
+            <a:bodyPr rtlCol="0" anchor="ctr"/>
+            <a:lstStyle/>
+            <a:p>
+              <a:pPr algn="ctr"/>
+              <a:endParaRPr lang="en-US"/>
+            </a:p>
+          </p:txBody>
+        </p:sp>
+        <p:sp>
+          <p:nvSpPr>
+            <p:cNvPr id="19" name="Snip Diagonal Corner Rectangle 4">
+              <a:extLst>
+                <a:ext uri="{FF2B5EF4-FFF2-40B4-BE49-F238E27FC236}">
+                  <a16:creationId xmlns:a16="http://schemas.microsoft.com/office/drawing/2014/main" id="{8501B457-C849-4702-8203-E6FFBC68A815}"/>
+                </a:ext>
+              </a:extLst>
+            </p:cNvPr>
+            <p:cNvSpPr/>
+            <p:nvPr/>
+          </p:nvSpPr>
+          <p:spPr>
+            <a:xfrm>
+              <a:off x="1640378" y="1008612"/>
+              <a:ext cx="2228589" cy="2133600"/>
+            </a:xfrm>
+            <a:prstGeom prst="snip2DiagRect">
+              <a:avLst/>
+            </a:prstGeom>
+            <a:solidFill>
+              <a:srgbClr val="AFABAB">
+                <a:alpha val="80000"/>
+              </a:srgbClr>
+            </a:solidFill>
+            <a:ln>
+              <a:noFill/>
+            </a:ln>
+            <a:scene3d>
+              <a:camera prst="orthographicFront"/>
+              <a:lightRig rig="threePt" dir="t"/>
+            </a:scene3d>
+            <a:sp3d>
+              <a:bevelT/>
+            </a:sp3d>
+          </p:spPr>
+          <p:style>
+            <a:lnRef idx="2">
+              <a:schemeClr val="accent1">
+                <a:shade val="50000"/>
+              </a:schemeClr>
+            </a:lnRef>
+            <a:fillRef idx="1">
+              <a:schemeClr val="accent1"/>
+            </a:fillRef>
+            <a:effectRef idx="0">
+              <a:schemeClr val="accent1"/>
+            </a:effectRef>
+            <a:fontRef idx="minor">
+              <a:schemeClr val="lt1"/>
+            </a:fontRef>
+          </p:style>
+          <p:txBody>
+            <a:bodyPr rtlCol="0" anchor="ctr"/>
+            <a:lstStyle/>
+            <a:p>
+              <a:pPr algn="ctr"/>
+              <a:endParaRPr lang="en-US"/>
+            </a:p>
+          </p:txBody>
+        </p:sp>
+      </p:grpSp>
+      <p:grpSp>
+        <p:nvGrpSpPr>
+          <p:cNvPr id="20" name="Group 8">
+            <a:extLst>
+              <a:ext uri="{FF2B5EF4-FFF2-40B4-BE49-F238E27FC236}">
+                <a16:creationId xmlns:a16="http://schemas.microsoft.com/office/drawing/2014/main" id="{92BB0C4F-E4A0-4CDC-AD37-BD69B3201399}"/>
+              </a:ext>
+            </a:extLst>
+          </p:cNvPr>
+          <p:cNvGrpSpPr/>
+          <p:nvPr/>
+        </p:nvGrpSpPr>
+        <p:grpSpPr>
+          <a:xfrm>
+            <a:off x="8125625" y="2770684"/>
+            <a:ext cx="981248" cy="934378"/>
+            <a:chOff x="1487978" y="856211"/>
+            <a:chExt cx="2535382" cy="2427317"/>
+          </a:xfrm>
+        </p:grpSpPr>
+        <p:sp>
+          <p:nvSpPr>
+            <p:cNvPr id="21" name="Snip Diagonal Corner Rectangle 3">
+              <a:extLst>
+                <a:ext uri="{FF2B5EF4-FFF2-40B4-BE49-F238E27FC236}">
+                  <a16:creationId xmlns:a16="http://schemas.microsoft.com/office/drawing/2014/main" id="{74EFE178-557F-48A6-A5F3-C417E13A694E}"/>
+                </a:ext>
+              </a:extLst>
+            </p:cNvPr>
+            <p:cNvSpPr/>
+            <p:nvPr/>
+          </p:nvSpPr>
+          <p:spPr>
+            <a:xfrm>
+              <a:off x="1487978" y="856211"/>
+              <a:ext cx="2535382" cy="2427317"/>
+            </a:xfrm>
+            <a:prstGeom prst="snip2DiagRect">
+              <a:avLst/>
+            </a:prstGeom>
+            <a:solidFill>
+              <a:srgbClr val="D0CECE"/>
+            </a:solidFill>
+            <a:ln>
+              <a:noFill/>
+            </a:ln>
+            <a:scene3d>
+              <a:camera prst="orthographicFront"/>
+              <a:lightRig rig="threePt" dir="t"/>
+            </a:scene3d>
+            <a:sp3d>
+              <a:bevelT/>
+            </a:sp3d>
+          </p:spPr>
+          <p:style>
+            <a:lnRef idx="2">
+              <a:schemeClr val="accent1">
+                <a:shade val="50000"/>
+              </a:schemeClr>
+            </a:lnRef>
+            <a:fillRef idx="1">
+              <a:schemeClr val="accent1"/>
+            </a:fillRef>
+            <a:effectRef idx="0">
+              <a:schemeClr val="accent1"/>
+            </a:effectRef>
+            <a:fontRef idx="minor">
+              <a:schemeClr val="lt1"/>
+            </a:fontRef>
+          </p:style>
+          <p:txBody>
+            <a:bodyPr rtlCol="0" anchor="ctr"/>
+            <a:lstStyle/>
+            <a:p>
+              <a:pPr algn="ctr"/>
+              <a:endParaRPr lang="en-US"/>
+            </a:p>
+          </p:txBody>
+        </p:sp>
+        <p:sp>
+          <p:nvSpPr>
+            <p:cNvPr id="22" name="Snip Diagonal Corner Rectangle 4">
+              <a:extLst>
+                <a:ext uri="{FF2B5EF4-FFF2-40B4-BE49-F238E27FC236}">
+                  <a16:creationId xmlns:a16="http://schemas.microsoft.com/office/drawing/2014/main" id="{2E377576-EA30-40BD-9AE1-40F924166CAE}"/>
+                </a:ext>
+              </a:extLst>
+            </p:cNvPr>
+            <p:cNvSpPr/>
+            <p:nvPr/>
+          </p:nvSpPr>
+          <p:spPr>
+            <a:xfrm>
+              <a:off x="1640378" y="1008612"/>
+              <a:ext cx="2228589" cy="2133600"/>
+            </a:xfrm>
+            <a:prstGeom prst="snip2DiagRect">
+              <a:avLst/>
+            </a:prstGeom>
+            <a:solidFill>
+              <a:srgbClr val="AFABAB">
+                <a:alpha val="80000"/>
+              </a:srgbClr>
+            </a:solidFill>
+            <a:ln>
+              <a:noFill/>
+            </a:ln>
+            <a:scene3d>
+              <a:camera prst="orthographicFront"/>
+              <a:lightRig rig="threePt" dir="t"/>
+            </a:scene3d>
+            <a:sp3d>
+              <a:bevelT/>
+            </a:sp3d>
+          </p:spPr>
+          <p:style>
+            <a:lnRef idx="2">
+              <a:schemeClr val="accent1">
+                <a:shade val="50000"/>
+              </a:schemeClr>
+            </a:lnRef>
+            <a:fillRef idx="1">
+              <a:schemeClr val="accent1"/>
+            </a:fillRef>
+            <a:effectRef idx="0">
+              <a:schemeClr val="accent1"/>
+            </a:effectRef>
+            <a:fontRef idx="minor">
+              <a:schemeClr val="lt1"/>
+            </a:fontRef>
+          </p:style>
+          <p:txBody>
+            <a:bodyPr rtlCol="0" anchor="ctr"/>
+            <a:lstStyle/>
+            <a:p>
+              <a:pPr algn="ctr"/>
+              <a:endParaRPr lang="en-US"/>
+            </a:p>
+          </p:txBody>
+        </p:sp>
+      </p:grpSp>
+      <p:grpSp>
+        <p:nvGrpSpPr>
+          <p:cNvPr id="23" name="Group 8">
+            <a:extLst>
+              <a:ext uri="{FF2B5EF4-FFF2-40B4-BE49-F238E27FC236}">
+                <a16:creationId xmlns:a16="http://schemas.microsoft.com/office/drawing/2014/main" id="{298D08BF-3D05-49E1-BD04-88C6B3A85CF2}"/>
+              </a:ext>
+            </a:extLst>
+          </p:cNvPr>
+          <p:cNvGrpSpPr/>
+          <p:nvPr/>
+        </p:nvGrpSpPr>
+        <p:grpSpPr>
+          <a:xfrm>
+            <a:off x="9368980" y="2770684"/>
+            <a:ext cx="981248" cy="934378"/>
+            <a:chOff x="1487978" y="856211"/>
+            <a:chExt cx="2535382" cy="2427317"/>
+          </a:xfrm>
+        </p:grpSpPr>
+        <p:sp>
+          <p:nvSpPr>
+            <p:cNvPr id="24" name="Snip Diagonal Corner Rectangle 3">
+              <a:extLst>
+                <a:ext uri="{FF2B5EF4-FFF2-40B4-BE49-F238E27FC236}">
+                  <a16:creationId xmlns:a16="http://schemas.microsoft.com/office/drawing/2014/main" id="{BD55006C-BB7F-4625-8D26-6A6C469FDF88}"/>
+                </a:ext>
+              </a:extLst>
+            </p:cNvPr>
+            <p:cNvSpPr/>
+            <p:nvPr/>
+          </p:nvSpPr>
+          <p:spPr>
+            <a:xfrm>
+              <a:off x="1487978" y="856211"/>
+              <a:ext cx="2535382" cy="2427317"/>
+            </a:xfrm>
+            <a:prstGeom prst="snip2DiagRect">
+              <a:avLst/>
+            </a:prstGeom>
+            <a:solidFill>
+              <a:srgbClr val="D0CECE"/>
+            </a:solidFill>
+            <a:ln>
+              <a:noFill/>
+            </a:ln>
+            <a:scene3d>
+              <a:camera prst="orthographicFront"/>
+              <a:lightRig rig="threePt" dir="t"/>
+            </a:scene3d>
+            <a:sp3d>
+              <a:bevelT/>
+            </a:sp3d>
+          </p:spPr>
+          <p:style>
+            <a:lnRef idx="2">
+              <a:schemeClr val="accent1">
+                <a:shade val="50000"/>
+              </a:schemeClr>
+            </a:lnRef>
+            <a:fillRef idx="1">
+              <a:schemeClr val="accent1"/>
+            </a:fillRef>
+            <a:effectRef idx="0">
+              <a:schemeClr val="accent1"/>
+            </a:effectRef>
+            <a:fontRef idx="minor">
+              <a:schemeClr val="lt1"/>
+            </a:fontRef>
+          </p:style>
+          <p:txBody>
+            <a:bodyPr rtlCol="0" anchor="ctr"/>
+            <a:lstStyle/>
+            <a:p>
+              <a:pPr algn="ctr"/>
+              <a:endParaRPr lang="en-US"/>
+            </a:p>
+          </p:txBody>
+        </p:sp>
+        <p:sp>
+          <p:nvSpPr>
+            <p:cNvPr id="25" name="Snip Diagonal Corner Rectangle 4">
+              <a:extLst>
+                <a:ext uri="{FF2B5EF4-FFF2-40B4-BE49-F238E27FC236}">
+                  <a16:creationId xmlns:a16="http://schemas.microsoft.com/office/drawing/2014/main" id="{0D97DF40-B2C7-4FFD-9053-55B228E0DAC8}"/>
+                </a:ext>
+              </a:extLst>
+            </p:cNvPr>
+            <p:cNvSpPr/>
+            <p:nvPr/>
+          </p:nvSpPr>
+          <p:spPr>
+            <a:xfrm>
+              <a:off x="1640378" y="1008612"/>
+              <a:ext cx="2228589" cy="2133600"/>
+            </a:xfrm>
+            <a:prstGeom prst="snip2DiagRect">
+              <a:avLst/>
+            </a:prstGeom>
+            <a:solidFill>
+              <a:srgbClr val="AFABAB">
+                <a:alpha val="80000"/>
+              </a:srgbClr>
+            </a:solidFill>
+            <a:ln>
+              <a:noFill/>
+            </a:ln>
+            <a:scene3d>
+              <a:camera prst="orthographicFront"/>
+              <a:lightRig rig="threePt" dir="t"/>
+            </a:scene3d>
+            <a:sp3d>
+              <a:bevelT/>
+            </a:sp3d>
+          </p:spPr>
+          <p:style>
+            <a:lnRef idx="2">
+              <a:schemeClr val="accent1">
+                <a:shade val="50000"/>
+              </a:schemeClr>
+            </a:lnRef>
+            <a:fillRef idx="1">
+              <a:schemeClr val="accent1"/>
+            </a:fillRef>
+            <a:effectRef idx="0">
+              <a:schemeClr val="accent1"/>
+            </a:effectRef>
+            <a:fontRef idx="minor">
+              <a:schemeClr val="lt1"/>
+            </a:fontRef>
+          </p:style>
+          <p:txBody>
+            <a:bodyPr rtlCol="0" anchor="ctr"/>
+            <a:lstStyle/>
+            <a:p>
+              <a:pPr algn="ctr"/>
+              <a:endParaRPr lang="en-US"/>
+            </a:p>
+          </p:txBody>
+        </p:sp>
+      </p:grpSp>
+      <p:grpSp>
+        <p:nvGrpSpPr>
+          <p:cNvPr id="26" name="Group 8">
+            <a:extLst>
+              <a:ext uri="{FF2B5EF4-FFF2-40B4-BE49-F238E27FC236}">
+                <a16:creationId xmlns:a16="http://schemas.microsoft.com/office/drawing/2014/main" id="{650E3F93-B5BB-440E-A989-DDA3F1C132BC}"/>
+              </a:ext>
+            </a:extLst>
+          </p:cNvPr>
+          <p:cNvGrpSpPr/>
+          <p:nvPr/>
+        </p:nvGrpSpPr>
+        <p:grpSpPr>
+          <a:xfrm>
+            <a:off x="10612335" y="2770684"/>
+            <a:ext cx="981248" cy="934378"/>
+            <a:chOff x="1487978" y="856211"/>
+            <a:chExt cx="2535382" cy="2427317"/>
+          </a:xfrm>
+        </p:grpSpPr>
+        <p:sp>
+          <p:nvSpPr>
+            <p:cNvPr id="27" name="Snip Diagonal Corner Rectangle 3">
+              <a:extLst>
+                <a:ext uri="{FF2B5EF4-FFF2-40B4-BE49-F238E27FC236}">
+                  <a16:creationId xmlns:a16="http://schemas.microsoft.com/office/drawing/2014/main" id="{4375C342-524D-4F4D-BB84-7706CA6D08F1}"/>
+                </a:ext>
+              </a:extLst>
+            </p:cNvPr>
+            <p:cNvSpPr/>
+            <p:nvPr/>
+          </p:nvSpPr>
+          <p:spPr>
+            <a:xfrm>
+              <a:off x="1487978" y="856211"/>
+              <a:ext cx="2535382" cy="2427317"/>
+            </a:xfrm>
+            <a:prstGeom prst="snip2DiagRect">
+              <a:avLst/>
+            </a:prstGeom>
+            <a:solidFill>
+              <a:srgbClr val="D0CECE"/>
+            </a:solidFill>
+            <a:ln>
+              <a:noFill/>
+            </a:ln>
+            <a:scene3d>
+              <a:camera prst="orthographicFront"/>
+              <a:lightRig rig="threePt" dir="t"/>
+            </a:scene3d>
+            <a:sp3d>
+              <a:bevelT/>
+            </a:sp3d>
+          </p:spPr>
+          <p:style>
+            <a:lnRef idx="2">
+              <a:schemeClr val="accent1">
+                <a:shade val="50000"/>
+              </a:schemeClr>
+            </a:lnRef>
+            <a:fillRef idx="1">
+              <a:schemeClr val="accent1"/>
+            </a:fillRef>
+            <a:effectRef idx="0">
+              <a:schemeClr val="accent1"/>
+            </a:effectRef>
+            <a:fontRef idx="minor">
+              <a:schemeClr val="lt1"/>
+            </a:fontRef>
+          </p:style>
+          <p:txBody>
+            <a:bodyPr rtlCol="0" anchor="ctr"/>
+            <a:lstStyle/>
+            <a:p>
+              <a:pPr algn="ctr"/>
+              <a:endParaRPr lang="en-US"/>
+            </a:p>
+          </p:txBody>
+        </p:sp>
+        <p:sp>
+          <p:nvSpPr>
+            <p:cNvPr id="28" name="Snip Diagonal Corner Rectangle 4">
+              <a:extLst>
+                <a:ext uri="{FF2B5EF4-FFF2-40B4-BE49-F238E27FC236}">
+                  <a16:creationId xmlns:a16="http://schemas.microsoft.com/office/drawing/2014/main" id="{C805A79E-C8EF-40EF-89CE-0A0A16662B10}"/>
+                </a:ext>
+              </a:extLst>
+            </p:cNvPr>
+            <p:cNvSpPr/>
+            <p:nvPr/>
+          </p:nvSpPr>
+          <p:spPr>
+            <a:xfrm>
+              <a:off x="1640378" y="1008612"/>
+              <a:ext cx="2228589" cy="2133600"/>
+            </a:xfrm>
+            <a:prstGeom prst="snip2DiagRect">
+              <a:avLst/>
+            </a:prstGeom>
+            <a:solidFill>
+              <a:srgbClr val="AFABAB">
+                <a:alpha val="80000"/>
+              </a:srgbClr>
+            </a:solidFill>
+            <a:ln>
+              <a:noFill/>
+            </a:ln>
+            <a:scene3d>
+              <a:camera prst="orthographicFront"/>
+              <a:lightRig rig="threePt" dir="t"/>
+            </a:scene3d>
+            <a:sp3d>
+              <a:bevelT/>
+            </a:sp3d>
+          </p:spPr>
+          <p:style>
+            <a:lnRef idx="2">
+              <a:schemeClr val="accent1">
+                <a:shade val="50000"/>
+              </a:schemeClr>
+            </a:lnRef>
+            <a:fillRef idx="1">
+              <a:schemeClr val="accent1"/>
+            </a:fillRef>
+            <a:effectRef idx="0">
+              <a:schemeClr val="accent1"/>
+            </a:effectRef>
+            <a:fontRef idx="minor">
+              <a:schemeClr val="lt1"/>
+            </a:fontRef>
+          </p:style>
+          <p:txBody>
+            <a:bodyPr rtlCol="0" anchor="ctr"/>
+            <a:lstStyle/>
+            <a:p>
+              <a:pPr algn="ctr"/>
+              <a:endParaRPr lang="en-US"/>
+            </a:p>
+          </p:txBody>
+        </p:sp>
+      </p:grpSp>
+      <p:grpSp>
+        <p:nvGrpSpPr>
+          <p:cNvPr id="29" name="Group 8">
+            <a:extLst>
+              <a:ext uri="{FF2B5EF4-FFF2-40B4-BE49-F238E27FC236}">
+                <a16:creationId xmlns:a16="http://schemas.microsoft.com/office/drawing/2014/main" id="{41F520FB-729F-41A8-9CAE-B6190DCE923B}"/>
+              </a:ext>
+            </a:extLst>
+          </p:cNvPr>
+          <p:cNvGrpSpPr/>
+          <p:nvPr/>
+        </p:nvGrpSpPr>
+        <p:grpSpPr>
+          <a:xfrm>
+            <a:off x="6952421" y="4016472"/>
+            <a:ext cx="981248" cy="934378"/>
+            <a:chOff x="1487978" y="856211"/>
+            <a:chExt cx="2535382" cy="2427317"/>
+          </a:xfrm>
+        </p:grpSpPr>
+        <p:sp>
+          <p:nvSpPr>
+            <p:cNvPr id="30" name="Snip Diagonal Corner Rectangle 3">
+              <a:extLst>
+                <a:ext uri="{FF2B5EF4-FFF2-40B4-BE49-F238E27FC236}">
+                  <a16:creationId xmlns:a16="http://schemas.microsoft.com/office/drawing/2014/main" id="{7B4DB991-8E0F-4641-808D-7A6AE3CCF4A5}"/>
+                </a:ext>
+              </a:extLst>
+            </p:cNvPr>
+            <p:cNvSpPr/>
+            <p:nvPr/>
+          </p:nvSpPr>
+          <p:spPr>
+            <a:xfrm>
+              <a:off x="1487978" y="856211"/>
+              <a:ext cx="2535382" cy="2427317"/>
+            </a:xfrm>
+            <a:prstGeom prst="snip2DiagRect">
+              <a:avLst/>
+            </a:prstGeom>
+            <a:solidFill>
+              <a:srgbClr val="D0CECE"/>
+            </a:solidFill>
+            <a:ln>
+              <a:noFill/>
+            </a:ln>
+            <a:scene3d>
+              <a:camera prst="orthographicFront"/>
+              <a:lightRig rig="threePt" dir="t"/>
+            </a:scene3d>
+            <a:sp3d>
+              <a:bevelT/>
+            </a:sp3d>
+          </p:spPr>
+          <p:style>
+            <a:lnRef idx="2">
+              <a:schemeClr val="accent1">
+                <a:shade val="50000"/>
+              </a:schemeClr>
+            </a:lnRef>
+            <a:fillRef idx="1">
+              <a:schemeClr val="accent1"/>
+            </a:fillRef>
+            <a:effectRef idx="0">
+              <a:schemeClr val="accent1"/>
+            </a:effectRef>
+            <a:fontRef idx="minor">
+              <a:schemeClr val="lt1"/>
+            </a:fontRef>
+          </p:style>
+          <p:txBody>
+            <a:bodyPr rtlCol="0" anchor="ctr"/>
+            <a:lstStyle/>
+            <a:p>
+              <a:pPr algn="ctr"/>
+              <a:endParaRPr lang="en-US"/>
+            </a:p>
+          </p:txBody>
+        </p:sp>
+        <p:sp>
+          <p:nvSpPr>
+            <p:cNvPr id="31" name="Snip Diagonal Corner Rectangle 4">
+              <a:extLst>
+                <a:ext uri="{FF2B5EF4-FFF2-40B4-BE49-F238E27FC236}">
+                  <a16:creationId xmlns:a16="http://schemas.microsoft.com/office/drawing/2014/main" id="{F0FAA053-6316-4C63-A328-F46B2C689D07}"/>
+                </a:ext>
+              </a:extLst>
+            </p:cNvPr>
+            <p:cNvSpPr/>
+            <p:nvPr/>
+          </p:nvSpPr>
+          <p:spPr>
+            <a:xfrm>
+              <a:off x="1640378" y="1008612"/>
+              <a:ext cx="2228589" cy="2133600"/>
+            </a:xfrm>
+            <a:prstGeom prst="snip2DiagRect">
+              <a:avLst/>
+            </a:prstGeom>
+            <a:solidFill>
+              <a:srgbClr val="AFABAB">
+                <a:alpha val="80000"/>
+              </a:srgbClr>
+            </a:solidFill>
+            <a:ln>
+              <a:noFill/>
+            </a:ln>
+            <a:scene3d>
+              <a:camera prst="orthographicFront"/>
+              <a:lightRig rig="threePt" dir="t"/>
+            </a:scene3d>
+            <a:sp3d>
+              <a:bevelT/>
+            </a:sp3d>
+          </p:spPr>
+          <p:style>
+            <a:lnRef idx="2">
+              <a:schemeClr val="accent1">
+                <a:shade val="50000"/>
+              </a:schemeClr>
+            </a:lnRef>
+            <a:fillRef idx="1">
+              <a:schemeClr val="accent1"/>
+            </a:fillRef>
+            <a:effectRef idx="0">
+              <a:schemeClr val="accent1"/>
+            </a:effectRef>
+            <a:fontRef idx="minor">
+              <a:schemeClr val="lt1"/>
+            </a:fontRef>
+          </p:style>
+          <p:txBody>
+            <a:bodyPr rtlCol="0" anchor="ctr"/>
+            <a:lstStyle/>
+            <a:p>
+              <a:pPr algn="ctr"/>
+              <a:endParaRPr lang="en-US"/>
+            </a:p>
+          </p:txBody>
+        </p:sp>
+      </p:grpSp>
+      <p:grpSp>
+        <p:nvGrpSpPr>
+          <p:cNvPr id="32" name="Group 8">
+            <a:extLst>
+              <a:ext uri="{FF2B5EF4-FFF2-40B4-BE49-F238E27FC236}">
+                <a16:creationId xmlns:a16="http://schemas.microsoft.com/office/drawing/2014/main" id="{FB3CB2FF-4AB8-4AC0-AEC0-51DBC11F8613}"/>
+              </a:ext>
+            </a:extLst>
+          </p:cNvPr>
+          <p:cNvGrpSpPr/>
+          <p:nvPr/>
+        </p:nvGrpSpPr>
+        <p:grpSpPr>
+          <a:xfrm>
+            <a:off x="8184607" y="4016008"/>
+            <a:ext cx="981248" cy="934378"/>
+            <a:chOff x="1487978" y="856211"/>
+            <a:chExt cx="2535382" cy="2427317"/>
+          </a:xfrm>
+        </p:grpSpPr>
+        <p:sp>
+          <p:nvSpPr>
+            <p:cNvPr id="33" name="Snip Diagonal Corner Rectangle 3">
+              <a:extLst>
+                <a:ext uri="{FF2B5EF4-FFF2-40B4-BE49-F238E27FC236}">
+                  <a16:creationId xmlns:a16="http://schemas.microsoft.com/office/drawing/2014/main" id="{4E38008D-9E86-4C85-A80A-6E6C8602EC41}"/>
+                </a:ext>
+              </a:extLst>
+            </p:cNvPr>
+            <p:cNvSpPr/>
+            <p:nvPr/>
+          </p:nvSpPr>
+          <p:spPr>
+            <a:xfrm>
+              <a:off x="1487978" y="856211"/>
+              <a:ext cx="2535382" cy="2427317"/>
+            </a:xfrm>
+            <a:prstGeom prst="snip2DiagRect">
+              <a:avLst/>
+            </a:prstGeom>
+            <a:solidFill>
+              <a:srgbClr val="D0CECE"/>
+            </a:solidFill>
+            <a:ln>
+              <a:noFill/>
+            </a:ln>
+            <a:scene3d>
+              <a:camera prst="orthographicFront"/>
+              <a:lightRig rig="threePt" dir="t"/>
+            </a:scene3d>
+            <a:sp3d>
+              <a:bevelT/>
+            </a:sp3d>
+          </p:spPr>
+          <p:style>
+            <a:lnRef idx="2">
+              <a:schemeClr val="accent1">
+                <a:shade val="50000"/>
+              </a:schemeClr>
+            </a:lnRef>
+            <a:fillRef idx="1">
+              <a:schemeClr val="accent1"/>
+            </a:fillRef>
+            <a:effectRef idx="0">
+              <a:schemeClr val="accent1"/>
+            </a:effectRef>
+            <a:fontRef idx="minor">
+              <a:schemeClr val="lt1"/>
+            </a:fontRef>
+          </p:style>
+          <p:txBody>
+            <a:bodyPr rtlCol="0" anchor="ctr"/>
+            <a:lstStyle/>
+            <a:p>
+              <a:pPr algn="ctr"/>
+              <a:endParaRPr lang="en-US"/>
+            </a:p>
+          </p:txBody>
+        </p:sp>
+        <p:sp>
+          <p:nvSpPr>
+            <p:cNvPr id="34" name="Snip Diagonal Corner Rectangle 4">
+              <a:extLst>
+                <a:ext uri="{FF2B5EF4-FFF2-40B4-BE49-F238E27FC236}">
+                  <a16:creationId xmlns:a16="http://schemas.microsoft.com/office/drawing/2014/main" id="{34AE1D32-BF42-47B3-A887-1798443826C8}"/>
+                </a:ext>
+              </a:extLst>
+            </p:cNvPr>
+            <p:cNvSpPr/>
+            <p:nvPr/>
+          </p:nvSpPr>
+          <p:spPr>
+            <a:xfrm>
+              <a:off x="1640378" y="1008612"/>
+              <a:ext cx="2228589" cy="2133600"/>
+            </a:xfrm>
+            <a:prstGeom prst="snip2DiagRect">
+              <a:avLst/>
+            </a:prstGeom>
+            <a:solidFill>
+              <a:srgbClr val="AFABAB">
+                <a:alpha val="80000"/>
+              </a:srgbClr>
+            </a:solidFill>
+            <a:ln>
+              <a:noFill/>
+            </a:ln>
+            <a:scene3d>
+              <a:camera prst="orthographicFront"/>
+              <a:lightRig rig="threePt" dir="t"/>
+            </a:scene3d>
+            <a:sp3d>
+              <a:bevelT/>
+            </a:sp3d>
+          </p:spPr>
+          <p:style>
+            <a:lnRef idx="2">
+              <a:schemeClr val="accent1">
+                <a:shade val="50000"/>
+              </a:schemeClr>
+            </a:lnRef>
+            <a:fillRef idx="1">
+              <a:schemeClr val="accent1"/>
+            </a:fillRef>
+            <a:effectRef idx="0">
+              <a:schemeClr val="accent1"/>
+            </a:effectRef>
+            <a:fontRef idx="minor">
+              <a:schemeClr val="lt1"/>
+            </a:fontRef>
+          </p:style>
+          <p:txBody>
+            <a:bodyPr rtlCol="0" anchor="ctr"/>
+            <a:lstStyle/>
+            <a:p>
+              <a:pPr algn="ctr"/>
+              <a:endParaRPr lang="en-US"/>
+            </a:p>
+          </p:txBody>
+        </p:sp>
+      </p:grpSp>
+      <p:grpSp>
+        <p:nvGrpSpPr>
+          <p:cNvPr id="35" name="Group 8">
+            <a:extLst>
+              <a:ext uri="{FF2B5EF4-FFF2-40B4-BE49-F238E27FC236}">
+                <a16:creationId xmlns:a16="http://schemas.microsoft.com/office/drawing/2014/main" id="{99F1C335-2020-4BE4-B41F-E7DD30125868}"/>
+              </a:ext>
+            </a:extLst>
+          </p:cNvPr>
+          <p:cNvGrpSpPr/>
+          <p:nvPr/>
+        </p:nvGrpSpPr>
+        <p:grpSpPr>
+          <a:xfrm>
+            <a:off x="9427962" y="4016008"/>
+            <a:ext cx="981248" cy="934378"/>
+            <a:chOff x="1487978" y="856211"/>
+            <a:chExt cx="2535382" cy="2427317"/>
+          </a:xfrm>
+        </p:grpSpPr>
+        <p:sp>
+          <p:nvSpPr>
+            <p:cNvPr id="36" name="Snip Diagonal Corner Rectangle 3">
+              <a:extLst>
+                <a:ext uri="{FF2B5EF4-FFF2-40B4-BE49-F238E27FC236}">
+                  <a16:creationId xmlns:a16="http://schemas.microsoft.com/office/drawing/2014/main" id="{883D922E-DA43-4899-9D6F-ED8EE517F8A7}"/>
+                </a:ext>
+              </a:extLst>
+            </p:cNvPr>
+            <p:cNvSpPr/>
+            <p:nvPr/>
+          </p:nvSpPr>
+          <p:spPr>
+            <a:xfrm>
+              <a:off x="1487978" y="856211"/>
+              <a:ext cx="2535382" cy="2427317"/>
+            </a:xfrm>
+            <a:prstGeom prst="snip2DiagRect">
+              <a:avLst/>
+            </a:prstGeom>
+            <a:solidFill>
+              <a:srgbClr val="D0CECE"/>
+            </a:solidFill>
+            <a:ln>
+              <a:noFill/>
+            </a:ln>
+            <a:scene3d>
+              <a:camera prst="orthographicFront"/>
+              <a:lightRig rig="threePt" dir="t"/>
+            </a:scene3d>
+            <a:sp3d>
+              <a:bevelT/>
+            </a:sp3d>
+          </p:spPr>
+          <p:style>
+            <a:lnRef idx="2">
+              <a:schemeClr val="accent1">
+                <a:shade val="50000"/>
+              </a:schemeClr>
+            </a:lnRef>
+            <a:fillRef idx="1">
+              <a:schemeClr val="accent1"/>
+            </a:fillRef>
+            <a:effectRef idx="0">
+              <a:schemeClr val="accent1"/>
+            </a:effectRef>
+            <a:fontRef idx="minor">
+              <a:schemeClr val="lt1"/>
+            </a:fontRef>
+          </p:style>
+          <p:txBody>
+            <a:bodyPr rtlCol="0" anchor="ctr"/>
+            <a:lstStyle/>
+            <a:p>
+              <a:pPr algn="ctr"/>
+              <a:endParaRPr lang="en-US"/>
+            </a:p>
+          </p:txBody>
+        </p:sp>
+        <p:sp>
+          <p:nvSpPr>
+            <p:cNvPr id="37" name="Snip Diagonal Corner Rectangle 4">
+              <a:extLst>
+                <a:ext uri="{FF2B5EF4-FFF2-40B4-BE49-F238E27FC236}">
+                  <a16:creationId xmlns:a16="http://schemas.microsoft.com/office/drawing/2014/main" id="{FE9D4AA3-8C52-41AC-8E3A-5CF1BBB35FFE}"/>
+                </a:ext>
+              </a:extLst>
+            </p:cNvPr>
+            <p:cNvSpPr/>
+            <p:nvPr/>
+          </p:nvSpPr>
+          <p:spPr>
+            <a:xfrm>
+              <a:off x="1640378" y="1008612"/>
+              <a:ext cx="2228589" cy="2133600"/>
+            </a:xfrm>
+            <a:prstGeom prst="snip2DiagRect">
+              <a:avLst/>
+            </a:prstGeom>
+            <a:solidFill>
+              <a:srgbClr val="AFABAB">
+                <a:alpha val="80000"/>
+              </a:srgbClr>
+            </a:solidFill>
+            <a:ln>
+              <a:noFill/>
+            </a:ln>
+            <a:scene3d>
+              <a:camera prst="orthographicFront"/>
+              <a:lightRig rig="threePt" dir="t"/>
+            </a:scene3d>
+            <a:sp3d>
+              <a:bevelT/>
+            </a:sp3d>
+          </p:spPr>
+          <p:style>
+            <a:lnRef idx="2">
+              <a:schemeClr val="accent1">
+                <a:shade val="50000"/>
+              </a:schemeClr>
+            </a:lnRef>
+            <a:fillRef idx="1">
+              <a:schemeClr val="accent1"/>
+            </a:fillRef>
+            <a:effectRef idx="0">
+              <a:schemeClr val="accent1"/>
+            </a:effectRef>
+            <a:fontRef idx="minor">
+              <a:schemeClr val="lt1"/>
+            </a:fontRef>
+          </p:style>
+          <p:txBody>
+            <a:bodyPr rtlCol="0" anchor="ctr"/>
+            <a:lstStyle/>
+            <a:p>
+              <a:pPr algn="ctr"/>
+              <a:endParaRPr lang="en-US"/>
+            </a:p>
+          </p:txBody>
+        </p:sp>
+      </p:grpSp>
+      <p:grpSp>
+        <p:nvGrpSpPr>
+          <p:cNvPr id="38" name="Group 8">
+            <a:extLst>
+              <a:ext uri="{FF2B5EF4-FFF2-40B4-BE49-F238E27FC236}">
+                <a16:creationId xmlns:a16="http://schemas.microsoft.com/office/drawing/2014/main" id="{903150FF-27E1-4E48-AE0A-7138B482C675}"/>
+              </a:ext>
+            </a:extLst>
+          </p:cNvPr>
+          <p:cNvGrpSpPr/>
+          <p:nvPr/>
+        </p:nvGrpSpPr>
+        <p:grpSpPr>
+          <a:xfrm>
+            <a:off x="10671317" y="4016008"/>
+            <a:ext cx="981248" cy="934378"/>
+            <a:chOff x="1487978" y="856211"/>
+            <a:chExt cx="2535382" cy="2427317"/>
+          </a:xfrm>
+        </p:grpSpPr>
+        <p:sp>
+          <p:nvSpPr>
+            <p:cNvPr id="39" name="Snip Diagonal Corner Rectangle 3">
+              <a:extLst>
+                <a:ext uri="{FF2B5EF4-FFF2-40B4-BE49-F238E27FC236}">
+                  <a16:creationId xmlns:a16="http://schemas.microsoft.com/office/drawing/2014/main" id="{59F16BDE-F0DC-4005-989A-31704EA80A44}"/>
+                </a:ext>
+              </a:extLst>
+            </p:cNvPr>
+            <p:cNvSpPr/>
+            <p:nvPr/>
+          </p:nvSpPr>
+          <p:spPr>
+            <a:xfrm>
+              <a:off x="1487978" y="856211"/>
+              <a:ext cx="2535382" cy="2427317"/>
+            </a:xfrm>
+            <a:prstGeom prst="snip2DiagRect">
+              <a:avLst/>
+            </a:prstGeom>
+            <a:solidFill>
+              <a:srgbClr val="D0CECE"/>
+            </a:solidFill>
+            <a:ln>
+              <a:noFill/>
+            </a:ln>
+            <a:scene3d>
+              <a:camera prst="orthographicFront"/>
+              <a:lightRig rig="threePt" dir="t"/>
+            </a:scene3d>
+            <a:sp3d>
+              <a:bevelT/>
+            </a:sp3d>
+          </p:spPr>
+          <p:style>
+            <a:lnRef idx="2">
+              <a:schemeClr val="accent1">
+                <a:shade val="50000"/>
+              </a:schemeClr>
+            </a:lnRef>
+            <a:fillRef idx="1">
+              <a:schemeClr val="accent1"/>
+            </a:fillRef>
+            <a:effectRef idx="0">
+              <a:schemeClr val="accent1"/>
+            </a:effectRef>
+            <a:fontRef idx="minor">
+              <a:schemeClr val="lt1"/>
+            </a:fontRef>
+          </p:style>
+          <p:txBody>
+            <a:bodyPr rtlCol="0" anchor="ctr"/>
+            <a:lstStyle/>
+            <a:p>
+              <a:pPr algn="ctr"/>
+              <a:endParaRPr lang="en-US"/>
+            </a:p>
+          </p:txBody>
+        </p:sp>
+        <p:sp>
+          <p:nvSpPr>
+            <p:cNvPr id="40" name="Snip Diagonal Corner Rectangle 4">
+              <a:extLst>
+                <a:ext uri="{FF2B5EF4-FFF2-40B4-BE49-F238E27FC236}">
+                  <a16:creationId xmlns:a16="http://schemas.microsoft.com/office/drawing/2014/main" id="{F37B9616-219B-48AA-B541-64F43A84103D}"/>
+                </a:ext>
+              </a:extLst>
+            </p:cNvPr>
+            <p:cNvSpPr/>
+            <p:nvPr/>
+          </p:nvSpPr>
+          <p:spPr>
+            <a:xfrm>
+              <a:off x="1640378" y="1008612"/>
+              <a:ext cx="2228589" cy="2133600"/>
+            </a:xfrm>
+            <a:prstGeom prst="snip2DiagRect">
+              <a:avLst/>
+            </a:prstGeom>
+            <a:solidFill>
+              <a:srgbClr val="AFABAB">
+                <a:alpha val="80000"/>
+              </a:srgbClr>
+            </a:solidFill>
+            <a:ln>
+              <a:noFill/>
+            </a:ln>
+            <a:scene3d>
+              <a:camera prst="orthographicFront"/>
+              <a:lightRig rig="threePt" dir="t"/>
+            </a:scene3d>
+            <a:sp3d>
+              <a:bevelT/>
+            </a:sp3d>
+          </p:spPr>
+          <p:style>
+            <a:lnRef idx="2">
+              <a:schemeClr val="accent1">
+                <a:shade val="50000"/>
+              </a:schemeClr>
+            </a:lnRef>
+            <a:fillRef idx="1">
+              <a:schemeClr val="accent1"/>
+            </a:fillRef>
+            <a:effectRef idx="0">
+              <a:schemeClr val="accent1"/>
+            </a:effectRef>
+            <a:fontRef idx="minor">
+              <a:schemeClr val="lt1"/>
+            </a:fontRef>
+          </p:style>
+          <p:txBody>
+            <a:bodyPr rtlCol="0" anchor="ctr"/>
+            <a:lstStyle/>
+            <a:p>
+              <a:pPr algn="ctr"/>
+              <a:endParaRPr lang="en-US"/>
+            </a:p>
+          </p:txBody>
+        </p:sp>
+      </p:grpSp>
+      <p:grpSp>
+        <p:nvGrpSpPr>
+          <p:cNvPr id="41" name="Group 8">
+            <a:extLst>
+              <a:ext uri="{FF2B5EF4-FFF2-40B4-BE49-F238E27FC236}">
+                <a16:creationId xmlns:a16="http://schemas.microsoft.com/office/drawing/2014/main" id="{0B770668-034F-44A4-9A7D-12246099B1DD}"/>
+              </a:ext>
+            </a:extLst>
+          </p:cNvPr>
+          <p:cNvGrpSpPr/>
+          <p:nvPr/>
+        </p:nvGrpSpPr>
+        <p:grpSpPr>
+          <a:xfrm>
+            <a:off x="8114780" y="5172602"/>
+            <a:ext cx="973487" cy="751155"/>
+            <a:chOff x="1487978" y="856211"/>
+            <a:chExt cx="2535382" cy="2427317"/>
+          </a:xfrm>
+        </p:grpSpPr>
+        <p:sp>
+          <p:nvSpPr>
+            <p:cNvPr id="42" name="Snip Diagonal Corner Rectangle 3">
+              <a:extLst>
+                <a:ext uri="{FF2B5EF4-FFF2-40B4-BE49-F238E27FC236}">
+                  <a16:creationId xmlns:a16="http://schemas.microsoft.com/office/drawing/2014/main" id="{B97764DF-7FF1-467F-B60C-745096F278A2}"/>
+                </a:ext>
+              </a:extLst>
+            </p:cNvPr>
+            <p:cNvSpPr/>
+            <p:nvPr/>
+          </p:nvSpPr>
+          <p:spPr>
+            <a:xfrm>
+              <a:off x="1487978" y="856211"/>
+              <a:ext cx="2535382" cy="2427317"/>
+            </a:xfrm>
+            <a:prstGeom prst="snip2DiagRect">
+              <a:avLst/>
+            </a:prstGeom>
+            <a:solidFill>
+              <a:srgbClr val="D0CECE"/>
+            </a:solidFill>
+            <a:ln>
+              <a:noFill/>
+            </a:ln>
+            <a:scene3d>
+              <a:camera prst="orthographicFront"/>
+              <a:lightRig rig="threePt" dir="t"/>
+            </a:scene3d>
+            <a:sp3d>
+              <a:bevelT/>
+            </a:sp3d>
+          </p:spPr>
+          <p:style>
+            <a:lnRef idx="2">
+              <a:schemeClr val="accent1">
+                <a:shade val="50000"/>
+              </a:schemeClr>
+            </a:lnRef>
+            <a:fillRef idx="1">
+              <a:schemeClr val="accent1"/>
+            </a:fillRef>
+            <a:effectRef idx="0">
+              <a:schemeClr val="accent1"/>
+            </a:effectRef>
+            <a:fontRef idx="minor">
+              <a:schemeClr val="lt1"/>
+            </a:fontRef>
+          </p:style>
+          <p:txBody>
+            <a:bodyPr rtlCol="0" anchor="ctr"/>
+            <a:lstStyle/>
+            <a:p>
+              <a:pPr algn="ctr"/>
+              <a:endParaRPr lang="en-US"/>
+            </a:p>
+          </p:txBody>
+        </p:sp>
+        <p:sp>
+          <p:nvSpPr>
+            <p:cNvPr id="43" name="Snip Diagonal Corner Rectangle 4">
+              <a:extLst>
+                <a:ext uri="{FF2B5EF4-FFF2-40B4-BE49-F238E27FC236}">
+                  <a16:creationId xmlns:a16="http://schemas.microsoft.com/office/drawing/2014/main" id="{D63D673D-8693-4AA1-AB3D-1D9B5F26E950}"/>
+                </a:ext>
+              </a:extLst>
+            </p:cNvPr>
+            <p:cNvSpPr/>
+            <p:nvPr/>
+          </p:nvSpPr>
+          <p:spPr>
+            <a:xfrm>
+              <a:off x="1640378" y="1008612"/>
+              <a:ext cx="2228589" cy="2133600"/>
+            </a:xfrm>
+            <a:prstGeom prst="snip2DiagRect">
+              <a:avLst/>
+            </a:prstGeom>
+            <a:solidFill>
+              <a:srgbClr val="AFABAB">
+                <a:alpha val="80000"/>
+              </a:srgbClr>
+            </a:solidFill>
+            <a:ln>
+              <a:noFill/>
+            </a:ln>
+            <a:scene3d>
+              <a:camera prst="orthographicFront"/>
+              <a:lightRig rig="threePt" dir="t"/>
+            </a:scene3d>
+            <a:sp3d>
+              <a:bevelT/>
+            </a:sp3d>
+          </p:spPr>
+          <p:style>
+            <a:lnRef idx="2">
+              <a:schemeClr val="accent1">
+                <a:shade val="50000"/>
+              </a:schemeClr>
+            </a:lnRef>
+            <a:fillRef idx="1">
+              <a:schemeClr val="accent1"/>
+            </a:fillRef>
+            <a:effectRef idx="0">
+              <a:schemeClr val="accent1"/>
+            </a:effectRef>
+            <a:fontRef idx="minor">
+              <a:schemeClr val="lt1"/>
+            </a:fontRef>
+          </p:style>
+          <p:txBody>
+            <a:bodyPr rtlCol="0" anchor="ctr"/>
+            <a:lstStyle/>
+            <a:p>
+              <a:pPr algn="ctr"/>
+              <a:endParaRPr lang="en-US"/>
+            </a:p>
+          </p:txBody>
+        </p:sp>
+      </p:grpSp>
+      <p:grpSp>
+        <p:nvGrpSpPr>
+          <p:cNvPr id="44" name="Group 8">
+            <a:extLst>
+              <a:ext uri="{FF2B5EF4-FFF2-40B4-BE49-F238E27FC236}">
+                <a16:creationId xmlns:a16="http://schemas.microsoft.com/office/drawing/2014/main" id="{33A839A9-2762-4578-8118-5F679D2D5E87}"/>
+              </a:ext>
+            </a:extLst>
+          </p:cNvPr>
+          <p:cNvGrpSpPr/>
+          <p:nvPr/>
+        </p:nvGrpSpPr>
+        <p:grpSpPr>
+          <a:xfrm>
+            <a:off x="8114780" y="5790105"/>
+            <a:ext cx="981248" cy="274162"/>
+            <a:chOff x="1487978" y="856211"/>
+            <a:chExt cx="2535382" cy="2427317"/>
+          </a:xfrm>
+        </p:grpSpPr>
+        <p:sp>
+          <p:nvSpPr>
+            <p:cNvPr id="45" name="Snip Diagonal Corner Rectangle 3">
+              <a:extLst>
+                <a:ext uri="{FF2B5EF4-FFF2-40B4-BE49-F238E27FC236}">
+                  <a16:creationId xmlns:a16="http://schemas.microsoft.com/office/drawing/2014/main" id="{985F611C-3CB9-4D65-B0C7-A27F42E9F9C4}"/>
+                </a:ext>
+              </a:extLst>
+            </p:cNvPr>
+            <p:cNvSpPr/>
+            <p:nvPr/>
+          </p:nvSpPr>
+          <p:spPr>
+            <a:xfrm>
+              <a:off x="1487978" y="856211"/>
+              <a:ext cx="2535382" cy="2427317"/>
+            </a:xfrm>
+            <a:prstGeom prst="snip2DiagRect">
+              <a:avLst/>
+            </a:prstGeom>
+            <a:solidFill>
+              <a:srgbClr val="D0CECE"/>
+            </a:solidFill>
+            <a:ln>
+              <a:noFill/>
+            </a:ln>
+            <a:scene3d>
+              <a:camera prst="orthographicFront"/>
+              <a:lightRig rig="threePt" dir="t"/>
+            </a:scene3d>
+            <a:sp3d>
+              <a:bevelT/>
+            </a:sp3d>
+          </p:spPr>
+          <p:style>
+            <a:lnRef idx="2">
+              <a:schemeClr val="accent1">
+                <a:shade val="50000"/>
+              </a:schemeClr>
+            </a:lnRef>
+            <a:fillRef idx="1">
+              <a:schemeClr val="accent1"/>
+            </a:fillRef>
+            <a:effectRef idx="0">
+              <a:schemeClr val="accent1"/>
+            </a:effectRef>
+            <a:fontRef idx="minor">
+              <a:schemeClr val="lt1"/>
+            </a:fontRef>
+          </p:style>
+          <p:txBody>
+            <a:bodyPr rtlCol="0" anchor="ctr"/>
+            <a:lstStyle/>
+            <a:p>
+              <a:pPr algn="ctr"/>
+              <a:endParaRPr lang="en-US"/>
+            </a:p>
+          </p:txBody>
+        </p:sp>
+        <p:sp>
+          <p:nvSpPr>
+            <p:cNvPr id="46" name="Snip Diagonal Corner Rectangle 4">
+              <a:extLst>
+                <a:ext uri="{FF2B5EF4-FFF2-40B4-BE49-F238E27FC236}">
+                  <a16:creationId xmlns:a16="http://schemas.microsoft.com/office/drawing/2014/main" id="{12F935CA-EF7C-4119-B5EA-10EBCD702D1B}"/>
+                </a:ext>
+              </a:extLst>
+            </p:cNvPr>
+            <p:cNvSpPr/>
+            <p:nvPr/>
+          </p:nvSpPr>
+          <p:spPr>
+            <a:xfrm>
+              <a:off x="1640378" y="1008612"/>
+              <a:ext cx="2228589" cy="2133600"/>
+            </a:xfrm>
+            <a:prstGeom prst="snip2DiagRect">
+              <a:avLst/>
+            </a:prstGeom>
+            <a:solidFill>
+              <a:srgbClr val="AFABAB">
+                <a:alpha val="80000"/>
+              </a:srgbClr>
+            </a:solidFill>
+            <a:ln>
+              <a:noFill/>
+            </a:ln>
+            <a:scene3d>
+              <a:camera prst="orthographicFront"/>
+              <a:lightRig rig="threePt" dir="t"/>
+            </a:scene3d>
+            <a:sp3d>
+              <a:bevelT/>
+            </a:sp3d>
+          </p:spPr>
+          <p:style>
+            <a:lnRef idx="2">
+              <a:schemeClr val="accent1">
+                <a:shade val="50000"/>
+              </a:schemeClr>
+            </a:lnRef>
+            <a:fillRef idx="1">
+              <a:schemeClr val="accent1"/>
+            </a:fillRef>
+            <a:effectRef idx="0">
+              <a:schemeClr val="accent1"/>
+            </a:effectRef>
+            <a:fontRef idx="minor">
+              <a:schemeClr val="lt1"/>
+            </a:fontRef>
+          </p:style>
+          <p:txBody>
+            <a:bodyPr rtlCol="0" anchor="ctr"/>
+            <a:lstStyle/>
+            <a:p>
+              <a:pPr algn="ctr"/>
+              <a:r>
+                <a:rPr lang="en-US" dirty="0"/>
+                <a:t>INFO</a:t>
+              </a:r>
+            </a:p>
+          </p:txBody>
+        </p:sp>
+      </p:grpSp>
+      <p:grpSp>
+        <p:nvGrpSpPr>
+          <p:cNvPr id="47" name="Group 8">
+            <a:extLst>
+              <a:ext uri="{FF2B5EF4-FFF2-40B4-BE49-F238E27FC236}">
+                <a16:creationId xmlns:a16="http://schemas.microsoft.com/office/drawing/2014/main" id="{3E042383-1E6F-4425-83F8-66C562F85DF9}"/>
+              </a:ext>
+            </a:extLst>
+          </p:cNvPr>
+          <p:cNvGrpSpPr/>
+          <p:nvPr/>
+        </p:nvGrpSpPr>
+        <p:grpSpPr>
+          <a:xfrm>
+            <a:off x="8114780" y="6064267"/>
+            <a:ext cx="981248" cy="274162"/>
+            <a:chOff x="1487978" y="856211"/>
+            <a:chExt cx="2535382" cy="2427317"/>
+          </a:xfrm>
+        </p:grpSpPr>
+        <p:sp>
+          <p:nvSpPr>
+            <p:cNvPr id="48" name="Snip Diagonal Corner Rectangle 3">
+              <a:extLst>
+                <a:ext uri="{FF2B5EF4-FFF2-40B4-BE49-F238E27FC236}">
+                  <a16:creationId xmlns:a16="http://schemas.microsoft.com/office/drawing/2014/main" id="{56C9F5B4-1180-44B1-BC54-4323201A91C6}"/>
+                </a:ext>
+              </a:extLst>
+            </p:cNvPr>
+            <p:cNvSpPr/>
+            <p:nvPr/>
+          </p:nvSpPr>
+          <p:spPr>
+            <a:xfrm>
+              <a:off x="1487978" y="856211"/>
+              <a:ext cx="2535382" cy="2427317"/>
+            </a:xfrm>
+            <a:prstGeom prst="snip2DiagRect">
+              <a:avLst/>
+            </a:prstGeom>
+            <a:solidFill>
+              <a:srgbClr val="D0CECE"/>
+            </a:solidFill>
+            <a:ln>
+              <a:noFill/>
+            </a:ln>
+            <a:scene3d>
+              <a:camera prst="orthographicFront"/>
+              <a:lightRig rig="threePt" dir="t"/>
+            </a:scene3d>
+            <a:sp3d>
+              <a:bevelT/>
+            </a:sp3d>
+          </p:spPr>
+          <p:style>
+            <a:lnRef idx="2">
+              <a:schemeClr val="accent1">
+                <a:shade val="50000"/>
+              </a:schemeClr>
+            </a:lnRef>
+            <a:fillRef idx="1">
+              <a:schemeClr val="accent1"/>
+            </a:fillRef>
+            <a:effectRef idx="0">
+              <a:schemeClr val="accent1"/>
+            </a:effectRef>
+            <a:fontRef idx="minor">
+              <a:schemeClr val="lt1"/>
+            </a:fontRef>
+          </p:style>
+          <p:txBody>
+            <a:bodyPr rtlCol="0" anchor="ctr"/>
+            <a:lstStyle/>
+            <a:p>
+              <a:pPr algn="ctr"/>
+              <a:endParaRPr lang="en-US"/>
+            </a:p>
+          </p:txBody>
+        </p:sp>
+        <p:sp>
+          <p:nvSpPr>
+            <p:cNvPr id="49" name="Snip Diagonal Corner Rectangle 4">
+              <a:extLst>
+                <a:ext uri="{FF2B5EF4-FFF2-40B4-BE49-F238E27FC236}">
+                  <a16:creationId xmlns:a16="http://schemas.microsoft.com/office/drawing/2014/main" id="{EC520E96-6A77-42A5-B227-FB071E26EBE2}"/>
+                </a:ext>
+              </a:extLst>
+            </p:cNvPr>
+            <p:cNvSpPr/>
+            <p:nvPr/>
+          </p:nvSpPr>
+          <p:spPr>
+            <a:xfrm>
+              <a:off x="1640378" y="1008612"/>
+              <a:ext cx="2228589" cy="2133600"/>
+            </a:xfrm>
+            <a:prstGeom prst="snip2DiagRect">
+              <a:avLst/>
+            </a:prstGeom>
+            <a:solidFill>
+              <a:srgbClr val="AFABAB">
+                <a:alpha val="80000"/>
+              </a:srgbClr>
+            </a:solidFill>
+            <a:ln>
+              <a:noFill/>
+            </a:ln>
+            <a:scene3d>
+              <a:camera prst="orthographicFront"/>
+              <a:lightRig rig="threePt" dir="t"/>
+            </a:scene3d>
+            <a:sp3d>
+              <a:bevelT/>
+            </a:sp3d>
+          </p:spPr>
+          <p:style>
+            <a:lnRef idx="2">
+              <a:schemeClr val="accent1">
+                <a:shade val="50000"/>
+              </a:schemeClr>
+            </a:lnRef>
+            <a:fillRef idx="1">
+              <a:schemeClr val="accent1"/>
+            </a:fillRef>
+            <a:effectRef idx="0">
+              <a:schemeClr val="accent1"/>
+            </a:effectRef>
+            <a:fontRef idx="minor">
+              <a:schemeClr val="lt1"/>
+            </a:fontRef>
+          </p:style>
+          <p:txBody>
+            <a:bodyPr rtlCol="0" anchor="ctr"/>
+            <a:lstStyle/>
+            <a:p>
+              <a:pPr algn="ctr"/>
+              <a:r>
+                <a:rPr lang="en-US" dirty="0"/>
+                <a:t>USE</a:t>
+              </a:r>
+            </a:p>
+          </p:txBody>
+        </p:sp>
+      </p:grpSp>
+      <p:grpSp>
+        <p:nvGrpSpPr>
+          <p:cNvPr id="50" name="Group 8">
+            <a:extLst>
+              <a:ext uri="{FF2B5EF4-FFF2-40B4-BE49-F238E27FC236}">
+                <a16:creationId xmlns:a16="http://schemas.microsoft.com/office/drawing/2014/main" id="{5FC282B6-3979-4B8C-9AAF-01C5B1E635C0}"/>
+              </a:ext>
+            </a:extLst>
+          </p:cNvPr>
+          <p:cNvGrpSpPr/>
+          <p:nvPr/>
+        </p:nvGrpSpPr>
+        <p:grpSpPr>
+          <a:xfrm>
+            <a:off x="9572105" y="5128871"/>
+            <a:ext cx="973487" cy="751155"/>
+            <a:chOff x="1487978" y="856211"/>
+            <a:chExt cx="2535382" cy="2427317"/>
+          </a:xfrm>
+        </p:grpSpPr>
+        <p:sp>
+          <p:nvSpPr>
+            <p:cNvPr id="51" name="Snip Diagonal Corner Rectangle 3">
+              <a:extLst>
+                <a:ext uri="{FF2B5EF4-FFF2-40B4-BE49-F238E27FC236}">
+                  <a16:creationId xmlns:a16="http://schemas.microsoft.com/office/drawing/2014/main" id="{2DC16863-A9F3-417E-B55A-86A7B28C7E39}"/>
+                </a:ext>
+              </a:extLst>
+            </p:cNvPr>
+            <p:cNvSpPr/>
+            <p:nvPr/>
+          </p:nvSpPr>
+          <p:spPr>
+            <a:xfrm>
+              <a:off x="1487978" y="856211"/>
+              <a:ext cx="2535382" cy="2427317"/>
+            </a:xfrm>
+            <a:prstGeom prst="snip2DiagRect">
+              <a:avLst/>
+            </a:prstGeom>
+            <a:solidFill>
+              <a:srgbClr val="D0CECE"/>
+            </a:solidFill>
+            <a:ln>
+              <a:noFill/>
+            </a:ln>
+          </p:spPr>
+          <p:style>
+            <a:lnRef idx="2">
+              <a:schemeClr val="accent1">
+                <a:shade val="50000"/>
+              </a:schemeClr>
+            </a:lnRef>
+            <a:fillRef idx="1">
+              <a:schemeClr val="accent1"/>
+            </a:fillRef>
+            <a:effectRef idx="0">
+              <a:schemeClr val="accent1"/>
+            </a:effectRef>
+            <a:fontRef idx="minor">
+              <a:schemeClr val="lt1"/>
+            </a:fontRef>
+          </p:style>
+          <p:txBody>
+            <a:bodyPr rtlCol="0" anchor="ctr"/>
+            <a:lstStyle/>
+            <a:p>
+              <a:pPr algn="ctr"/>
+              <a:endParaRPr lang="en-US"/>
+            </a:p>
+          </p:txBody>
+        </p:sp>
+        <p:sp>
+          <p:nvSpPr>
+            <p:cNvPr id="52" name="Snip Diagonal Corner Rectangle 4">
+              <a:extLst>
+                <a:ext uri="{FF2B5EF4-FFF2-40B4-BE49-F238E27FC236}">
+                  <a16:creationId xmlns:a16="http://schemas.microsoft.com/office/drawing/2014/main" id="{805145D6-853E-429B-87DD-7AF286F40A1B}"/>
+                </a:ext>
+              </a:extLst>
+            </p:cNvPr>
+            <p:cNvSpPr/>
+            <p:nvPr/>
+          </p:nvSpPr>
+          <p:spPr>
+            <a:xfrm>
+              <a:off x="1640378" y="1008612"/>
+              <a:ext cx="2228589" cy="2133600"/>
+            </a:xfrm>
+            <a:prstGeom prst="snip2DiagRect">
+              <a:avLst/>
+            </a:prstGeom>
+            <a:solidFill>
+              <a:srgbClr val="AFABAB">
+                <a:alpha val="80000"/>
+              </a:srgbClr>
+            </a:solidFill>
+            <a:ln>
+              <a:noFill/>
+            </a:ln>
+          </p:spPr>
+          <p:style>
+            <a:lnRef idx="2">
+              <a:schemeClr val="accent1">
+                <a:shade val="50000"/>
+              </a:schemeClr>
+            </a:lnRef>
+            <a:fillRef idx="1">
+              <a:schemeClr val="accent1"/>
+            </a:fillRef>
+            <a:effectRef idx="0">
+              <a:schemeClr val="accent1"/>
+            </a:effectRef>
+            <a:fontRef idx="minor">
+              <a:schemeClr val="lt1"/>
+            </a:fontRef>
+          </p:style>
+          <p:txBody>
+            <a:bodyPr rtlCol="0" anchor="ctr"/>
+            <a:lstStyle/>
+            <a:p>
+              <a:pPr algn="ctr"/>
+              <a:endParaRPr lang="en-US"/>
+            </a:p>
+          </p:txBody>
+        </p:sp>
+      </p:grpSp>
+      <p:grpSp>
+        <p:nvGrpSpPr>
+          <p:cNvPr id="53" name="Group 8">
+            <a:extLst>
+              <a:ext uri="{FF2B5EF4-FFF2-40B4-BE49-F238E27FC236}">
+                <a16:creationId xmlns:a16="http://schemas.microsoft.com/office/drawing/2014/main" id="{325D1F2B-579C-4E1E-976B-8F0959D064BA}"/>
+              </a:ext>
+            </a:extLst>
+          </p:cNvPr>
+          <p:cNvGrpSpPr/>
+          <p:nvPr/>
+        </p:nvGrpSpPr>
+        <p:grpSpPr>
+          <a:xfrm>
+            <a:off x="9572105" y="5746374"/>
+            <a:ext cx="981248" cy="274162"/>
+            <a:chOff x="1487978" y="856211"/>
+            <a:chExt cx="2535382" cy="2427317"/>
+          </a:xfrm>
+        </p:grpSpPr>
+        <p:sp>
+          <p:nvSpPr>
+            <p:cNvPr id="54" name="Snip Diagonal Corner Rectangle 3">
+              <a:extLst>
+                <a:ext uri="{FF2B5EF4-FFF2-40B4-BE49-F238E27FC236}">
+                  <a16:creationId xmlns:a16="http://schemas.microsoft.com/office/drawing/2014/main" id="{A0BACD8E-9002-4EBD-B5E0-4A4C5D2407AB}"/>
+                </a:ext>
+              </a:extLst>
+            </p:cNvPr>
+            <p:cNvSpPr/>
+            <p:nvPr/>
+          </p:nvSpPr>
+          <p:spPr>
+            <a:xfrm>
+              <a:off x="1487978" y="856211"/>
+              <a:ext cx="2535382" cy="2427317"/>
+            </a:xfrm>
+            <a:prstGeom prst="snip2DiagRect">
+              <a:avLst/>
+            </a:prstGeom>
+            <a:solidFill>
+              <a:srgbClr val="D0CECE"/>
+            </a:solidFill>
+            <a:ln>
+              <a:noFill/>
+            </a:ln>
+          </p:spPr>
+          <p:style>
+            <a:lnRef idx="2">
+              <a:schemeClr val="accent1">
+                <a:shade val="50000"/>
+              </a:schemeClr>
+            </a:lnRef>
+            <a:fillRef idx="1">
+              <a:schemeClr val="accent1"/>
+            </a:fillRef>
+            <a:effectRef idx="0">
+              <a:schemeClr val="accent1"/>
+            </a:effectRef>
+            <a:fontRef idx="minor">
+              <a:schemeClr val="lt1"/>
+            </a:fontRef>
+          </p:style>
+          <p:txBody>
+            <a:bodyPr rtlCol="0" anchor="ctr"/>
+            <a:lstStyle/>
+            <a:p>
+              <a:pPr algn="ctr"/>
+              <a:endParaRPr lang="en-US"/>
+            </a:p>
+          </p:txBody>
+        </p:sp>
+        <p:sp>
+          <p:nvSpPr>
+            <p:cNvPr id="55" name="Snip Diagonal Corner Rectangle 4">
+              <a:extLst>
+                <a:ext uri="{FF2B5EF4-FFF2-40B4-BE49-F238E27FC236}">
+                  <a16:creationId xmlns:a16="http://schemas.microsoft.com/office/drawing/2014/main" id="{37FA8A2B-8364-4D78-9757-9CB7DF14D734}"/>
+                </a:ext>
+              </a:extLst>
+            </p:cNvPr>
+            <p:cNvSpPr/>
+            <p:nvPr/>
+          </p:nvSpPr>
+          <p:spPr>
+            <a:xfrm>
+              <a:off x="1640378" y="1008612"/>
+              <a:ext cx="2228589" cy="2133600"/>
+            </a:xfrm>
+            <a:prstGeom prst="snip2DiagRect">
+              <a:avLst/>
+            </a:prstGeom>
+            <a:solidFill>
+              <a:srgbClr val="AFABAB">
+                <a:alpha val="80000"/>
+              </a:srgbClr>
+            </a:solidFill>
+            <a:ln>
+              <a:noFill/>
+            </a:ln>
+          </p:spPr>
+          <p:style>
+            <a:lnRef idx="2">
+              <a:schemeClr val="accent1">
+                <a:shade val="50000"/>
+              </a:schemeClr>
+            </a:lnRef>
+            <a:fillRef idx="1">
+              <a:schemeClr val="accent1"/>
+            </a:fillRef>
+            <a:effectRef idx="0">
+              <a:schemeClr val="accent1"/>
+            </a:effectRef>
+            <a:fontRef idx="minor">
+              <a:schemeClr val="lt1"/>
+            </a:fontRef>
+          </p:style>
+          <p:txBody>
+            <a:bodyPr rtlCol="0" anchor="ctr"/>
+            <a:lstStyle/>
+            <a:p>
+              <a:pPr algn="ctr"/>
+              <a:r>
+                <a:rPr lang="en-US" dirty="0"/>
+                <a:t>INFO</a:t>
+              </a:r>
+            </a:p>
+          </p:txBody>
+        </p:sp>
+      </p:grpSp>
+      <p:sp>
+        <p:nvSpPr>
+          <p:cNvPr id="57" name="Snip Diagonal Corner Rectangle 7">
+            <a:extLst>
+              <a:ext uri="{FF2B5EF4-FFF2-40B4-BE49-F238E27FC236}">
+                <a16:creationId xmlns:a16="http://schemas.microsoft.com/office/drawing/2014/main" id="{F4BFB8C8-FC22-4B96-9D1B-19C99B9BD394}"/>
+              </a:ext>
+            </a:extLst>
+          </p:cNvPr>
+          <p:cNvSpPr/>
+          <p:nvPr/>
+        </p:nvSpPr>
+        <p:spPr>
+          <a:xfrm>
+            <a:off x="737796" y="746761"/>
+            <a:ext cx="5219700" cy="5739764"/>
+          </a:xfrm>
+          <a:prstGeom prst="snip2DiagRect">
+            <a:avLst>
+              <a:gd name="adj1" fmla="val 0"/>
+              <a:gd name="adj2" fmla="val 15315"/>
+            </a:avLst>
+          </a:prstGeom>
+          <a:solidFill>
+            <a:srgbClr val="000000">
+              <a:alpha val="69804"/>
+            </a:srgbClr>
+          </a:solidFill>
+          <a:ln>
+            <a:noFill/>
+          </a:ln>
+          <a:scene3d>
+            <a:camera prst="orthographicFront"/>
+            <a:lightRig rig="threePt" dir="t"/>
+          </a:scene3d>
+          <a:sp3d>
+            <a:bevelT/>
+          </a:sp3d>
+        </p:spPr>
+        <p:style>
+          <a:lnRef idx="2">
+            <a:schemeClr val="accent1">
+              <a:shade val="50000"/>
+            </a:schemeClr>
+          </a:lnRef>
+          <a:fillRef idx="1">
+            <a:schemeClr val="accent1"/>
+          </a:fillRef>
+          <a:effectRef idx="0">
+            <a:schemeClr val="accent1"/>
+          </a:effectRef>
+          <a:fontRef idx="minor">
+            <a:schemeClr val="lt1"/>
+          </a:fontRef>
+        </p:style>
+        <p:txBody>
+          <a:bodyPr rtlCol="0" anchor="ctr"/>
+          <a:lstStyle/>
+          <a:p>
+            <a:pPr algn="ctr"/>
+            <a:endParaRPr lang="en-US"/>
+          </a:p>
+        </p:txBody>
+      </p:sp>
+      <p:grpSp>
+        <p:nvGrpSpPr>
+          <p:cNvPr id="58" name="Group 8">
+            <a:extLst>
+              <a:ext uri="{FF2B5EF4-FFF2-40B4-BE49-F238E27FC236}">
+                <a16:creationId xmlns:a16="http://schemas.microsoft.com/office/drawing/2014/main" id="{6CB33AEF-0EBD-4ADF-A81F-F2529E5EB591}"/>
+              </a:ext>
+            </a:extLst>
+          </p:cNvPr>
+          <p:cNvGrpSpPr/>
+          <p:nvPr/>
+        </p:nvGrpSpPr>
+        <p:grpSpPr>
+          <a:xfrm>
+            <a:off x="1948599" y="3861038"/>
+            <a:ext cx="981248" cy="934378"/>
+            <a:chOff x="1487978" y="856211"/>
+            <a:chExt cx="2535382" cy="2427317"/>
+          </a:xfrm>
+          <a:solidFill>
+            <a:schemeClr val="accent5">
+              <a:lumMod val="75000"/>
+            </a:schemeClr>
+          </a:solidFill>
+        </p:grpSpPr>
+        <p:sp>
+          <p:nvSpPr>
+            <p:cNvPr id="59" name="Snip Diagonal Corner Rectangle 3">
+              <a:extLst>
+                <a:ext uri="{FF2B5EF4-FFF2-40B4-BE49-F238E27FC236}">
+                  <a16:creationId xmlns:a16="http://schemas.microsoft.com/office/drawing/2014/main" id="{E6349983-CCC8-4A0E-AB85-74C3F5D5D28D}"/>
+                </a:ext>
+              </a:extLst>
+            </p:cNvPr>
+            <p:cNvSpPr/>
+            <p:nvPr/>
+          </p:nvSpPr>
+          <p:spPr>
+            <a:xfrm>
+              <a:off x="1487978" y="856211"/>
+              <a:ext cx="2535382" cy="2427317"/>
+            </a:xfrm>
+            <a:prstGeom prst="snip2DiagRect">
+              <a:avLst/>
+            </a:prstGeom>
+            <a:grpFill/>
+            <a:ln>
+              <a:noFill/>
+            </a:ln>
+            <a:scene3d>
+              <a:camera prst="orthographicFront"/>
+              <a:lightRig rig="threePt" dir="t"/>
+            </a:scene3d>
+            <a:sp3d>
+              <a:bevelT/>
+            </a:sp3d>
+          </p:spPr>
+          <p:style>
+            <a:lnRef idx="2">
+              <a:schemeClr val="accent1">
+                <a:shade val="50000"/>
+              </a:schemeClr>
+            </a:lnRef>
+            <a:fillRef idx="1">
+              <a:schemeClr val="accent1"/>
+            </a:fillRef>
+            <a:effectRef idx="0">
+              <a:schemeClr val="accent1"/>
+            </a:effectRef>
+            <a:fontRef idx="minor">
+              <a:schemeClr val="lt1"/>
+            </a:fontRef>
+          </p:style>
+          <p:txBody>
+            <a:bodyPr rtlCol="0" anchor="ctr"/>
+            <a:lstStyle/>
+            <a:p>
+              <a:pPr algn="ctr"/>
+              <a:endParaRPr lang="en-US"/>
+            </a:p>
+          </p:txBody>
+        </p:sp>
+        <p:sp>
+          <p:nvSpPr>
+            <p:cNvPr id="60" name="Snip Diagonal Corner Rectangle 4">
+              <a:extLst>
+                <a:ext uri="{FF2B5EF4-FFF2-40B4-BE49-F238E27FC236}">
+                  <a16:creationId xmlns:a16="http://schemas.microsoft.com/office/drawing/2014/main" id="{C3B1CD39-A4E4-479B-9534-71743C9458A0}"/>
+                </a:ext>
+              </a:extLst>
+            </p:cNvPr>
+            <p:cNvSpPr/>
+            <p:nvPr/>
+          </p:nvSpPr>
+          <p:spPr>
+            <a:xfrm>
+              <a:off x="1640378" y="1008612"/>
+              <a:ext cx="2228589" cy="2133600"/>
+            </a:xfrm>
+            <a:prstGeom prst="snip2DiagRect">
+              <a:avLst/>
+            </a:prstGeom>
+            <a:grpFill/>
+            <a:ln>
+              <a:noFill/>
+            </a:ln>
+            <a:scene3d>
+              <a:camera prst="orthographicFront"/>
+              <a:lightRig rig="threePt" dir="t"/>
+            </a:scene3d>
+            <a:sp3d>
+              <a:bevelT/>
+            </a:sp3d>
+          </p:spPr>
+          <p:style>
+            <a:lnRef idx="2">
+              <a:schemeClr val="accent1">
+                <a:shade val="50000"/>
+              </a:schemeClr>
+            </a:lnRef>
+            <a:fillRef idx="1">
+              <a:schemeClr val="accent1"/>
+            </a:fillRef>
+            <a:effectRef idx="0">
+              <a:schemeClr val="accent1"/>
+            </a:effectRef>
+            <a:fontRef idx="minor">
+              <a:schemeClr val="lt1"/>
+            </a:fontRef>
+          </p:style>
+          <p:txBody>
+            <a:bodyPr rtlCol="0" anchor="ctr"/>
+            <a:lstStyle/>
+            <a:p>
+              <a:pPr algn="ctr"/>
+              <a:endParaRPr lang="en-US"/>
+            </a:p>
+          </p:txBody>
+        </p:sp>
+      </p:grpSp>
+      <p:grpSp>
+        <p:nvGrpSpPr>
+          <p:cNvPr id="61" name="Group 8">
+            <a:extLst>
+              <a:ext uri="{FF2B5EF4-FFF2-40B4-BE49-F238E27FC236}">
+                <a16:creationId xmlns:a16="http://schemas.microsoft.com/office/drawing/2014/main" id="{4BEA5DD1-3760-428A-AE3C-7C28058EA814}"/>
+              </a:ext>
+            </a:extLst>
+          </p:cNvPr>
+          <p:cNvGrpSpPr/>
+          <p:nvPr/>
+        </p:nvGrpSpPr>
+        <p:grpSpPr>
+          <a:xfrm>
+            <a:off x="3868214" y="3839347"/>
+            <a:ext cx="981248" cy="934378"/>
+            <a:chOff x="1487978" y="856211"/>
+            <a:chExt cx="2535382" cy="2427317"/>
+          </a:xfrm>
+          <a:solidFill>
+            <a:schemeClr val="accent5">
+              <a:lumMod val="75000"/>
+            </a:schemeClr>
+          </a:solidFill>
+        </p:grpSpPr>
+        <p:sp>
+          <p:nvSpPr>
+            <p:cNvPr id="62" name="Snip Diagonal Corner Rectangle 3">
+              <a:extLst>
+                <a:ext uri="{FF2B5EF4-FFF2-40B4-BE49-F238E27FC236}">
+                  <a16:creationId xmlns:a16="http://schemas.microsoft.com/office/drawing/2014/main" id="{E60BFE65-4A67-41A7-8B25-4124A9360680}"/>
+                </a:ext>
+              </a:extLst>
+            </p:cNvPr>
+            <p:cNvSpPr/>
+            <p:nvPr/>
+          </p:nvSpPr>
+          <p:spPr>
+            <a:xfrm>
+              <a:off x="1487978" y="856211"/>
+              <a:ext cx="2535382" cy="2427317"/>
+            </a:xfrm>
+            <a:prstGeom prst="snip2DiagRect">
+              <a:avLst/>
+            </a:prstGeom>
+            <a:grpFill/>
+            <a:ln>
+              <a:noFill/>
+            </a:ln>
+            <a:scene3d>
+              <a:camera prst="orthographicFront"/>
+              <a:lightRig rig="threePt" dir="t"/>
+            </a:scene3d>
+            <a:sp3d>
+              <a:bevelT/>
+            </a:sp3d>
+          </p:spPr>
+          <p:style>
+            <a:lnRef idx="2">
+              <a:schemeClr val="accent1">
+                <a:shade val="50000"/>
+              </a:schemeClr>
+            </a:lnRef>
+            <a:fillRef idx="1">
+              <a:schemeClr val="accent1"/>
+            </a:fillRef>
+            <a:effectRef idx="0">
+              <a:schemeClr val="accent1"/>
+            </a:effectRef>
+            <a:fontRef idx="minor">
+              <a:schemeClr val="lt1"/>
+            </a:fontRef>
+          </p:style>
+          <p:txBody>
+            <a:bodyPr rtlCol="0" anchor="ctr"/>
+            <a:lstStyle/>
+            <a:p>
+              <a:pPr algn="ctr"/>
+              <a:endParaRPr lang="en-US"/>
+            </a:p>
+          </p:txBody>
+        </p:sp>
+        <p:sp>
+          <p:nvSpPr>
+            <p:cNvPr id="63" name="Snip Diagonal Corner Rectangle 4">
+              <a:extLst>
+                <a:ext uri="{FF2B5EF4-FFF2-40B4-BE49-F238E27FC236}">
+                  <a16:creationId xmlns:a16="http://schemas.microsoft.com/office/drawing/2014/main" id="{81A7A4DD-AC21-4232-B5AA-A2B3A1EAB89A}"/>
+                </a:ext>
+              </a:extLst>
+            </p:cNvPr>
+            <p:cNvSpPr/>
+            <p:nvPr/>
+          </p:nvSpPr>
+          <p:spPr>
+            <a:xfrm>
+              <a:off x="1640378" y="1008612"/>
+              <a:ext cx="2228589" cy="2133600"/>
+            </a:xfrm>
+            <a:prstGeom prst="snip2DiagRect">
+              <a:avLst/>
+            </a:prstGeom>
+            <a:grpFill/>
+            <a:ln>
+              <a:noFill/>
+            </a:ln>
+            <a:scene3d>
+              <a:camera prst="orthographicFront"/>
+              <a:lightRig rig="threePt" dir="t"/>
+            </a:scene3d>
+            <a:sp3d>
+              <a:bevelT/>
+            </a:sp3d>
+          </p:spPr>
+          <p:style>
+            <a:lnRef idx="2">
+              <a:schemeClr val="accent1">
+                <a:shade val="50000"/>
+              </a:schemeClr>
+            </a:lnRef>
+            <a:fillRef idx="1">
+              <a:schemeClr val="accent1"/>
+            </a:fillRef>
+            <a:effectRef idx="0">
+              <a:schemeClr val="accent1"/>
+            </a:effectRef>
+            <a:fontRef idx="minor">
+              <a:schemeClr val="lt1"/>
+            </a:fontRef>
+          </p:style>
+          <p:txBody>
+            <a:bodyPr rtlCol="0" anchor="ctr"/>
+            <a:lstStyle/>
+            <a:p>
+              <a:pPr algn="ctr"/>
+              <a:endParaRPr lang="en-US"/>
+            </a:p>
+          </p:txBody>
+        </p:sp>
+      </p:grpSp>
+      <p:grpSp>
+        <p:nvGrpSpPr>
+          <p:cNvPr id="64" name="Group 8">
+            <a:extLst>
+              <a:ext uri="{FF2B5EF4-FFF2-40B4-BE49-F238E27FC236}">
+                <a16:creationId xmlns:a16="http://schemas.microsoft.com/office/drawing/2014/main" id="{FEFA0DFF-2235-4060-BA9A-9D8A873C46F6}"/>
+              </a:ext>
+            </a:extLst>
+          </p:cNvPr>
+          <p:cNvGrpSpPr/>
+          <p:nvPr/>
+        </p:nvGrpSpPr>
+        <p:grpSpPr>
+          <a:xfrm>
+            <a:off x="2665587" y="1648250"/>
+            <a:ext cx="1490204" cy="1370403"/>
+            <a:chOff x="1487978" y="856211"/>
+            <a:chExt cx="2535382" cy="2427317"/>
+          </a:xfrm>
+          <a:solidFill>
+            <a:srgbClr val="7030A0"/>
+          </a:solidFill>
+        </p:grpSpPr>
+        <p:sp>
+          <p:nvSpPr>
+            <p:cNvPr id="65" name="Snip Diagonal Corner Rectangle 3">
+              <a:extLst>
+                <a:ext uri="{FF2B5EF4-FFF2-40B4-BE49-F238E27FC236}">
+                  <a16:creationId xmlns:a16="http://schemas.microsoft.com/office/drawing/2014/main" id="{AA814CF0-FC57-424B-8920-6C16A0172744}"/>
+                </a:ext>
+              </a:extLst>
+            </p:cNvPr>
+            <p:cNvSpPr/>
+            <p:nvPr/>
+          </p:nvSpPr>
+          <p:spPr>
+            <a:xfrm>
+              <a:off x="1487978" y="856211"/>
+              <a:ext cx="2535382" cy="2427317"/>
+            </a:xfrm>
+            <a:prstGeom prst="snip2DiagRect">
+              <a:avLst/>
+            </a:prstGeom>
+            <a:grpFill/>
+            <a:ln>
+              <a:noFill/>
+            </a:ln>
+            <a:scene3d>
+              <a:camera prst="orthographicFront"/>
+              <a:lightRig rig="threePt" dir="t"/>
+            </a:scene3d>
+            <a:sp3d>
+              <a:bevelT/>
+            </a:sp3d>
+          </p:spPr>
+          <p:style>
+            <a:lnRef idx="2">
+              <a:schemeClr val="accent1">
+                <a:shade val="50000"/>
+              </a:schemeClr>
+            </a:lnRef>
+            <a:fillRef idx="1">
+              <a:schemeClr val="accent1"/>
+            </a:fillRef>
+            <a:effectRef idx="0">
+              <a:schemeClr val="accent1"/>
+            </a:effectRef>
+            <a:fontRef idx="minor">
+              <a:schemeClr val="lt1"/>
+            </a:fontRef>
+          </p:style>
+          <p:txBody>
+            <a:bodyPr rtlCol="0" anchor="ctr"/>
+            <a:lstStyle/>
+            <a:p>
+              <a:pPr algn="ctr"/>
+              <a:endParaRPr lang="en-US"/>
+            </a:p>
+          </p:txBody>
+        </p:sp>
+        <p:sp>
+          <p:nvSpPr>
+            <p:cNvPr id="66" name="Snip Diagonal Corner Rectangle 4">
+              <a:extLst>
+                <a:ext uri="{FF2B5EF4-FFF2-40B4-BE49-F238E27FC236}">
+                  <a16:creationId xmlns:a16="http://schemas.microsoft.com/office/drawing/2014/main" id="{D46B9DE5-0084-4DB8-85F9-B27344E8FFE9}"/>
+                </a:ext>
+              </a:extLst>
+            </p:cNvPr>
+            <p:cNvSpPr/>
+            <p:nvPr/>
+          </p:nvSpPr>
+          <p:spPr>
+            <a:xfrm>
+              <a:off x="1640378" y="1008612"/>
+              <a:ext cx="2228589" cy="2133600"/>
+            </a:xfrm>
+            <a:prstGeom prst="snip2DiagRect">
+              <a:avLst/>
+            </a:prstGeom>
+            <a:grpFill/>
+            <a:ln>
+              <a:noFill/>
+            </a:ln>
+            <a:scene3d>
+              <a:camera prst="orthographicFront"/>
+              <a:lightRig rig="threePt" dir="t"/>
+            </a:scene3d>
+            <a:sp3d>
+              <a:bevelT/>
+            </a:sp3d>
+          </p:spPr>
+          <p:style>
+            <a:lnRef idx="2">
+              <a:schemeClr val="accent1">
+                <a:shade val="50000"/>
+              </a:schemeClr>
+            </a:lnRef>
+            <a:fillRef idx="1">
+              <a:schemeClr val="accent1"/>
+            </a:fillRef>
+            <a:effectRef idx="0">
+              <a:schemeClr val="accent1"/>
+            </a:effectRef>
+            <a:fontRef idx="minor">
+              <a:schemeClr val="lt1"/>
+            </a:fontRef>
+          </p:style>
+          <p:txBody>
+            <a:bodyPr rtlCol="0" anchor="ctr"/>
+            <a:lstStyle/>
+            <a:p>
+              <a:pPr algn="ctr"/>
+              <a:endParaRPr lang="en-US"/>
+            </a:p>
+          </p:txBody>
+        </p:sp>
+      </p:grpSp>
+      <p:grpSp>
+        <p:nvGrpSpPr>
+          <p:cNvPr id="67" name="Group 8">
+            <a:extLst>
+              <a:ext uri="{FF2B5EF4-FFF2-40B4-BE49-F238E27FC236}">
+                <a16:creationId xmlns:a16="http://schemas.microsoft.com/office/drawing/2014/main" id="{944FA689-176F-48D7-9826-57A7ECCE6E40}"/>
+              </a:ext>
+            </a:extLst>
+          </p:cNvPr>
+          <p:cNvGrpSpPr/>
+          <p:nvPr/>
+        </p:nvGrpSpPr>
+        <p:grpSpPr>
+          <a:xfrm>
+            <a:off x="2712304" y="5504448"/>
+            <a:ext cx="1423739" cy="407814"/>
+            <a:chOff x="1487978" y="856211"/>
+            <a:chExt cx="2535382" cy="2427317"/>
+          </a:xfrm>
+          <a:solidFill>
+            <a:schemeClr val="accent2"/>
+          </a:solidFill>
+        </p:grpSpPr>
+        <p:sp>
+          <p:nvSpPr>
+            <p:cNvPr id="68" name="Snip Diagonal Corner Rectangle 3">
+              <a:extLst>
+                <a:ext uri="{FF2B5EF4-FFF2-40B4-BE49-F238E27FC236}">
+                  <a16:creationId xmlns:a16="http://schemas.microsoft.com/office/drawing/2014/main" id="{E85F729E-2009-44A7-9B6F-FB2933E7CBCB}"/>
+                </a:ext>
+              </a:extLst>
+            </p:cNvPr>
+            <p:cNvSpPr/>
+            <p:nvPr/>
+          </p:nvSpPr>
+          <p:spPr>
+            <a:xfrm>
+              <a:off x="1487978" y="856211"/>
+              <a:ext cx="2535382" cy="2427317"/>
+            </a:xfrm>
+            <a:prstGeom prst="snip2DiagRect">
+              <a:avLst/>
+            </a:prstGeom>
+            <a:grpFill/>
+            <a:ln>
+              <a:noFill/>
+            </a:ln>
+            <a:scene3d>
+              <a:camera prst="orthographicFront"/>
+              <a:lightRig rig="threePt" dir="t"/>
+            </a:scene3d>
+            <a:sp3d>
+              <a:bevelT/>
+            </a:sp3d>
+          </p:spPr>
+          <p:style>
+            <a:lnRef idx="2">
+              <a:schemeClr val="accent1">
+                <a:shade val="50000"/>
+              </a:schemeClr>
+            </a:lnRef>
+            <a:fillRef idx="1">
+              <a:schemeClr val="accent1"/>
+            </a:fillRef>
+            <a:effectRef idx="0">
+              <a:schemeClr val="accent1"/>
+            </a:effectRef>
+            <a:fontRef idx="minor">
+              <a:schemeClr val="lt1"/>
+            </a:fontRef>
+          </p:style>
+          <p:txBody>
+            <a:bodyPr rtlCol="0" anchor="ctr"/>
+            <a:lstStyle/>
+            <a:p>
+              <a:pPr algn="ctr"/>
+              <a:endParaRPr lang="en-US"/>
+            </a:p>
+          </p:txBody>
+        </p:sp>
+        <p:sp>
+          <p:nvSpPr>
+            <p:cNvPr id="69" name="Snip Diagonal Corner Rectangle 4">
+              <a:extLst>
+                <a:ext uri="{FF2B5EF4-FFF2-40B4-BE49-F238E27FC236}">
+                  <a16:creationId xmlns:a16="http://schemas.microsoft.com/office/drawing/2014/main" id="{02B6F759-DDF9-42DB-8540-526853880AB0}"/>
+                </a:ext>
+              </a:extLst>
+            </p:cNvPr>
+            <p:cNvSpPr/>
+            <p:nvPr/>
+          </p:nvSpPr>
+          <p:spPr>
+            <a:xfrm>
+              <a:off x="1640378" y="1008612"/>
+              <a:ext cx="2228589" cy="2133600"/>
+            </a:xfrm>
+            <a:prstGeom prst="snip2DiagRect">
+              <a:avLst/>
+            </a:prstGeom>
+            <a:grpFill/>
+            <a:ln>
+              <a:noFill/>
+            </a:ln>
+            <a:scene3d>
+              <a:camera prst="orthographicFront"/>
+              <a:lightRig rig="threePt" dir="t"/>
+            </a:scene3d>
+            <a:sp3d>
+              <a:bevelT/>
+            </a:sp3d>
+          </p:spPr>
+          <p:style>
+            <a:lnRef idx="2">
+              <a:schemeClr val="accent1">
+                <a:shade val="50000"/>
+              </a:schemeClr>
+            </a:lnRef>
+            <a:fillRef idx="1">
+              <a:schemeClr val="accent1"/>
+            </a:fillRef>
+            <a:effectRef idx="0">
+              <a:schemeClr val="accent1"/>
+            </a:effectRef>
+            <a:fontRef idx="minor">
+              <a:schemeClr val="lt1"/>
+            </a:fontRef>
+          </p:style>
+          <p:txBody>
+            <a:bodyPr rtlCol="0" anchor="ctr"/>
+            <a:lstStyle/>
+            <a:p>
+              <a:pPr algn="ctr"/>
+              <a:r>
+                <a:rPr lang="en-US" dirty="0"/>
+                <a:t>Upgrade</a:t>
+              </a:r>
+            </a:p>
+          </p:txBody>
+        </p:sp>
+      </p:grpSp>
+    </p:spTree>
+    <p:extLst>
+      <p:ext uri="{BB962C8B-B14F-4D97-AF65-F5344CB8AC3E}">
+        <p14:creationId xmlns:p14="http://schemas.microsoft.com/office/powerpoint/2010/main" val="845331704"/>
+      </p:ext>
+    </p:extLst>
+  </p:cSld>
+  <p:clrMapOvr>
+    <a:masterClrMapping/>
+  </p:clrMapOvr>
+</p:sld>
+</file>
+
+<file path=ppt/slides/slide13.xml><?xml version="1.0" encoding="utf-8"?>
+<p:sld xmlns:a="http://schemas.openxmlformats.org/drawingml/2006/main" xmlns:r="http://schemas.openxmlformats.org/officeDocument/2006/relationships" xmlns:p="http://schemas.openxmlformats.org/presentationml/2006/main">
+  <p:cSld>
+    <p:spTree>
+      <p:nvGrpSpPr>
+        <p:cNvPr id="1" name=""/>
+        <p:cNvGrpSpPr/>
+        <p:nvPr/>
+      </p:nvGrpSpPr>
+      <p:grpSpPr>
+        <a:xfrm>
+          <a:off x="0" y="0"/>
+          <a:ext cx="0" cy="0"/>
+          <a:chOff x="0" y="0"/>
+          <a:chExt cx="0" cy="0"/>
+        </a:xfrm>
+      </p:grpSpPr>
+      <p:sp>
+        <p:nvSpPr>
+          <p:cNvPr id="4" name="Snip Diagonal Corner Rectangle 7">
+            <a:extLst>
+              <a:ext uri="{FF2B5EF4-FFF2-40B4-BE49-F238E27FC236}">
+                <a16:creationId xmlns:a16="http://schemas.microsoft.com/office/drawing/2014/main" id="{9716738C-161E-4FEE-829C-56CEE546BFC5}"/>
+              </a:ext>
+            </a:extLst>
+          </p:cNvPr>
+          <p:cNvSpPr/>
+          <p:nvPr/>
+        </p:nvSpPr>
+        <p:spPr>
+          <a:xfrm>
+            <a:off x="1686186" y="962005"/>
+            <a:ext cx="8741330" cy="5002567"/>
+          </a:xfrm>
+          <a:prstGeom prst="snip2DiagRect">
+            <a:avLst>
+              <a:gd name="adj1" fmla="val 0"/>
+              <a:gd name="adj2" fmla="val 15315"/>
+            </a:avLst>
+          </a:prstGeom>
+          <a:solidFill>
+            <a:srgbClr val="000000">
+              <a:alpha val="69804"/>
+            </a:srgbClr>
+          </a:solidFill>
+          <a:ln>
+            <a:noFill/>
+          </a:ln>
+          <a:scene3d>
+            <a:camera prst="orthographicFront"/>
+            <a:lightRig rig="threePt" dir="t"/>
+          </a:scene3d>
+          <a:sp3d>
+            <a:bevelT/>
+          </a:sp3d>
+        </p:spPr>
+        <p:style>
+          <a:lnRef idx="2">
+            <a:schemeClr val="accent1">
+              <a:shade val="50000"/>
+            </a:schemeClr>
+          </a:lnRef>
+          <a:fillRef idx="1">
+            <a:schemeClr val="accent1"/>
+          </a:fillRef>
+          <a:effectRef idx="0">
+            <a:schemeClr val="accent1"/>
+          </a:effectRef>
+          <a:fontRef idx="minor">
+            <a:schemeClr val="lt1"/>
+          </a:fontRef>
+        </p:style>
+        <p:txBody>
+          <a:bodyPr rtlCol="0" anchor="ctr"/>
+          <a:lstStyle/>
+          <a:p>
+            <a:pPr algn="ctr"/>
+            <a:endParaRPr lang="en-US"/>
+          </a:p>
+        </p:txBody>
+      </p:sp>
+      <p:grpSp>
+        <p:nvGrpSpPr>
+          <p:cNvPr id="5" name="Group 8">
+            <a:extLst>
+              <a:ext uri="{FF2B5EF4-FFF2-40B4-BE49-F238E27FC236}">
+                <a16:creationId xmlns:a16="http://schemas.microsoft.com/office/drawing/2014/main" id="{4BDCDE58-8425-4F79-BB78-1BF059FA4AC7}"/>
+              </a:ext>
+            </a:extLst>
+          </p:cNvPr>
+          <p:cNvGrpSpPr/>
+          <p:nvPr/>
+        </p:nvGrpSpPr>
+        <p:grpSpPr>
+          <a:xfrm>
+            <a:off x="2941469" y="2170545"/>
+            <a:ext cx="1516755" cy="1411947"/>
+            <a:chOff x="1487978" y="856211"/>
+            <a:chExt cx="2535382" cy="2427317"/>
+          </a:xfrm>
+        </p:grpSpPr>
+        <p:sp>
+          <p:nvSpPr>
+            <p:cNvPr id="6" name="Snip Diagonal Corner Rectangle 3">
+              <a:extLst>
+                <a:ext uri="{FF2B5EF4-FFF2-40B4-BE49-F238E27FC236}">
+                  <a16:creationId xmlns:a16="http://schemas.microsoft.com/office/drawing/2014/main" id="{CB0C4C6F-B4B9-49EE-9C91-60B59ADE0DCE}"/>
+                </a:ext>
+              </a:extLst>
+            </p:cNvPr>
+            <p:cNvSpPr/>
+            <p:nvPr/>
+          </p:nvSpPr>
+          <p:spPr>
+            <a:xfrm>
+              <a:off x="1487978" y="856211"/>
+              <a:ext cx="2535382" cy="2427317"/>
+            </a:xfrm>
+            <a:prstGeom prst="snip2DiagRect">
+              <a:avLst/>
+            </a:prstGeom>
+            <a:solidFill>
+              <a:srgbClr val="D0CECE"/>
+            </a:solidFill>
+            <a:ln>
+              <a:noFill/>
+            </a:ln>
+            <a:scene3d>
+              <a:camera prst="orthographicFront"/>
+              <a:lightRig rig="threePt" dir="t"/>
+            </a:scene3d>
+            <a:sp3d>
+              <a:bevelT/>
+            </a:sp3d>
+          </p:spPr>
+          <p:style>
+            <a:lnRef idx="2">
+              <a:schemeClr val="accent1">
+                <a:shade val="50000"/>
+              </a:schemeClr>
+            </a:lnRef>
+            <a:fillRef idx="1">
+              <a:schemeClr val="accent1"/>
+            </a:fillRef>
+            <a:effectRef idx="0">
+              <a:schemeClr val="accent1"/>
+            </a:effectRef>
+            <a:fontRef idx="minor">
+              <a:schemeClr val="lt1"/>
+            </a:fontRef>
+          </p:style>
+          <p:txBody>
+            <a:bodyPr rtlCol="0" anchor="ctr"/>
+            <a:lstStyle/>
+            <a:p>
+              <a:pPr algn="ctr"/>
+              <a:endParaRPr lang="en-US"/>
+            </a:p>
+          </p:txBody>
+        </p:sp>
+        <p:sp>
+          <p:nvSpPr>
+            <p:cNvPr id="7" name="Snip Diagonal Corner Rectangle 4">
+              <a:extLst>
+                <a:ext uri="{FF2B5EF4-FFF2-40B4-BE49-F238E27FC236}">
+                  <a16:creationId xmlns:a16="http://schemas.microsoft.com/office/drawing/2014/main" id="{D480A9DC-12B8-42CB-B6A8-95AC0AE5A3D0}"/>
+                </a:ext>
+              </a:extLst>
+            </p:cNvPr>
+            <p:cNvSpPr/>
+            <p:nvPr/>
+          </p:nvSpPr>
+          <p:spPr>
+            <a:xfrm>
+              <a:off x="1640378" y="1008612"/>
+              <a:ext cx="2228589" cy="2133600"/>
+            </a:xfrm>
+            <a:prstGeom prst="snip2DiagRect">
+              <a:avLst/>
+            </a:prstGeom>
+            <a:solidFill>
+              <a:srgbClr val="AFABAB">
+                <a:alpha val="80000"/>
+              </a:srgbClr>
+            </a:solidFill>
+            <a:ln>
+              <a:noFill/>
+            </a:ln>
+            <a:scene3d>
+              <a:camera prst="orthographicFront"/>
+              <a:lightRig rig="threePt" dir="t"/>
+            </a:scene3d>
+            <a:sp3d>
+              <a:bevelT/>
+            </a:sp3d>
+          </p:spPr>
+          <p:style>
+            <a:lnRef idx="2">
+              <a:schemeClr val="accent1">
+                <a:shade val="50000"/>
+              </a:schemeClr>
+            </a:lnRef>
+            <a:fillRef idx="1">
+              <a:schemeClr val="accent1"/>
+            </a:fillRef>
+            <a:effectRef idx="0">
+              <a:schemeClr val="accent1"/>
+            </a:effectRef>
+            <a:fontRef idx="minor">
+              <a:schemeClr val="lt1"/>
+            </a:fontRef>
+          </p:style>
+          <p:txBody>
+            <a:bodyPr rtlCol="0" anchor="ctr"/>
+            <a:lstStyle/>
+            <a:p>
+              <a:pPr algn="ctr"/>
+              <a:endParaRPr lang="en-US"/>
+            </a:p>
+          </p:txBody>
+        </p:sp>
+      </p:grpSp>
+      <p:grpSp>
+        <p:nvGrpSpPr>
+          <p:cNvPr id="8" name="Group 8">
+            <a:extLst>
+              <a:ext uri="{FF2B5EF4-FFF2-40B4-BE49-F238E27FC236}">
+                <a16:creationId xmlns:a16="http://schemas.microsoft.com/office/drawing/2014/main" id="{569BC649-9E60-49BE-A71A-F207C98ABB0D}"/>
+              </a:ext>
+            </a:extLst>
+          </p:cNvPr>
+          <p:cNvGrpSpPr/>
+          <p:nvPr/>
+        </p:nvGrpSpPr>
+        <p:grpSpPr>
+          <a:xfrm>
+            <a:off x="5109842" y="2170545"/>
+            <a:ext cx="1482019" cy="1411947"/>
+            <a:chOff x="1487978" y="856211"/>
+            <a:chExt cx="2535382" cy="2427317"/>
+          </a:xfrm>
+        </p:grpSpPr>
+        <p:sp>
+          <p:nvSpPr>
+            <p:cNvPr id="9" name="Snip Diagonal Corner Rectangle 3">
+              <a:extLst>
+                <a:ext uri="{FF2B5EF4-FFF2-40B4-BE49-F238E27FC236}">
+                  <a16:creationId xmlns:a16="http://schemas.microsoft.com/office/drawing/2014/main" id="{73EB13B6-20CB-417B-97FF-AA1154B549B4}"/>
+                </a:ext>
+              </a:extLst>
+            </p:cNvPr>
+            <p:cNvSpPr/>
+            <p:nvPr/>
+          </p:nvSpPr>
+          <p:spPr>
+            <a:xfrm>
+              <a:off x="1487978" y="856211"/>
+              <a:ext cx="2535382" cy="2427317"/>
+            </a:xfrm>
+            <a:prstGeom prst="snip2DiagRect">
+              <a:avLst/>
+            </a:prstGeom>
+            <a:solidFill>
+              <a:srgbClr val="D0CECE"/>
+            </a:solidFill>
+            <a:ln>
+              <a:noFill/>
+            </a:ln>
+            <a:scene3d>
+              <a:camera prst="orthographicFront"/>
+              <a:lightRig rig="threePt" dir="t"/>
+            </a:scene3d>
+            <a:sp3d>
+              <a:bevelT/>
+            </a:sp3d>
+          </p:spPr>
+          <p:style>
+            <a:lnRef idx="2">
+              <a:schemeClr val="accent1">
+                <a:shade val="50000"/>
+              </a:schemeClr>
+            </a:lnRef>
+            <a:fillRef idx="1">
+              <a:schemeClr val="accent1"/>
+            </a:fillRef>
+            <a:effectRef idx="0">
+              <a:schemeClr val="accent1"/>
+            </a:effectRef>
+            <a:fontRef idx="minor">
+              <a:schemeClr val="lt1"/>
+            </a:fontRef>
+          </p:style>
+          <p:txBody>
+            <a:bodyPr rtlCol="0" anchor="ctr"/>
+            <a:lstStyle/>
+            <a:p>
+              <a:pPr algn="ctr"/>
+              <a:endParaRPr lang="en-US"/>
+            </a:p>
+          </p:txBody>
+        </p:sp>
+        <p:sp>
+          <p:nvSpPr>
+            <p:cNvPr id="10" name="Snip Diagonal Corner Rectangle 4">
+              <a:extLst>
+                <a:ext uri="{FF2B5EF4-FFF2-40B4-BE49-F238E27FC236}">
+                  <a16:creationId xmlns:a16="http://schemas.microsoft.com/office/drawing/2014/main" id="{E1826F7C-7B75-485D-A155-471941FF2E8F}"/>
+                </a:ext>
+              </a:extLst>
+            </p:cNvPr>
+            <p:cNvSpPr/>
+            <p:nvPr/>
+          </p:nvSpPr>
+          <p:spPr>
+            <a:xfrm>
+              <a:off x="1640378" y="1008612"/>
+              <a:ext cx="2228589" cy="2133600"/>
+            </a:xfrm>
+            <a:prstGeom prst="snip2DiagRect">
+              <a:avLst/>
+            </a:prstGeom>
+            <a:solidFill>
+              <a:srgbClr val="AFABAB">
+                <a:alpha val="80000"/>
+              </a:srgbClr>
+            </a:solidFill>
+            <a:ln>
+              <a:noFill/>
+            </a:ln>
+            <a:scene3d>
+              <a:camera prst="orthographicFront"/>
+              <a:lightRig rig="threePt" dir="t"/>
+            </a:scene3d>
+            <a:sp3d>
+              <a:bevelT/>
+            </a:sp3d>
+          </p:spPr>
+          <p:style>
+            <a:lnRef idx="2">
+              <a:schemeClr val="accent1">
+                <a:shade val="50000"/>
+              </a:schemeClr>
+            </a:lnRef>
+            <a:fillRef idx="1">
+              <a:schemeClr val="accent1"/>
+            </a:fillRef>
+            <a:effectRef idx="0">
+              <a:schemeClr val="accent1"/>
+            </a:effectRef>
+            <a:fontRef idx="minor">
+              <a:schemeClr val="lt1"/>
+            </a:fontRef>
+          </p:style>
+          <p:txBody>
+            <a:bodyPr rtlCol="0" anchor="ctr"/>
+            <a:lstStyle/>
+            <a:p>
+              <a:pPr algn="ctr"/>
+              <a:endParaRPr lang="en-US"/>
+            </a:p>
+          </p:txBody>
+        </p:sp>
+      </p:grpSp>
+      <p:grpSp>
+        <p:nvGrpSpPr>
+          <p:cNvPr id="11" name="Group 8">
+            <a:extLst>
+              <a:ext uri="{FF2B5EF4-FFF2-40B4-BE49-F238E27FC236}">
+                <a16:creationId xmlns:a16="http://schemas.microsoft.com/office/drawing/2014/main" id="{DF48A26D-9246-433D-A710-1FB8CF02D845}"/>
+              </a:ext>
+            </a:extLst>
+          </p:cNvPr>
+          <p:cNvGrpSpPr/>
+          <p:nvPr/>
+        </p:nvGrpSpPr>
+        <p:grpSpPr>
+          <a:xfrm>
+            <a:off x="7374518" y="2170545"/>
+            <a:ext cx="1482019" cy="1411947"/>
+            <a:chOff x="1487978" y="856211"/>
+            <a:chExt cx="2535382" cy="2427317"/>
+          </a:xfrm>
+        </p:grpSpPr>
+        <p:sp>
+          <p:nvSpPr>
+            <p:cNvPr id="12" name="Snip Diagonal Corner Rectangle 3">
+              <a:extLst>
+                <a:ext uri="{FF2B5EF4-FFF2-40B4-BE49-F238E27FC236}">
+                  <a16:creationId xmlns:a16="http://schemas.microsoft.com/office/drawing/2014/main" id="{6B388C41-F74B-4628-84FF-D48DDBFCB69F}"/>
+                </a:ext>
+              </a:extLst>
+            </p:cNvPr>
+            <p:cNvSpPr/>
+            <p:nvPr/>
+          </p:nvSpPr>
+          <p:spPr>
+            <a:xfrm>
+              <a:off x="1487978" y="856211"/>
+              <a:ext cx="2535382" cy="2427317"/>
+            </a:xfrm>
+            <a:prstGeom prst="snip2DiagRect">
+              <a:avLst/>
+            </a:prstGeom>
+            <a:solidFill>
+              <a:srgbClr val="D0CECE"/>
+            </a:solidFill>
+            <a:ln>
+              <a:noFill/>
+            </a:ln>
+            <a:scene3d>
+              <a:camera prst="orthographicFront"/>
+              <a:lightRig rig="threePt" dir="t"/>
+            </a:scene3d>
+            <a:sp3d>
+              <a:bevelT/>
+            </a:sp3d>
+          </p:spPr>
+          <p:style>
+            <a:lnRef idx="2">
+              <a:schemeClr val="accent1">
+                <a:shade val="50000"/>
+              </a:schemeClr>
+            </a:lnRef>
+            <a:fillRef idx="1">
+              <a:schemeClr val="accent1"/>
+            </a:fillRef>
+            <a:effectRef idx="0">
+              <a:schemeClr val="accent1"/>
+            </a:effectRef>
+            <a:fontRef idx="minor">
+              <a:schemeClr val="lt1"/>
+            </a:fontRef>
+          </p:style>
+          <p:txBody>
+            <a:bodyPr rtlCol="0" anchor="ctr"/>
+            <a:lstStyle/>
+            <a:p>
+              <a:pPr algn="ctr"/>
+              <a:endParaRPr lang="en-US"/>
+            </a:p>
+          </p:txBody>
+        </p:sp>
+        <p:sp>
+          <p:nvSpPr>
+            <p:cNvPr id="13" name="Snip Diagonal Corner Rectangle 4">
+              <a:extLst>
+                <a:ext uri="{FF2B5EF4-FFF2-40B4-BE49-F238E27FC236}">
+                  <a16:creationId xmlns:a16="http://schemas.microsoft.com/office/drawing/2014/main" id="{B6C14CA5-28CE-4503-9E15-21DE39D84B1E}"/>
+                </a:ext>
+              </a:extLst>
+            </p:cNvPr>
+            <p:cNvSpPr/>
+            <p:nvPr/>
+          </p:nvSpPr>
+          <p:spPr>
+            <a:xfrm>
+              <a:off x="1640378" y="1008612"/>
+              <a:ext cx="2228589" cy="2133600"/>
+            </a:xfrm>
+            <a:prstGeom prst="snip2DiagRect">
+              <a:avLst/>
+            </a:prstGeom>
+            <a:solidFill>
+              <a:srgbClr val="AFABAB">
+                <a:alpha val="80000"/>
+              </a:srgbClr>
+            </a:solidFill>
+            <a:ln>
+              <a:noFill/>
+            </a:ln>
+            <a:scene3d>
+              <a:camera prst="orthographicFront"/>
+              <a:lightRig rig="threePt" dir="t"/>
+            </a:scene3d>
+            <a:sp3d>
+              <a:bevelT/>
+            </a:sp3d>
+          </p:spPr>
+          <p:style>
+            <a:lnRef idx="2">
+              <a:schemeClr val="accent1">
+                <a:shade val="50000"/>
+              </a:schemeClr>
+            </a:lnRef>
+            <a:fillRef idx="1">
+              <a:schemeClr val="accent1"/>
+            </a:fillRef>
+            <a:effectRef idx="0">
+              <a:schemeClr val="accent1"/>
+            </a:effectRef>
+            <a:fontRef idx="minor">
+              <a:schemeClr val="lt1"/>
+            </a:fontRef>
+          </p:style>
+          <p:txBody>
+            <a:bodyPr rtlCol="0" anchor="ctr"/>
+            <a:lstStyle/>
+            <a:p>
+              <a:pPr algn="ctr"/>
+              <a:endParaRPr lang="en-US"/>
+            </a:p>
+          </p:txBody>
+        </p:sp>
+      </p:grpSp>
+      <p:grpSp>
+        <p:nvGrpSpPr>
+          <p:cNvPr id="17" name="Group 8">
+            <a:extLst>
+              <a:ext uri="{FF2B5EF4-FFF2-40B4-BE49-F238E27FC236}">
+                <a16:creationId xmlns:a16="http://schemas.microsoft.com/office/drawing/2014/main" id="{8BFE8ED0-A405-4A3F-8555-B5CC13F96530}"/>
+              </a:ext>
+            </a:extLst>
+          </p:cNvPr>
+          <p:cNvGrpSpPr/>
+          <p:nvPr/>
+        </p:nvGrpSpPr>
+        <p:grpSpPr>
+          <a:xfrm>
+            <a:off x="5168122" y="5180659"/>
+            <a:ext cx="1423739" cy="407814"/>
+            <a:chOff x="1487978" y="856211"/>
+            <a:chExt cx="2535382" cy="2427317"/>
+          </a:xfrm>
+          <a:solidFill>
+            <a:schemeClr val="accent6"/>
+          </a:solidFill>
+        </p:grpSpPr>
+        <p:sp>
+          <p:nvSpPr>
+            <p:cNvPr id="18" name="Snip Diagonal Corner Rectangle 3">
+              <a:extLst>
+                <a:ext uri="{FF2B5EF4-FFF2-40B4-BE49-F238E27FC236}">
+                  <a16:creationId xmlns:a16="http://schemas.microsoft.com/office/drawing/2014/main" id="{4168A838-D312-458F-AE80-4A96A9578E9B}"/>
+                </a:ext>
+              </a:extLst>
+            </p:cNvPr>
+            <p:cNvSpPr/>
+            <p:nvPr/>
+          </p:nvSpPr>
+          <p:spPr>
+            <a:xfrm>
+              <a:off x="1487978" y="856211"/>
+              <a:ext cx="2535382" cy="2427317"/>
+            </a:xfrm>
+            <a:prstGeom prst="snip2DiagRect">
+              <a:avLst/>
+            </a:prstGeom>
+            <a:grpFill/>
+            <a:ln>
+              <a:noFill/>
+            </a:ln>
+            <a:scene3d>
+              <a:camera prst="orthographicFront"/>
+              <a:lightRig rig="threePt" dir="t"/>
+            </a:scene3d>
+            <a:sp3d>
+              <a:bevelT/>
+            </a:sp3d>
+          </p:spPr>
+          <p:style>
+            <a:lnRef idx="2">
+              <a:schemeClr val="accent1">
+                <a:shade val="50000"/>
+              </a:schemeClr>
+            </a:lnRef>
+            <a:fillRef idx="1">
+              <a:schemeClr val="accent1"/>
+            </a:fillRef>
+            <a:effectRef idx="0">
+              <a:schemeClr val="accent1"/>
+            </a:effectRef>
+            <a:fontRef idx="minor">
+              <a:schemeClr val="lt1"/>
+            </a:fontRef>
+          </p:style>
+          <p:txBody>
+            <a:bodyPr rtlCol="0" anchor="ctr"/>
+            <a:lstStyle/>
+            <a:p>
+              <a:pPr algn="ctr"/>
+              <a:endParaRPr lang="en-US"/>
+            </a:p>
+          </p:txBody>
+        </p:sp>
+        <p:sp>
+          <p:nvSpPr>
+            <p:cNvPr id="19" name="Snip Diagonal Corner Rectangle 4">
+              <a:extLst>
+                <a:ext uri="{FF2B5EF4-FFF2-40B4-BE49-F238E27FC236}">
+                  <a16:creationId xmlns:a16="http://schemas.microsoft.com/office/drawing/2014/main" id="{4A94C195-50D8-442F-AA64-4DFC2CBFB6E5}"/>
+                </a:ext>
+              </a:extLst>
+            </p:cNvPr>
+            <p:cNvSpPr/>
+            <p:nvPr/>
+          </p:nvSpPr>
+          <p:spPr>
+            <a:xfrm>
+              <a:off x="1640378" y="1008612"/>
+              <a:ext cx="2228589" cy="2133600"/>
+            </a:xfrm>
+            <a:prstGeom prst="snip2DiagRect">
+              <a:avLst/>
+            </a:prstGeom>
+            <a:grpFill/>
+            <a:ln>
+              <a:noFill/>
+            </a:ln>
+            <a:scene3d>
+              <a:camera prst="orthographicFront"/>
+              <a:lightRig rig="threePt" dir="t"/>
+            </a:scene3d>
+            <a:sp3d>
+              <a:bevelT/>
+            </a:sp3d>
+          </p:spPr>
+          <p:style>
+            <a:lnRef idx="2">
+              <a:schemeClr val="accent1">
+                <a:shade val="50000"/>
+              </a:schemeClr>
+            </a:lnRef>
+            <a:fillRef idx="1">
+              <a:schemeClr val="accent1"/>
+            </a:fillRef>
+            <a:effectRef idx="0">
+              <a:schemeClr val="accent1"/>
+            </a:effectRef>
+            <a:fontRef idx="minor">
+              <a:schemeClr val="lt1"/>
+            </a:fontRef>
+          </p:style>
+          <p:txBody>
+            <a:bodyPr rtlCol="0" anchor="ctr"/>
+            <a:lstStyle/>
+            <a:p>
+              <a:pPr algn="ctr"/>
+              <a:r>
+                <a:rPr lang="en-US" dirty="0"/>
+                <a:t>Confirm</a:t>
+              </a:r>
+            </a:p>
+          </p:txBody>
+        </p:sp>
+      </p:grpSp>
+      <p:sp>
+        <p:nvSpPr>
+          <p:cNvPr id="20" name="타원 19">
+            <a:extLst>
+              <a:ext uri="{FF2B5EF4-FFF2-40B4-BE49-F238E27FC236}">
+                <a16:creationId xmlns:a16="http://schemas.microsoft.com/office/drawing/2014/main" id="{B245F3DD-7B41-4413-A883-03E7A3206984}"/>
+              </a:ext>
+            </a:extLst>
+          </p:cNvPr>
+          <p:cNvSpPr/>
+          <p:nvPr/>
+        </p:nvSpPr>
+        <p:spPr>
+          <a:xfrm>
+            <a:off x="5370958" y="2494560"/>
+            <a:ext cx="765380" cy="733202"/>
+          </a:xfrm>
+          <a:prstGeom prst="ellipse">
+            <a:avLst/>
+          </a:prstGeom>
+          <a:solidFill>
+            <a:srgbClr val="826300"/>
+          </a:solidFill>
+          <a:ln>
+            <a:noFill/>
+          </a:ln>
+          <a:effectLst>
+            <a:outerShdw blurRad="184150" dist="241300" dir="11520000" sx="110000" sy="110000" algn="ctr">
+              <a:srgbClr val="000000">
+                <a:alpha val="10000"/>
+              </a:srgbClr>
+            </a:outerShdw>
+          </a:effectLst>
+          <a:scene3d>
+            <a:camera prst="perspectiveFront" fov="5100000">
+              <a:rot lat="0" lon="1800000" rev="0"/>
+            </a:camera>
+            <a:lightRig rig="flood" dir="t">
+              <a:rot lat="0" lon="0" rev="13800000"/>
+            </a:lightRig>
+          </a:scene3d>
+          <a:sp3d extrusionH="107950" prstMaterial="plastic">
+            <a:bevelT w="82550" h="63500" prst="divot"/>
+            <a:bevelB/>
+          </a:sp3d>
+        </p:spPr>
+        <p:style>
+          <a:lnRef idx="2">
+            <a:schemeClr val="accent1">
+              <a:shade val="50000"/>
+            </a:schemeClr>
+          </a:lnRef>
+          <a:fillRef idx="1">
+            <a:schemeClr val="accent1"/>
+          </a:fillRef>
+          <a:effectRef idx="0">
+            <a:schemeClr val="accent1"/>
+          </a:effectRef>
+          <a:fontRef idx="minor">
+            <a:schemeClr val="lt1"/>
+          </a:fontRef>
+        </p:style>
+        <p:txBody>
+          <a:bodyPr rtlCol="0" anchor="ctr">
+            <a:sp3d extrusionH="12700" prstMaterial="dkEdge">
+              <a:bevelT w="38100" h="38100"/>
+              <a:bevelB w="38100" h="38100"/>
+            </a:sp3d>
+          </a:bodyPr>
+          <a:lstStyle/>
+          <a:p>
+            <a:pPr algn="ctr"/>
+            <a:r>
+              <a:rPr lang="en-US" altLang="ko-KR" sz="3000" dirty="0">
+                <a:solidFill>
+                  <a:srgbClr val="A47D00"/>
+                </a:solidFill>
+              </a:rPr>
+              <a:t>D</a:t>
+            </a:r>
+          </a:p>
+        </p:txBody>
+      </p:sp>
+      <p:sp>
+        <p:nvSpPr>
+          <p:cNvPr id="21" name="육각형 20">
+            <a:extLst>
+              <a:ext uri="{FF2B5EF4-FFF2-40B4-BE49-F238E27FC236}">
+                <a16:creationId xmlns:a16="http://schemas.microsoft.com/office/drawing/2014/main" id="{3826832D-3A0A-4728-A652-EC1C5758A994}"/>
+              </a:ext>
+            </a:extLst>
+          </p:cNvPr>
+          <p:cNvSpPr/>
+          <p:nvPr/>
+        </p:nvSpPr>
+        <p:spPr>
+          <a:xfrm>
+            <a:off x="10688269" y="466534"/>
+            <a:ext cx="983722" cy="853788"/>
+          </a:xfrm>
+          <a:prstGeom prst="hexagon">
+            <a:avLst/>
+          </a:prstGeom>
+          <a:solidFill>
+            <a:srgbClr val="00B050"/>
+          </a:solidFill>
+          <a:ln>
+            <a:noFill/>
+          </a:ln>
+          <a:scene3d>
+            <a:camera prst="orthographicFront"/>
+            <a:lightRig rig="threePt" dir="t"/>
+          </a:scene3d>
+          <a:sp3d>
+            <a:bevelT w="152400" h="50800" prst="softRound"/>
+          </a:sp3d>
+        </p:spPr>
+        <p:style>
+          <a:lnRef idx="2">
+            <a:schemeClr val="accent1">
+              <a:shade val="50000"/>
+            </a:schemeClr>
+          </a:lnRef>
+          <a:fillRef idx="1">
+            <a:schemeClr val="accent1"/>
+          </a:fillRef>
+          <a:effectRef idx="0">
+            <a:schemeClr val="accent1"/>
+          </a:effectRef>
+          <a:fontRef idx="minor">
+            <a:schemeClr val="lt1"/>
+          </a:fontRef>
+        </p:style>
+        <p:txBody>
+          <a:bodyPr rtlCol="0" anchor="ctr"/>
+          <a:lstStyle/>
+          <a:p>
+            <a:pPr algn="ctr"/>
+            <a:endParaRPr lang="ko-KR" altLang="en-US"/>
+          </a:p>
+        </p:txBody>
+      </p:sp>
+      <p:sp>
+        <p:nvSpPr>
+          <p:cNvPr id="25" name="Snip Diagonal Corner Rectangle 7">
+            <a:extLst>
+              <a:ext uri="{FF2B5EF4-FFF2-40B4-BE49-F238E27FC236}">
+                <a16:creationId xmlns:a16="http://schemas.microsoft.com/office/drawing/2014/main" id="{E3407F60-CBF2-49E9-8CA3-BFC708DCB188}"/>
+              </a:ext>
+            </a:extLst>
+          </p:cNvPr>
+          <p:cNvSpPr/>
+          <p:nvPr/>
+        </p:nvSpPr>
+        <p:spPr>
+          <a:xfrm>
+            <a:off x="2941469" y="3933172"/>
+            <a:ext cx="1458642" cy="736734"/>
+          </a:xfrm>
+          <a:prstGeom prst="snip2DiagRect">
+            <a:avLst>
+              <a:gd name="adj1" fmla="val 0"/>
+              <a:gd name="adj2" fmla="val 15315"/>
+            </a:avLst>
+          </a:prstGeom>
+          <a:solidFill>
+            <a:srgbClr val="000000">
+              <a:alpha val="69804"/>
+            </a:srgbClr>
+          </a:solidFill>
+          <a:ln>
+            <a:noFill/>
+          </a:ln>
+          <a:scene3d>
+            <a:camera prst="orthographicFront"/>
+            <a:lightRig rig="threePt" dir="t"/>
+          </a:scene3d>
+          <a:sp3d>
+            <a:bevelT/>
+          </a:sp3d>
+        </p:spPr>
+        <p:style>
+          <a:lnRef idx="2">
+            <a:schemeClr val="accent1">
+              <a:shade val="50000"/>
+            </a:schemeClr>
+          </a:lnRef>
+          <a:fillRef idx="1">
+            <a:schemeClr val="accent1"/>
+          </a:fillRef>
+          <a:effectRef idx="0">
+            <a:schemeClr val="accent1"/>
+          </a:effectRef>
+          <a:fontRef idx="minor">
+            <a:schemeClr val="lt1"/>
+          </a:fontRef>
+        </p:style>
+        <p:txBody>
+          <a:bodyPr rtlCol="0" anchor="ctr"/>
+          <a:lstStyle/>
+          <a:p>
+            <a:pPr algn="ctr"/>
+            <a:endParaRPr lang="en-US"/>
+          </a:p>
+        </p:txBody>
+      </p:sp>
+      <p:sp>
+        <p:nvSpPr>
+          <p:cNvPr id="26" name="Snip Diagonal Corner Rectangle 7">
+            <a:extLst>
+              <a:ext uri="{FF2B5EF4-FFF2-40B4-BE49-F238E27FC236}">
+                <a16:creationId xmlns:a16="http://schemas.microsoft.com/office/drawing/2014/main" id="{15D2D617-3351-4056-ACC2-08D78085C6C1}"/>
+              </a:ext>
+            </a:extLst>
+          </p:cNvPr>
+          <p:cNvSpPr/>
+          <p:nvPr/>
+        </p:nvSpPr>
+        <p:spPr>
+          <a:xfrm>
+            <a:off x="5133219" y="3972785"/>
+            <a:ext cx="1458642" cy="736734"/>
+          </a:xfrm>
+          <a:prstGeom prst="snip2DiagRect">
+            <a:avLst>
+              <a:gd name="adj1" fmla="val 0"/>
+              <a:gd name="adj2" fmla="val 15315"/>
+            </a:avLst>
+          </a:prstGeom>
+          <a:solidFill>
+            <a:srgbClr val="000000">
+              <a:alpha val="69804"/>
+            </a:srgbClr>
+          </a:solidFill>
+          <a:ln>
+            <a:noFill/>
+          </a:ln>
+          <a:scene3d>
+            <a:camera prst="orthographicFront"/>
+            <a:lightRig rig="threePt" dir="t"/>
+          </a:scene3d>
+          <a:sp3d>
+            <a:bevelT/>
+          </a:sp3d>
+        </p:spPr>
+        <p:style>
+          <a:lnRef idx="2">
+            <a:schemeClr val="accent1">
+              <a:shade val="50000"/>
+            </a:schemeClr>
+          </a:lnRef>
+          <a:fillRef idx="1">
+            <a:schemeClr val="accent1"/>
+          </a:fillRef>
+          <a:effectRef idx="0">
+            <a:schemeClr val="accent1"/>
+          </a:effectRef>
+          <a:fontRef idx="minor">
+            <a:schemeClr val="lt1"/>
+          </a:fontRef>
+        </p:style>
+        <p:txBody>
+          <a:bodyPr rtlCol="0" anchor="ctr"/>
+          <a:lstStyle/>
+          <a:p>
+            <a:pPr algn="ctr"/>
+            <a:r>
+              <a:rPr lang="en-US" dirty="0"/>
+              <a:t>+ 925</a:t>
+            </a:r>
+          </a:p>
+        </p:txBody>
+      </p:sp>
+      <p:sp>
+        <p:nvSpPr>
+          <p:cNvPr id="27" name="Snip Diagonal Corner Rectangle 7">
+            <a:extLst>
+              <a:ext uri="{FF2B5EF4-FFF2-40B4-BE49-F238E27FC236}">
+                <a16:creationId xmlns:a16="http://schemas.microsoft.com/office/drawing/2014/main" id="{1DAA2C0C-137D-44AD-AAAD-DE33B539AC83}"/>
+              </a:ext>
+            </a:extLst>
+          </p:cNvPr>
+          <p:cNvSpPr/>
+          <p:nvPr/>
+        </p:nvSpPr>
+        <p:spPr>
+          <a:xfrm>
+            <a:off x="7397895" y="3927184"/>
+            <a:ext cx="1458642" cy="736734"/>
+          </a:xfrm>
+          <a:prstGeom prst="snip2DiagRect">
+            <a:avLst>
+              <a:gd name="adj1" fmla="val 0"/>
+              <a:gd name="adj2" fmla="val 15315"/>
+            </a:avLst>
+          </a:prstGeom>
+          <a:solidFill>
+            <a:srgbClr val="000000">
+              <a:alpha val="69804"/>
+            </a:srgbClr>
+          </a:solidFill>
+          <a:ln>
+            <a:noFill/>
+          </a:ln>
+          <a:scene3d>
+            <a:camera prst="orthographicFront"/>
+            <a:lightRig rig="threePt" dir="t"/>
+          </a:scene3d>
+          <a:sp3d>
+            <a:bevelT/>
+          </a:sp3d>
+        </p:spPr>
+        <p:style>
+          <a:lnRef idx="2">
+            <a:schemeClr val="accent1">
+              <a:shade val="50000"/>
+            </a:schemeClr>
+          </a:lnRef>
+          <a:fillRef idx="1">
+            <a:schemeClr val="accent1"/>
+          </a:fillRef>
+          <a:effectRef idx="0">
+            <a:schemeClr val="accent1"/>
+          </a:effectRef>
+          <a:fontRef idx="minor">
+            <a:schemeClr val="lt1"/>
+          </a:fontRef>
+        </p:style>
+        <p:txBody>
+          <a:bodyPr rtlCol="0" anchor="ctr"/>
+          <a:lstStyle/>
+          <a:p>
+            <a:pPr algn="ctr"/>
+            <a:r>
+              <a:rPr lang="en-US" dirty="0"/>
+              <a:t>+ 100</a:t>
+            </a:r>
+          </a:p>
+        </p:txBody>
+      </p:sp>
+      <p:sp>
+        <p:nvSpPr>
+          <p:cNvPr id="31" name="별: 꼭짓점 5개 30">
+            <a:extLst>
+              <a:ext uri="{FF2B5EF4-FFF2-40B4-BE49-F238E27FC236}">
+                <a16:creationId xmlns:a16="http://schemas.microsoft.com/office/drawing/2014/main" id="{AFB4DF23-9F79-4AFA-B662-680FC6411ECD}"/>
+              </a:ext>
+            </a:extLst>
+          </p:cNvPr>
+          <p:cNvSpPr/>
+          <p:nvPr/>
+        </p:nvSpPr>
+        <p:spPr>
+          <a:xfrm>
+            <a:off x="6801614" y="-32067"/>
+            <a:ext cx="1145808" cy="990608"/>
+          </a:xfrm>
+          <a:prstGeom prst="star5">
+            <a:avLst>
+              <a:gd name="adj" fmla="val 27794"/>
+              <a:gd name="hf" fmla="val 105146"/>
+              <a:gd name="vf" fmla="val 110557"/>
+            </a:avLst>
+          </a:prstGeom>
+          <a:solidFill>
+            <a:schemeClr val="accent5"/>
+          </a:solidFill>
+          <a:ln>
+            <a:noFill/>
+          </a:ln>
+          <a:scene3d>
+            <a:camera prst="orthographicFront"/>
+            <a:lightRig rig="threePt" dir="t"/>
+          </a:scene3d>
+          <a:sp3d>
+            <a:bevelT prst="angle"/>
+          </a:sp3d>
+        </p:spPr>
+        <p:style>
+          <a:lnRef idx="2">
+            <a:schemeClr val="accent1">
+              <a:shade val="50000"/>
+            </a:schemeClr>
+          </a:lnRef>
+          <a:fillRef idx="1">
+            <a:schemeClr val="accent1"/>
+          </a:fillRef>
+          <a:effectRef idx="0">
+            <a:schemeClr val="accent1"/>
+          </a:effectRef>
+          <a:fontRef idx="minor">
+            <a:schemeClr val="lt1"/>
+          </a:fontRef>
+        </p:style>
+        <p:txBody>
+          <a:bodyPr rtlCol="0" anchor="ctr"/>
+          <a:lstStyle/>
+          <a:p>
+            <a:pPr algn="ctr"/>
+            <a:r>
+              <a:rPr lang="en-US" altLang="ko-KR" b="1" dirty="0"/>
+              <a:t>EXP</a:t>
+            </a:r>
+            <a:endParaRPr lang="ko-KR" altLang="en-US" b="1" dirty="0"/>
+          </a:p>
+        </p:txBody>
+      </p:sp>
+    </p:spTree>
+    <p:extLst>
+      <p:ext uri="{BB962C8B-B14F-4D97-AF65-F5344CB8AC3E}">
+        <p14:creationId xmlns:p14="http://schemas.microsoft.com/office/powerpoint/2010/main" val="2808031566"/>
+      </p:ext>
+    </p:extLst>
+  </p:cSld>
+  <p:clrMapOvr>
+    <a:masterClrMapping/>
+  </p:clrMapOvr>
+</p:sld>
+</file>
+
+<file path=ppt/slides/slide14.xml><?xml version="1.0" encoding="utf-8"?>
+<p:sld xmlns:a="http://schemas.openxmlformats.org/drawingml/2006/main" xmlns:r="http://schemas.openxmlformats.org/officeDocument/2006/relationships" xmlns:p="http://schemas.openxmlformats.org/presentationml/2006/main">
+  <p:cSld>
+    <p:spTree>
+      <p:nvGrpSpPr>
+        <p:cNvPr id="1" name=""/>
+        <p:cNvGrpSpPr/>
+        <p:nvPr/>
+      </p:nvGrpSpPr>
+      <p:grpSpPr>
+        <a:xfrm>
+          <a:off x="0" y="0"/>
+          <a:ext cx="0" cy="0"/>
+          <a:chOff x="0" y="0"/>
+          <a:chExt cx="0" cy="0"/>
+        </a:xfrm>
+      </p:grpSpPr>
+      <p:sp>
+        <p:nvSpPr>
           <p:cNvPr id="4" name="직사각형 3">
             <a:extLst>
               <a:ext uri="{FF2B5EF4-FFF2-40B4-BE49-F238E27FC236}">
@@ -9079,7 +13242,7 @@
 </p:sld>
 </file>
 
-<file path=ppt/slides/slide13.xml><?xml version="1.0" encoding="utf-8"?>
+<file path=ppt/slides/slide15.xml><?xml version="1.0" encoding="utf-8"?>
 <p:sld xmlns:a="http://schemas.openxmlformats.org/drawingml/2006/main" xmlns:r="http://schemas.openxmlformats.org/officeDocument/2006/relationships" xmlns:p="http://schemas.openxmlformats.org/presentationml/2006/main">
   <p:cSld>
     <p:spTree>
@@ -9982,10 +14145,362 @@
           </a:p>
         </p:txBody>
       </p:sp>
+      <p:sp>
+        <p:nvSpPr>
+          <p:cNvPr id="25" name="TextBox 24">
+            <a:extLst>
+              <a:ext uri="{FF2B5EF4-FFF2-40B4-BE49-F238E27FC236}">
+                <a16:creationId xmlns:a16="http://schemas.microsoft.com/office/drawing/2014/main" id="{0EA9CDE2-3571-45F7-8E62-5CB5B809D8F8}"/>
+              </a:ext>
+            </a:extLst>
+          </p:cNvPr>
+          <p:cNvSpPr txBox="1"/>
+          <p:nvPr/>
+        </p:nvSpPr>
+        <p:spPr>
+          <a:xfrm>
+            <a:off x="5062031" y="5335631"/>
+            <a:ext cx="766492" cy="400110"/>
+          </a:xfrm>
+          <a:prstGeom prst="rect">
+            <a:avLst/>
+          </a:prstGeom>
+          <a:noFill/>
+        </p:spPr>
+        <p:txBody>
+          <a:bodyPr wrap="none" rtlCol="0">
+            <a:spAutoFit/>
+          </a:bodyPr>
+          <a:lstStyle/>
+          <a:p>
+            <a:r>
+              <a:rPr lang="en-US" altLang="ko-KR" sz="2000" b="1" dirty="0">
+                <a:solidFill>
+                  <a:schemeClr val="bg1">
+                    <a:lumMod val="85000"/>
+                  </a:schemeClr>
+                </a:solidFill>
+                <a:latin typeface="Calibri" panose="020F0502020204030204" pitchFamily="34" charset="0"/>
+                <a:cs typeface="Calibri" panose="020F0502020204030204" pitchFamily="34" charset="0"/>
+              </a:rPr>
+              <a:t>OKAY</a:t>
+            </a:r>
+            <a:endParaRPr lang="ko-KR" altLang="en-US" sz="2000" b="1" dirty="0">
+              <a:solidFill>
+                <a:schemeClr val="bg1">
+                  <a:lumMod val="85000"/>
+                </a:schemeClr>
+              </a:solidFill>
+              <a:latin typeface="Calibri" panose="020F0502020204030204" pitchFamily="34" charset="0"/>
+              <a:cs typeface="Calibri" panose="020F0502020204030204" pitchFamily="34" charset="0"/>
+            </a:endParaRPr>
+          </a:p>
+        </p:txBody>
+      </p:sp>
+      <p:sp>
+        <p:nvSpPr>
+          <p:cNvPr id="26" name="TextBox 25">
+            <a:extLst>
+              <a:ext uri="{FF2B5EF4-FFF2-40B4-BE49-F238E27FC236}">
+                <a16:creationId xmlns:a16="http://schemas.microsoft.com/office/drawing/2014/main" id="{7F49495D-F586-44ED-8B5D-3A46E7D6062B}"/>
+              </a:ext>
+            </a:extLst>
+          </p:cNvPr>
+          <p:cNvSpPr txBox="1"/>
+          <p:nvPr/>
+        </p:nvSpPr>
+        <p:spPr>
+          <a:xfrm>
+            <a:off x="6752996" y="5314890"/>
+            <a:ext cx="1237839" cy="400110"/>
+          </a:xfrm>
+          <a:prstGeom prst="rect">
+            <a:avLst/>
+          </a:prstGeom>
+          <a:noFill/>
+        </p:spPr>
+        <p:txBody>
+          <a:bodyPr wrap="none" rtlCol="0">
+            <a:spAutoFit/>
+          </a:bodyPr>
+          <a:lstStyle/>
+          <a:p>
+            <a:r>
+              <a:rPr lang="en-US" altLang="ko-KR" sz="2000" b="1" dirty="0">
+                <a:solidFill>
+                  <a:schemeClr val="bg1">
+                    <a:lumMod val="85000"/>
+                  </a:schemeClr>
+                </a:solidFill>
+                <a:latin typeface="Calibri" panose="020F0502020204030204" pitchFamily="34" charset="0"/>
+                <a:cs typeface="Calibri" panose="020F0502020204030204" pitchFamily="34" charset="0"/>
+              </a:rPr>
+              <a:t>UPGRADE</a:t>
+            </a:r>
+            <a:endParaRPr lang="ko-KR" altLang="en-US" sz="2000" b="1" dirty="0">
+              <a:solidFill>
+                <a:schemeClr val="bg1">
+                  <a:lumMod val="85000"/>
+                </a:schemeClr>
+              </a:solidFill>
+              <a:latin typeface="Calibri" panose="020F0502020204030204" pitchFamily="34" charset="0"/>
+              <a:cs typeface="Calibri" panose="020F0502020204030204" pitchFamily="34" charset="0"/>
+            </a:endParaRPr>
+          </a:p>
+        </p:txBody>
+      </p:sp>
     </p:spTree>
     <p:extLst>
       <p:ext uri="{BB962C8B-B14F-4D97-AF65-F5344CB8AC3E}">
         <p14:creationId xmlns:p14="http://schemas.microsoft.com/office/powerpoint/2010/main" val="531432603"/>
+      </p:ext>
+    </p:extLst>
+  </p:cSld>
+  <p:clrMapOvr>
+    <a:masterClrMapping/>
+  </p:clrMapOvr>
+</p:sld>
+</file>
+
+<file path=ppt/slides/slide16.xml><?xml version="1.0" encoding="utf-8"?>
+<p:sld xmlns:a="http://schemas.openxmlformats.org/drawingml/2006/main" xmlns:r="http://schemas.openxmlformats.org/officeDocument/2006/relationships" xmlns:p="http://schemas.openxmlformats.org/presentationml/2006/main">
+  <p:cSld>
+    <p:spTree>
+      <p:nvGrpSpPr>
+        <p:cNvPr id="1" name=""/>
+        <p:cNvGrpSpPr/>
+        <p:nvPr/>
+      </p:nvGrpSpPr>
+      <p:grpSpPr>
+        <a:xfrm>
+          <a:off x="0" y="0"/>
+          <a:ext cx="0" cy="0"/>
+          <a:chOff x="0" y="0"/>
+          <a:chExt cx="0" cy="0"/>
+        </a:xfrm>
+      </p:grpSpPr>
+      <p:sp>
+        <p:nvSpPr>
+          <p:cNvPr id="4" name="타원 3">
+            <a:extLst>
+              <a:ext uri="{FF2B5EF4-FFF2-40B4-BE49-F238E27FC236}">
+                <a16:creationId xmlns:a16="http://schemas.microsoft.com/office/drawing/2014/main" id="{2002F1E8-A816-4EF3-88E2-996AF9CACFCA}"/>
+              </a:ext>
+            </a:extLst>
+          </p:cNvPr>
+          <p:cNvSpPr/>
+          <p:nvPr/>
+        </p:nvSpPr>
+        <p:spPr>
+          <a:xfrm>
+            <a:off x="7936435" y="875784"/>
+            <a:ext cx="939712" cy="937602"/>
+          </a:xfrm>
+          <a:prstGeom prst="ellipse">
+            <a:avLst/>
+          </a:prstGeom>
+          <a:solidFill>
+            <a:srgbClr val="826300"/>
+          </a:solidFill>
+          <a:ln>
+            <a:noFill/>
+          </a:ln>
+          <a:effectLst>
+            <a:outerShdw blurRad="184150" dist="241300" dir="11520000" sx="110000" sy="110000" algn="ctr">
+              <a:srgbClr val="000000">
+                <a:alpha val="10000"/>
+              </a:srgbClr>
+            </a:outerShdw>
+          </a:effectLst>
+          <a:scene3d>
+            <a:camera prst="perspectiveFront" fov="5100000">
+              <a:rot lat="0" lon="1800000" rev="0"/>
+            </a:camera>
+            <a:lightRig rig="flood" dir="t">
+              <a:rot lat="0" lon="0" rev="13800000"/>
+            </a:lightRig>
+          </a:scene3d>
+          <a:sp3d extrusionH="107950" prstMaterial="plastic">
+            <a:bevelT w="82550" h="63500" prst="divot"/>
+            <a:bevelB/>
+          </a:sp3d>
+        </p:spPr>
+        <p:style>
+          <a:lnRef idx="2">
+            <a:schemeClr val="accent1">
+              <a:shade val="50000"/>
+            </a:schemeClr>
+          </a:lnRef>
+          <a:fillRef idx="1">
+            <a:schemeClr val="accent1"/>
+          </a:fillRef>
+          <a:effectRef idx="0">
+            <a:schemeClr val="accent1"/>
+          </a:effectRef>
+          <a:fontRef idx="minor">
+            <a:schemeClr val="lt1"/>
+          </a:fontRef>
+        </p:style>
+        <p:txBody>
+          <a:bodyPr rtlCol="0" anchor="ctr">
+            <a:sp3d extrusionH="12700" prstMaterial="dkEdge">
+              <a:bevelT w="38100" h="38100"/>
+              <a:bevelB w="38100" h="38100"/>
+            </a:sp3d>
+          </a:bodyPr>
+          <a:lstStyle/>
+          <a:p>
+            <a:pPr algn="ctr"/>
+            <a:r>
+              <a:rPr lang="en-US" altLang="ko-KR" sz="4000" dirty="0">
+                <a:solidFill>
+                  <a:srgbClr val="A47D00"/>
+                </a:solidFill>
+              </a:rPr>
+              <a:t>D</a:t>
+            </a:r>
+          </a:p>
+        </p:txBody>
+      </p:sp>
+      <p:sp>
+        <p:nvSpPr>
+          <p:cNvPr id="5" name="육각형 4">
+            <a:extLst>
+              <a:ext uri="{FF2B5EF4-FFF2-40B4-BE49-F238E27FC236}">
+                <a16:creationId xmlns:a16="http://schemas.microsoft.com/office/drawing/2014/main" id="{684B7F32-6276-488C-836A-99F1C799A543}"/>
+              </a:ext>
+            </a:extLst>
+          </p:cNvPr>
+          <p:cNvSpPr/>
+          <p:nvPr/>
+        </p:nvSpPr>
+        <p:spPr>
+          <a:xfrm>
+            <a:off x="10207328" y="917691"/>
+            <a:ext cx="983722" cy="853788"/>
+          </a:xfrm>
+          <a:prstGeom prst="hexagon">
+            <a:avLst/>
+          </a:prstGeom>
+          <a:solidFill>
+            <a:srgbClr val="00B050"/>
+          </a:solidFill>
+          <a:ln>
+            <a:noFill/>
+          </a:ln>
+          <a:scene3d>
+            <a:camera prst="orthographicFront"/>
+            <a:lightRig rig="threePt" dir="t"/>
+          </a:scene3d>
+          <a:sp3d>
+            <a:bevelT w="152400" h="50800" prst="softRound"/>
+          </a:sp3d>
+        </p:spPr>
+        <p:style>
+          <a:lnRef idx="2">
+            <a:schemeClr val="accent1">
+              <a:shade val="50000"/>
+            </a:schemeClr>
+          </a:lnRef>
+          <a:fillRef idx="1">
+            <a:schemeClr val="accent1"/>
+          </a:fillRef>
+          <a:effectRef idx="0">
+            <a:schemeClr val="accent1"/>
+          </a:effectRef>
+          <a:fontRef idx="minor">
+            <a:schemeClr val="lt1"/>
+          </a:fontRef>
+        </p:style>
+        <p:txBody>
+          <a:bodyPr rtlCol="0" anchor="ctr"/>
+          <a:lstStyle/>
+          <a:p>
+            <a:pPr algn="ctr"/>
+            <a:endParaRPr lang="ko-KR" altLang="en-US"/>
+          </a:p>
+        </p:txBody>
+      </p:sp>
+      <p:sp>
+        <p:nvSpPr>
+          <p:cNvPr id="6" name="TextBox 5">
+            <a:extLst>
+              <a:ext uri="{FF2B5EF4-FFF2-40B4-BE49-F238E27FC236}">
+                <a16:creationId xmlns:a16="http://schemas.microsoft.com/office/drawing/2014/main" id="{F5BB4446-00B0-454C-91EB-7B1B259C2504}"/>
+              </a:ext>
+            </a:extLst>
+          </p:cNvPr>
+          <p:cNvSpPr txBox="1"/>
+          <p:nvPr/>
+        </p:nvSpPr>
+        <p:spPr>
+          <a:xfrm>
+            <a:off x="231345" y="413561"/>
+            <a:ext cx="3315419" cy="1862048"/>
+          </a:xfrm>
+          <a:prstGeom prst="rect">
+            <a:avLst/>
+          </a:prstGeom>
+          <a:noFill/>
+        </p:spPr>
+        <p:txBody>
+          <a:bodyPr wrap="square" rtlCol="0">
+            <a:spAutoFit/>
+            <a:scene3d>
+              <a:camera prst="isometricRightUp">
+                <a:rot lat="1445577" lon="19888210" rev="412901"/>
+              </a:camera>
+              <a:lightRig rig="threePt" dir="t"/>
+            </a:scene3d>
+            <a:sp3d extrusionH="260350" contourW="69850" prstMaterial="dkEdge">
+              <a:bevelT w="38100" h="38100"/>
+              <a:contourClr>
+                <a:srgbClr val="EE7E22"/>
+              </a:contourClr>
+            </a:sp3d>
+          </a:bodyPr>
+          <a:lstStyle/>
+          <a:p>
+            <a:r>
+              <a:rPr lang="en-US" altLang="ko-KR" sz="11500" dirty="0">
+                <a:solidFill>
+                  <a:schemeClr val="tx1">
+                    <a:lumMod val="85000"/>
+                    <a:lumOff val="15000"/>
+                  </a:schemeClr>
+                </a:solidFill>
+                <a:effectLst>
+                  <a:glow rad="279400">
+                    <a:schemeClr val="accent2">
+                      <a:alpha val="40000"/>
+                    </a:schemeClr>
+                  </a:glow>
+                </a:effectLst>
+              </a:rPr>
+              <a:t>D&amp;L</a:t>
+            </a:r>
+            <a:endParaRPr lang="ko-KR" altLang="en-US" sz="11500" dirty="0">
+              <a:solidFill>
+                <a:schemeClr val="tx1">
+                  <a:lumMod val="85000"/>
+                  <a:lumOff val="15000"/>
+                </a:schemeClr>
+              </a:solidFill>
+              <a:effectLst>
+                <a:glow rad="279400">
+                  <a:schemeClr val="accent2">
+                    <a:alpha val="40000"/>
+                  </a:schemeClr>
+                </a:glow>
+              </a:effectLst>
+            </a:endParaRPr>
+          </a:p>
+        </p:txBody>
+      </p:sp>
+    </p:spTree>
+    <p:extLst>
+      <p:ext uri="{BB962C8B-B14F-4D97-AF65-F5344CB8AC3E}">
+        <p14:creationId xmlns:p14="http://schemas.microsoft.com/office/powerpoint/2010/main" val="4199369110"/>
       </p:ext>
     </p:extLst>
   </p:cSld>

--- a/Projects/SW_Design/UI/UI_design.pptx
+++ b/Projects/SW_Design/UI/UI_design.pptx
@@ -274,7 +274,7 @@
           <a:p>
             <a:fld id="{EB44E886-23E1-4ADA-9C75-D80585AEE320}" type="datetimeFigureOut">
               <a:rPr lang="ko-KR" altLang="en-US" smtClean="0"/>
-              <a:t>2019-11-13</a:t>
+              <a:t>2019-11-14</a:t>
             </a:fld>
             <a:endParaRPr lang="ko-KR" altLang="en-US"/>
           </a:p>
@@ -472,7 +472,7 @@
           <a:p>
             <a:fld id="{EB44E886-23E1-4ADA-9C75-D80585AEE320}" type="datetimeFigureOut">
               <a:rPr lang="ko-KR" altLang="en-US" smtClean="0"/>
-              <a:t>2019-11-13</a:t>
+              <a:t>2019-11-14</a:t>
             </a:fld>
             <a:endParaRPr lang="ko-KR" altLang="en-US"/>
           </a:p>
@@ -680,7 +680,7 @@
           <a:p>
             <a:fld id="{EB44E886-23E1-4ADA-9C75-D80585AEE320}" type="datetimeFigureOut">
               <a:rPr lang="ko-KR" altLang="en-US" smtClean="0"/>
-              <a:t>2019-11-13</a:t>
+              <a:t>2019-11-14</a:t>
             </a:fld>
             <a:endParaRPr lang="ko-KR" altLang="en-US"/>
           </a:p>
@@ -878,7 +878,7 @@
           <a:p>
             <a:fld id="{EB44E886-23E1-4ADA-9C75-D80585AEE320}" type="datetimeFigureOut">
               <a:rPr lang="ko-KR" altLang="en-US" smtClean="0"/>
-              <a:t>2019-11-13</a:t>
+              <a:t>2019-11-14</a:t>
             </a:fld>
             <a:endParaRPr lang="ko-KR" altLang="en-US"/>
           </a:p>
@@ -1153,7 +1153,7 @@
           <a:p>
             <a:fld id="{EB44E886-23E1-4ADA-9C75-D80585AEE320}" type="datetimeFigureOut">
               <a:rPr lang="ko-KR" altLang="en-US" smtClean="0"/>
-              <a:t>2019-11-13</a:t>
+              <a:t>2019-11-14</a:t>
             </a:fld>
             <a:endParaRPr lang="ko-KR" altLang="en-US"/>
           </a:p>
@@ -1418,7 +1418,7 @@
           <a:p>
             <a:fld id="{EB44E886-23E1-4ADA-9C75-D80585AEE320}" type="datetimeFigureOut">
               <a:rPr lang="ko-KR" altLang="en-US" smtClean="0"/>
-              <a:t>2019-11-13</a:t>
+              <a:t>2019-11-14</a:t>
             </a:fld>
             <a:endParaRPr lang="ko-KR" altLang="en-US"/>
           </a:p>
@@ -1830,7 +1830,7 @@
           <a:p>
             <a:fld id="{EB44E886-23E1-4ADA-9C75-D80585AEE320}" type="datetimeFigureOut">
               <a:rPr lang="ko-KR" altLang="en-US" smtClean="0"/>
-              <a:t>2019-11-13</a:t>
+              <a:t>2019-11-14</a:t>
             </a:fld>
             <a:endParaRPr lang="ko-KR" altLang="en-US"/>
           </a:p>
@@ -1971,7 +1971,7 @@
           <a:p>
             <a:fld id="{EB44E886-23E1-4ADA-9C75-D80585AEE320}" type="datetimeFigureOut">
               <a:rPr lang="ko-KR" altLang="en-US" smtClean="0"/>
-              <a:t>2019-11-13</a:t>
+              <a:t>2019-11-14</a:t>
             </a:fld>
             <a:endParaRPr lang="ko-KR" altLang="en-US"/>
           </a:p>
@@ -2084,7 +2084,7 @@
           <a:p>
             <a:fld id="{EB44E886-23E1-4ADA-9C75-D80585AEE320}" type="datetimeFigureOut">
               <a:rPr lang="ko-KR" altLang="en-US" smtClean="0"/>
-              <a:t>2019-11-13</a:t>
+              <a:t>2019-11-14</a:t>
             </a:fld>
             <a:endParaRPr lang="ko-KR" altLang="en-US"/>
           </a:p>
@@ -2395,7 +2395,7 @@
           <a:p>
             <a:fld id="{EB44E886-23E1-4ADA-9C75-D80585AEE320}" type="datetimeFigureOut">
               <a:rPr lang="ko-KR" altLang="en-US" smtClean="0"/>
-              <a:t>2019-11-13</a:t>
+              <a:t>2019-11-14</a:t>
             </a:fld>
             <a:endParaRPr lang="ko-KR" altLang="en-US"/>
           </a:p>
@@ -2683,7 +2683,7 @@
           <a:p>
             <a:fld id="{EB44E886-23E1-4ADA-9C75-D80585AEE320}" type="datetimeFigureOut">
               <a:rPr lang="ko-KR" altLang="en-US" smtClean="0"/>
-              <a:t>2019-11-13</a:t>
+              <a:t>2019-11-14</a:t>
             </a:fld>
             <a:endParaRPr lang="ko-KR" altLang="en-US"/>
           </a:p>
@@ -2924,7 +2924,7 @@
           <a:p>
             <a:fld id="{EB44E886-23E1-4ADA-9C75-D80585AEE320}" type="datetimeFigureOut">
               <a:rPr lang="ko-KR" altLang="en-US" smtClean="0"/>
-              <a:t>2019-11-13</a:t>
+              <a:t>2019-11-14</a:t>
             </a:fld>
             <a:endParaRPr lang="ko-KR" altLang="en-US"/>
           </a:p>
@@ -14249,6 +14249,138 @@
           </a:p>
         </p:txBody>
       </p:sp>
+      <p:sp>
+        <p:nvSpPr>
+          <p:cNvPr id="27" name="TextBox 26">
+            <a:extLst>
+              <a:ext uri="{FF2B5EF4-FFF2-40B4-BE49-F238E27FC236}">
+                <a16:creationId xmlns:a16="http://schemas.microsoft.com/office/drawing/2014/main" id="{7F49495D-F586-44ED-8B5D-3A46E7D6062B}"/>
+              </a:ext>
+            </a:extLst>
+          </p:cNvPr>
+          <p:cNvSpPr txBox="1"/>
+          <p:nvPr/>
+        </p:nvSpPr>
+        <p:spPr>
+          <a:xfrm>
+            <a:off x="2041086" y="5803017"/>
+            <a:ext cx="1146917" cy="707886"/>
+          </a:xfrm>
+          <a:prstGeom prst="rect">
+            <a:avLst/>
+          </a:prstGeom>
+          <a:noFill/>
+        </p:spPr>
+        <p:txBody>
+          <a:bodyPr wrap="none" rtlCol="0">
+            <a:spAutoFit/>
+          </a:bodyPr>
+          <a:lstStyle/>
+          <a:p>
+            <a:r>
+              <a:rPr lang="en-US" altLang="ko-KR" sz="2000" b="1" dirty="0" smtClean="0">
+                <a:solidFill>
+                  <a:schemeClr val="bg1">
+                    <a:lumMod val="85000"/>
+                  </a:schemeClr>
+                </a:solidFill>
+                <a:latin typeface="Calibri" panose="020F0502020204030204" pitchFamily="34" charset="0"/>
+                <a:cs typeface="Calibri" panose="020F0502020204030204" pitchFamily="34" charset="0"/>
+              </a:rPr>
+              <a:t>DAGGER </a:t>
+            </a:r>
+          </a:p>
+          <a:p>
+            <a:r>
+              <a:rPr lang="en-US" altLang="ko-KR" sz="2000" b="1" dirty="0" smtClean="0">
+                <a:solidFill>
+                  <a:schemeClr val="bg1">
+                    <a:lumMod val="85000"/>
+                  </a:schemeClr>
+                </a:solidFill>
+                <a:latin typeface="Calibri" panose="020F0502020204030204" pitchFamily="34" charset="0"/>
+                <a:cs typeface="Calibri" panose="020F0502020204030204" pitchFamily="34" charset="0"/>
+              </a:rPr>
+              <a:t>STRIKE</a:t>
+            </a:r>
+            <a:endParaRPr lang="ko-KR" altLang="en-US" sz="2000" b="1" dirty="0">
+              <a:solidFill>
+                <a:schemeClr val="bg1">
+                  <a:lumMod val="85000"/>
+                </a:schemeClr>
+              </a:solidFill>
+              <a:latin typeface="Calibri" panose="020F0502020204030204" pitchFamily="34" charset="0"/>
+              <a:cs typeface="Calibri" panose="020F0502020204030204" pitchFamily="34" charset="0"/>
+            </a:endParaRPr>
+          </a:p>
+        </p:txBody>
+      </p:sp>
+      <p:sp>
+        <p:nvSpPr>
+          <p:cNvPr id="28" name="TextBox 27">
+            <a:extLst>
+              <a:ext uri="{FF2B5EF4-FFF2-40B4-BE49-F238E27FC236}">
+                <a16:creationId xmlns:a16="http://schemas.microsoft.com/office/drawing/2014/main" id="{7F49495D-F586-44ED-8B5D-3A46E7D6062B}"/>
+              </a:ext>
+            </a:extLst>
+          </p:cNvPr>
+          <p:cNvSpPr txBox="1"/>
+          <p:nvPr/>
+        </p:nvSpPr>
+        <p:spPr>
+          <a:xfrm>
+            <a:off x="3276489" y="5803017"/>
+            <a:ext cx="1303242" cy="707886"/>
+          </a:xfrm>
+          <a:prstGeom prst="rect">
+            <a:avLst/>
+          </a:prstGeom>
+          <a:noFill/>
+        </p:spPr>
+        <p:txBody>
+          <a:bodyPr wrap="none" rtlCol="0">
+            <a:spAutoFit/>
+          </a:bodyPr>
+          <a:lstStyle/>
+          <a:p>
+            <a:r>
+              <a:rPr lang="en-US" altLang="ko-KR" sz="2000" b="1" dirty="0" smtClean="0">
+                <a:solidFill>
+                  <a:schemeClr val="bg1">
+                    <a:lumMod val="85000"/>
+                  </a:schemeClr>
+                </a:solidFill>
+                <a:latin typeface="Calibri" panose="020F0502020204030204" pitchFamily="34" charset="0"/>
+                <a:cs typeface="Calibri" panose="020F0502020204030204" pitchFamily="34" charset="0"/>
+              </a:rPr>
+              <a:t>SELF</a:t>
+            </a:r>
+          </a:p>
+          <a:p>
+            <a:r>
+              <a:rPr lang="en-US" altLang="ko-KR" sz="2000" b="1" dirty="0" smtClean="0">
+                <a:solidFill>
+                  <a:schemeClr val="bg1">
+                    <a:lumMod val="85000"/>
+                  </a:schemeClr>
+                </a:solidFill>
+                <a:latin typeface="Calibri" panose="020F0502020204030204" pitchFamily="34" charset="0"/>
+                <a:cs typeface="Calibri" panose="020F0502020204030204" pitchFamily="34" charset="0"/>
+              </a:rPr>
+              <a:t>RECOVERY</a:t>
+            </a:r>
+            <a:endParaRPr lang="ko-KR" altLang="en-US" sz="2000" b="1" dirty="0">
+              <a:solidFill>
+                <a:schemeClr val="bg1">
+                  <a:lumMod val="85000"/>
+                </a:schemeClr>
+              </a:solidFill>
+              <a:latin typeface="Calibri" panose="020F0502020204030204" pitchFamily="34" charset="0"/>
+              <a:cs typeface="Calibri" panose="020F0502020204030204" pitchFamily="34" charset="0"/>
+            </a:endParaRPr>
+          </a:p>
+        </p:txBody>
+      </p:sp>
     </p:spTree>
     <p:extLst>
       <p:ext uri="{BB962C8B-B14F-4D97-AF65-F5344CB8AC3E}">
@@ -16948,6 +17080,52 @@
             <a:ext cx="221524" cy="214784"/>
           </a:xfrm>
           <a:prstGeom prst="corner">
+            <a:avLst/>
+          </a:prstGeom>
+          <a:solidFill>
+            <a:srgbClr val="EE7E22"/>
+          </a:solidFill>
+          <a:ln>
+            <a:noFill/>
+          </a:ln>
+        </p:spPr>
+        <p:style>
+          <a:lnRef idx="2">
+            <a:schemeClr val="accent1">
+              <a:shade val="50000"/>
+            </a:schemeClr>
+          </a:lnRef>
+          <a:fillRef idx="1">
+            <a:schemeClr val="accent1"/>
+          </a:fillRef>
+          <a:effectRef idx="0">
+            <a:schemeClr val="accent1"/>
+          </a:effectRef>
+          <a:fontRef idx="minor">
+            <a:schemeClr val="lt1"/>
+          </a:fontRef>
+        </p:style>
+        <p:txBody>
+          <a:bodyPr rtlCol="0" anchor="ctr"/>
+          <a:lstStyle/>
+          <a:p>
+            <a:pPr algn="ctr"/>
+            <a:endParaRPr lang="en-US"/>
+          </a:p>
+        </p:txBody>
+      </p:sp>
+      <p:sp>
+        <p:nvSpPr>
+          <p:cNvPr id="3" name="Parallelogram 2"/>
+          <p:cNvSpPr/>
+          <p:nvPr/>
+        </p:nvSpPr>
+        <p:spPr>
+          <a:xfrm>
+            <a:off x="856211" y="4386351"/>
+            <a:ext cx="2394065" cy="277089"/>
+          </a:xfrm>
+          <a:prstGeom prst="parallelogram">
             <a:avLst/>
           </a:prstGeom>
           <a:solidFill>

--- a/Projects/SW_Design/UI/UI_design.pptx
+++ b/Projects/SW_Design/UI/UI_design.pptx
@@ -274,7 +274,7 @@
           <a:p>
             <a:fld id="{EB44E886-23E1-4ADA-9C75-D80585AEE320}" type="datetimeFigureOut">
               <a:rPr lang="ko-KR" altLang="en-US" smtClean="0"/>
-              <a:t>2019-11-14</a:t>
+              <a:t>2019-11-15</a:t>
             </a:fld>
             <a:endParaRPr lang="ko-KR" altLang="en-US"/>
           </a:p>
@@ -472,7 +472,7 @@
           <a:p>
             <a:fld id="{EB44E886-23E1-4ADA-9C75-D80585AEE320}" type="datetimeFigureOut">
               <a:rPr lang="ko-KR" altLang="en-US" smtClean="0"/>
-              <a:t>2019-11-14</a:t>
+              <a:t>2019-11-15</a:t>
             </a:fld>
             <a:endParaRPr lang="ko-KR" altLang="en-US"/>
           </a:p>
@@ -680,7 +680,7 @@
           <a:p>
             <a:fld id="{EB44E886-23E1-4ADA-9C75-D80585AEE320}" type="datetimeFigureOut">
               <a:rPr lang="ko-KR" altLang="en-US" smtClean="0"/>
-              <a:t>2019-11-14</a:t>
+              <a:t>2019-11-15</a:t>
             </a:fld>
             <a:endParaRPr lang="ko-KR" altLang="en-US"/>
           </a:p>
@@ -878,7 +878,7 @@
           <a:p>
             <a:fld id="{EB44E886-23E1-4ADA-9C75-D80585AEE320}" type="datetimeFigureOut">
               <a:rPr lang="ko-KR" altLang="en-US" smtClean="0"/>
-              <a:t>2019-11-14</a:t>
+              <a:t>2019-11-15</a:t>
             </a:fld>
             <a:endParaRPr lang="ko-KR" altLang="en-US"/>
           </a:p>
@@ -1153,7 +1153,7 @@
           <a:p>
             <a:fld id="{EB44E886-23E1-4ADA-9C75-D80585AEE320}" type="datetimeFigureOut">
               <a:rPr lang="ko-KR" altLang="en-US" smtClean="0"/>
-              <a:t>2019-11-14</a:t>
+              <a:t>2019-11-15</a:t>
             </a:fld>
             <a:endParaRPr lang="ko-KR" altLang="en-US"/>
           </a:p>
@@ -1418,7 +1418,7 @@
           <a:p>
             <a:fld id="{EB44E886-23E1-4ADA-9C75-D80585AEE320}" type="datetimeFigureOut">
               <a:rPr lang="ko-KR" altLang="en-US" smtClean="0"/>
-              <a:t>2019-11-14</a:t>
+              <a:t>2019-11-15</a:t>
             </a:fld>
             <a:endParaRPr lang="ko-KR" altLang="en-US"/>
           </a:p>
@@ -1830,7 +1830,7 @@
           <a:p>
             <a:fld id="{EB44E886-23E1-4ADA-9C75-D80585AEE320}" type="datetimeFigureOut">
               <a:rPr lang="ko-KR" altLang="en-US" smtClean="0"/>
-              <a:t>2019-11-14</a:t>
+              <a:t>2019-11-15</a:t>
             </a:fld>
             <a:endParaRPr lang="ko-KR" altLang="en-US"/>
           </a:p>
@@ -1971,7 +1971,7 @@
           <a:p>
             <a:fld id="{EB44E886-23E1-4ADA-9C75-D80585AEE320}" type="datetimeFigureOut">
               <a:rPr lang="ko-KR" altLang="en-US" smtClean="0"/>
-              <a:t>2019-11-14</a:t>
+              <a:t>2019-11-15</a:t>
             </a:fld>
             <a:endParaRPr lang="ko-KR" altLang="en-US"/>
           </a:p>
@@ -2084,7 +2084,7 @@
           <a:p>
             <a:fld id="{EB44E886-23E1-4ADA-9C75-D80585AEE320}" type="datetimeFigureOut">
               <a:rPr lang="ko-KR" altLang="en-US" smtClean="0"/>
-              <a:t>2019-11-14</a:t>
+              <a:t>2019-11-15</a:t>
             </a:fld>
             <a:endParaRPr lang="ko-KR" altLang="en-US"/>
           </a:p>
@@ -2395,7 +2395,7 @@
           <a:p>
             <a:fld id="{EB44E886-23E1-4ADA-9C75-D80585AEE320}" type="datetimeFigureOut">
               <a:rPr lang="ko-KR" altLang="en-US" smtClean="0"/>
-              <a:t>2019-11-14</a:t>
+              <a:t>2019-11-15</a:t>
             </a:fld>
             <a:endParaRPr lang="ko-KR" altLang="en-US"/>
           </a:p>
@@ -2683,7 +2683,7 @@
           <a:p>
             <a:fld id="{EB44E886-23E1-4ADA-9C75-D80585AEE320}" type="datetimeFigureOut">
               <a:rPr lang="ko-KR" altLang="en-US" smtClean="0"/>
-              <a:t>2019-11-14</a:t>
+              <a:t>2019-11-15</a:t>
             </a:fld>
             <a:endParaRPr lang="ko-KR" altLang="en-US"/>
           </a:p>
@@ -2924,7 +2924,7 @@
           <a:p>
             <a:fld id="{EB44E886-23E1-4ADA-9C75-D80585AEE320}" type="datetimeFigureOut">
               <a:rPr lang="ko-KR" altLang="en-US" smtClean="0"/>
-              <a:t>2019-11-14</a:t>
+              <a:t>2019-11-15</a:t>
             </a:fld>
             <a:endParaRPr lang="ko-KR" altLang="en-US"/>
           </a:p>
@@ -14278,7 +14278,7 @@
           <a:lstStyle/>
           <a:p>
             <a:r>
-              <a:rPr lang="en-US" altLang="ko-KR" sz="2000" b="1" dirty="0" smtClean="0">
+              <a:rPr lang="en-US" altLang="ko-KR" sz="2000" b="1" dirty="0">
                 <a:solidFill>
                   <a:schemeClr val="bg1">
                     <a:lumMod val="85000"/>
@@ -14292,7 +14292,7 @@
           </a:p>
           <a:p>
             <a:r>
-              <a:rPr lang="en-US" altLang="ko-KR" sz="2000" b="1" dirty="0" smtClean="0">
+              <a:rPr lang="en-US" altLang="ko-KR" sz="2000" b="1" dirty="0">
                 <a:solidFill>
                   <a:schemeClr val="bg1">
                     <a:lumMod val="85000"/>
@@ -14344,7 +14344,7 @@
           <a:lstStyle/>
           <a:p>
             <a:r>
-              <a:rPr lang="en-US" altLang="ko-KR" sz="2000" b="1" dirty="0" smtClean="0">
+              <a:rPr lang="en-US" altLang="ko-KR" sz="2000" b="1" dirty="0">
                 <a:solidFill>
                   <a:schemeClr val="bg1">
                     <a:lumMod val="85000"/>
@@ -14358,7 +14358,7 @@
           </a:p>
           <a:p>
             <a:r>
-              <a:rPr lang="en-US" altLang="ko-KR" sz="2000" b="1" dirty="0" smtClean="0">
+              <a:rPr lang="en-US" altLang="ko-KR" sz="2000" b="1" dirty="0">
                 <a:solidFill>
                   <a:schemeClr val="bg1">
                     <a:lumMod val="85000"/>
@@ -14368,6 +14368,110 @@
                 <a:cs typeface="Calibri" panose="020F0502020204030204" pitchFamily="34" charset="0"/>
               </a:rPr>
               <a:t>RECOVERY</a:t>
+            </a:r>
+            <a:endParaRPr lang="ko-KR" altLang="en-US" sz="2000" b="1" dirty="0">
+              <a:solidFill>
+                <a:schemeClr val="bg1">
+                  <a:lumMod val="85000"/>
+                </a:schemeClr>
+              </a:solidFill>
+              <a:latin typeface="Calibri" panose="020F0502020204030204" pitchFamily="34" charset="0"/>
+              <a:cs typeface="Calibri" panose="020F0502020204030204" pitchFamily="34" charset="0"/>
+            </a:endParaRPr>
+          </a:p>
+        </p:txBody>
+      </p:sp>
+      <p:sp>
+        <p:nvSpPr>
+          <p:cNvPr id="29" name="TextBox 28">
+            <a:extLst>
+              <a:ext uri="{FF2B5EF4-FFF2-40B4-BE49-F238E27FC236}">
+                <a16:creationId xmlns:a16="http://schemas.microsoft.com/office/drawing/2014/main" id="{2BD0FD6E-F2E1-4F1C-A5E3-6FC0FA9E7CDC}"/>
+              </a:ext>
+            </a:extLst>
+          </p:cNvPr>
+          <p:cNvSpPr txBox="1"/>
+          <p:nvPr/>
+        </p:nvSpPr>
+        <p:spPr>
+          <a:xfrm>
+            <a:off x="1995627" y="1862807"/>
+            <a:ext cx="792205" cy="400110"/>
+          </a:xfrm>
+          <a:prstGeom prst="rect">
+            <a:avLst/>
+          </a:prstGeom>
+          <a:noFill/>
+        </p:spPr>
+        <p:txBody>
+          <a:bodyPr wrap="none" rtlCol="0">
+            <a:spAutoFit/>
+          </a:bodyPr>
+          <a:lstStyle/>
+          <a:p>
+            <a:r>
+              <a:rPr lang="en-US" altLang="ko-KR" sz="2000" b="1" dirty="0">
+                <a:solidFill>
+                  <a:schemeClr val="bg1">
+                    <a:lumMod val="85000"/>
+                  </a:schemeClr>
+                </a:solidFill>
+                <a:latin typeface="Calibri" panose="020F0502020204030204" pitchFamily="34" charset="0"/>
+                <a:cs typeface="Calibri" panose="020F0502020204030204" pitchFamily="34" charset="0"/>
+              </a:rPr>
+              <a:t>GOLD</a:t>
+            </a:r>
+            <a:endParaRPr lang="ko-KR" altLang="en-US" sz="2000" b="1" dirty="0">
+              <a:solidFill>
+                <a:schemeClr val="bg1">
+                  <a:lumMod val="85000"/>
+                </a:schemeClr>
+              </a:solidFill>
+              <a:latin typeface="Calibri" panose="020F0502020204030204" pitchFamily="34" charset="0"/>
+              <a:cs typeface="Calibri" panose="020F0502020204030204" pitchFamily="34" charset="0"/>
+            </a:endParaRPr>
+          </a:p>
+        </p:txBody>
+      </p:sp>
+      <p:sp>
+        <p:nvSpPr>
+          <p:cNvPr id="30" name="TextBox 29">
+            <a:extLst>
+              <a:ext uri="{FF2B5EF4-FFF2-40B4-BE49-F238E27FC236}">
+                <a16:creationId xmlns:a16="http://schemas.microsoft.com/office/drawing/2014/main" id="{B7BA7FB0-1F30-42CD-87E2-F406B937A0C5}"/>
+              </a:ext>
+            </a:extLst>
+          </p:cNvPr>
+          <p:cNvSpPr txBox="1"/>
+          <p:nvPr/>
+        </p:nvSpPr>
+        <p:spPr>
+          <a:xfrm>
+            <a:off x="3117317" y="1872895"/>
+            <a:ext cx="819455" cy="400110"/>
+          </a:xfrm>
+          <a:prstGeom prst="rect">
+            <a:avLst/>
+          </a:prstGeom>
+          <a:noFill/>
+        </p:spPr>
+        <p:txBody>
+          <a:bodyPr wrap="none" rtlCol="0">
+            <a:spAutoFit/>
+          </a:bodyPr>
+          <a:lstStyle/>
+          <a:p>
+            <a:r>
+              <a:rPr lang="en-US" altLang="ko-KR" sz="2000" b="1" dirty="0">
+                <a:solidFill>
+                  <a:schemeClr val="bg1">
+                    <a:lumMod val="85000"/>
+                  </a:schemeClr>
+                </a:solidFill>
+                <a:latin typeface="Calibri" panose="020F0502020204030204" pitchFamily="34" charset="0"/>
+                <a:cs typeface="Calibri" panose="020F0502020204030204" pitchFamily="34" charset="0"/>
+              </a:rPr>
+              <a:t>GEMS</a:t>
             </a:r>
             <a:endParaRPr lang="ko-KR" altLang="en-US" sz="2000" b="1" dirty="0">
               <a:solidFill>

--- a/Projects/SW_Design/UI/UI_design.pptx
+++ b/Projects/SW_Design/UI/UI_design.pptx
@@ -18,12 +18,13 @@
     <p:sldId id="266" r:id="rId12"/>
     <p:sldId id="269" r:id="rId13"/>
     <p:sldId id="270" r:id="rId14"/>
-    <p:sldId id="263" r:id="rId15"/>
-    <p:sldId id="264" r:id="rId16"/>
-    <p:sldId id="271" r:id="rId17"/>
-    <p:sldId id="272" r:id="rId18"/>
-    <p:sldId id="273" r:id="rId19"/>
-    <p:sldId id="274" r:id="rId20"/>
+    <p:sldId id="275" r:id="rId15"/>
+    <p:sldId id="263" r:id="rId16"/>
+    <p:sldId id="264" r:id="rId17"/>
+    <p:sldId id="271" r:id="rId18"/>
+    <p:sldId id="272" r:id="rId19"/>
+    <p:sldId id="273" r:id="rId20"/>
+    <p:sldId id="274" r:id="rId21"/>
   </p:sldIdLst>
   <p:sldSz cx="12192000" cy="6858000"/>
   <p:notesSz cx="6858000" cy="9144000"/>
@@ -277,7 +278,7 @@
           <a:p>
             <a:fld id="{EB44E886-23E1-4ADA-9C75-D80585AEE320}" type="datetimeFigureOut">
               <a:rPr lang="ko-KR" altLang="en-US" smtClean="0"/>
-              <a:t>2019-11-19</a:t>
+              <a:t>2019-11-21</a:t>
             </a:fld>
             <a:endParaRPr lang="ko-KR" altLang="en-US"/>
           </a:p>
@@ -475,7 +476,7 @@
           <a:p>
             <a:fld id="{EB44E886-23E1-4ADA-9C75-D80585AEE320}" type="datetimeFigureOut">
               <a:rPr lang="ko-KR" altLang="en-US" smtClean="0"/>
-              <a:t>2019-11-19</a:t>
+              <a:t>2019-11-21</a:t>
             </a:fld>
             <a:endParaRPr lang="ko-KR" altLang="en-US"/>
           </a:p>
@@ -683,7 +684,7 @@
           <a:p>
             <a:fld id="{EB44E886-23E1-4ADA-9C75-D80585AEE320}" type="datetimeFigureOut">
               <a:rPr lang="ko-KR" altLang="en-US" smtClean="0"/>
-              <a:t>2019-11-19</a:t>
+              <a:t>2019-11-21</a:t>
             </a:fld>
             <a:endParaRPr lang="ko-KR" altLang="en-US"/>
           </a:p>
@@ -881,7 +882,7 @@
           <a:p>
             <a:fld id="{EB44E886-23E1-4ADA-9C75-D80585AEE320}" type="datetimeFigureOut">
               <a:rPr lang="ko-KR" altLang="en-US" smtClean="0"/>
-              <a:t>2019-11-19</a:t>
+              <a:t>2019-11-21</a:t>
             </a:fld>
             <a:endParaRPr lang="ko-KR" altLang="en-US"/>
           </a:p>
@@ -1156,7 +1157,7 @@
           <a:p>
             <a:fld id="{EB44E886-23E1-4ADA-9C75-D80585AEE320}" type="datetimeFigureOut">
               <a:rPr lang="ko-KR" altLang="en-US" smtClean="0"/>
-              <a:t>2019-11-19</a:t>
+              <a:t>2019-11-21</a:t>
             </a:fld>
             <a:endParaRPr lang="ko-KR" altLang="en-US"/>
           </a:p>
@@ -1421,7 +1422,7 @@
           <a:p>
             <a:fld id="{EB44E886-23E1-4ADA-9C75-D80585AEE320}" type="datetimeFigureOut">
               <a:rPr lang="ko-KR" altLang="en-US" smtClean="0"/>
-              <a:t>2019-11-19</a:t>
+              <a:t>2019-11-21</a:t>
             </a:fld>
             <a:endParaRPr lang="ko-KR" altLang="en-US"/>
           </a:p>
@@ -1833,7 +1834,7 @@
           <a:p>
             <a:fld id="{EB44E886-23E1-4ADA-9C75-D80585AEE320}" type="datetimeFigureOut">
               <a:rPr lang="ko-KR" altLang="en-US" smtClean="0"/>
-              <a:t>2019-11-19</a:t>
+              <a:t>2019-11-21</a:t>
             </a:fld>
             <a:endParaRPr lang="ko-KR" altLang="en-US"/>
           </a:p>
@@ -1974,7 +1975,7 @@
           <a:p>
             <a:fld id="{EB44E886-23E1-4ADA-9C75-D80585AEE320}" type="datetimeFigureOut">
               <a:rPr lang="ko-KR" altLang="en-US" smtClean="0"/>
-              <a:t>2019-11-19</a:t>
+              <a:t>2019-11-21</a:t>
             </a:fld>
             <a:endParaRPr lang="ko-KR" altLang="en-US"/>
           </a:p>
@@ -2087,7 +2088,7 @@
           <a:p>
             <a:fld id="{EB44E886-23E1-4ADA-9C75-D80585AEE320}" type="datetimeFigureOut">
               <a:rPr lang="ko-KR" altLang="en-US" smtClean="0"/>
-              <a:t>2019-11-19</a:t>
+              <a:t>2019-11-21</a:t>
             </a:fld>
             <a:endParaRPr lang="ko-KR" altLang="en-US"/>
           </a:p>
@@ -2398,7 +2399,7 @@
           <a:p>
             <a:fld id="{EB44E886-23E1-4ADA-9C75-D80585AEE320}" type="datetimeFigureOut">
               <a:rPr lang="ko-KR" altLang="en-US" smtClean="0"/>
-              <a:t>2019-11-19</a:t>
+              <a:t>2019-11-21</a:t>
             </a:fld>
             <a:endParaRPr lang="ko-KR" altLang="en-US"/>
           </a:p>
@@ -2686,7 +2687,7 @@
           <a:p>
             <a:fld id="{EB44E886-23E1-4ADA-9C75-D80585AEE320}" type="datetimeFigureOut">
               <a:rPr lang="ko-KR" altLang="en-US" smtClean="0"/>
-              <a:t>2019-11-19</a:t>
+              <a:t>2019-11-21</a:t>
             </a:fld>
             <a:endParaRPr lang="ko-KR" altLang="en-US"/>
           </a:p>
@@ -2927,7 +2928,7 @@
           <a:p>
             <a:fld id="{EB44E886-23E1-4ADA-9C75-D80585AEE320}" type="datetimeFigureOut">
               <a:rPr lang="ko-KR" altLang="en-US" smtClean="0"/>
-              <a:t>2019-11-19</a:t>
+              <a:t>2019-11-21</a:t>
             </a:fld>
             <a:endParaRPr lang="ko-KR" altLang="en-US"/>
           </a:p>
@@ -12963,6 +12964,36 @@
           <a:chExt cx="0" cy="0"/>
         </a:xfrm>
       </p:grpSpPr>
+    </p:spTree>
+    <p:extLst>
+      <p:ext uri="{BB962C8B-B14F-4D97-AF65-F5344CB8AC3E}">
+        <p14:creationId xmlns:p14="http://schemas.microsoft.com/office/powerpoint/2010/main" val="426701443"/>
+      </p:ext>
+    </p:extLst>
+  </p:cSld>
+  <p:clrMapOvr>
+    <a:masterClrMapping/>
+  </p:clrMapOvr>
+</p:sld>
+</file>
+
+<file path=ppt/slides/slide15.xml><?xml version="1.0" encoding="utf-8"?>
+<p:sld xmlns:a="http://schemas.openxmlformats.org/drawingml/2006/main" xmlns:r="http://schemas.openxmlformats.org/officeDocument/2006/relationships" xmlns:p="http://schemas.openxmlformats.org/presentationml/2006/main">
+  <p:cSld>
+    <p:spTree>
+      <p:nvGrpSpPr>
+        <p:cNvPr id="1" name=""/>
+        <p:cNvGrpSpPr/>
+        <p:nvPr/>
+      </p:nvGrpSpPr>
+      <p:grpSpPr>
+        <a:xfrm>
+          <a:off x="0" y="0"/>
+          <a:ext cx="0" cy="0"/>
+          <a:chOff x="0" y="0"/>
+          <a:chExt cx="0" cy="0"/>
+        </a:xfrm>
+      </p:grpSpPr>
       <p:sp>
         <p:nvSpPr>
           <p:cNvPr id="4" name="직사각형 3">
@@ -13245,7 +13276,7 @@
 </p:sld>
 </file>
 
-<file path=ppt/slides/slide15.xml><?xml version="1.0" encoding="utf-8"?>
+<file path=ppt/slides/slide16.xml><?xml version="1.0" encoding="utf-8"?>
 <p:sld xmlns:a="http://schemas.openxmlformats.org/drawingml/2006/main" xmlns:r="http://schemas.openxmlformats.org/officeDocument/2006/relationships" xmlns:p="http://schemas.openxmlformats.org/presentationml/2006/main">
   <p:cSld>
     <p:spTree>
@@ -14501,7 +14532,7 @@
 </p:sld>
 </file>
 
-<file path=ppt/slides/slide16.xml><?xml version="1.0" encoding="utf-8"?>
+<file path=ppt/slides/slide17.xml><?xml version="1.0" encoding="utf-8"?>
 <p:sld xmlns:a="http://schemas.openxmlformats.org/drawingml/2006/main" xmlns:r="http://schemas.openxmlformats.org/officeDocument/2006/relationships" xmlns:p="http://schemas.openxmlformats.org/presentationml/2006/main">
   <p:cSld>
     <p:spTree>
@@ -14615,7 +14646,7 @@
         </p:nvSpPr>
         <p:spPr>
           <a:xfrm>
-            <a:off x="10207328" y="917691"/>
+            <a:off x="10098271" y="875784"/>
             <a:ext cx="983722" cy="853788"/>
           </a:xfrm>
           <a:prstGeom prst="hexagon">
@@ -14736,6 +14767,69 @@
           </a:p>
         </p:txBody>
       </p:sp>
+      <p:sp>
+        <p:nvSpPr>
+          <p:cNvPr id="7" name="육각형 6">
+            <a:extLst>
+              <a:ext uri="{FF2B5EF4-FFF2-40B4-BE49-F238E27FC236}">
+                <a16:creationId xmlns:a16="http://schemas.microsoft.com/office/drawing/2014/main" id="{37B0A8F6-B8E4-412D-9865-1C69687A35FC}"/>
+              </a:ext>
+            </a:extLst>
+          </p:cNvPr>
+          <p:cNvSpPr/>
+          <p:nvPr/>
+        </p:nvSpPr>
+        <p:spPr>
+          <a:xfrm>
+            <a:off x="5730589" y="959598"/>
+            <a:ext cx="983722" cy="853788"/>
+          </a:xfrm>
+          <a:prstGeom prst="hexagon">
+            <a:avLst>
+              <a:gd name="adj" fmla="val 32860"/>
+              <a:gd name="vf" fmla="val 115470"/>
+            </a:avLst>
+          </a:prstGeom>
+          <a:solidFill>
+            <a:srgbClr val="00B050"/>
+          </a:solidFill>
+          <a:ln>
+            <a:noFill/>
+          </a:ln>
+          <a:scene3d>
+            <a:camera prst="perspectiveHeroicExtremeLeftFacing"/>
+            <a:lightRig rig="threePt" dir="t"/>
+          </a:scene3d>
+          <a:sp3d prstMaterial="metal">
+            <a:bevelT w="393700" h="88900" prst="angle"/>
+            <a:bevelB w="0"/>
+          </a:sp3d>
+        </p:spPr>
+        <p:style>
+          <a:lnRef idx="2">
+            <a:schemeClr val="accent1">
+              <a:shade val="50000"/>
+            </a:schemeClr>
+          </a:lnRef>
+          <a:fillRef idx="1">
+            <a:schemeClr val="accent1"/>
+          </a:fillRef>
+          <a:effectRef idx="0">
+            <a:schemeClr val="accent1"/>
+          </a:effectRef>
+          <a:fontRef idx="minor">
+            <a:schemeClr val="lt1"/>
+          </a:fontRef>
+        </p:style>
+        <p:txBody>
+          <a:bodyPr rtlCol="0" anchor="ctr"/>
+          <a:lstStyle/>
+          <a:p>
+            <a:pPr algn="ctr"/>
+            <a:endParaRPr lang="ko-KR" altLang="en-US"/>
+          </a:p>
+        </p:txBody>
+      </p:sp>
     </p:spTree>
     <p:extLst>
       <p:ext uri="{BB962C8B-B14F-4D97-AF65-F5344CB8AC3E}">
@@ -14749,7 +14843,7 @@
 </p:sld>
 </file>
 
-<file path=ppt/slides/slide17.xml><?xml version="1.0" encoding="utf-8"?>
+<file path=ppt/slides/slide18.xml><?xml version="1.0" encoding="utf-8"?>
 <p:sld xmlns:a="http://schemas.openxmlformats.org/drawingml/2006/main" xmlns:r="http://schemas.openxmlformats.org/officeDocument/2006/relationships" xmlns:p="http://schemas.openxmlformats.org/presentationml/2006/main">
   <p:cSld>
     <p:spTree>
@@ -20576,7 +20670,7 @@
 </p:sld>
 </file>
 
-<file path=ppt/slides/slide18.xml><?xml version="1.0" encoding="utf-8"?>
+<file path=ppt/slides/slide19.xml><?xml version="1.0" encoding="utf-8"?>
 <p:sld xmlns:a="http://schemas.openxmlformats.org/drawingml/2006/main" xmlns:r="http://schemas.openxmlformats.org/officeDocument/2006/relationships" xmlns:p="http://schemas.openxmlformats.org/presentationml/2006/main">
   <p:cSld>
     <p:spTree>
@@ -24507,7 +24601,293 @@
 </p:sld>
 </file>
 
-<file path=ppt/slides/slide19.xml><?xml version="1.0" encoding="utf-8"?>
+<file path=ppt/slides/slide2.xml><?xml version="1.0" encoding="utf-8"?>
+<p:sld xmlns:a="http://schemas.openxmlformats.org/drawingml/2006/main" xmlns:r="http://schemas.openxmlformats.org/officeDocument/2006/relationships" xmlns:p="http://schemas.openxmlformats.org/presentationml/2006/main">
+  <p:cSld>
+    <p:spTree>
+      <p:nvGrpSpPr>
+        <p:cNvPr id="1" name=""/>
+        <p:cNvGrpSpPr/>
+        <p:nvPr/>
+      </p:nvGrpSpPr>
+      <p:grpSpPr>
+        <a:xfrm>
+          <a:off x="0" y="0"/>
+          <a:ext cx="0" cy="0"/>
+          <a:chOff x="0" y="0"/>
+          <a:chExt cx="0" cy="0"/>
+        </a:xfrm>
+      </p:grpSpPr>
+      <p:grpSp>
+        <p:nvGrpSpPr>
+          <p:cNvPr id="7" name="그룹 6">
+            <a:extLst>
+              <a:ext uri="{FF2B5EF4-FFF2-40B4-BE49-F238E27FC236}">
+                <a16:creationId xmlns:a16="http://schemas.microsoft.com/office/drawing/2014/main" id="{657B291C-73FB-41DA-BF2C-817F40C31946}"/>
+              </a:ext>
+            </a:extLst>
+          </p:cNvPr>
+          <p:cNvGrpSpPr/>
+          <p:nvPr/>
+        </p:nvGrpSpPr>
+        <p:grpSpPr>
+          <a:xfrm>
+            <a:off x="4780915" y="2936241"/>
+            <a:ext cx="1457325" cy="860612"/>
+            <a:chOff x="4486275" y="3048001"/>
+            <a:chExt cx="1457325" cy="860612"/>
+          </a:xfrm>
+          <a:solidFill>
+            <a:srgbClr val="B2B2B2">
+              <a:alpha val="47059"/>
+            </a:srgbClr>
+          </a:solidFill>
+        </p:grpSpPr>
+        <p:sp>
+          <p:nvSpPr>
+            <p:cNvPr id="8" name="평행 사변형 7">
+              <a:extLst>
+                <a:ext uri="{FF2B5EF4-FFF2-40B4-BE49-F238E27FC236}">
+                  <a16:creationId xmlns:a16="http://schemas.microsoft.com/office/drawing/2014/main" id="{06D131F4-339E-4C8B-A5A6-F612B8EA16D2}"/>
+                </a:ext>
+              </a:extLst>
+            </p:cNvPr>
+            <p:cNvSpPr/>
+            <p:nvPr/>
+          </p:nvSpPr>
+          <p:spPr>
+            <a:xfrm>
+              <a:off x="4486275" y="3048001"/>
+              <a:ext cx="1457325" cy="860612"/>
+            </a:xfrm>
+            <a:prstGeom prst="parallelogram">
+              <a:avLst/>
+            </a:prstGeom>
+            <a:grpFill/>
+            <a:ln>
+              <a:noFill/>
+            </a:ln>
+          </p:spPr>
+          <p:style>
+            <a:lnRef idx="2">
+              <a:schemeClr val="accent1">
+                <a:shade val="50000"/>
+              </a:schemeClr>
+            </a:lnRef>
+            <a:fillRef idx="1">
+              <a:schemeClr val="accent1"/>
+            </a:fillRef>
+            <a:effectRef idx="0">
+              <a:schemeClr val="accent1"/>
+            </a:effectRef>
+            <a:fontRef idx="minor">
+              <a:schemeClr val="lt1"/>
+            </a:fontRef>
+          </p:style>
+          <p:txBody>
+            <a:bodyPr rtlCol="0" anchor="ctr"/>
+            <a:lstStyle/>
+            <a:p>
+              <a:pPr algn="ctr"/>
+              <a:endParaRPr lang="ko-KR" altLang="en-US"/>
+            </a:p>
+          </p:txBody>
+        </p:sp>
+        <p:sp>
+          <p:nvSpPr>
+            <p:cNvPr id="9" name="평행 사변형 8">
+              <a:extLst>
+                <a:ext uri="{FF2B5EF4-FFF2-40B4-BE49-F238E27FC236}">
+                  <a16:creationId xmlns:a16="http://schemas.microsoft.com/office/drawing/2014/main" id="{89F8F831-467B-4535-BE81-010430526646}"/>
+                </a:ext>
+              </a:extLst>
+            </p:cNvPr>
+            <p:cNvSpPr/>
+            <p:nvPr/>
+          </p:nvSpPr>
+          <p:spPr>
+            <a:xfrm>
+              <a:off x="4518660" y="3048001"/>
+              <a:ext cx="1424940" cy="723899"/>
+            </a:xfrm>
+            <a:prstGeom prst="parallelogram">
+              <a:avLst/>
+            </a:prstGeom>
+            <a:grpFill/>
+            <a:ln>
+              <a:noFill/>
+            </a:ln>
+          </p:spPr>
+          <p:style>
+            <a:lnRef idx="2">
+              <a:schemeClr val="accent1">
+                <a:shade val="50000"/>
+              </a:schemeClr>
+            </a:lnRef>
+            <a:fillRef idx="1">
+              <a:schemeClr val="accent1"/>
+            </a:fillRef>
+            <a:effectRef idx="0">
+              <a:schemeClr val="accent1"/>
+            </a:effectRef>
+            <a:fontRef idx="minor">
+              <a:schemeClr val="lt1"/>
+            </a:fontRef>
+          </p:style>
+          <p:txBody>
+            <a:bodyPr rtlCol="0" anchor="ctr"/>
+            <a:lstStyle/>
+            <a:p>
+              <a:pPr algn="ctr"/>
+              <a:endParaRPr lang="ko-KR" altLang="en-US"/>
+            </a:p>
+          </p:txBody>
+        </p:sp>
+      </p:grpSp>
+      <p:grpSp>
+        <p:nvGrpSpPr>
+          <p:cNvPr id="10" name="그룹 9">
+            <a:extLst>
+              <a:ext uri="{FF2B5EF4-FFF2-40B4-BE49-F238E27FC236}">
+                <a16:creationId xmlns:a16="http://schemas.microsoft.com/office/drawing/2014/main" id="{93779094-E290-483D-B623-E9758F7C6EBB}"/>
+              </a:ext>
+            </a:extLst>
+          </p:cNvPr>
+          <p:cNvGrpSpPr/>
+          <p:nvPr/>
+        </p:nvGrpSpPr>
+        <p:grpSpPr>
+          <a:xfrm>
+            <a:off x="1848739" y="2867884"/>
+            <a:ext cx="1457325" cy="860612"/>
+            <a:chOff x="4486275" y="3048001"/>
+            <a:chExt cx="1457325" cy="860612"/>
+          </a:xfrm>
+        </p:grpSpPr>
+        <p:sp>
+          <p:nvSpPr>
+            <p:cNvPr id="11" name="평행 사변형 10">
+              <a:extLst>
+                <a:ext uri="{FF2B5EF4-FFF2-40B4-BE49-F238E27FC236}">
+                  <a16:creationId xmlns:a16="http://schemas.microsoft.com/office/drawing/2014/main" id="{744A4E64-2260-4315-9BC3-67CC96E827D0}"/>
+                </a:ext>
+              </a:extLst>
+            </p:cNvPr>
+            <p:cNvSpPr/>
+            <p:nvPr/>
+          </p:nvSpPr>
+          <p:spPr>
+            <a:xfrm>
+              <a:off x="4486275" y="3048001"/>
+              <a:ext cx="1457325" cy="860612"/>
+            </a:xfrm>
+            <a:prstGeom prst="parallelogram">
+              <a:avLst/>
+            </a:prstGeom>
+            <a:solidFill>
+              <a:schemeClr val="tx1">
+                <a:lumMod val="65000"/>
+                <a:lumOff val="35000"/>
+              </a:schemeClr>
+            </a:solidFill>
+            <a:ln>
+              <a:noFill/>
+            </a:ln>
+          </p:spPr>
+          <p:style>
+            <a:lnRef idx="2">
+              <a:schemeClr val="accent1">
+                <a:shade val="50000"/>
+              </a:schemeClr>
+            </a:lnRef>
+            <a:fillRef idx="1">
+              <a:schemeClr val="accent1"/>
+            </a:fillRef>
+            <a:effectRef idx="0">
+              <a:schemeClr val="accent1"/>
+            </a:effectRef>
+            <a:fontRef idx="minor">
+              <a:schemeClr val="lt1"/>
+            </a:fontRef>
+          </p:style>
+          <p:txBody>
+            <a:bodyPr rtlCol="0" anchor="ctr"/>
+            <a:lstStyle/>
+            <a:p>
+              <a:pPr algn="ctr"/>
+              <a:endParaRPr lang="ko-KR" altLang="en-US"/>
+            </a:p>
+          </p:txBody>
+        </p:sp>
+        <p:sp>
+          <p:nvSpPr>
+            <p:cNvPr id="12" name="평행 사변형 11">
+              <a:extLst>
+                <a:ext uri="{FF2B5EF4-FFF2-40B4-BE49-F238E27FC236}">
+                  <a16:creationId xmlns:a16="http://schemas.microsoft.com/office/drawing/2014/main" id="{51DAC25B-C49D-4E3E-9EB4-D113ED089201}"/>
+                </a:ext>
+              </a:extLst>
+            </p:cNvPr>
+            <p:cNvSpPr/>
+            <p:nvPr/>
+          </p:nvSpPr>
+          <p:spPr>
+            <a:xfrm>
+              <a:off x="4518660" y="3048001"/>
+              <a:ext cx="1424940" cy="723899"/>
+            </a:xfrm>
+            <a:prstGeom prst="parallelogram">
+              <a:avLst/>
+            </a:prstGeom>
+            <a:solidFill>
+              <a:srgbClr val="B0B0B0">
+                <a:alpha val="78824"/>
+              </a:srgbClr>
+            </a:solidFill>
+            <a:ln>
+              <a:noFill/>
+            </a:ln>
+          </p:spPr>
+          <p:style>
+            <a:lnRef idx="2">
+              <a:schemeClr val="accent1">
+                <a:shade val="50000"/>
+              </a:schemeClr>
+            </a:lnRef>
+            <a:fillRef idx="1">
+              <a:schemeClr val="accent1"/>
+            </a:fillRef>
+            <a:effectRef idx="0">
+              <a:schemeClr val="accent1"/>
+            </a:effectRef>
+            <a:fontRef idx="minor">
+              <a:schemeClr val="lt1"/>
+            </a:fontRef>
+          </p:style>
+          <p:txBody>
+            <a:bodyPr rtlCol="0" anchor="ctr"/>
+            <a:lstStyle/>
+            <a:p>
+              <a:pPr algn="ctr"/>
+              <a:endParaRPr lang="ko-KR" altLang="en-US"/>
+            </a:p>
+          </p:txBody>
+        </p:sp>
+      </p:grpSp>
+    </p:spTree>
+    <p:extLst>
+      <p:ext uri="{BB962C8B-B14F-4D97-AF65-F5344CB8AC3E}">
+        <p14:creationId xmlns:p14="http://schemas.microsoft.com/office/powerpoint/2010/main" val="2565668278"/>
+      </p:ext>
+    </p:extLst>
+  </p:cSld>
+  <p:clrMapOvr>
+    <a:masterClrMapping/>
+  </p:clrMapOvr>
+</p:sld>
+</file>
+
+<file path=ppt/slides/slide20.xml><?xml version="1.0" encoding="utf-8"?>
 <p:sld xmlns:a="http://schemas.openxmlformats.org/drawingml/2006/main" xmlns:r="http://schemas.openxmlformats.org/officeDocument/2006/relationships" xmlns:p="http://schemas.openxmlformats.org/presentationml/2006/main">
   <p:cSld>
     <p:spTree>
@@ -26096,292 +26476,6 @@
     <p:extLst>
       <p:ext uri="{BB962C8B-B14F-4D97-AF65-F5344CB8AC3E}">
         <p14:creationId xmlns:p14="http://schemas.microsoft.com/office/powerpoint/2010/main" val="2327054901"/>
-      </p:ext>
-    </p:extLst>
-  </p:cSld>
-  <p:clrMapOvr>
-    <a:masterClrMapping/>
-  </p:clrMapOvr>
-</p:sld>
-</file>
-
-<file path=ppt/slides/slide2.xml><?xml version="1.0" encoding="utf-8"?>
-<p:sld xmlns:a="http://schemas.openxmlformats.org/drawingml/2006/main" xmlns:r="http://schemas.openxmlformats.org/officeDocument/2006/relationships" xmlns:p="http://schemas.openxmlformats.org/presentationml/2006/main">
-  <p:cSld>
-    <p:spTree>
-      <p:nvGrpSpPr>
-        <p:cNvPr id="1" name=""/>
-        <p:cNvGrpSpPr/>
-        <p:nvPr/>
-      </p:nvGrpSpPr>
-      <p:grpSpPr>
-        <a:xfrm>
-          <a:off x="0" y="0"/>
-          <a:ext cx="0" cy="0"/>
-          <a:chOff x="0" y="0"/>
-          <a:chExt cx="0" cy="0"/>
-        </a:xfrm>
-      </p:grpSpPr>
-      <p:grpSp>
-        <p:nvGrpSpPr>
-          <p:cNvPr id="7" name="그룹 6">
-            <a:extLst>
-              <a:ext uri="{FF2B5EF4-FFF2-40B4-BE49-F238E27FC236}">
-                <a16:creationId xmlns:a16="http://schemas.microsoft.com/office/drawing/2014/main" id="{657B291C-73FB-41DA-BF2C-817F40C31946}"/>
-              </a:ext>
-            </a:extLst>
-          </p:cNvPr>
-          <p:cNvGrpSpPr/>
-          <p:nvPr/>
-        </p:nvGrpSpPr>
-        <p:grpSpPr>
-          <a:xfrm>
-            <a:off x="4780915" y="2936241"/>
-            <a:ext cx="1457325" cy="860612"/>
-            <a:chOff x="4486275" y="3048001"/>
-            <a:chExt cx="1457325" cy="860612"/>
-          </a:xfrm>
-          <a:solidFill>
-            <a:srgbClr val="B2B2B2">
-              <a:alpha val="47059"/>
-            </a:srgbClr>
-          </a:solidFill>
-        </p:grpSpPr>
-        <p:sp>
-          <p:nvSpPr>
-            <p:cNvPr id="8" name="평행 사변형 7">
-              <a:extLst>
-                <a:ext uri="{FF2B5EF4-FFF2-40B4-BE49-F238E27FC236}">
-                  <a16:creationId xmlns:a16="http://schemas.microsoft.com/office/drawing/2014/main" id="{06D131F4-339E-4C8B-A5A6-F612B8EA16D2}"/>
-                </a:ext>
-              </a:extLst>
-            </p:cNvPr>
-            <p:cNvSpPr/>
-            <p:nvPr/>
-          </p:nvSpPr>
-          <p:spPr>
-            <a:xfrm>
-              <a:off x="4486275" y="3048001"/>
-              <a:ext cx="1457325" cy="860612"/>
-            </a:xfrm>
-            <a:prstGeom prst="parallelogram">
-              <a:avLst/>
-            </a:prstGeom>
-            <a:grpFill/>
-            <a:ln>
-              <a:noFill/>
-            </a:ln>
-          </p:spPr>
-          <p:style>
-            <a:lnRef idx="2">
-              <a:schemeClr val="accent1">
-                <a:shade val="50000"/>
-              </a:schemeClr>
-            </a:lnRef>
-            <a:fillRef idx="1">
-              <a:schemeClr val="accent1"/>
-            </a:fillRef>
-            <a:effectRef idx="0">
-              <a:schemeClr val="accent1"/>
-            </a:effectRef>
-            <a:fontRef idx="minor">
-              <a:schemeClr val="lt1"/>
-            </a:fontRef>
-          </p:style>
-          <p:txBody>
-            <a:bodyPr rtlCol="0" anchor="ctr"/>
-            <a:lstStyle/>
-            <a:p>
-              <a:pPr algn="ctr"/>
-              <a:endParaRPr lang="ko-KR" altLang="en-US"/>
-            </a:p>
-          </p:txBody>
-        </p:sp>
-        <p:sp>
-          <p:nvSpPr>
-            <p:cNvPr id="9" name="평행 사변형 8">
-              <a:extLst>
-                <a:ext uri="{FF2B5EF4-FFF2-40B4-BE49-F238E27FC236}">
-                  <a16:creationId xmlns:a16="http://schemas.microsoft.com/office/drawing/2014/main" id="{89F8F831-467B-4535-BE81-010430526646}"/>
-                </a:ext>
-              </a:extLst>
-            </p:cNvPr>
-            <p:cNvSpPr/>
-            <p:nvPr/>
-          </p:nvSpPr>
-          <p:spPr>
-            <a:xfrm>
-              <a:off x="4518660" y="3048001"/>
-              <a:ext cx="1424940" cy="723899"/>
-            </a:xfrm>
-            <a:prstGeom prst="parallelogram">
-              <a:avLst/>
-            </a:prstGeom>
-            <a:grpFill/>
-            <a:ln>
-              <a:noFill/>
-            </a:ln>
-          </p:spPr>
-          <p:style>
-            <a:lnRef idx="2">
-              <a:schemeClr val="accent1">
-                <a:shade val="50000"/>
-              </a:schemeClr>
-            </a:lnRef>
-            <a:fillRef idx="1">
-              <a:schemeClr val="accent1"/>
-            </a:fillRef>
-            <a:effectRef idx="0">
-              <a:schemeClr val="accent1"/>
-            </a:effectRef>
-            <a:fontRef idx="minor">
-              <a:schemeClr val="lt1"/>
-            </a:fontRef>
-          </p:style>
-          <p:txBody>
-            <a:bodyPr rtlCol="0" anchor="ctr"/>
-            <a:lstStyle/>
-            <a:p>
-              <a:pPr algn="ctr"/>
-              <a:endParaRPr lang="ko-KR" altLang="en-US"/>
-            </a:p>
-          </p:txBody>
-        </p:sp>
-      </p:grpSp>
-      <p:grpSp>
-        <p:nvGrpSpPr>
-          <p:cNvPr id="10" name="그룹 9">
-            <a:extLst>
-              <a:ext uri="{FF2B5EF4-FFF2-40B4-BE49-F238E27FC236}">
-                <a16:creationId xmlns:a16="http://schemas.microsoft.com/office/drawing/2014/main" id="{93779094-E290-483D-B623-E9758F7C6EBB}"/>
-              </a:ext>
-            </a:extLst>
-          </p:cNvPr>
-          <p:cNvGrpSpPr/>
-          <p:nvPr/>
-        </p:nvGrpSpPr>
-        <p:grpSpPr>
-          <a:xfrm>
-            <a:off x="1848739" y="2867884"/>
-            <a:ext cx="1457325" cy="860612"/>
-            <a:chOff x="4486275" y="3048001"/>
-            <a:chExt cx="1457325" cy="860612"/>
-          </a:xfrm>
-        </p:grpSpPr>
-        <p:sp>
-          <p:nvSpPr>
-            <p:cNvPr id="11" name="평행 사변형 10">
-              <a:extLst>
-                <a:ext uri="{FF2B5EF4-FFF2-40B4-BE49-F238E27FC236}">
-                  <a16:creationId xmlns:a16="http://schemas.microsoft.com/office/drawing/2014/main" id="{744A4E64-2260-4315-9BC3-67CC96E827D0}"/>
-                </a:ext>
-              </a:extLst>
-            </p:cNvPr>
-            <p:cNvSpPr/>
-            <p:nvPr/>
-          </p:nvSpPr>
-          <p:spPr>
-            <a:xfrm>
-              <a:off x="4486275" y="3048001"/>
-              <a:ext cx="1457325" cy="860612"/>
-            </a:xfrm>
-            <a:prstGeom prst="parallelogram">
-              <a:avLst/>
-            </a:prstGeom>
-            <a:solidFill>
-              <a:schemeClr val="tx1">
-                <a:lumMod val="65000"/>
-                <a:lumOff val="35000"/>
-              </a:schemeClr>
-            </a:solidFill>
-            <a:ln>
-              <a:noFill/>
-            </a:ln>
-          </p:spPr>
-          <p:style>
-            <a:lnRef idx="2">
-              <a:schemeClr val="accent1">
-                <a:shade val="50000"/>
-              </a:schemeClr>
-            </a:lnRef>
-            <a:fillRef idx="1">
-              <a:schemeClr val="accent1"/>
-            </a:fillRef>
-            <a:effectRef idx="0">
-              <a:schemeClr val="accent1"/>
-            </a:effectRef>
-            <a:fontRef idx="minor">
-              <a:schemeClr val="lt1"/>
-            </a:fontRef>
-          </p:style>
-          <p:txBody>
-            <a:bodyPr rtlCol="0" anchor="ctr"/>
-            <a:lstStyle/>
-            <a:p>
-              <a:pPr algn="ctr"/>
-              <a:endParaRPr lang="ko-KR" altLang="en-US"/>
-            </a:p>
-          </p:txBody>
-        </p:sp>
-        <p:sp>
-          <p:nvSpPr>
-            <p:cNvPr id="12" name="평행 사변형 11">
-              <a:extLst>
-                <a:ext uri="{FF2B5EF4-FFF2-40B4-BE49-F238E27FC236}">
-                  <a16:creationId xmlns:a16="http://schemas.microsoft.com/office/drawing/2014/main" id="{51DAC25B-C49D-4E3E-9EB4-D113ED089201}"/>
-                </a:ext>
-              </a:extLst>
-            </p:cNvPr>
-            <p:cNvSpPr/>
-            <p:nvPr/>
-          </p:nvSpPr>
-          <p:spPr>
-            <a:xfrm>
-              <a:off x="4518660" y="3048001"/>
-              <a:ext cx="1424940" cy="723899"/>
-            </a:xfrm>
-            <a:prstGeom prst="parallelogram">
-              <a:avLst/>
-            </a:prstGeom>
-            <a:solidFill>
-              <a:srgbClr val="B0B0B0">
-                <a:alpha val="78824"/>
-              </a:srgbClr>
-            </a:solidFill>
-            <a:ln>
-              <a:noFill/>
-            </a:ln>
-          </p:spPr>
-          <p:style>
-            <a:lnRef idx="2">
-              <a:schemeClr val="accent1">
-                <a:shade val="50000"/>
-              </a:schemeClr>
-            </a:lnRef>
-            <a:fillRef idx="1">
-              <a:schemeClr val="accent1"/>
-            </a:fillRef>
-            <a:effectRef idx="0">
-              <a:schemeClr val="accent1"/>
-            </a:effectRef>
-            <a:fontRef idx="minor">
-              <a:schemeClr val="lt1"/>
-            </a:fontRef>
-          </p:style>
-          <p:txBody>
-            <a:bodyPr rtlCol="0" anchor="ctr"/>
-            <a:lstStyle/>
-            <a:p>
-              <a:pPr algn="ctr"/>
-              <a:endParaRPr lang="ko-KR" altLang="en-US"/>
-            </a:p>
-          </p:txBody>
-        </p:sp>
-      </p:grpSp>
-    </p:spTree>
-    <p:extLst>
-      <p:ext uri="{BB962C8B-B14F-4D97-AF65-F5344CB8AC3E}">
-        <p14:creationId xmlns:p14="http://schemas.microsoft.com/office/powerpoint/2010/main" val="2565668278"/>
       </p:ext>
     </p:extLst>
   </p:cSld>

--- a/Projects/SW_Design/UI/UI_design.pptx
+++ b/Projects/SW_Design/UI/UI_design.pptx
@@ -278,7 +278,7 @@
           <a:p>
             <a:fld id="{EB44E886-23E1-4ADA-9C75-D80585AEE320}" type="datetimeFigureOut">
               <a:rPr lang="ko-KR" altLang="en-US" smtClean="0"/>
-              <a:t>2019-11-21</a:t>
+              <a:t>2019-11-22</a:t>
             </a:fld>
             <a:endParaRPr lang="ko-KR" altLang="en-US"/>
           </a:p>
@@ -476,7 +476,7 @@
           <a:p>
             <a:fld id="{EB44E886-23E1-4ADA-9C75-D80585AEE320}" type="datetimeFigureOut">
               <a:rPr lang="ko-KR" altLang="en-US" smtClean="0"/>
-              <a:t>2019-11-21</a:t>
+              <a:t>2019-11-22</a:t>
             </a:fld>
             <a:endParaRPr lang="ko-KR" altLang="en-US"/>
           </a:p>
@@ -684,7 +684,7 @@
           <a:p>
             <a:fld id="{EB44E886-23E1-4ADA-9C75-D80585AEE320}" type="datetimeFigureOut">
               <a:rPr lang="ko-KR" altLang="en-US" smtClean="0"/>
-              <a:t>2019-11-21</a:t>
+              <a:t>2019-11-22</a:t>
             </a:fld>
             <a:endParaRPr lang="ko-KR" altLang="en-US"/>
           </a:p>
@@ -882,7 +882,7 @@
           <a:p>
             <a:fld id="{EB44E886-23E1-4ADA-9C75-D80585AEE320}" type="datetimeFigureOut">
               <a:rPr lang="ko-KR" altLang="en-US" smtClean="0"/>
-              <a:t>2019-11-21</a:t>
+              <a:t>2019-11-22</a:t>
             </a:fld>
             <a:endParaRPr lang="ko-KR" altLang="en-US"/>
           </a:p>
@@ -1157,7 +1157,7 @@
           <a:p>
             <a:fld id="{EB44E886-23E1-4ADA-9C75-D80585AEE320}" type="datetimeFigureOut">
               <a:rPr lang="ko-KR" altLang="en-US" smtClean="0"/>
-              <a:t>2019-11-21</a:t>
+              <a:t>2019-11-22</a:t>
             </a:fld>
             <a:endParaRPr lang="ko-KR" altLang="en-US"/>
           </a:p>
@@ -1422,7 +1422,7 @@
           <a:p>
             <a:fld id="{EB44E886-23E1-4ADA-9C75-D80585AEE320}" type="datetimeFigureOut">
               <a:rPr lang="ko-KR" altLang="en-US" smtClean="0"/>
-              <a:t>2019-11-21</a:t>
+              <a:t>2019-11-22</a:t>
             </a:fld>
             <a:endParaRPr lang="ko-KR" altLang="en-US"/>
           </a:p>
@@ -1834,7 +1834,7 @@
           <a:p>
             <a:fld id="{EB44E886-23E1-4ADA-9C75-D80585AEE320}" type="datetimeFigureOut">
               <a:rPr lang="ko-KR" altLang="en-US" smtClean="0"/>
-              <a:t>2019-11-21</a:t>
+              <a:t>2019-11-22</a:t>
             </a:fld>
             <a:endParaRPr lang="ko-KR" altLang="en-US"/>
           </a:p>
@@ -1975,7 +1975,7 @@
           <a:p>
             <a:fld id="{EB44E886-23E1-4ADA-9C75-D80585AEE320}" type="datetimeFigureOut">
               <a:rPr lang="ko-KR" altLang="en-US" smtClean="0"/>
-              <a:t>2019-11-21</a:t>
+              <a:t>2019-11-22</a:t>
             </a:fld>
             <a:endParaRPr lang="ko-KR" altLang="en-US"/>
           </a:p>
@@ -2088,7 +2088,7 @@
           <a:p>
             <a:fld id="{EB44E886-23E1-4ADA-9C75-D80585AEE320}" type="datetimeFigureOut">
               <a:rPr lang="ko-KR" altLang="en-US" smtClean="0"/>
-              <a:t>2019-11-21</a:t>
+              <a:t>2019-11-22</a:t>
             </a:fld>
             <a:endParaRPr lang="ko-KR" altLang="en-US"/>
           </a:p>
@@ -2399,7 +2399,7 @@
           <a:p>
             <a:fld id="{EB44E886-23E1-4ADA-9C75-D80585AEE320}" type="datetimeFigureOut">
               <a:rPr lang="ko-KR" altLang="en-US" smtClean="0"/>
-              <a:t>2019-11-21</a:t>
+              <a:t>2019-11-22</a:t>
             </a:fld>
             <a:endParaRPr lang="ko-KR" altLang="en-US"/>
           </a:p>
@@ -2687,7 +2687,7 @@
           <a:p>
             <a:fld id="{EB44E886-23E1-4ADA-9C75-D80585AEE320}" type="datetimeFigureOut">
               <a:rPr lang="ko-KR" altLang="en-US" smtClean="0"/>
-              <a:t>2019-11-21</a:t>
+              <a:t>2019-11-22</a:t>
             </a:fld>
             <a:endParaRPr lang="ko-KR" altLang="en-US"/>
           </a:p>
@@ -2928,7 +2928,7 @@
           <a:p>
             <a:fld id="{EB44E886-23E1-4ADA-9C75-D80585AEE320}" type="datetimeFigureOut">
               <a:rPr lang="ko-KR" altLang="en-US" smtClean="0"/>
-              <a:t>2019-11-21</a:t>
+              <a:t>2019-11-22</a:t>
             </a:fld>
             <a:endParaRPr lang="ko-KR" altLang="en-US"/>
           </a:p>
@@ -5540,6 +5540,70 @@
             <a:srgbClr val="000000">
               <a:alpha val="69804"/>
             </a:srgbClr>
+          </a:solidFill>
+          <a:ln>
+            <a:noFill/>
+          </a:ln>
+          <a:scene3d>
+            <a:camera prst="orthographicFront"/>
+            <a:lightRig rig="threePt" dir="t"/>
+          </a:scene3d>
+          <a:sp3d>
+            <a:bevelT/>
+          </a:sp3d>
+        </p:spPr>
+        <p:style>
+          <a:lnRef idx="2">
+            <a:schemeClr val="accent1">
+              <a:shade val="50000"/>
+            </a:schemeClr>
+          </a:lnRef>
+          <a:fillRef idx="1">
+            <a:schemeClr val="accent1"/>
+          </a:fillRef>
+          <a:effectRef idx="0">
+            <a:schemeClr val="accent1"/>
+          </a:effectRef>
+          <a:fontRef idx="minor">
+            <a:schemeClr val="lt1"/>
+          </a:fontRef>
+        </p:style>
+        <p:txBody>
+          <a:bodyPr rtlCol="0" anchor="ctr"/>
+          <a:lstStyle/>
+          <a:p>
+            <a:pPr algn="ctr"/>
+            <a:endParaRPr lang="en-US"/>
+          </a:p>
+        </p:txBody>
+      </p:sp>
+      <p:sp>
+        <p:nvSpPr>
+          <p:cNvPr id="51" name="Snip Diagonal Corner Rectangle 7">
+            <a:extLst>
+              <a:ext uri="{FF2B5EF4-FFF2-40B4-BE49-F238E27FC236}">
+                <a16:creationId xmlns:a16="http://schemas.microsoft.com/office/drawing/2014/main" id="{DCA3F6D8-FDC5-448C-AA32-B087DA0626D0}"/>
+              </a:ext>
+            </a:extLst>
+          </p:cNvPr>
+          <p:cNvSpPr/>
+          <p:nvPr/>
+        </p:nvSpPr>
+        <p:spPr>
+          <a:xfrm>
+            <a:off x="2043432" y="3184085"/>
+            <a:ext cx="3409950" cy="3063404"/>
+          </a:xfrm>
+          <a:prstGeom prst="snip2DiagRect">
+            <a:avLst>
+              <a:gd name="adj1" fmla="val 0"/>
+              <a:gd name="adj2" fmla="val 15315"/>
+            </a:avLst>
+          </a:prstGeom>
+          <a:solidFill>
+            <a:schemeClr val="bg1">
+              <a:alpha val="69804"/>
+            </a:schemeClr>
           </a:solidFill>
           <a:ln>
             <a:noFill/>

--- a/Projects/SW_Design/UI/UI_design.pptx
+++ b/Projects/SW_Design/UI/UI_design.pptx
@@ -13028,6 +13028,260 @@
           <a:chExt cx="0" cy="0"/>
         </a:xfrm>
       </p:grpSpPr>
+      <p:sp>
+        <p:nvSpPr>
+          <p:cNvPr id="3" name="직사각형 9">
+            <a:extLst>
+              <a:ext uri="{FF2B5EF4-FFF2-40B4-BE49-F238E27FC236}">
+                <a16:creationId xmlns:a16="http://schemas.microsoft.com/office/drawing/2014/main" id="{242180D3-26D3-4B23-9A8C-AC150521A362}"/>
+              </a:ext>
+            </a:extLst>
+          </p:cNvPr>
+          <p:cNvSpPr/>
+          <p:nvPr/>
+        </p:nvSpPr>
+        <p:spPr>
+          <a:xfrm>
+            <a:off x="487680" y="1143000"/>
+            <a:ext cx="9509760" cy="5455920"/>
+          </a:xfrm>
+          <a:prstGeom prst="rect">
+            <a:avLst/>
+          </a:prstGeom>
+        </p:spPr>
+        <p:style>
+          <a:lnRef idx="2">
+            <a:schemeClr val="accent1">
+              <a:shade val="50000"/>
+            </a:schemeClr>
+          </a:lnRef>
+          <a:fillRef idx="1">
+            <a:schemeClr val="accent1"/>
+          </a:fillRef>
+          <a:effectRef idx="0">
+            <a:schemeClr val="accent1"/>
+          </a:effectRef>
+          <a:fontRef idx="minor">
+            <a:schemeClr val="lt1"/>
+          </a:fontRef>
+        </p:style>
+        <p:txBody>
+          <a:bodyPr rtlCol="0" anchor="ctr"/>
+          <a:lstStyle/>
+          <a:p>
+            <a:pPr algn="ctr"/>
+            <a:endParaRPr lang="ko-KR" altLang="en-US"/>
+          </a:p>
+        </p:txBody>
+      </p:sp>
+      <p:sp>
+        <p:nvSpPr>
+          <p:cNvPr id="4" name="TextBox 3">
+            <a:extLst>
+              <a:ext uri="{FF2B5EF4-FFF2-40B4-BE49-F238E27FC236}">
+                <a16:creationId xmlns:a16="http://schemas.microsoft.com/office/drawing/2014/main" id="{7F49495D-F586-44ED-8B5D-3A46E7D6062B}"/>
+              </a:ext>
+            </a:extLst>
+          </p:cNvPr>
+          <p:cNvSpPr txBox="1"/>
+          <p:nvPr/>
+        </p:nvSpPr>
+        <p:spPr>
+          <a:xfrm>
+            <a:off x="790984" y="1397272"/>
+            <a:ext cx="1542858" cy="400110"/>
+          </a:xfrm>
+          <a:prstGeom prst="rect">
+            <a:avLst/>
+          </a:prstGeom>
+          <a:noFill/>
+        </p:spPr>
+        <p:txBody>
+          <a:bodyPr wrap="none" rtlCol="0">
+            <a:spAutoFit/>
+          </a:bodyPr>
+          <a:lstStyle/>
+          <a:p>
+            <a:r>
+              <a:rPr lang="en-US" altLang="ko-KR" sz="2000" b="1" dirty="0" smtClean="0">
+                <a:solidFill>
+                  <a:schemeClr val="bg1">
+                    <a:lumMod val="85000"/>
+                  </a:schemeClr>
+                </a:solidFill>
+                <a:latin typeface="Calibri" panose="020F0502020204030204" pitchFamily="34" charset="0"/>
+                <a:cs typeface="Calibri" panose="020F0502020204030204" pitchFamily="34" charset="0"/>
+              </a:rPr>
+              <a:t>Dungeon 1-1</a:t>
+            </a:r>
+            <a:endParaRPr lang="ko-KR" altLang="en-US" sz="2000" b="1" dirty="0">
+              <a:solidFill>
+                <a:schemeClr val="bg1">
+                  <a:lumMod val="85000"/>
+                </a:schemeClr>
+              </a:solidFill>
+              <a:latin typeface="Calibri" panose="020F0502020204030204" pitchFamily="34" charset="0"/>
+              <a:cs typeface="Calibri" panose="020F0502020204030204" pitchFamily="34" charset="0"/>
+            </a:endParaRPr>
+          </a:p>
+        </p:txBody>
+      </p:sp>
+      <p:sp>
+        <p:nvSpPr>
+          <p:cNvPr id="5" name="TextBox 4">
+            <a:extLst>
+              <a:ext uri="{FF2B5EF4-FFF2-40B4-BE49-F238E27FC236}">
+                <a16:creationId xmlns:a16="http://schemas.microsoft.com/office/drawing/2014/main" id="{7F49495D-F586-44ED-8B5D-3A46E7D6062B}"/>
+              </a:ext>
+            </a:extLst>
+          </p:cNvPr>
+          <p:cNvSpPr txBox="1"/>
+          <p:nvPr/>
+        </p:nvSpPr>
+        <p:spPr>
+          <a:xfrm>
+            <a:off x="790984" y="1797382"/>
+            <a:ext cx="1542858" cy="400110"/>
+          </a:xfrm>
+          <a:prstGeom prst="rect">
+            <a:avLst/>
+          </a:prstGeom>
+          <a:noFill/>
+        </p:spPr>
+        <p:txBody>
+          <a:bodyPr wrap="none" rtlCol="0">
+            <a:spAutoFit/>
+          </a:bodyPr>
+          <a:lstStyle/>
+          <a:p>
+            <a:r>
+              <a:rPr lang="en-US" altLang="ko-KR" sz="2000" b="1" dirty="0" smtClean="0">
+                <a:solidFill>
+                  <a:schemeClr val="bg1">
+                    <a:lumMod val="85000"/>
+                  </a:schemeClr>
+                </a:solidFill>
+                <a:latin typeface="Calibri" panose="020F0502020204030204" pitchFamily="34" charset="0"/>
+                <a:cs typeface="Calibri" panose="020F0502020204030204" pitchFamily="34" charset="0"/>
+              </a:rPr>
+              <a:t>Dungeon 1-2</a:t>
+            </a:r>
+            <a:endParaRPr lang="ko-KR" altLang="en-US" sz="2000" b="1" dirty="0">
+              <a:solidFill>
+                <a:schemeClr val="bg1">
+                  <a:lumMod val="85000"/>
+                </a:schemeClr>
+              </a:solidFill>
+              <a:latin typeface="Calibri" panose="020F0502020204030204" pitchFamily="34" charset="0"/>
+              <a:cs typeface="Calibri" panose="020F0502020204030204" pitchFamily="34" charset="0"/>
+            </a:endParaRPr>
+          </a:p>
+        </p:txBody>
+      </p:sp>
+      <p:sp>
+        <p:nvSpPr>
+          <p:cNvPr id="6" name="TextBox 5">
+            <a:extLst>
+              <a:ext uri="{FF2B5EF4-FFF2-40B4-BE49-F238E27FC236}">
+                <a16:creationId xmlns:a16="http://schemas.microsoft.com/office/drawing/2014/main" id="{7F49495D-F586-44ED-8B5D-3A46E7D6062B}"/>
+              </a:ext>
+            </a:extLst>
+          </p:cNvPr>
+          <p:cNvSpPr txBox="1"/>
+          <p:nvPr/>
+        </p:nvSpPr>
+        <p:spPr>
+          <a:xfrm>
+            <a:off x="790984" y="2197492"/>
+            <a:ext cx="1542858" cy="400110"/>
+          </a:xfrm>
+          <a:prstGeom prst="rect">
+            <a:avLst/>
+          </a:prstGeom>
+          <a:noFill/>
+        </p:spPr>
+        <p:txBody>
+          <a:bodyPr wrap="none" rtlCol="0">
+            <a:spAutoFit/>
+          </a:bodyPr>
+          <a:lstStyle/>
+          <a:p>
+            <a:r>
+              <a:rPr lang="en-US" altLang="ko-KR" sz="2000" b="1" dirty="0" smtClean="0">
+                <a:solidFill>
+                  <a:schemeClr val="bg1">
+                    <a:lumMod val="85000"/>
+                  </a:schemeClr>
+                </a:solidFill>
+                <a:latin typeface="Calibri" panose="020F0502020204030204" pitchFamily="34" charset="0"/>
+                <a:cs typeface="Calibri" panose="020F0502020204030204" pitchFamily="34" charset="0"/>
+              </a:rPr>
+              <a:t>Dungeon 2-1</a:t>
+            </a:r>
+            <a:endParaRPr lang="ko-KR" altLang="en-US" sz="2000" b="1" dirty="0">
+              <a:solidFill>
+                <a:schemeClr val="bg1">
+                  <a:lumMod val="85000"/>
+                </a:schemeClr>
+              </a:solidFill>
+              <a:latin typeface="Calibri" panose="020F0502020204030204" pitchFamily="34" charset="0"/>
+              <a:cs typeface="Calibri" panose="020F0502020204030204" pitchFamily="34" charset="0"/>
+            </a:endParaRPr>
+          </a:p>
+        </p:txBody>
+      </p:sp>
+      <p:sp>
+        <p:nvSpPr>
+          <p:cNvPr id="7" name="TextBox 6">
+            <a:extLst>
+              <a:ext uri="{FF2B5EF4-FFF2-40B4-BE49-F238E27FC236}">
+                <a16:creationId xmlns:a16="http://schemas.microsoft.com/office/drawing/2014/main" id="{7F49495D-F586-44ED-8B5D-3A46E7D6062B}"/>
+              </a:ext>
+            </a:extLst>
+          </p:cNvPr>
+          <p:cNvSpPr txBox="1"/>
+          <p:nvPr/>
+        </p:nvSpPr>
+        <p:spPr>
+          <a:xfrm>
+            <a:off x="790984" y="2597602"/>
+            <a:ext cx="1542858" cy="400110"/>
+          </a:xfrm>
+          <a:prstGeom prst="rect">
+            <a:avLst/>
+          </a:prstGeom>
+          <a:noFill/>
+        </p:spPr>
+        <p:txBody>
+          <a:bodyPr wrap="none" rtlCol="0">
+            <a:spAutoFit/>
+          </a:bodyPr>
+          <a:lstStyle/>
+          <a:p>
+            <a:r>
+              <a:rPr lang="en-US" altLang="ko-KR" sz="2000" b="1" dirty="0" smtClean="0">
+                <a:solidFill>
+                  <a:schemeClr val="bg1">
+                    <a:lumMod val="85000"/>
+                  </a:schemeClr>
+                </a:solidFill>
+                <a:latin typeface="Calibri" panose="020F0502020204030204" pitchFamily="34" charset="0"/>
+                <a:cs typeface="Calibri" panose="020F0502020204030204" pitchFamily="34" charset="0"/>
+              </a:rPr>
+              <a:t>Dungeon 2-2</a:t>
+            </a:r>
+            <a:endParaRPr lang="ko-KR" altLang="en-US" sz="2000" b="1" dirty="0">
+              <a:solidFill>
+                <a:schemeClr val="bg1">
+                  <a:lumMod val="85000"/>
+                </a:schemeClr>
+              </a:solidFill>
+              <a:latin typeface="Calibri" panose="020F0502020204030204" pitchFamily="34" charset="0"/>
+              <a:cs typeface="Calibri" panose="020F0502020204030204" pitchFamily="34" charset="0"/>
+            </a:endParaRPr>
+          </a:p>
+        </p:txBody>
+      </p:sp>
     </p:spTree>
     <p:extLst>
       <p:ext uri="{BB962C8B-B14F-4D97-AF65-F5344CB8AC3E}">

--- a/Projects/SW_Design/UI/UI_design.pptx
+++ b/Projects/SW_Design/UI/UI_design.pptx
@@ -278,7 +278,7 @@
           <a:p>
             <a:fld id="{EB44E886-23E1-4ADA-9C75-D80585AEE320}" type="datetimeFigureOut">
               <a:rPr lang="ko-KR" altLang="en-US" smtClean="0"/>
-              <a:t>2019-11-22</a:t>
+              <a:t>2019-11-26</a:t>
             </a:fld>
             <a:endParaRPr lang="ko-KR" altLang="en-US"/>
           </a:p>
@@ -476,7 +476,7 @@
           <a:p>
             <a:fld id="{EB44E886-23E1-4ADA-9C75-D80585AEE320}" type="datetimeFigureOut">
               <a:rPr lang="ko-KR" altLang="en-US" smtClean="0"/>
-              <a:t>2019-11-22</a:t>
+              <a:t>2019-11-26</a:t>
             </a:fld>
             <a:endParaRPr lang="ko-KR" altLang="en-US"/>
           </a:p>
@@ -684,7 +684,7 @@
           <a:p>
             <a:fld id="{EB44E886-23E1-4ADA-9C75-D80585AEE320}" type="datetimeFigureOut">
               <a:rPr lang="ko-KR" altLang="en-US" smtClean="0"/>
-              <a:t>2019-11-22</a:t>
+              <a:t>2019-11-26</a:t>
             </a:fld>
             <a:endParaRPr lang="ko-KR" altLang="en-US"/>
           </a:p>
@@ -882,7 +882,7 @@
           <a:p>
             <a:fld id="{EB44E886-23E1-4ADA-9C75-D80585AEE320}" type="datetimeFigureOut">
               <a:rPr lang="ko-KR" altLang="en-US" smtClean="0"/>
-              <a:t>2019-11-22</a:t>
+              <a:t>2019-11-26</a:t>
             </a:fld>
             <a:endParaRPr lang="ko-KR" altLang="en-US"/>
           </a:p>
@@ -1157,7 +1157,7 @@
           <a:p>
             <a:fld id="{EB44E886-23E1-4ADA-9C75-D80585AEE320}" type="datetimeFigureOut">
               <a:rPr lang="ko-KR" altLang="en-US" smtClean="0"/>
-              <a:t>2019-11-22</a:t>
+              <a:t>2019-11-26</a:t>
             </a:fld>
             <a:endParaRPr lang="ko-KR" altLang="en-US"/>
           </a:p>
@@ -1422,7 +1422,7 @@
           <a:p>
             <a:fld id="{EB44E886-23E1-4ADA-9C75-D80585AEE320}" type="datetimeFigureOut">
               <a:rPr lang="ko-KR" altLang="en-US" smtClean="0"/>
-              <a:t>2019-11-22</a:t>
+              <a:t>2019-11-26</a:t>
             </a:fld>
             <a:endParaRPr lang="ko-KR" altLang="en-US"/>
           </a:p>
@@ -1834,7 +1834,7 @@
           <a:p>
             <a:fld id="{EB44E886-23E1-4ADA-9C75-D80585AEE320}" type="datetimeFigureOut">
               <a:rPr lang="ko-KR" altLang="en-US" smtClean="0"/>
-              <a:t>2019-11-22</a:t>
+              <a:t>2019-11-26</a:t>
             </a:fld>
             <a:endParaRPr lang="ko-KR" altLang="en-US"/>
           </a:p>
@@ -1975,7 +1975,7 @@
           <a:p>
             <a:fld id="{EB44E886-23E1-4ADA-9C75-D80585AEE320}" type="datetimeFigureOut">
               <a:rPr lang="ko-KR" altLang="en-US" smtClean="0"/>
-              <a:t>2019-11-22</a:t>
+              <a:t>2019-11-26</a:t>
             </a:fld>
             <a:endParaRPr lang="ko-KR" altLang="en-US"/>
           </a:p>
@@ -2088,7 +2088,7 @@
           <a:p>
             <a:fld id="{EB44E886-23E1-4ADA-9C75-D80585AEE320}" type="datetimeFigureOut">
               <a:rPr lang="ko-KR" altLang="en-US" smtClean="0"/>
-              <a:t>2019-11-22</a:t>
+              <a:t>2019-11-26</a:t>
             </a:fld>
             <a:endParaRPr lang="ko-KR" altLang="en-US"/>
           </a:p>
@@ -2399,7 +2399,7 @@
           <a:p>
             <a:fld id="{EB44E886-23E1-4ADA-9C75-D80585AEE320}" type="datetimeFigureOut">
               <a:rPr lang="ko-KR" altLang="en-US" smtClean="0"/>
-              <a:t>2019-11-22</a:t>
+              <a:t>2019-11-26</a:t>
             </a:fld>
             <a:endParaRPr lang="ko-KR" altLang="en-US"/>
           </a:p>
@@ -2687,7 +2687,7 @@
           <a:p>
             <a:fld id="{EB44E886-23E1-4ADA-9C75-D80585AEE320}" type="datetimeFigureOut">
               <a:rPr lang="ko-KR" altLang="en-US" smtClean="0"/>
-              <a:t>2019-11-22</a:t>
+              <a:t>2019-11-26</a:t>
             </a:fld>
             <a:endParaRPr lang="ko-KR" altLang="en-US"/>
           </a:p>
@@ -2928,7 +2928,7 @@
           <a:p>
             <a:fld id="{EB44E886-23E1-4ADA-9C75-D80585AEE320}" type="datetimeFigureOut">
               <a:rPr lang="ko-KR" altLang="en-US" smtClean="0"/>
-              <a:t>2019-11-22</a:t>
+              <a:t>2019-11-26</a:t>
             </a:fld>
             <a:endParaRPr lang="ko-KR" altLang="en-US"/>
           </a:p>
@@ -13269,6 +13269,198 @@
                 <a:cs typeface="Calibri" panose="020F0502020204030204" pitchFamily="34" charset="0"/>
               </a:rPr>
               <a:t>Dungeon 2-2</a:t>
+            </a:r>
+            <a:endParaRPr lang="ko-KR" altLang="en-US" sz="2000" b="1" dirty="0">
+              <a:solidFill>
+                <a:schemeClr val="bg1">
+                  <a:lumMod val="85000"/>
+                </a:schemeClr>
+              </a:solidFill>
+              <a:latin typeface="Calibri" panose="020F0502020204030204" pitchFamily="34" charset="0"/>
+              <a:cs typeface="Calibri" panose="020F0502020204030204" pitchFamily="34" charset="0"/>
+            </a:endParaRPr>
+          </a:p>
+        </p:txBody>
+      </p:sp>
+      <p:sp>
+        <p:nvSpPr>
+          <p:cNvPr id="8" name="TextBox 7">
+            <a:extLst>
+              <a:ext uri="{FF2B5EF4-FFF2-40B4-BE49-F238E27FC236}">
+                <a16:creationId xmlns:a16="http://schemas.microsoft.com/office/drawing/2014/main" id="{7F49495D-F586-44ED-8B5D-3A46E7D6062B}"/>
+              </a:ext>
+            </a:extLst>
+          </p:cNvPr>
+          <p:cNvSpPr txBox="1"/>
+          <p:nvPr/>
+        </p:nvSpPr>
+        <p:spPr>
+          <a:xfrm>
+            <a:off x="790984" y="2997712"/>
+            <a:ext cx="1542858" cy="400110"/>
+          </a:xfrm>
+          <a:prstGeom prst="rect">
+            <a:avLst/>
+          </a:prstGeom>
+          <a:noFill/>
+        </p:spPr>
+        <p:txBody>
+          <a:bodyPr wrap="none" rtlCol="0">
+            <a:spAutoFit/>
+          </a:bodyPr>
+          <a:lstStyle/>
+          <a:p>
+            <a:r>
+              <a:rPr lang="en-US" altLang="ko-KR" sz="2000" b="1" dirty="0" smtClean="0">
+                <a:solidFill>
+                  <a:schemeClr val="bg1">
+                    <a:lumMod val="85000"/>
+                  </a:schemeClr>
+                </a:solidFill>
+                <a:latin typeface="Calibri" panose="020F0502020204030204" pitchFamily="34" charset="0"/>
+                <a:cs typeface="Calibri" panose="020F0502020204030204" pitchFamily="34" charset="0"/>
+              </a:rPr>
+              <a:t>Dungeon </a:t>
+            </a:r>
+            <a:r>
+              <a:rPr lang="en-US" altLang="ko-KR" sz="2000" b="1" dirty="0" smtClean="0">
+                <a:solidFill>
+                  <a:schemeClr val="bg1">
+                    <a:lumMod val="85000"/>
+                  </a:schemeClr>
+                </a:solidFill>
+                <a:latin typeface="Calibri" panose="020F0502020204030204" pitchFamily="34" charset="0"/>
+                <a:cs typeface="Calibri" panose="020F0502020204030204" pitchFamily="34" charset="0"/>
+              </a:rPr>
+              <a:t>3-1</a:t>
+            </a:r>
+            <a:endParaRPr lang="ko-KR" altLang="en-US" sz="2000" b="1" dirty="0">
+              <a:solidFill>
+                <a:schemeClr val="bg1">
+                  <a:lumMod val="85000"/>
+                </a:schemeClr>
+              </a:solidFill>
+              <a:latin typeface="Calibri" panose="020F0502020204030204" pitchFamily="34" charset="0"/>
+              <a:cs typeface="Calibri" panose="020F0502020204030204" pitchFamily="34" charset="0"/>
+            </a:endParaRPr>
+          </a:p>
+        </p:txBody>
+      </p:sp>
+      <p:sp>
+        <p:nvSpPr>
+          <p:cNvPr id="9" name="TextBox 8">
+            <a:extLst>
+              <a:ext uri="{FF2B5EF4-FFF2-40B4-BE49-F238E27FC236}">
+                <a16:creationId xmlns:a16="http://schemas.microsoft.com/office/drawing/2014/main" id="{7F49495D-F586-44ED-8B5D-3A46E7D6062B}"/>
+              </a:ext>
+            </a:extLst>
+          </p:cNvPr>
+          <p:cNvSpPr txBox="1"/>
+          <p:nvPr/>
+        </p:nvSpPr>
+        <p:spPr>
+          <a:xfrm>
+            <a:off x="790984" y="3397931"/>
+            <a:ext cx="1542858" cy="400110"/>
+          </a:xfrm>
+          <a:prstGeom prst="rect">
+            <a:avLst/>
+          </a:prstGeom>
+          <a:noFill/>
+        </p:spPr>
+        <p:txBody>
+          <a:bodyPr wrap="none" rtlCol="0">
+            <a:spAutoFit/>
+          </a:bodyPr>
+          <a:lstStyle/>
+          <a:p>
+            <a:r>
+              <a:rPr lang="en-US" altLang="ko-KR" sz="2000" b="1" smtClean="0">
+                <a:solidFill>
+                  <a:schemeClr val="bg1">
+                    <a:lumMod val="85000"/>
+                  </a:schemeClr>
+                </a:solidFill>
+                <a:latin typeface="Calibri" panose="020F0502020204030204" pitchFamily="34" charset="0"/>
+                <a:cs typeface="Calibri" panose="020F0502020204030204" pitchFamily="34" charset="0"/>
+              </a:rPr>
+              <a:t>Dungeon </a:t>
+            </a:r>
+            <a:r>
+              <a:rPr lang="en-US" altLang="ko-KR" sz="2000" b="1" smtClean="0">
+                <a:solidFill>
+                  <a:schemeClr val="bg1">
+                    <a:lumMod val="85000"/>
+                  </a:schemeClr>
+                </a:solidFill>
+                <a:latin typeface="Calibri" panose="020F0502020204030204" pitchFamily="34" charset="0"/>
+                <a:cs typeface="Calibri" panose="020F0502020204030204" pitchFamily="34" charset="0"/>
+              </a:rPr>
+              <a:t>3-2</a:t>
+            </a:r>
+            <a:endParaRPr lang="ko-KR" altLang="en-US" sz="2000" b="1" dirty="0">
+              <a:solidFill>
+                <a:schemeClr val="bg1">
+                  <a:lumMod val="85000"/>
+                </a:schemeClr>
+              </a:solidFill>
+              <a:latin typeface="Calibri" panose="020F0502020204030204" pitchFamily="34" charset="0"/>
+              <a:cs typeface="Calibri" panose="020F0502020204030204" pitchFamily="34" charset="0"/>
+            </a:endParaRPr>
+          </a:p>
+        </p:txBody>
+      </p:sp>
+      <p:sp>
+        <p:nvSpPr>
+          <p:cNvPr id="10" name="TextBox 9">
+            <a:extLst>
+              <a:ext uri="{FF2B5EF4-FFF2-40B4-BE49-F238E27FC236}">
+                <a16:creationId xmlns:a16="http://schemas.microsoft.com/office/drawing/2014/main" id="{7F49495D-F586-44ED-8B5D-3A46E7D6062B}"/>
+              </a:ext>
+            </a:extLst>
+          </p:cNvPr>
+          <p:cNvSpPr txBox="1"/>
+          <p:nvPr/>
+        </p:nvSpPr>
+        <p:spPr>
+          <a:xfrm>
+            <a:off x="790984" y="3788635"/>
+            <a:ext cx="1542858" cy="400110"/>
+          </a:xfrm>
+          <a:prstGeom prst="rect">
+            <a:avLst/>
+          </a:prstGeom>
+          <a:noFill/>
+        </p:spPr>
+        <p:txBody>
+          <a:bodyPr wrap="none" rtlCol="0">
+            <a:spAutoFit/>
+          </a:bodyPr>
+          <a:lstStyle/>
+          <a:p>
+            <a:r>
+              <a:rPr lang="en-US" altLang="ko-KR" sz="2000" b="1" dirty="0" smtClean="0">
+                <a:solidFill>
+                  <a:schemeClr val="bg1">
+                    <a:lumMod val="85000"/>
+                  </a:schemeClr>
+                </a:solidFill>
+                <a:latin typeface="Calibri" panose="020F0502020204030204" pitchFamily="34" charset="0"/>
+                <a:cs typeface="Calibri" panose="020F0502020204030204" pitchFamily="34" charset="0"/>
+              </a:rPr>
+              <a:t>Dungeon </a:t>
+            </a:r>
+            <a:r>
+              <a:rPr lang="en-US" altLang="ko-KR" sz="2000" b="1" dirty="0" smtClean="0">
+                <a:solidFill>
+                  <a:schemeClr val="bg1">
+                    <a:lumMod val="85000"/>
+                  </a:schemeClr>
+                </a:solidFill>
+                <a:latin typeface="Calibri" panose="020F0502020204030204" pitchFamily="34" charset="0"/>
+                <a:cs typeface="Calibri" panose="020F0502020204030204" pitchFamily="34" charset="0"/>
+              </a:rPr>
+              <a:t>3-3</a:t>
             </a:r>
             <a:endParaRPr lang="ko-KR" altLang="en-US" sz="2000" b="1" dirty="0">
               <a:solidFill>
@@ -29035,6 +29227,49 @@
           </a:p>
         </p:txBody>
       </p:sp>
+      <p:sp>
+        <p:nvSpPr>
+          <p:cNvPr id="5" name="Rounded Rectangle 4"/>
+          <p:cNvSpPr/>
+          <p:nvPr/>
+        </p:nvSpPr>
+        <p:spPr>
+          <a:xfrm>
+            <a:off x="856210" y="5098477"/>
+            <a:ext cx="2394065" cy="277089"/>
+          </a:xfrm>
+          <a:prstGeom prst="roundRect">
+            <a:avLst/>
+          </a:prstGeom>
+          <a:solidFill>
+            <a:srgbClr val="C00000"/>
+          </a:solidFill>
+        </p:spPr>
+        <p:style>
+          <a:lnRef idx="2">
+            <a:schemeClr val="accent1">
+              <a:shade val="50000"/>
+            </a:schemeClr>
+          </a:lnRef>
+          <a:fillRef idx="1">
+            <a:schemeClr val="accent1"/>
+          </a:fillRef>
+          <a:effectRef idx="0">
+            <a:schemeClr val="accent1"/>
+          </a:effectRef>
+          <a:fontRef idx="minor">
+            <a:schemeClr val="lt1"/>
+          </a:fontRef>
+        </p:style>
+        <p:txBody>
+          <a:bodyPr rtlCol="0" anchor="ctr"/>
+          <a:lstStyle/>
+          <a:p>
+            <a:pPr algn="ctr"/>
+            <a:endParaRPr lang="en-US"/>
+          </a:p>
+        </p:txBody>
+      </p:sp>
     </p:spTree>
     <p:extLst>
       <p:ext uri="{BB962C8B-B14F-4D97-AF65-F5344CB8AC3E}">

--- a/Projects/SW_Design/UI/UI_design.pptx
+++ b/Projects/SW_Design/UI/UI_design.pptx
@@ -278,7 +278,7 @@
           <a:p>
             <a:fld id="{EB44E886-23E1-4ADA-9C75-D80585AEE320}" type="datetimeFigureOut">
               <a:rPr lang="ko-KR" altLang="en-US" smtClean="0"/>
-              <a:t>2019-11-26</a:t>
+              <a:t>2019-12-03</a:t>
             </a:fld>
             <a:endParaRPr lang="ko-KR" altLang="en-US"/>
           </a:p>
@@ -476,7 +476,7 @@
           <a:p>
             <a:fld id="{EB44E886-23E1-4ADA-9C75-D80585AEE320}" type="datetimeFigureOut">
               <a:rPr lang="ko-KR" altLang="en-US" smtClean="0"/>
-              <a:t>2019-11-26</a:t>
+              <a:t>2019-12-03</a:t>
             </a:fld>
             <a:endParaRPr lang="ko-KR" altLang="en-US"/>
           </a:p>
@@ -684,7 +684,7 @@
           <a:p>
             <a:fld id="{EB44E886-23E1-4ADA-9C75-D80585AEE320}" type="datetimeFigureOut">
               <a:rPr lang="ko-KR" altLang="en-US" smtClean="0"/>
-              <a:t>2019-11-26</a:t>
+              <a:t>2019-12-03</a:t>
             </a:fld>
             <a:endParaRPr lang="ko-KR" altLang="en-US"/>
           </a:p>
@@ -882,7 +882,7 @@
           <a:p>
             <a:fld id="{EB44E886-23E1-4ADA-9C75-D80585AEE320}" type="datetimeFigureOut">
               <a:rPr lang="ko-KR" altLang="en-US" smtClean="0"/>
-              <a:t>2019-11-26</a:t>
+              <a:t>2019-12-03</a:t>
             </a:fld>
             <a:endParaRPr lang="ko-KR" altLang="en-US"/>
           </a:p>
@@ -1157,7 +1157,7 @@
           <a:p>
             <a:fld id="{EB44E886-23E1-4ADA-9C75-D80585AEE320}" type="datetimeFigureOut">
               <a:rPr lang="ko-KR" altLang="en-US" smtClean="0"/>
-              <a:t>2019-11-26</a:t>
+              <a:t>2019-12-03</a:t>
             </a:fld>
             <a:endParaRPr lang="ko-KR" altLang="en-US"/>
           </a:p>
@@ -1422,7 +1422,7 @@
           <a:p>
             <a:fld id="{EB44E886-23E1-4ADA-9C75-D80585AEE320}" type="datetimeFigureOut">
               <a:rPr lang="ko-KR" altLang="en-US" smtClean="0"/>
-              <a:t>2019-11-26</a:t>
+              <a:t>2019-12-03</a:t>
             </a:fld>
             <a:endParaRPr lang="ko-KR" altLang="en-US"/>
           </a:p>
@@ -1834,7 +1834,7 @@
           <a:p>
             <a:fld id="{EB44E886-23E1-4ADA-9C75-D80585AEE320}" type="datetimeFigureOut">
               <a:rPr lang="ko-KR" altLang="en-US" smtClean="0"/>
-              <a:t>2019-11-26</a:t>
+              <a:t>2019-12-03</a:t>
             </a:fld>
             <a:endParaRPr lang="ko-KR" altLang="en-US"/>
           </a:p>
@@ -1975,7 +1975,7 @@
           <a:p>
             <a:fld id="{EB44E886-23E1-4ADA-9C75-D80585AEE320}" type="datetimeFigureOut">
               <a:rPr lang="ko-KR" altLang="en-US" smtClean="0"/>
-              <a:t>2019-11-26</a:t>
+              <a:t>2019-12-03</a:t>
             </a:fld>
             <a:endParaRPr lang="ko-KR" altLang="en-US"/>
           </a:p>
@@ -2088,7 +2088,7 @@
           <a:p>
             <a:fld id="{EB44E886-23E1-4ADA-9C75-D80585AEE320}" type="datetimeFigureOut">
               <a:rPr lang="ko-KR" altLang="en-US" smtClean="0"/>
-              <a:t>2019-11-26</a:t>
+              <a:t>2019-12-03</a:t>
             </a:fld>
             <a:endParaRPr lang="ko-KR" altLang="en-US"/>
           </a:p>
@@ -2399,7 +2399,7 @@
           <a:p>
             <a:fld id="{EB44E886-23E1-4ADA-9C75-D80585AEE320}" type="datetimeFigureOut">
               <a:rPr lang="ko-KR" altLang="en-US" smtClean="0"/>
-              <a:t>2019-11-26</a:t>
+              <a:t>2019-12-03</a:t>
             </a:fld>
             <a:endParaRPr lang="ko-KR" altLang="en-US"/>
           </a:p>
@@ -2687,7 +2687,7 @@
           <a:p>
             <a:fld id="{EB44E886-23E1-4ADA-9C75-D80585AEE320}" type="datetimeFigureOut">
               <a:rPr lang="ko-KR" altLang="en-US" smtClean="0"/>
-              <a:t>2019-11-26</a:t>
+              <a:t>2019-12-03</a:t>
             </a:fld>
             <a:endParaRPr lang="ko-KR" altLang="en-US"/>
           </a:p>
@@ -2928,7 +2928,7 @@
           <a:p>
             <a:fld id="{EB44E886-23E1-4ADA-9C75-D80585AEE320}" type="datetimeFigureOut">
               <a:rPr lang="ko-KR" altLang="en-US" smtClean="0"/>
-              <a:t>2019-11-26</a:t>
+              <a:t>2019-12-03</a:t>
             </a:fld>
             <a:endParaRPr lang="ko-KR" altLang="en-US"/>
           </a:p>
@@ -13320,19 +13320,7 @@
                 <a:latin typeface="Calibri" panose="020F0502020204030204" pitchFamily="34" charset="0"/>
                 <a:cs typeface="Calibri" panose="020F0502020204030204" pitchFamily="34" charset="0"/>
               </a:rPr>
-              <a:t>Dungeon </a:t>
-            </a:r>
-            <a:r>
-              <a:rPr lang="en-US" altLang="ko-KR" sz="2000" b="1" dirty="0" smtClean="0">
-                <a:solidFill>
-                  <a:schemeClr val="bg1">
-                    <a:lumMod val="85000"/>
-                  </a:schemeClr>
-                </a:solidFill>
-                <a:latin typeface="Calibri" panose="020F0502020204030204" pitchFamily="34" charset="0"/>
-                <a:cs typeface="Calibri" panose="020F0502020204030204" pitchFamily="34" charset="0"/>
-              </a:rPr>
-              <a:t>3-1</a:t>
+              <a:t>Dungeon 3-1</a:t>
             </a:r>
             <a:endParaRPr lang="ko-KR" altLang="en-US" sz="2000" b="1" dirty="0">
               <a:solidFill>
@@ -13384,19 +13372,7 @@
                 <a:latin typeface="Calibri" panose="020F0502020204030204" pitchFamily="34" charset="0"/>
                 <a:cs typeface="Calibri" panose="020F0502020204030204" pitchFamily="34" charset="0"/>
               </a:rPr>
-              <a:t>Dungeon </a:t>
-            </a:r>
-            <a:r>
-              <a:rPr lang="en-US" altLang="ko-KR" sz="2000" b="1" smtClean="0">
-                <a:solidFill>
-                  <a:schemeClr val="bg1">
-                    <a:lumMod val="85000"/>
-                  </a:schemeClr>
-                </a:solidFill>
-                <a:latin typeface="Calibri" panose="020F0502020204030204" pitchFamily="34" charset="0"/>
-                <a:cs typeface="Calibri" panose="020F0502020204030204" pitchFamily="34" charset="0"/>
-              </a:rPr>
-              <a:t>3-2</a:t>
+              <a:t>Dungeon 3-2</a:t>
             </a:r>
             <a:endParaRPr lang="ko-KR" altLang="en-US" sz="2000" b="1" dirty="0">
               <a:solidFill>
@@ -13448,19 +13424,7 @@
                 <a:latin typeface="Calibri" panose="020F0502020204030204" pitchFamily="34" charset="0"/>
                 <a:cs typeface="Calibri" panose="020F0502020204030204" pitchFamily="34" charset="0"/>
               </a:rPr>
-              <a:t>Dungeon </a:t>
-            </a:r>
-            <a:r>
-              <a:rPr lang="en-US" altLang="ko-KR" sz="2000" b="1" dirty="0" smtClean="0">
-                <a:solidFill>
-                  <a:schemeClr val="bg1">
-                    <a:lumMod val="85000"/>
-                  </a:schemeClr>
-                </a:solidFill>
-                <a:latin typeface="Calibri" panose="020F0502020204030204" pitchFamily="34" charset="0"/>
-                <a:cs typeface="Calibri" panose="020F0502020204030204" pitchFamily="34" charset="0"/>
-              </a:rPr>
-              <a:t>3-3</a:t>
+              <a:t>Dungeon 3-3</a:t>
             </a:r>
             <a:endParaRPr lang="ko-KR" altLang="en-US" sz="2000" b="1" dirty="0">
               <a:solidFill>
@@ -15016,6 +14980,70 @@
                 <a:cs typeface="Calibri" panose="020F0502020204030204" pitchFamily="34" charset="0"/>
               </a:rPr>
               <a:t>GEMS</a:t>
+            </a:r>
+            <a:endParaRPr lang="ko-KR" altLang="en-US" sz="2000" b="1" dirty="0">
+              <a:solidFill>
+                <a:schemeClr val="bg1">
+                  <a:lumMod val="85000"/>
+                </a:schemeClr>
+              </a:solidFill>
+              <a:latin typeface="Calibri" panose="020F0502020204030204" pitchFamily="34" charset="0"/>
+              <a:cs typeface="Calibri" panose="020F0502020204030204" pitchFamily="34" charset="0"/>
+            </a:endParaRPr>
+          </a:p>
+        </p:txBody>
+      </p:sp>
+      <p:sp>
+        <p:nvSpPr>
+          <p:cNvPr id="31" name="TextBox 30">
+            <a:extLst>
+              <a:ext uri="{FF2B5EF4-FFF2-40B4-BE49-F238E27FC236}">
+                <a16:creationId xmlns:a16="http://schemas.microsoft.com/office/drawing/2014/main" id="{D98C9B6A-888D-4F62-ACC5-210E69B867A5}"/>
+              </a:ext>
+            </a:extLst>
+          </p:cNvPr>
+          <p:cNvSpPr txBox="1"/>
+          <p:nvPr/>
+        </p:nvSpPr>
+        <p:spPr>
+          <a:xfrm>
+            <a:off x="8266872" y="4020503"/>
+            <a:ext cx="1494768" cy="400110"/>
+          </a:xfrm>
+          <a:prstGeom prst="rect">
+            <a:avLst/>
+          </a:prstGeom>
+          <a:noFill/>
+        </p:spPr>
+        <p:txBody>
+          <a:bodyPr wrap="none" rtlCol="0">
+            <a:spAutoFit/>
+          </a:bodyPr>
+          <a:lstStyle/>
+          <a:p>
+            <a:r>
+              <a:rPr lang="en-US" altLang="ko-KR" sz="2000" b="1" dirty="0">
+                <a:solidFill>
+                  <a:schemeClr val="bg1">
+                    <a:lumMod val="85000"/>
+                  </a:schemeClr>
+                </a:solidFill>
+                <a:latin typeface="Calibri" panose="020F0502020204030204" pitchFamily="34" charset="0"/>
+                <a:cs typeface="Calibri" panose="020F0502020204030204" pitchFamily="34" charset="0"/>
+              </a:rPr>
+              <a:t>DUNGEON </a:t>
+            </a:r>
+            <a:r>
+              <a:rPr lang="en-US" altLang="ko-KR" sz="2000" b="1" dirty="0" smtClean="0">
+                <a:solidFill>
+                  <a:schemeClr val="bg1">
+                    <a:lumMod val="85000"/>
+                  </a:schemeClr>
+                </a:solidFill>
+                <a:latin typeface="Calibri" panose="020F0502020204030204" pitchFamily="34" charset="0"/>
+                <a:cs typeface="Calibri" panose="020F0502020204030204" pitchFamily="34" charset="0"/>
+              </a:rPr>
+              <a:t>3</a:t>
             </a:r>
             <a:endParaRPr lang="ko-KR" altLang="en-US" sz="2000" b="1" dirty="0">
               <a:solidFill>

--- a/Projects/SW_Design/UI/UI_design.pptx
+++ b/Projects/SW_Design/UI/UI_design.pptx
@@ -278,7 +278,7 @@
           <a:p>
             <a:fld id="{EB44E886-23E1-4ADA-9C75-D80585AEE320}" type="datetimeFigureOut">
               <a:rPr lang="ko-KR" altLang="en-US" smtClean="0"/>
-              <a:t>2019-12-03</a:t>
+              <a:t>2019-12-06</a:t>
             </a:fld>
             <a:endParaRPr lang="ko-KR" altLang="en-US"/>
           </a:p>
@@ -476,7 +476,7 @@
           <a:p>
             <a:fld id="{EB44E886-23E1-4ADA-9C75-D80585AEE320}" type="datetimeFigureOut">
               <a:rPr lang="ko-KR" altLang="en-US" smtClean="0"/>
-              <a:t>2019-12-03</a:t>
+              <a:t>2019-12-06</a:t>
             </a:fld>
             <a:endParaRPr lang="ko-KR" altLang="en-US"/>
           </a:p>
@@ -684,7 +684,7 @@
           <a:p>
             <a:fld id="{EB44E886-23E1-4ADA-9C75-D80585AEE320}" type="datetimeFigureOut">
               <a:rPr lang="ko-KR" altLang="en-US" smtClean="0"/>
-              <a:t>2019-12-03</a:t>
+              <a:t>2019-12-06</a:t>
             </a:fld>
             <a:endParaRPr lang="ko-KR" altLang="en-US"/>
           </a:p>
@@ -882,7 +882,7 @@
           <a:p>
             <a:fld id="{EB44E886-23E1-4ADA-9C75-D80585AEE320}" type="datetimeFigureOut">
               <a:rPr lang="ko-KR" altLang="en-US" smtClean="0"/>
-              <a:t>2019-12-03</a:t>
+              <a:t>2019-12-06</a:t>
             </a:fld>
             <a:endParaRPr lang="ko-KR" altLang="en-US"/>
           </a:p>
@@ -1157,7 +1157,7 @@
           <a:p>
             <a:fld id="{EB44E886-23E1-4ADA-9C75-D80585AEE320}" type="datetimeFigureOut">
               <a:rPr lang="ko-KR" altLang="en-US" smtClean="0"/>
-              <a:t>2019-12-03</a:t>
+              <a:t>2019-12-06</a:t>
             </a:fld>
             <a:endParaRPr lang="ko-KR" altLang="en-US"/>
           </a:p>
@@ -1422,7 +1422,7 @@
           <a:p>
             <a:fld id="{EB44E886-23E1-4ADA-9C75-D80585AEE320}" type="datetimeFigureOut">
               <a:rPr lang="ko-KR" altLang="en-US" smtClean="0"/>
-              <a:t>2019-12-03</a:t>
+              <a:t>2019-12-06</a:t>
             </a:fld>
             <a:endParaRPr lang="ko-KR" altLang="en-US"/>
           </a:p>
@@ -1834,7 +1834,7 @@
           <a:p>
             <a:fld id="{EB44E886-23E1-4ADA-9C75-D80585AEE320}" type="datetimeFigureOut">
               <a:rPr lang="ko-KR" altLang="en-US" smtClean="0"/>
-              <a:t>2019-12-03</a:t>
+              <a:t>2019-12-06</a:t>
             </a:fld>
             <a:endParaRPr lang="ko-KR" altLang="en-US"/>
           </a:p>
@@ -1975,7 +1975,7 @@
           <a:p>
             <a:fld id="{EB44E886-23E1-4ADA-9C75-D80585AEE320}" type="datetimeFigureOut">
               <a:rPr lang="ko-KR" altLang="en-US" smtClean="0"/>
-              <a:t>2019-12-03</a:t>
+              <a:t>2019-12-06</a:t>
             </a:fld>
             <a:endParaRPr lang="ko-KR" altLang="en-US"/>
           </a:p>
@@ -2088,7 +2088,7 @@
           <a:p>
             <a:fld id="{EB44E886-23E1-4ADA-9C75-D80585AEE320}" type="datetimeFigureOut">
               <a:rPr lang="ko-KR" altLang="en-US" smtClean="0"/>
-              <a:t>2019-12-03</a:t>
+              <a:t>2019-12-06</a:t>
             </a:fld>
             <a:endParaRPr lang="ko-KR" altLang="en-US"/>
           </a:p>
@@ -2399,7 +2399,7 @@
           <a:p>
             <a:fld id="{EB44E886-23E1-4ADA-9C75-D80585AEE320}" type="datetimeFigureOut">
               <a:rPr lang="ko-KR" altLang="en-US" smtClean="0"/>
-              <a:t>2019-12-03</a:t>
+              <a:t>2019-12-06</a:t>
             </a:fld>
             <a:endParaRPr lang="ko-KR" altLang="en-US"/>
           </a:p>
@@ -2687,7 +2687,7 @@
           <a:p>
             <a:fld id="{EB44E886-23E1-4ADA-9C75-D80585AEE320}" type="datetimeFigureOut">
               <a:rPr lang="ko-KR" altLang="en-US" smtClean="0"/>
-              <a:t>2019-12-03</a:t>
+              <a:t>2019-12-06</a:t>
             </a:fld>
             <a:endParaRPr lang="ko-KR" altLang="en-US"/>
           </a:p>
@@ -2928,7 +2928,7 @@
           <a:p>
             <a:fld id="{EB44E886-23E1-4ADA-9C75-D80585AEE320}" type="datetimeFigureOut">
               <a:rPr lang="ko-KR" altLang="en-US" smtClean="0"/>
-              <a:t>2019-12-03</a:t>
+              <a:t>2019-12-06</a:t>
             </a:fld>
             <a:endParaRPr lang="ko-KR" altLang="en-US"/>
           </a:p>
@@ -15057,6 +15057,110 @@
           </a:p>
         </p:txBody>
       </p:sp>
+      <p:sp>
+        <p:nvSpPr>
+          <p:cNvPr id="32" name="TextBox 31">
+            <a:extLst>
+              <a:ext uri="{FF2B5EF4-FFF2-40B4-BE49-F238E27FC236}">
+                <a16:creationId xmlns:a16="http://schemas.microsoft.com/office/drawing/2014/main" id="{0EA9CDE2-3571-45F7-8E62-5CB5B809D8F8}"/>
+              </a:ext>
+            </a:extLst>
+          </p:cNvPr>
+          <p:cNvSpPr txBox="1"/>
+          <p:nvPr/>
+        </p:nvSpPr>
+        <p:spPr>
+          <a:xfrm>
+            <a:off x="5119632" y="5938745"/>
+            <a:ext cx="649537" cy="400110"/>
+          </a:xfrm>
+          <a:prstGeom prst="rect">
+            <a:avLst/>
+          </a:prstGeom>
+          <a:noFill/>
+        </p:spPr>
+        <p:txBody>
+          <a:bodyPr wrap="none" rtlCol="0">
+            <a:spAutoFit/>
+          </a:bodyPr>
+          <a:lstStyle/>
+          <a:p>
+            <a:r>
+              <a:rPr lang="en-US" altLang="ko-KR" sz="2000" b="1" dirty="0" smtClean="0">
+                <a:solidFill>
+                  <a:schemeClr val="bg1">
+                    <a:lumMod val="85000"/>
+                  </a:schemeClr>
+                </a:solidFill>
+                <a:latin typeface="Calibri" panose="020F0502020204030204" pitchFamily="34" charset="0"/>
+                <a:cs typeface="Calibri" panose="020F0502020204030204" pitchFamily="34" charset="0"/>
+              </a:rPr>
+              <a:t>Quit</a:t>
+            </a:r>
+            <a:endParaRPr lang="ko-KR" altLang="en-US" sz="2000" b="1" dirty="0">
+              <a:solidFill>
+                <a:schemeClr val="bg1">
+                  <a:lumMod val="85000"/>
+                </a:schemeClr>
+              </a:solidFill>
+              <a:latin typeface="Calibri" panose="020F0502020204030204" pitchFamily="34" charset="0"/>
+              <a:cs typeface="Calibri" panose="020F0502020204030204" pitchFamily="34" charset="0"/>
+            </a:endParaRPr>
+          </a:p>
+        </p:txBody>
+      </p:sp>
+      <p:sp>
+        <p:nvSpPr>
+          <p:cNvPr id="33" name="TextBox 32">
+            <a:extLst>
+              <a:ext uri="{FF2B5EF4-FFF2-40B4-BE49-F238E27FC236}">
+                <a16:creationId xmlns:a16="http://schemas.microsoft.com/office/drawing/2014/main" id="{0EA9CDE2-3571-45F7-8E62-5CB5B809D8F8}"/>
+              </a:ext>
+            </a:extLst>
+          </p:cNvPr>
+          <p:cNvSpPr txBox="1"/>
+          <p:nvPr/>
+        </p:nvSpPr>
+        <p:spPr>
+          <a:xfrm>
+            <a:off x="6639048" y="5959378"/>
+            <a:ext cx="885179" cy="400110"/>
+          </a:xfrm>
+          <a:prstGeom prst="rect">
+            <a:avLst/>
+          </a:prstGeom>
+          <a:noFill/>
+        </p:spPr>
+        <p:txBody>
+          <a:bodyPr wrap="none" rtlCol="0">
+            <a:spAutoFit/>
+          </a:bodyPr>
+          <a:lstStyle/>
+          <a:p>
+            <a:r>
+              <a:rPr lang="en-US" altLang="ko-KR" sz="2000" b="1" dirty="0" smtClean="0">
+                <a:solidFill>
+                  <a:schemeClr val="bg1">
+                    <a:lumMod val="85000"/>
+                  </a:schemeClr>
+                </a:solidFill>
+                <a:latin typeface="Calibri" panose="020F0502020204030204" pitchFamily="34" charset="0"/>
+                <a:cs typeface="Calibri" panose="020F0502020204030204" pitchFamily="34" charset="0"/>
+              </a:rPr>
+              <a:t>Cancel</a:t>
+            </a:r>
+            <a:endParaRPr lang="ko-KR" altLang="en-US" sz="2000" b="1" dirty="0">
+              <a:solidFill>
+                <a:schemeClr val="bg1">
+                  <a:lumMod val="85000"/>
+                </a:schemeClr>
+              </a:solidFill>
+              <a:latin typeface="Calibri" panose="020F0502020204030204" pitchFamily="34" charset="0"/>
+              <a:cs typeface="Calibri" panose="020F0502020204030204" pitchFamily="34" charset="0"/>
+            </a:endParaRPr>
+          </a:p>
+        </p:txBody>
+      </p:sp>
     </p:spTree>
     <p:extLst>
       <p:ext uri="{BB962C8B-B14F-4D97-AF65-F5344CB8AC3E}">
